--- a/asset/Learn/ITA-export-import_classroom_lecture_en.pptx
+++ b/asset/Learn/ITA-export-import_classroom_lecture_en.pptx
@@ -312,7 +312,7 @@
               <a:rPr kumimoji="1" lang="ja-JP" altLang="en-US" smtClean="0">
                 <a:ea typeface="メイリオ" panose="020B0604030504040204" pitchFamily="50" charset="-128"/>
               </a:rPr>
-              <a:t>2021/12/9</a:t>
+              <a:t>2022/1/28</a:t>
             </a:fld>
             <a:endParaRPr kumimoji="1" lang="ja-JP" altLang="en-US" dirty="0">
               <a:ea typeface="メイリオ" panose="020B0604030504040204" pitchFamily="50" charset="-128"/>
@@ -458,7 +458,7 @@
             <a:fld id="{4B26993D-C081-44EB-B0F5-A9F467792B62}" type="datetimeFigureOut">
               <a:rPr lang="ja-JP" altLang="en-US" smtClean="0"/>
               <a:pPr/>
-              <a:t>2021/12/9</a:t>
+              <a:t>2022/1/28</a:t>
             </a:fld>
             <a:endParaRPr lang="ja-JP" altLang="en-US" dirty="0"/>
           </a:p>
@@ -1719,7 +1719,7 @@
           <a:p>
             <a:fld id="{56F9016B-CCA6-43BE-8BEE-59565A35F4F7}" type="datetimeFigureOut">
               <a:rPr kumimoji="1" lang="ja-JP" altLang="en-US" smtClean="0"/>
-              <a:t>2021/12/9</a:t>
+              <a:t>2022/1/28</a:t>
             </a:fld>
             <a:endParaRPr kumimoji="1" lang="ja-JP" altLang="en-US"/>
           </a:p>
@@ -1921,7 +1921,7 @@
           <a:p>
             <a:fld id="{56F9016B-CCA6-43BE-8BEE-59565A35F4F7}" type="datetimeFigureOut">
               <a:rPr kumimoji="1" lang="ja-JP" altLang="en-US" smtClean="0"/>
-              <a:t>2021/12/9</a:t>
+              <a:t>2022/1/28</a:t>
             </a:fld>
             <a:endParaRPr kumimoji="1" lang="ja-JP" altLang="en-US"/>
           </a:p>
@@ -2167,7 +2167,7 @@
           <a:p>
             <a:fld id="{56F9016B-CCA6-43BE-8BEE-59565A35F4F7}" type="datetimeFigureOut">
               <a:rPr kumimoji="1" lang="ja-JP" altLang="en-US" smtClean="0"/>
-              <a:t>2021/12/9</a:t>
+              <a:t>2022/1/28</a:t>
             </a:fld>
             <a:endParaRPr kumimoji="1" lang="ja-JP" altLang="en-US"/>
           </a:p>
@@ -2463,7 +2463,7 @@
           <a:p>
             <a:fld id="{56F9016B-CCA6-43BE-8BEE-59565A35F4F7}" type="datetimeFigureOut">
               <a:rPr kumimoji="1" lang="ja-JP" altLang="en-US" smtClean="0"/>
-              <a:t>2021/12/9</a:t>
+              <a:t>2022/1/28</a:t>
             </a:fld>
             <a:endParaRPr kumimoji="1" lang="ja-JP" altLang="en-US"/>
           </a:p>
@@ -2894,7 +2894,7 @@
           <a:p>
             <a:fld id="{56F9016B-CCA6-43BE-8BEE-59565A35F4F7}" type="datetimeFigureOut">
               <a:rPr kumimoji="1" lang="ja-JP" altLang="en-US" smtClean="0"/>
-              <a:t>2021/12/9</a:t>
+              <a:t>2022/1/28</a:t>
             </a:fld>
             <a:endParaRPr kumimoji="1" lang="ja-JP" altLang="en-US"/>
           </a:p>
@@ -3012,7 +3012,7 @@
           <a:p>
             <a:fld id="{56F9016B-CCA6-43BE-8BEE-59565A35F4F7}" type="datetimeFigureOut">
               <a:rPr kumimoji="1" lang="ja-JP" altLang="en-US" smtClean="0"/>
-              <a:t>2021/12/9</a:t>
+              <a:t>2022/1/28</a:t>
             </a:fld>
             <a:endParaRPr kumimoji="1" lang="ja-JP" altLang="en-US"/>
           </a:p>
@@ -3107,7 +3107,7 @@
           <a:p>
             <a:fld id="{56F9016B-CCA6-43BE-8BEE-59565A35F4F7}" type="datetimeFigureOut">
               <a:rPr kumimoji="1" lang="ja-JP" altLang="en-US" smtClean="0"/>
-              <a:t>2021/12/9</a:t>
+              <a:t>2022/1/28</a:t>
             </a:fld>
             <a:endParaRPr kumimoji="1" lang="ja-JP" altLang="en-US"/>
           </a:p>
@@ -3416,7 +3416,7 @@
           <a:p>
             <a:fld id="{56F9016B-CCA6-43BE-8BEE-59565A35F4F7}" type="datetimeFigureOut">
               <a:rPr kumimoji="1" lang="ja-JP" altLang="en-US" smtClean="0"/>
-              <a:t>2021/12/9</a:t>
+              <a:t>2022/1/28</a:t>
             </a:fld>
             <a:endParaRPr kumimoji="1" lang="ja-JP" altLang="en-US"/>
           </a:p>
@@ -3669,7 +3669,7 @@
           <a:p>
             <a:fld id="{56F9016B-CCA6-43BE-8BEE-59565A35F4F7}" type="datetimeFigureOut">
               <a:rPr kumimoji="1" lang="ja-JP" altLang="en-US" smtClean="0"/>
-              <a:t>2021/12/9</a:t>
+              <a:t>2022/1/28</a:t>
             </a:fld>
             <a:endParaRPr kumimoji="1" lang="ja-JP" altLang="en-US"/>
           </a:p>
@@ -3946,7 +3946,7 @@
           <a:p>
             <a:fld id="{56F9016B-CCA6-43BE-8BEE-59565A35F4F7}" type="datetimeFigureOut">
               <a:rPr kumimoji="1" lang="ja-JP" altLang="en-US" smtClean="0"/>
-              <a:t>2021/12/9</a:t>
+              <a:t>2022/1/28</a:t>
             </a:fld>
             <a:endParaRPr kumimoji="1" lang="ja-JP" altLang="en-US"/>
           </a:p>
@@ -4158,7 +4158,7 @@
           <a:p>
             <a:fld id="{56F9016B-CCA6-43BE-8BEE-59565A35F4F7}" type="datetimeFigureOut">
               <a:rPr kumimoji="1" lang="ja-JP" altLang="en-US" smtClean="0"/>
-              <a:t>2021/12/9</a:t>
+              <a:t>2022/1/28</a:t>
             </a:fld>
             <a:endParaRPr kumimoji="1" lang="ja-JP" altLang="en-US"/>
           </a:p>
@@ -7217,7 +7217,7 @@
           <a:p>
             <a:fld id="{56F9016B-CCA6-43BE-8BEE-59565A35F4F7}" type="datetimeFigureOut">
               <a:rPr kumimoji="1" lang="ja-JP" altLang="en-US" smtClean="0"/>
-              <a:t>2021/12/9</a:t>
+              <a:t>2022/1/28</a:t>
             </a:fld>
             <a:endParaRPr kumimoji="1" lang="ja-JP" altLang="en-US"/>
           </a:p>
@@ -7650,8 +7650,8 @@
           <a:lstStyle/>
           <a:p>
             <a:r>
-              <a:rPr lang="en-US" altLang="ja-JP" dirty="0" smtClean="0"/>
-              <a:t>Version 1.8.0</a:t>
+              <a:rPr lang="en-US" altLang="ja-JP" dirty="0"/>
+              <a:t>Exastro IT Automation Version 1.9</a:t>
             </a:r>
           </a:p>
           <a:p>
@@ -16298,7 +16298,7 @@
       </p:grpSpPr>
       <p:pic>
         <p:nvPicPr>
-          <p:cNvPr id="4" name="図 3"/>
+          <p:cNvPr id="7" name="図 6"/>
           <p:cNvPicPr>
             <a:picLocks noChangeAspect="1"/>
           </p:cNvPicPr>
@@ -16312,8 +16312,8 @@
         </p:blipFill>
         <p:spPr>
           <a:xfrm>
-            <a:off x="323410" y="1916790"/>
-            <a:ext cx="7211132" cy="3816530"/>
+            <a:off x="323410" y="1916791"/>
+            <a:ext cx="7102345" cy="3816530"/>
           </a:xfrm>
           <a:prstGeom prst="rect">
             <a:avLst/>
@@ -19253,10 +19253,6 @@
               <a:rPr lang="en-US" altLang="ja-JP" dirty="0"/>
               <a:t>n</a:t>
             </a:r>
-            <a:r>
-              <a:rPr lang="en-US" altLang="ja-JP" dirty="0"/>
-              <a:t/>
-            </a:r>
             <a:br>
               <a:rPr lang="en-US" altLang="ja-JP" dirty="0"/>
             </a:br>
@@ -19366,7 +19362,6 @@
               <a:rPr lang="en-US" altLang="ja-JP" dirty="0" smtClean="0"/>
               <a:t>bulk export/import function</a:t>
             </a:r>
-            <a:endParaRPr lang="en-US" altLang="ja-JP" dirty="0" smtClean="0"/>
           </a:p>
           <a:p>
             <a:pPr marL="800100" lvl="1" indent="-342900">
@@ -19581,16 +19576,15 @@
           </p:cNvPicPr>
           <p:nvPr/>
         </p:nvPicPr>
-        <p:blipFill>
+        <p:blipFill rotWithShape="1">
           <a:blip r:embed="rId2"/>
-          <a:stretch>
-            <a:fillRect/>
-          </a:stretch>
+          <a:srcRect r="10636" b="1786"/>
+          <a:stretch/>
         </p:blipFill>
         <p:spPr>
           <a:xfrm>
             <a:off x="611450" y="2276876"/>
-            <a:ext cx="8541578" cy="4032524"/>
+            <a:ext cx="7633060" cy="3960514"/>
           </a:xfrm>
           <a:prstGeom prst="rect">
             <a:avLst/>
@@ -20421,25 +20415,29 @@
               <a:buNone/>
             </a:pPr>
             <a:r>
-              <a:rPr lang="en-US" altLang="ja-JP" dirty="0"/>
+              <a:rPr lang="en-US" altLang="ja-JP" dirty="0" smtClean="0"/>
               <a:t>By using the "Export/Import" function, users can move Data registered in one ITA System (Parameter sheets, Conductor, Playbooks, </a:t>
             </a:r>
             <a:r>
-              <a:rPr lang="en-US" altLang="ja-JP" dirty="0" err="1"/>
+              <a:rPr lang="en-US" altLang="ja-JP" dirty="0" err="1" smtClean="0"/>
               <a:t>etc</a:t>
             </a:r>
             <a:r>
-              <a:rPr lang="en-US" altLang="ja-JP" dirty="0"/>
+              <a:rPr lang="en-US" altLang="ja-JP" dirty="0" smtClean="0"/>
               <a:t>) to a different ITA server.</a:t>
             </a:r>
             <a:r>
-              <a:rPr lang="en-US" altLang="ja-JP" sz="1000" dirty="0"/>
+              <a:rPr lang="en-US" altLang="ja-JP" sz="1000" dirty="0" smtClean="0"/>
               <a:t/>
             </a:r>
             <a:br>
-              <a:rPr lang="en-US" altLang="ja-JP" sz="1000" dirty="0"/>
+              <a:rPr lang="en-US" altLang="ja-JP" sz="1000" dirty="0" smtClean="0"/>
             </a:br>
-            <a:endParaRPr lang="en-US" altLang="ja-JP" sz="1000" dirty="0"/>
+            <a:r>
+              <a:rPr lang="en-US" altLang="ja-JP" dirty="0" smtClean="0"/>
+              <a:t>Importing existing menus will overwrite the previously existing menus.</a:t>
+            </a:r>
+            <a:endParaRPr lang="en-US" altLang="ja-JP" dirty="0"/>
           </a:p>
         </p:txBody>
       </p:sp>
@@ -26528,7 +26526,7 @@
       </p:grpSpPr>
       <p:pic>
         <p:nvPicPr>
-          <p:cNvPr id="5" name="図 4"/>
+          <p:cNvPr id="4" name="図 3"/>
           <p:cNvPicPr>
             <a:picLocks noChangeAspect="1"/>
           </p:cNvPicPr>
@@ -26542,8 +26540,8 @@
         </p:blipFill>
         <p:spPr>
           <a:xfrm>
-            <a:off x="611450" y="2182540"/>
-            <a:ext cx="7561050" cy="4009506"/>
+            <a:off x="611450" y="2182541"/>
+            <a:ext cx="7561050" cy="4065662"/>
           </a:xfrm>
           <a:prstGeom prst="rect">
             <a:avLst/>

--- a/asset/Learn/ITA-export-import_classroom_lecture_en.pptx
+++ b/asset/Learn/ITA-export-import_classroom_lecture_en.pptx
@@ -6,10 +6,10 @@
     <p:sldMasterId id="2147483703" r:id="rId2"/>
   </p:sldMasterIdLst>
   <p:notesMasterIdLst>
-    <p:notesMasterId r:id="rId23"/>
+    <p:notesMasterId r:id="rId26"/>
   </p:notesMasterIdLst>
   <p:handoutMasterIdLst>
-    <p:handoutMasterId r:id="rId24"/>
+    <p:handoutMasterId r:id="rId27"/>
   </p:handoutMasterIdLst>
   <p:sldIdLst>
     <p:sldId id="262" r:id="rId3"/>
@@ -23,15 +23,18 @@
     <p:sldId id="701" r:id="rId11"/>
     <p:sldId id="702" r:id="rId12"/>
     <p:sldId id="703" r:id="rId13"/>
-    <p:sldId id="714" r:id="rId14"/>
-    <p:sldId id="715" r:id="rId15"/>
-    <p:sldId id="716" r:id="rId16"/>
-    <p:sldId id="717" r:id="rId17"/>
-    <p:sldId id="718" r:id="rId18"/>
-    <p:sldId id="719" r:id="rId19"/>
-    <p:sldId id="720" r:id="rId20"/>
-    <p:sldId id="721" r:id="rId21"/>
-    <p:sldId id="318" r:id="rId22"/>
+    <p:sldId id="722" r:id="rId14"/>
+    <p:sldId id="723" r:id="rId15"/>
+    <p:sldId id="724" r:id="rId16"/>
+    <p:sldId id="714" r:id="rId17"/>
+    <p:sldId id="715" r:id="rId18"/>
+    <p:sldId id="716" r:id="rId19"/>
+    <p:sldId id="717" r:id="rId20"/>
+    <p:sldId id="718" r:id="rId21"/>
+    <p:sldId id="719" r:id="rId22"/>
+    <p:sldId id="720" r:id="rId23"/>
+    <p:sldId id="721" r:id="rId24"/>
+    <p:sldId id="318" r:id="rId25"/>
   </p:sldIdLst>
   <p:sldSz cx="9144000" cy="6858000" type="screen4x3"/>
   <p:notesSz cx="6807200" cy="9939338"/>
@@ -155,6 +158,9 @@
             <p14:sldId id="701"/>
             <p14:sldId id="702"/>
             <p14:sldId id="703"/>
+            <p14:sldId id="722"/>
+            <p14:sldId id="723"/>
+            <p14:sldId id="724"/>
             <p14:sldId id="714"/>
             <p14:sldId id="715"/>
             <p14:sldId id="716"/>
@@ -312,7 +318,7 @@
               <a:rPr kumimoji="1" lang="ja-JP" altLang="en-US" smtClean="0">
                 <a:ea typeface="メイリオ" panose="020B0604030504040204" pitchFamily="50" charset="-128"/>
               </a:rPr>
-              <a:t>2022/1/28</a:t>
+              <a:t>2022/7/1</a:t>
             </a:fld>
             <a:endParaRPr kumimoji="1" lang="ja-JP" altLang="en-US" dirty="0">
               <a:ea typeface="メイリオ" panose="020B0604030504040204" pitchFamily="50" charset="-128"/>
@@ -458,7 +464,7 @@
             <a:fld id="{4B26993D-C081-44EB-B0F5-A9F467792B62}" type="datetimeFigureOut">
               <a:rPr lang="ja-JP" altLang="en-US" smtClean="0"/>
               <a:pPr/>
-              <a:t>2022/1/28</a:t>
+              <a:t>2022/7/1</a:t>
             </a:fld>
             <a:endParaRPr lang="ja-JP" altLang="en-US" dirty="0"/>
           </a:p>
@@ -764,6 +770,96 @@
 </p:notes>
 </file>
 
+<file path=ppt/notesSlides/notesSlide10.xml><?xml version="1.0" encoding="utf-8"?>
+<p:notes xmlns:a="http://schemas.openxmlformats.org/drawingml/2006/main" xmlns:r="http://schemas.openxmlformats.org/officeDocument/2006/relationships" xmlns:p="http://schemas.openxmlformats.org/presentationml/2006/main">
+  <p:cSld>
+    <p:spTree>
+      <p:nvGrpSpPr>
+        <p:cNvPr id="1" name=""/>
+        <p:cNvGrpSpPr/>
+        <p:nvPr/>
+      </p:nvGrpSpPr>
+      <p:grpSpPr>
+        <a:xfrm>
+          <a:off x="0" y="0"/>
+          <a:ext cx="0" cy="0"/>
+          <a:chOff x="0" y="0"/>
+          <a:chExt cx="0" cy="0"/>
+        </a:xfrm>
+      </p:grpSpPr>
+      <p:sp>
+        <p:nvSpPr>
+          <p:cNvPr id="2" name="スライド イメージ プレースホルダー 1"/>
+          <p:cNvSpPr>
+            <a:spLocks noGrp="1" noRot="1" noChangeAspect="1"/>
+          </p:cNvSpPr>
+          <p:nvPr>
+            <p:ph type="sldImg"/>
+          </p:nvPr>
+        </p:nvSpPr>
+        <p:spPr>
+          <a:xfrm>
+            <a:off x="920750" y="431800"/>
+            <a:ext cx="4965700" cy="3725863"/>
+          </a:xfrm>
+        </p:spPr>
+      </p:sp>
+      <p:sp>
+        <p:nvSpPr>
+          <p:cNvPr id="3" name="ノート プレースホルダー 2"/>
+          <p:cNvSpPr>
+            <a:spLocks noGrp="1"/>
+          </p:cNvSpPr>
+          <p:nvPr>
+            <p:ph type="body" idx="1"/>
+          </p:nvPr>
+        </p:nvSpPr>
+        <p:spPr/>
+        <p:txBody>
+          <a:bodyPr/>
+          <a:lstStyle/>
+          <a:p>
+            <a:endParaRPr kumimoji="1" lang="ja-JP" altLang="en-US" dirty="0"/>
+          </a:p>
+        </p:txBody>
+      </p:sp>
+      <p:sp>
+        <p:nvSpPr>
+          <p:cNvPr id="4" name="スライド番号プレースホルダー 3"/>
+          <p:cNvSpPr>
+            <a:spLocks noGrp="1"/>
+          </p:cNvSpPr>
+          <p:nvPr>
+            <p:ph type="sldNum" sz="quarter" idx="10"/>
+          </p:nvPr>
+        </p:nvSpPr>
+        <p:spPr/>
+        <p:txBody>
+          <a:bodyPr/>
+          <a:lstStyle/>
+          <a:p>
+            <a:fld id="{CFBBA293-708C-4261-9FD1-AE04041D5F79}" type="slidenum">
+              <a:rPr lang="ja-JP" altLang="en-US" smtClean="0"/>
+              <a:pPr/>
+              <a:t>18</a:t>
+            </a:fld>
+            <a:endParaRPr lang="ja-JP" altLang="en-US" dirty="0"/>
+          </a:p>
+        </p:txBody>
+      </p:sp>
+    </p:spTree>
+    <p:extLst>
+      <p:ext uri="{BB962C8B-B14F-4D97-AF65-F5344CB8AC3E}">
+        <p14:creationId xmlns:p14="http://schemas.microsoft.com/office/powerpoint/2010/main" val="482785393"/>
+      </p:ext>
+    </p:extLst>
+  </p:cSld>
+  <p:clrMapOvr>
+    <a:masterClrMapping/>
+  </p:clrMapOvr>
+</p:notes>
+</file>
+
 <file path=ppt/notesSlides/notesSlide2.xml><?xml version="1.0" encoding="utf-8"?>
 <p:notes xmlns:a="http://schemas.openxmlformats.org/drawingml/2006/main" xmlns:r="http://schemas.openxmlformats.org/officeDocument/2006/relationships" xmlns:p="http://schemas.openxmlformats.org/presentationml/2006/main">
   <p:cSld>
@@ -1173,11 +1269,7 @@
           <a:bodyPr/>
           <a:lstStyle/>
           <a:p>
-            <a:r>
-              <a:rPr kumimoji="1" lang="ja-JP" altLang="en-US" dirty="0" smtClean="0"/>
-              <a:t>説明文追加</a:t>
-            </a:r>
-            <a:endParaRPr kumimoji="1" lang="ja-JP" altLang="en-US" dirty="0"/>
+            <a:endParaRPr kumimoji="1" lang="ja-JP" altLang="en-US"/>
           </a:p>
         </p:txBody>
       </p:sp>
@@ -1199,7 +1291,7 @@
             <a:fld id="{CFBBA293-708C-4261-9FD1-AE04041D5F79}" type="slidenum">
               <a:rPr lang="ja-JP" altLang="en-US" smtClean="0"/>
               <a:pPr/>
-              <a:t>14</a:t>
+              <a:t>12</a:t>
             </a:fld>
             <a:endParaRPr lang="ja-JP" altLang="en-US" dirty="0"/>
           </a:p>
@@ -1208,7 +1300,7 @@
     </p:spTree>
     <p:extLst>
       <p:ext uri="{BB962C8B-B14F-4D97-AF65-F5344CB8AC3E}">
-        <p14:creationId xmlns:p14="http://schemas.microsoft.com/office/powerpoint/2010/main" val="1030939440"/>
+        <p14:creationId xmlns:p14="http://schemas.microsoft.com/office/powerpoint/2010/main" val="3986349356"/>
       </p:ext>
     </p:extLst>
   </p:cSld>
@@ -1267,7 +1359,7 @@
           <a:bodyPr/>
           <a:lstStyle/>
           <a:p>
-            <a:endParaRPr kumimoji="1" lang="ja-JP" altLang="en-US" dirty="0"/>
+            <a:endParaRPr kumimoji="1" lang="en-US" altLang="ja-JP" dirty="0"/>
           </a:p>
         </p:txBody>
       </p:sp>
@@ -1289,7 +1381,7 @@
             <a:fld id="{CFBBA293-708C-4261-9FD1-AE04041D5F79}" type="slidenum">
               <a:rPr lang="ja-JP" altLang="en-US" smtClean="0"/>
               <a:pPr/>
-              <a:t>15</a:t>
+              <a:t>13</a:t>
             </a:fld>
             <a:endParaRPr lang="ja-JP" altLang="en-US" dirty="0"/>
           </a:p>
@@ -1298,7 +1390,191 @@
     </p:spTree>
     <p:extLst>
       <p:ext uri="{BB962C8B-B14F-4D97-AF65-F5344CB8AC3E}">
-        <p14:creationId xmlns:p14="http://schemas.microsoft.com/office/powerpoint/2010/main" val="482785393"/>
+        <p14:creationId xmlns:p14="http://schemas.microsoft.com/office/powerpoint/2010/main" val="3197465681"/>
+      </p:ext>
+    </p:extLst>
+  </p:cSld>
+  <p:clrMapOvr>
+    <a:masterClrMapping/>
+  </p:clrMapOvr>
+</p:notes>
+</file>
+
+<file path=ppt/notesSlides/notesSlide8.xml><?xml version="1.0" encoding="utf-8"?>
+<p:notes xmlns:a="http://schemas.openxmlformats.org/drawingml/2006/main" xmlns:r="http://schemas.openxmlformats.org/officeDocument/2006/relationships" xmlns:p="http://schemas.openxmlformats.org/presentationml/2006/main">
+  <p:cSld>
+    <p:spTree>
+      <p:nvGrpSpPr>
+        <p:cNvPr id="1" name=""/>
+        <p:cNvGrpSpPr/>
+        <p:nvPr/>
+      </p:nvGrpSpPr>
+      <p:grpSpPr>
+        <a:xfrm>
+          <a:off x="0" y="0"/>
+          <a:ext cx="0" cy="0"/>
+          <a:chOff x="0" y="0"/>
+          <a:chExt cx="0" cy="0"/>
+        </a:xfrm>
+      </p:grpSpPr>
+      <p:sp>
+        <p:nvSpPr>
+          <p:cNvPr id="2" name="スライド イメージ プレースホルダー 1"/>
+          <p:cNvSpPr>
+            <a:spLocks noGrp="1" noRot="1" noChangeAspect="1"/>
+          </p:cNvSpPr>
+          <p:nvPr>
+            <p:ph type="sldImg"/>
+          </p:nvPr>
+        </p:nvSpPr>
+        <p:spPr>
+          <a:xfrm>
+            <a:off x="920750" y="431800"/>
+            <a:ext cx="4965700" cy="3725863"/>
+          </a:xfrm>
+        </p:spPr>
+      </p:sp>
+      <p:sp>
+        <p:nvSpPr>
+          <p:cNvPr id="3" name="ノート プレースホルダー 2"/>
+          <p:cNvSpPr>
+            <a:spLocks noGrp="1"/>
+          </p:cNvSpPr>
+          <p:nvPr>
+            <p:ph type="body" idx="1"/>
+          </p:nvPr>
+        </p:nvSpPr>
+        <p:spPr/>
+        <p:txBody>
+          <a:bodyPr/>
+          <a:lstStyle/>
+          <a:p>
+            <a:endParaRPr kumimoji="1" lang="en-US" altLang="ja-JP" dirty="0"/>
+          </a:p>
+        </p:txBody>
+      </p:sp>
+      <p:sp>
+        <p:nvSpPr>
+          <p:cNvPr id="4" name="スライド番号プレースホルダー 3"/>
+          <p:cNvSpPr>
+            <a:spLocks noGrp="1"/>
+          </p:cNvSpPr>
+          <p:nvPr>
+            <p:ph type="sldNum" sz="quarter" idx="10"/>
+          </p:nvPr>
+        </p:nvSpPr>
+        <p:spPr/>
+        <p:txBody>
+          <a:bodyPr/>
+          <a:lstStyle/>
+          <a:p>
+            <a:fld id="{CFBBA293-708C-4261-9FD1-AE04041D5F79}" type="slidenum">
+              <a:rPr lang="ja-JP" altLang="en-US" smtClean="0"/>
+              <a:pPr/>
+              <a:t>14</a:t>
+            </a:fld>
+            <a:endParaRPr lang="ja-JP" altLang="en-US" dirty="0"/>
+          </a:p>
+        </p:txBody>
+      </p:sp>
+    </p:spTree>
+    <p:extLst>
+      <p:ext uri="{BB962C8B-B14F-4D97-AF65-F5344CB8AC3E}">
+        <p14:creationId xmlns:p14="http://schemas.microsoft.com/office/powerpoint/2010/main" val="1764225987"/>
+      </p:ext>
+    </p:extLst>
+  </p:cSld>
+  <p:clrMapOvr>
+    <a:masterClrMapping/>
+  </p:clrMapOvr>
+</p:notes>
+</file>
+
+<file path=ppt/notesSlides/notesSlide9.xml><?xml version="1.0" encoding="utf-8"?>
+<p:notes xmlns:a="http://schemas.openxmlformats.org/drawingml/2006/main" xmlns:r="http://schemas.openxmlformats.org/officeDocument/2006/relationships" xmlns:p="http://schemas.openxmlformats.org/presentationml/2006/main">
+  <p:cSld>
+    <p:spTree>
+      <p:nvGrpSpPr>
+        <p:cNvPr id="1" name=""/>
+        <p:cNvGrpSpPr/>
+        <p:nvPr/>
+      </p:nvGrpSpPr>
+      <p:grpSpPr>
+        <a:xfrm>
+          <a:off x="0" y="0"/>
+          <a:ext cx="0" cy="0"/>
+          <a:chOff x="0" y="0"/>
+          <a:chExt cx="0" cy="0"/>
+        </a:xfrm>
+      </p:grpSpPr>
+      <p:sp>
+        <p:nvSpPr>
+          <p:cNvPr id="2" name="スライド イメージ プレースホルダー 1"/>
+          <p:cNvSpPr>
+            <a:spLocks noGrp="1" noRot="1" noChangeAspect="1"/>
+          </p:cNvSpPr>
+          <p:nvPr>
+            <p:ph type="sldImg"/>
+          </p:nvPr>
+        </p:nvSpPr>
+        <p:spPr>
+          <a:xfrm>
+            <a:off x="920750" y="431800"/>
+            <a:ext cx="4965700" cy="3725863"/>
+          </a:xfrm>
+        </p:spPr>
+      </p:sp>
+      <p:sp>
+        <p:nvSpPr>
+          <p:cNvPr id="3" name="ノート プレースホルダー 2"/>
+          <p:cNvSpPr>
+            <a:spLocks noGrp="1"/>
+          </p:cNvSpPr>
+          <p:nvPr>
+            <p:ph type="body" idx="1"/>
+          </p:nvPr>
+        </p:nvSpPr>
+        <p:spPr/>
+        <p:txBody>
+          <a:bodyPr/>
+          <a:lstStyle/>
+          <a:p>
+            <a:r>
+              <a:rPr kumimoji="1" lang="ja-JP" altLang="en-US" dirty="0" smtClean="0"/>
+              <a:t>説明文追加</a:t>
+            </a:r>
+            <a:endParaRPr kumimoji="1" lang="ja-JP" altLang="en-US" dirty="0"/>
+          </a:p>
+        </p:txBody>
+      </p:sp>
+      <p:sp>
+        <p:nvSpPr>
+          <p:cNvPr id="4" name="スライド番号プレースホルダー 3"/>
+          <p:cNvSpPr>
+            <a:spLocks noGrp="1"/>
+          </p:cNvSpPr>
+          <p:nvPr>
+            <p:ph type="sldNum" sz="quarter" idx="10"/>
+          </p:nvPr>
+        </p:nvSpPr>
+        <p:spPr/>
+        <p:txBody>
+          <a:bodyPr/>
+          <a:lstStyle/>
+          <a:p>
+            <a:fld id="{CFBBA293-708C-4261-9FD1-AE04041D5F79}" type="slidenum">
+              <a:rPr lang="ja-JP" altLang="en-US" smtClean="0"/>
+              <a:pPr/>
+              <a:t>17</a:t>
+            </a:fld>
+            <a:endParaRPr lang="ja-JP" altLang="en-US" dirty="0"/>
+          </a:p>
+        </p:txBody>
+      </p:sp>
+    </p:spTree>
+    <p:extLst>
+      <p:ext uri="{BB962C8B-B14F-4D97-AF65-F5344CB8AC3E}">
+        <p14:creationId xmlns:p14="http://schemas.microsoft.com/office/powerpoint/2010/main" val="1030939440"/>
       </p:ext>
     </p:extLst>
   </p:cSld>
@@ -1719,7 +1995,7 @@
           <a:p>
             <a:fld id="{56F9016B-CCA6-43BE-8BEE-59565A35F4F7}" type="datetimeFigureOut">
               <a:rPr kumimoji="1" lang="ja-JP" altLang="en-US" smtClean="0"/>
-              <a:t>2022/1/28</a:t>
+              <a:t>2022/7/1</a:t>
             </a:fld>
             <a:endParaRPr kumimoji="1" lang="ja-JP" altLang="en-US"/>
           </a:p>
@@ -1921,7 +2197,7 @@
           <a:p>
             <a:fld id="{56F9016B-CCA6-43BE-8BEE-59565A35F4F7}" type="datetimeFigureOut">
               <a:rPr kumimoji="1" lang="ja-JP" altLang="en-US" smtClean="0"/>
-              <a:t>2022/1/28</a:t>
+              <a:t>2022/7/1</a:t>
             </a:fld>
             <a:endParaRPr kumimoji="1" lang="ja-JP" altLang="en-US"/>
           </a:p>
@@ -2167,7 +2443,7 @@
           <a:p>
             <a:fld id="{56F9016B-CCA6-43BE-8BEE-59565A35F4F7}" type="datetimeFigureOut">
               <a:rPr kumimoji="1" lang="ja-JP" altLang="en-US" smtClean="0"/>
-              <a:t>2022/1/28</a:t>
+              <a:t>2022/7/1</a:t>
             </a:fld>
             <a:endParaRPr kumimoji="1" lang="ja-JP" altLang="en-US"/>
           </a:p>
@@ -2463,7 +2739,7 @@
           <a:p>
             <a:fld id="{56F9016B-CCA6-43BE-8BEE-59565A35F4F7}" type="datetimeFigureOut">
               <a:rPr kumimoji="1" lang="ja-JP" altLang="en-US" smtClean="0"/>
-              <a:t>2022/1/28</a:t>
+              <a:t>2022/7/1</a:t>
             </a:fld>
             <a:endParaRPr kumimoji="1" lang="ja-JP" altLang="en-US"/>
           </a:p>
@@ -2894,7 +3170,7 @@
           <a:p>
             <a:fld id="{56F9016B-CCA6-43BE-8BEE-59565A35F4F7}" type="datetimeFigureOut">
               <a:rPr kumimoji="1" lang="ja-JP" altLang="en-US" smtClean="0"/>
-              <a:t>2022/1/28</a:t>
+              <a:t>2022/7/1</a:t>
             </a:fld>
             <a:endParaRPr kumimoji="1" lang="ja-JP" altLang="en-US"/>
           </a:p>
@@ -3012,7 +3288,7 @@
           <a:p>
             <a:fld id="{56F9016B-CCA6-43BE-8BEE-59565A35F4F7}" type="datetimeFigureOut">
               <a:rPr kumimoji="1" lang="ja-JP" altLang="en-US" smtClean="0"/>
-              <a:t>2022/1/28</a:t>
+              <a:t>2022/7/1</a:t>
             </a:fld>
             <a:endParaRPr kumimoji="1" lang="ja-JP" altLang="en-US"/>
           </a:p>
@@ -3107,7 +3383,7 @@
           <a:p>
             <a:fld id="{56F9016B-CCA6-43BE-8BEE-59565A35F4F7}" type="datetimeFigureOut">
               <a:rPr kumimoji="1" lang="ja-JP" altLang="en-US" smtClean="0"/>
-              <a:t>2022/1/28</a:t>
+              <a:t>2022/7/1</a:t>
             </a:fld>
             <a:endParaRPr kumimoji="1" lang="ja-JP" altLang="en-US"/>
           </a:p>
@@ -3416,7 +3692,7 @@
           <a:p>
             <a:fld id="{56F9016B-CCA6-43BE-8BEE-59565A35F4F7}" type="datetimeFigureOut">
               <a:rPr kumimoji="1" lang="ja-JP" altLang="en-US" smtClean="0"/>
-              <a:t>2022/1/28</a:t>
+              <a:t>2022/7/1</a:t>
             </a:fld>
             <a:endParaRPr kumimoji="1" lang="ja-JP" altLang="en-US"/>
           </a:p>
@@ -3669,7 +3945,7 @@
           <a:p>
             <a:fld id="{56F9016B-CCA6-43BE-8BEE-59565A35F4F7}" type="datetimeFigureOut">
               <a:rPr kumimoji="1" lang="ja-JP" altLang="en-US" smtClean="0"/>
-              <a:t>2022/1/28</a:t>
+              <a:t>2022/7/1</a:t>
             </a:fld>
             <a:endParaRPr kumimoji="1" lang="ja-JP" altLang="en-US"/>
           </a:p>
@@ -3946,7 +4222,7 @@
           <a:p>
             <a:fld id="{56F9016B-CCA6-43BE-8BEE-59565A35F4F7}" type="datetimeFigureOut">
               <a:rPr kumimoji="1" lang="ja-JP" altLang="en-US" smtClean="0"/>
-              <a:t>2022/1/28</a:t>
+              <a:t>2022/7/1</a:t>
             </a:fld>
             <a:endParaRPr kumimoji="1" lang="ja-JP" altLang="en-US"/>
           </a:p>
@@ -4158,7 +4434,7 @@
           <a:p>
             <a:fld id="{56F9016B-CCA6-43BE-8BEE-59565A35F4F7}" type="datetimeFigureOut">
               <a:rPr kumimoji="1" lang="ja-JP" altLang="en-US" smtClean="0"/>
-              <a:t>2022/1/28</a:t>
+              <a:t>2022/7/1</a:t>
             </a:fld>
             <a:endParaRPr kumimoji="1" lang="ja-JP" altLang="en-US"/>
           </a:p>
@@ -7217,7 +7493,7 @@
           <a:p>
             <a:fld id="{56F9016B-CCA6-43BE-8BEE-59565A35F4F7}" type="datetimeFigureOut">
               <a:rPr kumimoji="1" lang="ja-JP" altLang="en-US" smtClean="0"/>
-              <a:t>2022/1/28</a:t>
+              <a:t>2022/7/1</a:t>
             </a:fld>
             <a:endParaRPr kumimoji="1" lang="ja-JP" altLang="en-US"/>
           </a:p>
@@ -7651,7 +7927,7 @@
           <a:p>
             <a:r>
               <a:rPr lang="en-US" altLang="ja-JP" dirty="0"/>
-              <a:t>Exastro IT Automation Version 1.9</a:t>
+              <a:t>Exastro IT Automation Version 1.10</a:t>
             </a:r>
           </a:p>
           <a:p>
@@ -10203,6 +10479,5764 @@
           <a:chExt cx="0" cy="0"/>
         </a:xfrm>
       </p:grpSpPr>
+      <p:pic>
+        <p:nvPicPr>
+          <p:cNvPr id="4" name="図 3"/>
+          <p:cNvPicPr>
+            <a:picLocks noChangeAspect="1"/>
+          </p:cNvPicPr>
+          <p:nvPr/>
+        </p:nvPicPr>
+        <p:blipFill>
+          <a:blip r:embed="rId3"/>
+          <a:stretch>
+            <a:fillRect/>
+          </a:stretch>
+        </p:blipFill>
+        <p:spPr>
+          <a:xfrm>
+            <a:off x="107380" y="1988800"/>
+            <a:ext cx="8681456" cy="1854152"/>
+          </a:xfrm>
+          <a:prstGeom prst="rect">
+            <a:avLst/>
+          </a:prstGeom>
+        </p:spPr>
+      </p:pic>
+      <p:sp>
+        <p:nvSpPr>
+          <p:cNvPr id="6" name="コンテンツ プレースホルダー 5"/>
+          <p:cNvSpPr>
+            <a:spLocks noGrp="1"/>
+          </p:cNvSpPr>
+          <p:nvPr>
+            <p:ph sz="quarter" idx="10"/>
+          </p:nvPr>
+        </p:nvSpPr>
+        <p:spPr>
+          <a:xfrm>
+            <a:off x="179390" y="836640"/>
+            <a:ext cx="8784976" cy="5544698"/>
+          </a:xfrm>
+        </p:spPr>
+        <p:txBody>
+          <a:bodyPr/>
+          <a:lstStyle/>
+          <a:p>
+            <a:r>
+              <a:rPr lang="en-US" altLang="ja-JP" b="1" dirty="0" smtClean="0"/>
+              <a:t>Mode overview</a:t>
+            </a:r>
+            <a:endParaRPr lang="en-US" altLang="ja-JP" b="1" dirty="0"/>
+          </a:p>
+          <a:p>
+            <a:pPr marL="0" indent="0">
+              <a:buNone/>
+            </a:pPr>
+            <a:r>
+              <a:rPr lang="ja-JP" altLang="en-US" sz="1600" b="1" dirty="0"/>
+              <a:t>　</a:t>
+            </a:r>
+            <a:r>
+              <a:rPr lang="en-US" altLang="ja-JP" sz="1600" dirty="0" smtClean="0"/>
+              <a:t>The Menu export functions comes with 2 modes.</a:t>
+            </a:r>
+            <a:endParaRPr kumimoji="1" lang="en-US" altLang="ja-JP" dirty="0"/>
+          </a:p>
+        </p:txBody>
+      </p:sp>
+      <p:grpSp>
+        <p:nvGrpSpPr>
+          <p:cNvPr id="71" name="グループ化 70">
+            <a:extLst>
+              <a:ext uri="{FF2B5EF4-FFF2-40B4-BE49-F238E27FC236}">
+                <a16:creationId xmlns:a16="http://schemas.microsoft.com/office/drawing/2014/main" id="{9E8B34BF-36F2-4DFD-88E7-0E07332F74E7}"/>
+              </a:ext>
+            </a:extLst>
+          </p:cNvPr>
+          <p:cNvGrpSpPr/>
+          <p:nvPr/>
+        </p:nvGrpSpPr>
+        <p:grpSpPr>
+          <a:xfrm>
+            <a:off x="446344" y="4306463"/>
+            <a:ext cx="7294096" cy="769442"/>
+            <a:chOff x="446344" y="4306463"/>
+            <a:chExt cx="7294096" cy="769442"/>
+          </a:xfrm>
+        </p:grpSpPr>
+        <p:sp>
+          <p:nvSpPr>
+            <p:cNvPr id="38" name="テキスト ボックス 37">
+              <a:extLst>
+                <a:ext uri="{FF2B5EF4-FFF2-40B4-BE49-F238E27FC236}">
+                  <a16:creationId xmlns:a16="http://schemas.microsoft.com/office/drawing/2014/main" id="{54B3ACFE-6F86-4225-82F3-641319670BF3}"/>
+                </a:ext>
+              </a:extLst>
+            </p:cNvPr>
+            <p:cNvSpPr txBox="1"/>
+            <p:nvPr/>
+          </p:nvSpPr>
+          <p:spPr>
+            <a:xfrm>
+              <a:off x="446344" y="4306463"/>
+              <a:ext cx="5616780" cy="400110"/>
+            </a:xfrm>
+            <a:prstGeom prst="rect">
+              <a:avLst/>
+            </a:prstGeom>
+            <a:noFill/>
+          </p:spPr>
+          <p:txBody>
+            <a:bodyPr wrap="square" rtlCol="0">
+              <a:spAutoFit/>
+            </a:bodyPr>
+            <a:lstStyle/>
+            <a:p>
+              <a:r>
+                <a:rPr kumimoji="1" lang="ja-JP" altLang="en-US" sz="2000" b="1" dirty="0"/>
+                <a:t>① </a:t>
+              </a:r>
+              <a:r>
+                <a:rPr lang="en-US" altLang="ja-JP" sz="2000" b="1" dirty="0" smtClean="0"/>
+                <a:t>Environment migration</a:t>
+              </a:r>
+              <a:endParaRPr kumimoji="1" lang="ja-JP" altLang="en-US" sz="2000" b="1" dirty="0"/>
+            </a:p>
+          </p:txBody>
+        </p:sp>
+        <p:sp>
+          <p:nvSpPr>
+            <p:cNvPr id="69" name="テキスト ボックス 68">
+              <a:extLst>
+                <a:ext uri="{FF2B5EF4-FFF2-40B4-BE49-F238E27FC236}">
+                  <a16:creationId xmlns:a16="http://schemas.microsoft.com/office/drawing/2014/main" id="{CA5C8979-DE3F-4E85-AF98-0B1A405CB075}"/>
+                </a:ext>
+              </a:extLst>
+            </p:cNvPr>
+            <p:cNvSpPr txBox="1"/>
+            <p:nvPr/>
+          </p:nvSpPr>
+          <p:spPr>
+            <a:xfrm>
+              <a:off x="827480" y="4706573"/>
+              <a:ext cx="6912960" cy="369332"/>
+            </a:xfrm>
+            <a:prstGeom prst="rect">
+              <a:avLst/>
+            </a:prstGeom>
+            <a:noFill/>
+          </p:spPr>
+          <p:txBody>
+            <a:bodyPr wrap="square">
+              <a:spAutoFit/>
+            </a:bodyPr>
+            <a:lstStyle/>
+            <a:p>
+              <a:r>
+                <a:rPr lang="en-US" altLang="ja-JP" dirty="0" smtClean="0"/>
+                <a:t>Exports all data from the user-selected menus.</a:t>
+              </a:r>
+              <a:endParaRPr lang="ja-JP" altLang="en-US" dirty="0"/>
+            </a:p>
+          </p:txBody>
+        </p:sp>
+      </p:grpSp>
+      <p:grpSp>
+        <p:nvGrpSpPr>
+          <p:cNvPr id="74" name="グループ化 73">
+            <a:extLst>
+              <a:ext uri="{FF2B5EF4-FFF2-40B4-BE49-F238E27FC236}">
+                <a16:creationId xmlns:a16="http://schemas.microsoft.com/office/drawing/2014/main" id="{2E2DAECB-186B-4F69-932F-543BAE4E55C1}"/>
+              </a:ext>
+            </a:extLst>
+          </p:cNvPr>
+          <p:cNvGrpSpPr/>
+          <p:nvPr/>
+        </p:nvGrpSpPr>
+        <p:grpSpPr>
+          <a:xfrm>
+            <a:off x="446344" y="5275960"/>
+            <a:ext cx="6206731" cy="1046441"/>
+            <a:chOff x="446344" y="5275960"/>
+            <a:chExt cx="6206731" cy="1046441"/>
+          </a:xfrm>
+        </p:grpSpPr>
+        <p:sp>
+          <p:nvSpPr>
+            <p:cNvPr id="39" name="テキスト ボックス 38">
+              <a:extLst>
+                <a:ext uri="{FF2B5EF4-FFF2-40B4-BE49-F238E27FC236}">
+                  <a16:creationId xmlns:a16="http://schemas.microsoft.com/office/drawing/2014/main" id="{C22EB7C2-E831-48D1-BFEE-10AF106887DD}"/>
+                </a:ext>
+              </a:extLst>
+            </p:cNvPr>
+            <p:cNvSpPr txBox="1"/>
+            <p:nvPr/>
+          </p:nvSpPr>
+          <p:spPr>
+            <a:xfrm>
+              <a:off x="446344" y="5275960"/>
+              <a:ext cx="5616780" cy="400110"/>
+            </a:xfrm>
+            <a:prstGeom prst="rect">
+              <a:avLst/>
+            </a:prstGeom>
+            <a:noFill/>
+          </p:spPr>
+          <p:txBody>
+            <a:bodyPr wrap="square" rtlCol="0">
+              <a:spAutoFit/>
+            </a:bodyPr>
+            <a:lstStyle/>
+            <a:p>
+              <a:r>
+                <a:rPr kumimoji="1" lang="ja-JP" altLang="en-US" sz="2000" b="1" dirty="0"/>
+                <a:t>② </a:t>
+              </a:r>
+              <a:r>
+                <a:rPr lang="en-US" altLang="ja-JP" sz="2000" b="1" dirty="0" smtClean="0"/>
+                <a:t>Time specification</a:t>
+              </a:r>
+              <a:endParaRPr kumimoji="1" lang="ja-JP" altLang="en-US" sz="2000" b="1" dirty="0"/>
+            </a:p>
+          </p:txBody>
+        </p:sp>
+        <p:sp>
+          <p:nvSpPr>
+            <p:cNvPr id="73" name="テキスト ボックス 72">
+              <a:extLst>
+                <a:ext uri="{FF2B5EF4-FFF2-40B4-BE49-F238E27FC236}">
+                  <a16:creationId xmlns:a16="http://schemas.microsoft.com/office/drawing/2014/main" id="{E3DB0DBF-9469-4E05-BAD1-1B17030342D1}"/>
+                </a:ext>
+              </a:extLst>
+            </p:cNvPr>
+            <p:cNvSpPr txBox="1"/>
+            <p:nvPr/>
+          </p:nvSpPr>
+          <p:spPr>
+            <a:xfrm>
+              <a:off x="829726" y="5676070"/>
+              <a:ext cx="5823349" cy="646331"/>
+            </a:xfrm>
+            <a:prstGeom prst="rect">
+              <a:avLst/>
+            </a:prstGeom>
+            <a:noFill/>
+          </p:spPr>
+          <p:txBody>
+            <a:bodyPr wrap="square">
+              <a:spAutoFit/>
+            </a:bodyPr>
+            <a:lstStyle/>
+            <a:p>
+              <a:r>
+                <a:rPr lang="en-US" altLang="ja-JP" dirty="0" smtClean="0"/>
+                <a:t>Exports only data edited/registered after the specified time.</a:t>
+              </a:r>
+              <a:endParaRPr lang="ja-JP" altLang="en-US" dirty="0"/>
+            </a:p>
+          </p:txBody>
+        </p:sp>
+      </p:grpSp>
+      <p:sp>
+        <p:nvSpPr>
+          <p:cNvPr id="2" name="タイトル 1">
+            <a:extLst>
+              <a:ext uri="{FF2B5EF4-FFF2-40B4-BE49-F238E27FC236}">
+                <a16:creationId xmlns:a16="http://schemas.microsoft.com/office/drawing/2014/main" id="{31C96A0B-6772-4557-931E-8294EFB98270}"/>
+              </a:ext>
+            </a:extLst>
+          </p:cNvPr>
+          <p:cNvSpPr>
+            <a:spLocks noGrp="1"/>
+          </p:cNvSpPr>
+          <p:nvPr>
+            <p:ph type="title"/>
+          </p:nvPr>
+        </p:nvSpPr>
+        <p:spPr/>
+        <p:txBody>
+          <a:bodyPr/>
+          <a:lstStyle/>
+          <a:p>
+            <a:r>
+              <a:rPr kumimoji="1" lang="ja-JP" altLang="en-US" dirty="0"/>
+              <a:t>2</a:t>
+            </a:r>
+            <a:r>
+              <a:rPr kumimoji="1" lang="en-US" altLang="ja-JP" dirty="0"/>
+              <a:t>.5 </a:t>
+            </a:r>
+            <a:r>
+              <a:rPr lang="en-US" altLang="ja-JP" dirty="0" smtClean="0"/>
+              <a:t>Mode overview </a:t>
+            </a:r>
+            <a:r>
+              <a:rPr kumimoji="1" lang="en-US" altLang="ja-JP" dirty="0" smtClean="0"/>
+              <a:t>(1/3</a:t>
+            </a:r>
+            <a:r>
+              <a:rPr kumimoji="1" lang="en-US" altLang="ja-JP" dirty="0"/>
+              <a:t>)</a:t>
+            </a:r>
+            <a:endParaRPr kumimoji="1" lang="ja-JP" altLang="en-US" dirty="0"/>
+          </a:p>
+        </p:txBody>
+      </p:sp>
+      <p:sp>
+        <p:nvSpPr>
+          <p:cNvPr id="12" name="正方形/長方形 11">
+            <a:extLst>
+              <a:ext uri="{FF2B5EF4-FFF2-40B4-BE49-F238E27FC236}">
+                <a16:creationId xmlns:a16="http://schemas.microsoft.com/office/drawing/2014/main" id="{B037F859-2469-4A21-9FA1-96922C3599B4}"/>
+              </a:ext>
+            </a:extLst>
+          </p:cNvPr>
+          <p:cNvSpPr/>
+          <p:nvPr/>
+        </p:nvSpPr>
+        <p:spPr bwMode="auto">
+          <a:xfrm>
+            <a:off x="395420" y="2723794"/>
+            <a:ext cx="8281150" cy="469507"/>
+          </a:xfrm>
+          <a:prstGeom prst="rect">
+            <a:avLst/>
+          </a:prstGeom>
+          <a:noFill/>
+          <a:ln w="38100">
+            <a:solidFill>
+              <a:srgbClr val="FF0000"/>
+            </a:solidFill>
+          </a:ln>
+          <a:effectLst/>
+        </p:spPr>
+        <p:txBody>
+          <a:bodyPr rot="0" spcFirstLastPara="0" vertOverflow="overflow" horzOverflow="overflow" vert="horz" wrap="none" lIns="72000" tIns="72000" rIns="72000" bIns="72000" numCol="1" spcCol="0" rtlCol="0" fromWordArt="0" anchor="ctr" anchorCtr="0" forceAA="0" compatLnSpc="1">
+            <a:prstTxWarp prst="textNoShape">
+              <a:avLst/>
+            </a:prstTxWarp>
+            <a:noAutofit/>
+          </a:bodyPr>
+          <a:lstStyle/>
+          <a:p>
+            <a:pPr algn="ctr"/>
+            <a:endParaRPr kumimoji="1" lang="ja-JP" altLang="en-US" b="1" dirty="0">
+              <a:latin typeface="+mn-ea"/>
+            </a:endParaRPr>
+          </a:p>
+        </p:txBody>
+      </p:sp>
+    </p:spTree>
+    <p:extLst>
+      <p:ext uri="{BB962C8B-B14F-4D97-AF65-F5344CB8AC3E}">
+        <p14:creationId xmlns:p14="http://schemas.microsoft.com/office/powerpoint/2010/main" val="3450864159"/>
+      </p:ext>
+    </p:extLst>
+  </p:cSld>
+  <p:clrMapOvr>
+    <a:masterClrMapping/>
+  </p:clrMapOvr>
+</p:sld>
+</file>
+
+<file path=ppt/slides/slide13.xml><?xml version="1.0" encoding="utf-8"?>
+<p:sld xmlns:a="http://schemas.openxmlformats.org/drawingml/2006/main" xmlns:r="http://schemas.openxmlformats.org/officeDocument/2006/relationships" xmlns:p="http://schemas.openxmlformats.org/presentationml/2006/main">
+  <p:cSld>
+    <p:spTree>
+      <p:nvGrpSpPr>
+        <p:cNvPr id="1" name=""/>
+        <p:cNvGrpSpPr/>
+        <p:nvPr/>
+      </p:nvGrpSpPr>
+      <p:grpSpPr>
+        <a:xfrm>
+          <a:off x="0" y="0"/>
+          <a:ext cx="0" cy="0"/>
+          <a:chOff x="0" y="0"/>
+          <a:chExt cx="0" cy="0"/>
+        </a:xfrm>
+      </p:grpSpPr>
+      <p:sp>
+        <p:nvSpPr>
+          <p:cNvPr id="6" name="コンテンツ プレースホルダー 5"/>
+          <p:cNvSpPr>
+            <a:spLocks noGrp="1"/>
+          </p:cNvSpPr>
+          <p:nvPr>
+            <p:ph sz="quarter" idx="10"/>
+          </p:nvPr>
+        </p:nvSpPr>
+        <p:spPr>
+          <a:xfrm>
+            <a:off x="179389" y="692620"/>
+            <a:ext cx="8871817" cy="5688718"/>
+          </a:xfrm>
+        </p:spPr>
+        <p:txBody>
+          <a:bodyPr/>
+          <a:lstStyle/>
+          <a:p>
+            <a:pPr marL="0" indent="0">
+              <a:buNone/>
+            </a:pPr>
+            <a:r>
+              <a:rPr lang="ja-JP" altLang="en-US" b="1" dirty="0"/>
+              <a:t>　</a:t>
+            </a:r>
+            <a:r>
+              <a:rPr lang="en-US" altLang="ja-JP" sz="2400" b="1" dirty="0" smtClean="0"/>
+              <a:t>Environment migration</a:t>
+            </a:r>
+            <a:endParaRPr lang="en-US" altLang="ja-JP" b="1" dirty="0"/>
+          </a:p>
+          <a:p>
+            <a:pPr marL="0" indent="0">
+              <a:buNone/>
+            </a:pPr>
+            <a:r>
+              <a:rPr lang="ja-JP" altLang="en-US" sz="1600" b="1" dirty="0"/>
+              <a:t>　</a:t>
+            </a:r>
+            <a:r>
+              <a:rPr lang="en-US" altLang="ja-JP" sz="1600" dirty="0" smtClean="0"/>
+              <a:t>The “Environment migration” allows users to export all registered data from the menus specified by the user. Using this function will overwrite the entirety of specified menus.</a:t>
+            </a:r>
+            <a:endParaRPr kumimoji="1" lang="en-US" altLang="ja-JP" sz="1600" dirty="0"/>
+          </a:p>
+        </p:txBody>
+      </p:sp>
+      <p:sp>
+        <p:nvSpPr>
+          <p:cNvPr id="3" name="楕円 2">
+            <a:extLst>
+              <a:ext uri="{FF2B5EF4-FFF2-40B4-BE49-F238E27FC236}">
+                <a16:creationId xmlns:a16="http://schemas.microsoft.com/office/drawing/2014/main" id="{2BD9CBD5-387D-4EEA-95F0-C35E8E49F2D5}"/>
+              </a:ext>
+            </a:extLst>
+          </p:cNvPr>
+          <p:cNvSpPr/>
+          <p:nvPr/>
+        </p:nvSpPr>
+        <p:spPr bwMode="auto">
+          <a:xfrm>
+            <a:off x="237896" y="763391"/>
+            <a:ext cx="216030" cy="203902"/>
+          </a:xfrm>
+          <a:prstGeom prst="ellipse">
+            <a:avLst/>
+          </a:prstGeom>
+          <a:solidFill>
+            <a:srgbClr val="002060"/>
+          </a:solidFill>
+          <a:ln w="12700">
+            <a:noFill/>
+          </a:ln>
+          <a:effectLst/>
+        </p:spPr>
+        <p:txBody>
+          <a:bodyPr rot="0" spcFirstLastPara="0" vertOverflow="overflow" horzOverflow="overflow" vert="horz" wrap="none" lIns="72000" tIns="72000" rIns="72000" bIns="72000" numCol="1" spcCol="0" rtlCol="0" fromWordArt="0" anchor="ctr" anchorCtr="0" forceAA="0" compatLnSpc="1">
+            <a:prstTxWarp prst="textNoShape">
+              <a:avLst/>
+            </a:prstTxWarp>
+            <a:noAutofit/>
+          </a:bodyPr>
+          <a:lstStyle/>
+          <a:p>
+            <a:pPr algn="ctr"/>
+            <a:endParaRPr kumimoji="1" lang="ja-JP" altLang="en-US" b="1" dirty="0">
+              <a:latin typeface="+mn-ea"/>
+            </a:endParaRPr>
+          </a:p>
+        </p:txBody>
+      </p:sp>
+      <p:grpSp>
+        <p:nvGrpSpPr>
+          <p:cNvPr id="63" name="グループ化 62">
+            <a:extLst>
+              <a:ext uri="{FF2B5EF4-FFF2-40B4-BE49-F238E27FC236}">
+                <a16:creationId xmlns:a16="http://schemas.microsoft.com/office/drawing/2014/main" id="{C6B409D3-D8A8-4F36-B855-6280FC209218}"/>
+              </a:ext>
+            </a:extLst>
+          </p:cNvPr>
+          <p:cNvGrpSpPr/>
+          <p:nvPr/>
+        </p:nvGrpSpPr>
+        <p:grpSpPr>
+          <a:xfrm>
+            <a:off x="259203" y="3555224"/>
+            <a:ext cx="8433262" cy="2036125"/>
+            <a:chOff x="-195370" y="3892088"/>
+            <a:chExt cx="8433262" cy="2036125"/>
+          </a:xfrm>
+        </p:grpSpPr>
+        <p:pic>
+          <p:nvPicPr>
+            <p:cNvPr id="43" name="図 42">
+              <a:extLst>
+                <a:ext uri="{FF2B5EF4-FFF2-40B4-BE49-F238E27FC236}">
+                  <a16:creationId xmlns:a16="http://schemas.microsoft.com/office/drawing/2014/main" id="{8B90B0E8-19DC-479B-A3D2-C970897C1BCA}"/>
+                </a:ext>
+              </a:extLst>
+            </p:cNvPr>
+            <p:cNvPicPr>
+              <a:picLocks noChangeAspect="1"/>
+            </p:cNvPicPr>
+            <p:nvPr/>
+          </p:nvPicPr>
+          <p:blipFill>
+            <a:blip r:embed="rId3"/>
+            <a:stretch>
+              <a:fillRect/>
+            </a:stretch>
+          </p:blipFill>
+          <p:spPr>
+            <a:xfrm>
+              <a:off x="6989531" y="4297592"/>
+              <a:ext cx="1248361" cy="1416506"/>
+            </a:xfrm>
+            <a:prstGeom prst="rect">
+              <a:avLst/>
+            </a:prstGeom>
+          </p:spPr>
+        </p:pic>
+        <p:sp>
+          <p:nvSpPr>
+            <p:cNvPr id="44" name="テキスト ボックス 43">
+              <a:extLst>
+                <a:ext uri="{FF2B5EF4-FFF2-40B4-BE49-F238E27FC236}">
+                  <a16:creationId xmlns:a16="http://schemas.microsoft.com/office/drawing/2014/main" id="{E155F945-A609-4A22-8E5D-95CC7A9D24F5}"/>
+                </a:ext>
+              </a:extLst>
+            </p:cNvPr>
+            <p:cNvSpPr txBox="1"/>
+            <p:nvPr/>
+          </p:nvSpPr>
+          <p:spPr>
+            <a:xfrm>
+              <a:off x="7084058" y="4438783"/>
+              <a:ext cx="1065699" cy="307777"/>
+            </a:xfrm>
+            <a:prstGeom prst="rect">
+              <a:avLst/>
+            </a:prstGeom>
+            <a:noFill/>
+          </p:spPr>
+          <p:txBody>
+            <a:bodyPr wrap="square" rtlCol="0">
+              <a:spAutoFit/>
+            </a:bodyPr>
+            <a:lstStyle/>
+            <a:p>
+              <a:r>
+                <a:rPr lang="en-US" altLang="ja-JP" sz="1400" b="1" dirty="0" smtClean="0"/>
+                <a:t>Menu </a:t>
+              </a:r>
+              <a:r>
+                <a:rPr kumimoji="1" lang="en-US" altLang="ja-JP" sz="1400" b="1" dirty="0" smtClean="0"/>
+                <a:t>A</a:t>
+              </a:r>
+              <a:endParaRPr kumimoji="1" lang="ja-JP" altLang="en-US" sz="1400" b="1" dirty="0"/>
+            </a:p>
+          </p:txBody>
+        </p:sp>
+        <p:sp>
+          <p:nvSpPr>
+            <p:cNvPr id="45" name="正方形/長方形 44">
+              <a:extLst>
+                <a:ext uri="{FF2B5EF4-FFF2-40B4-BE49-F238E27FC236}">
+                  <a16:creationId xmlns:a16="http://schemas.microsoft.com/office/drawing/2014/main" id="{B3760657-31B7-40D4-9512-C87C5FB44DB3}"/>
+                </a:ext>
+              </a:extLst>
+            </p:cNvPr>
+            <p:cNvSpPr/>
+            <p:nvPr/>
+          </p:nvSpPr>
+          <p:spPr bwMode="auto">
+            <a:xfrm>
+              <a:off x="6992734" y="4255806"/>
+              <a:ext cx="1229060" cy="1416506"/>
+            </a:xfrm>
+            <a:prstGeom prst="rect">
+              <a:avLst/>
+            </a:prstGeom>
+            <a:noFill/>
+            <a:ln w="28575">
+              <a:solidFill>
+                <a:srgbClr val="FF0000"/>
+              </a:solidFill>
+              <a:prstDash val="dash"/>
+            </a:ln>
+            <a:effectLst/>
+          </p:spPr>
+          <p:txBody>
+            <a:bodyPr rot="0" spcFirstLastPara="0" vertOverflow="overflow" horzOverflow="overflow" vert="horz" wrap="none" lIns="72000" tIns="72000" rIns="72000" bIns="72000" numCol="1" spcCol="0" rtlCol="0" fromWordArt="0" anchor="ctr" anchorCtr="0" forceAA="0" compatLnSpc="1">
+              <a:prstTxWarp prst="textNoShape">
+                <a:avLst/>
+              </a:prstTxWarp>
+              <a:noAutofit/>
+            </a:bodyPr>
+            <a:lstStyle/>
+            <a:p>
+              <a:pPr algn="ctr"/>
+              <a:endParaRPr kumimoji="1" lang="ja-JP" altLang="en-US" b="1" dirty="0">
+                <a:latin typeface="+mn-ea"/>
+              </a:endParaRPr>
+            </a:p>
+          </p:txBody>
+        </p:sp>
+        <p:grpSp>
+          <p:nvGrpSpPr>
+            <p:cNvPr id="49" name="グループ化 48">
+              <a:extLst>
+                <a:ext uri="{FF2B5EF4-FFF2-40B4-BE49-F238E27FC236}">
+                  <a16:creationId xmlns:a16="http://schemas.microsoft.com/office/drawing/2014/main" id="{CFFF2279-C914-473D-942C-F9CA19341DF3}"/>
+                </a:ext>
+              </a:extLst>
+            </p:cNvPr>
+            <p:cNvGrpSpPr/>
+            <p:nvPr/>
+          </p:nvGrpSpPr>
+          <p:grpSpPr>
+            <a:xfrm>
+              <a:off x="-195370" y="3892088"/>
+              <a:ext cx="7238174" cy="2036125"/>
+              <a:chOff x="-153783" y="3936060"/>
+              <a:chExt cx="7238174" cy="2036125"/>
+            </a:xfrm>
+          </p:grpSpPr>
+          <p:grpSp>
+            <p:nvGrpSpPr>
+              <p:cNvPr id="47" name="グループ化 46">
+                <a:extLst>
+                  <a:ext uri="{FF2B5EF4-FFF2-40B4-BE49-F238E27FC236}">
+                    <a16:creationId xmlns:a16="http://schemas.microsoft.com/office/drawing/2014/main" id="{83B4C99F-44A1-4470-9F19-72F4A15CB770}"/>
+                  </a:ext>
+                </a:extLst>
+              </p:cNvPr>
+              <p:cNvGrpSpPr/>
+              <p:nvPr/>
+            </p:nvGrpSpPr>
+            <p:grpSpPr>
+              <a:xfrm>
+                <a:off x="-153783" y="4035441"/>
+                <a:ext cx="7238174" cy="1936744"/>
+                <a:chOff x="-86708" y="3958626"/>
+                <a:chExt cx="7238174" cy="1936744"/>
+              </a:xfrm>
+            </p:grpSpPr>
+            <p:pic>
+              <p:nvPicPr>
+                <p:cNvPr id="37" name="図 36">
+                  <a:extLst>
+                    <a:ext uri="{FF2B5EF4-FFF2-40B4-BE49-F238E27FC236}">
+                      <a16:creationId xmlns:a16="http://schemas.microsoft.com/office/drawing/2014/main" id="{45050CCE-400E-4F96-80A4-3936795EB1EE}"/>
+                    </a:ext>
+                  </a:extLst>
+                </p:cNvPr>
+                <p:cNvPicPr>
+                  <a:picLocks noChangeAspect="1"/>
+                </p:cNvPicPr>
+                <p:nvPr/>
+              </p:nvPicPr>
+              <p:blipFill>
+                <a:blip r:embed="rId3"/>
+                <a:stretch>
+                  <a:fillRect/>
+                </a:stretch>
+              </p:blipFill>
+              <p:spPr>
+                <a:xfrm>
+                  <a:off x="2451520" y="4290509"/>
+                  <a:ext cx="1248361" cy="1416506"/>
+                </a:xfrm>
+                <a:prstGeom prst="rect">
+                  <a:avLst/>
+                </a:prstGeom>
+              </p:spPr>
+            </p:pic>
+            <p:sp>
+              <p:nvSpPr>
+                <p:cNvPr id="38" name="テキスト ボックス 37">
+                  <a:extLst>
+                    <a:ext uri="{FF2B5EF4-FFF2-40B4-BE49-F238E27FC236}">
+                      <a16:creationId xmlns:a16="http://schemas.microsoft.com/office/drawing/2014/main" id="{AA3C8E47-643C-4690-8203-86D005F42A1B}"/>
+                    </a:ext>
+                  </a:extLst>
+                </p:cNvPr>
+                <p:cNvSpPr txBox="1"/>
+                <p:nvPr/>
+              </p:nvSpPr>
+              <p:spPr>
+                <a:xfrm>
+                  <a:off x="2546047" y="4431700"/>
+                  <a:ext cx="1065699" cy="307777"/>
+                </a:xfrm>
+                <a:prstGeom prst="rect">
+                  <a:avLst/>
+                </a:prstGeom>
+                <a:noFill/>
+              </p:spPr>
+              <p:txBody>
+                <a:bodyPr wrap="square" rtlCol="0">
+                  <a:spAutoFit/>
+                </a:bodyPr>
+                <a:lstStyle/>
+                <a:p>
+                  <a:r>
+                    <a:rPr lang="en-US" altLang="ja-JP" sz="1400" b="1" dirty="0" smtClean="0"/>
+                    <a:t>Menu </a:t>
+                  </a:r>
+                  <a:r>
+                    <a:rPr kumimoji="1" lang="en-US" altLang="ja-JP" sz="1400" b="1" dirty="0" smtClean="0"/>
+                    <a:t>B</a:t>
+                  </a:r>
+                  <a:endParaRPr kumimoji="1" lang="ja-JP" altLang="en-US" sz="1400" b="1" dirty="0"/>
+                </a:p>
+              </p:txBody>
+            </p:sp>
+            <p:grpSp>
+              <p:nvGrpSpPr>
+                <p:cNvPr id="46" name="グループ化 45">
+                  <a:extLst>
+                    <a:ext uri="{FF2B5EF4-FFF2-40B4-BE49-F238E27FC236}">
+                      <a16:creationId xmlns:a16="http://schemas.microsoft.com/office/drawing/2014/main" id="{CEC9891E-DFD4-4B25-8F37-9BEF08F2514F}"/>
+                    </a:ext>
+                  </a:extLst>
+                </p:cNvPr>
+                <p:cNvGrpSpPr/>
+                <p:nvPr/>
+              </p:nvGrpSpPr>
+              <p:grpSpPr>
+                <a:xfrm>
+                  <a:off x="-86708" y="3958626"/>
+                  <a:ext cx="7238174" cy="1936744"/>
+                  <a:chOff x="-86708" y="3958626"/>
+                  <a:chExt cx="7238174" cy="1936744"/>
+                </a:xfrm>
+              </p:grpSpPr>
+              <p:grpSp>
+                <p:nvGrpSpPr>
+                  <p:cNvPr id="2" name="グループ化 1">
+                    <a:extLst>
+                      <a:ext uri="{FF2B5EF4-FFF2-40B4-BE49-F238E27FC236}">
+                        <a16:creationId xmlns:a16="http://schemas.microsoft.com/office/drawing/2014/main" id="{C75E867C-E85F-41BB-80AB-0D69442754E5}"/>
+                      </a:ext>
+                    </a:extLst>
+                  </p:cNvPr>
+                  <p:cNvGrpSpPr/>
+                  <p:nvPr/>
+                </p:nvGrpSpPr>
+                <p:grpSpPr>
+                  <a:xfrm>
+                    <a:off x="-86708" y="3958626"/>
+                    <a:ext cx="7238174" cy="1936744"/>
+                    <a:chOff x="-171424" y="4218188"/>
+                    <a:chExt cx="7362962" cy="2026969"/>
+                  </a:xfrm>
+                </p:grpSpPr>
+                <p:grpSp>
+                  <p:nvGrpSpPr>
+                    <p:cNvPr id="4" name="グループ化 3">
+                      <a:extLst>
+                        <a:ext uri="{FF2B5EF4-FFF2-40B4-BE49-F238E27FC236}">
+                          <a16:creationId xmlns:a16="http://schemas.microsoft.com/office/drawing/2014/main" id="{FDADE7A9-F968-4AA8-B0DC-3EAA9DF85E66}"/>
+                        </a:ext>
+                      </a:extLst>
+                    </p:cNvPr>
+                    <p:cNvGrpSpPr/>
+                    <p:nvPr/>
+                  </p:nvGrpSpPr>
+                  <p:grpSpPr>
+                    <a:xfrm>
+                      <a:off x="-171424" y="4218188"/>
+                      <a:ext cx="6060381" cy="2011394"/>
+                      <a:chOff x="-54390" y="4640678"/>
+                      <a:chExt cx="5938412" cy="1862344"/>
+                    </a:xfrm>
+                  </p:grpSpPr>
+                  <p:grpSp>
+                    <p:nvGrpSpPr>
+                      <p:cNvPr id="5" name="グループ化 4">
+                        <a:extLst>
+                          <a:ext uri="{FF2B5EF4-FFF2-40B4-BE49-F238E27FC236}">
+                            <a16:creationId xmlns:a16="http://schemas.microsoft.com/office/drawing/2014/main" id="{DEA5AA4D-F11A-4A7A-B05A-F575F0870814}"/>
+                          </a:ext>
+                        </a:extLst>
+                      </p:cNvPr>
+                      <p:cNvGrpSpPr/>
+                      <p:nvPr/>
+                    </p:nvGrpSpPr>
+                    <p:grpSpPr>
+                      <a:xfrm>
+                        <a:off x="313844" y="4640678"/>
+                        <a:ext cx="5570178" cy="1464014"/>
+                        <a:chOff x="313844" y="4640678"/>
+                        <a:chExt cx="5570178" cy="1464014"/>
+                      </a:xfrm>
+                    </p:grpSpPr>
+                    <p:grpSp>
+                      <p:nvGrpSpPr>
+                        <p:cNvPr id="8" name="グループ化 7">
+                          <a:extLst>
+                            <a:ext uri="{FF2B5EF4-FFF2-40B4-BE49-F238E27FC236}">
+                              <a16:creationId xmlns:a16="http://schemas.microsoft.com/office/drawing/2014/main" id="{635EB38A-967A-4EFE-B8E8-FA60DE091EC3}"/>
+                            </a:ext>
+                          </a:extLst>
+                        </p:cNvPr>
+                        <p:cNvGrpSpPr/>
+                        <p:nvPr/>
+                      </p:nvGrpSpPr>
+                      <p:grpSpPr>
+                        <a:xfrm>
+                          <a:off x="313844" y="4640678"/>
+                          <a:ext cx="5570178" cy="1464014"/>
+                          <a:chOff x="-34558" y="3858259"/>
+                          <a:chExt cx="5654291" cy="1539016"/>
+                        </a:xfrm>
+                      </p:grpSpPr>
+                      <p:pic>
+                        <p:nvPicPr>
+                          <p:cNvPr id="15" name="図 14">
+                            <a:extLst>
+                              <a:ext uri="{FF2B5EF4-FFF2-40B4-BE49-F238E27FC236}">
+                                <a16:creationId xmlns:a16="http://schemas.microsoft.com/office/drawing/2014/main" id="{D417ED70-9743-4EB2-A161-E036124F3410}"/>
+                              </a:ext>
+                            </a:extLst>
+                          </p:cNvPr>
+                          <p:cNvPicPr>
+                            <a:picLocks noChangeAspect="1"/>
+                          </p:cNvPicPr>
+                          <p:nvPr/>
+                        </p:nvPicPr>
+                        <p:blipFill>
+                          <a:blip r:embed="rId4"/>
+                          <a:stretch>
+                            <a:fillRect/>
+                          </a:stretch>
+                        </p:blipFill>
+                        <p:spPr>
+                          <a:xfrm>
+                            <a:off x="-34558" y="4213318"/>
+                            <a:ext cx="694044" cy="1183957"/>
+                          </a:xfrm>
+                          <a:prstGeom prst="rect">
+                            <a:avLst/>
+                          </a:prstGeom>
+                        </p:spPr>
+                      </p:pic>
+                      <p:grpSp>
+                        <p:nvGrpSpPr>
+                          <p:cNvPr id="19" name="グループ化 18">
+                            <a:extLst>
+                              <a:ext uri="{FF2B5EF4-FFF2-40B4-BE49-F238E27FC236}">
+                                <a16:creationId xmlns:a16="http://schemas.microsoft.com/office/drawing/2014/main" id="{0E7832F7-D9F3-4C54-9F9B-6EADEA9E06B2}"/>
+                              </a:ext>
+                            </a:extLst>
+                          </p:cNvPr>
+                          <p:cNvGrpSpPr>
+                            <a:grpSpLocks noChangeAspect="1"/>
+                          </p:cNvGrpSpPr>
+                          <p:nvPr/>
+                        </p:nvGrpSpPr>
+                        <p:grpSpPr bwMode="gray">
+                          <a:xfrm>
+                            <a:off x="4171375" y="3858259"/>
+                            <a:ext cx="685030" cy="806872"/>
+                            <a:chOff x="-1667554" y="79138"/>
+                            <a:chExt cx="3372623" cy="3972506"/>
+                          </a:xfrm>
+                        </p:grpSpPr>
+                        <p:sp>
+                          <p:nvSpPr>
+                            <p:cNvPr id="24" name="Freeform 85">
+                              <a:extLst>
+                                <a:ext uri="{FF2B5EF4-FFF2-40B4-BE49-F238E27FC236}">
+                                  <a16:creationId xmlns:a16="http://schemas.microsoft.com/office/drawing/2014/main" id="{501EAA26-E3A5-43FE-B0E9-D595EB0586BF}"/>
+                                </a:ext>
+                              </a:extLst>
+                            </p:cNvPr>
+                            <p:cNvSpPr>
+                              <a:spLocks noChangeAspect="1"/>
+                            </p:cNvSpPr>
+                            <p:nvPr/>
+                          </p:nvSpPr>
+                          <p:spPr bwMode="gray">
+                            <a:xfrm>
+                              <a:off x="-1667554" y="79138"/>
+                              <a:ext cx="3372623" cy="3972506"/>
+                            </a:xfrm>
+                            <a:custGeom>
+                              <a:avLst/>
+                              <a:gdLst>
+                                <a:gd name="T0" fmla="*/ 633 w 655"/>
+                                <a:gd name="T1" fmla="*/ 180 h 755"/>
+                                <a:gd name="T2" fmla="*/ 467 w 655"/>
+                                <a:gd name="T3" fmla="*/ 21 h 755"/>
+                                <a:gd name="T4" fmla="*/ 414 w 655"/>
+                                <a:gd name="T5" fmla="*/ 0 h 755"/>
+                                <a:gd name="T6" fmla="*/ 134 w 655"/>
+                                <a:gd name="T7" fmla="*/ 0 h 755"/>
+                                <a:gd name="T8" fmla="*/ 81 w 655"/>
+                                <a:gd name="T9" fmla="*/ 52 h 755"/>
+                                <a:gd name="T10" fmla="*/ 81 w 655"/>
+                                <a:gd name="T11" fmla="*/ 105 h 755"/>
+                                <a:gd name="T12" fmla="*/ 24 w 655"/>
+                                <a:gd name="T13" fmla="*/ 105 h 755"/>
+                                <a:gd name="T14" fmla="*/ 0 w 655"/>
+                                <a:gd name="T15" fmla="*/ 129 h 755"/>
+                                <a:gd name="T16" fmla="*/ 0 w 655"/>
+                                <a:gd name="T17" fmla="*/ 273 h 755"/>
+                                <a:gd name="T18" fmla="*/ 24 w 655"/>
+                                <a:gd name="T19" fmla="*/ 297 h 755"/>
+                                <a:gd name="T20" fmla="*/ 81 w 655"/>
+                                <a:gd name="T21" fmla="*/ 297 h 755"/>
+                                <a:gd name="T22" fmla="*/ 81 w 655"/>
+                                <a:gd name="T23" fmla="*/ 703 h 755"/>
+                                <a:gd name="T24" fmla="*/ 134 w 655"/>
+                                <a:gd name="T25" fmla="*/ 755 h 755"/>
+                                <a:gd name="T26" fmla="*/ 603 w 655"/>
+                                <a:gd name="T27" fmla="*/ 755 h 755"/>
+                                <a:gd name="T28" fmla="*/ 655 w 655"/>
+                                <a:gd name="T29" fmla="*/ 703 h 755"/>
+                                <a:gd name="T30" fmla="*/ 655 w 655"/>
+                                <a:gd name="T31" fmla="*/ 233 h 755"/>
+                                <a:gd name="T32" fmla="*/ 633 w 655"/>
+                                <a:gd name="T33" fmla="*/ 180 h 755"/>
+                              </a:gdLst>
+                              <a:ahLst/>
+                              <a:cxnLst>
+                                <a:cxn ang="0">
+                                  <a:pos x="T0" y="T1"/>
+                                </a:cxn>
+                                <a:cxn ang="0">
+                                  <a:pos x="T2" y="T3"/>
+                                </a:cxn>
+                                <a:cxn ang="0">
+                                  <a:pos x="T4" y="T5"/>
+                                </a:cxn>
+                                <a:cxn ang="0">
+                                  <a:pos x="T6" y="T7"/>
+                                </a:cxn>
+                                <a:cxn ang="0">
+                                  <a:pos x="T8" y="T9"/>
+                                </a:cxn>
+                                <a:cxn ang="0">
+                                  <a:pos x="T10" y="T11"/>
+                                </a:cxn>
+                                <a:cxn ang="0">
+                                  <a:pos x="T12" y="T13"/>
+                                </a:cxn>
+                                <a:cxn ang="0">
+                                  <a:pos x="T14" y="T15"/>
+                                </a:cxn>
+                                <a:cxn ang="0">
+                                  <a:pos x="T16" y="T17"/>
+                                </a:cxn>
+                                <a:cxn ang="0">
+                                  <a:pos x="T18" y="T19"/>
+                                </a:cxn>
+                                <a:cxn ang="0">
+                                  <a:pos x="T20" y="T21"/>
+                                </a:cxn>
+                                <a:cxn ang="0">
+                                  <a:pos x="T22" y="T23"/>
+                                </a:cxn>
+                                <a:cxn ang="0">
+                                  <a:pos x="T24" y="T25"/>
+                                </a:cxn>
+                                <a:cxn ang="0">
+                                  <a:pos x="T26" y="T27"/>
+                                </a:cxn>
+                                <a:cxn ang="0">
+                                  <a:pos x="T28" y="T29"/>
+                                </a:cxn>
+                                <a:cxn ang="0">
+                                  <a:pos x="T30" y="T31"/>
+                                </a:cxn>
+                                <a:cxn ang="0">
+                                  <a:pos x="T32" y="T33"/>
+                                </a:cxn>
+                              </a:cxnLst>
+                              <a:rect l="0" t="0" r="r" b="b"/>
+                              <a:pathLst>
+                                <a:path w="655" h="755">
+                                  <a:moveTo>
+                                    <a:pt x="633" y="180"/>
+                                  </a:moveTo>
+                                  <a:cubicBezTo>
+                                    <a:pt x="467" y="21"/>
+                                    <a:pt x="467" y="21"/>
+                                    <a:pt x="467" y="21"/>
+                                  </a:cubicBezTo>
+                                  <a:cubicBezTo>
+                                    <a:pt x="454" y="8"/>
+                                    <a:pt x="433" y="0"/>
+                                    <a:pt x="414" y="0"/>
+                                  </a:cubicBezTo>
+                                  <a:cubicBezTo>
+                                    <a:pt x="134" y="0"/>
+                                    <a:pt x="134" y="0"/>
+                                    <a:pt x="134" y="0"/>
+                                  </a:cubicBezTo>
+                                  <a:cubicBezTo>
+                                    <a:pt x="105" y="0"/>
+                                    <a:pt x="81" y="23"/>
+                                    <a:pt x="81" y="52"/>
+                                  </a:cubicBezTo>
+                                  <a:cubicBezTo>
+                                    <a:pt x="81" y="70"/>
+                                    <a:pt x="81" y="88"/>
+                                    <a:pt x="81" y="105"/>
+                                  </a:cubicBezTo>
+                                  <a:cubicBezTo>
+                                    <a:pt x="24" y="105"/>
+                                    <a:pt x="24" y="105"/>
+                                    <a:pt x="24" y="105"/>
+                                  </a:cubicBezTo>
+                                  <a:cubicBezTo>
+                                    <a:pt x="11" y="105"/>
+                                    <a:pt x="0" y="116"/>
+                                    <a:pt x="0" y="129"/>
+                                  </a:cubicBezTo>
+                                  <a:cubicBezTo>
+                                    <a:pt x="0" y="273"/>
+                                    <a:pt x="0" y="273"/>
+                                    <a:pt x="0" y="273"/>
+                                  </a:cubicBezTo>
+                                  <a:cubicBezTo>
+                                    <a:pt x="0" y="287"/>
+                                    <a:pt x="11" y="297"/>
+                                    <a:pt x="24" y="297"/>
+                                  </a:cubicBezTo>
+                                  <a:cubicBezTo>
+                                    <a:pt x="81" y="297"/>
+                                    <a:pt x="81" y="297"/>
+                                    <a:pt x="81" y="297"/>
+                                  </a:cubicBezTo>
+                                  <a:cubicBezTo>
+                                    <a:pt x="81" y="703"/>
+                                    <a:pt x="81" y="703"/>
+                                    <a:pt x="81" y="703"/>
+                                  </a:cubicBezTo>
+                                  <a:cubicBezTo>
+                                    <a:pt x="81" y="732"/>
+                                    <a:pt x="105" y="755"/>
+                                    <a:pt x="134" y="755"/>
+                                  </a:cubicBezTo>
+                                  <a:cubicBezTo>
+                                    <a:pt x="603" y="755"/>
+                                    <a:pt x="603" y="755"/>
+                                    <a:pt x="603" y="755"/>
+                                  </a:cubicBezTo>
+                                  <a:cubicBezTo>
+                                    <a:pt x="632" y="755"/>
+                                    <a:pt x="655" y="732"/>
+                                    <a:pt x="655" y="703"/>
+                                  </a:cubicBezTo>
+                                  <a:cubicBezTo>
+                                    <a:pt x="655" y="233"/>
+                                    <a:pt x="655" y="233"/>
+                                    <a:pt x="655" y="233"/>
+                                  </a:cubicBezTo>
+                                  <a:cubicBezTo>
+                                    <a:pt x="655" y="215"/>
+                                    <a:pt x="646" y="193"/>
+                                    <a:pt x="633" y="180"/>
+                                  </a:cubicBezTo>
+                                  <a:close/>
+                                </a:path>
+                              </a:pathLst>
+                            </a:custGeom>
+                            <a:solidFill>
+                              <a:srgbClr val="002B62"/>
+                            </a:solidFill>
+                            <a:ln>
+                              <a:noFill/>
+                            </a:ln>
+                          </p:spPr>
+                          <p:txBody>
+                            <a:bodyPr vert="horz" wrap="square" lIns="91440" tIns="45720" rIns="91440" bIns="45720" numCol="1" anchor="t" anchorCtr="0" compatLnSpc="1">
+                              <a:prstTxWarp prst="textNoShape">
+                                <a:avLst/>
+                              </a:prstTxWarp>
+                            </a:bodyPr>
+                            <a:lstStyle/>
+                            <a:p>
+                              <a:pPr marL="0" marR="0" lvl="0" indent="0" defTabSz="914400" eaLnBrk="1" fontAlgn="auto" latinLnBrk="0" hangingPunct="1">
+                                <a:lnSpc>
+                                  <a:spcPct val="100000"/>
+                                </a:lnSpc>
+                                <a:spcBef>
+                                  <a:spcPts val="0"/>
+                                </a:spcBef>
+                                <a:spcAft>
+                                  <a:spcPts val="0"/>
+                                </a:spcAft>
+                                <a:buClrTx/>
+                                <a:buSzTx/>
+                                <a:buFontTx/>
+                                <a:buNone/>
+                                <a:tabLst/>
+                                <a:defRPr/>
+                              </a:pPr>
+                              <a:endParaRPr kumimoji="0" lang="en-US" sz="1800" b="0" i="0" u="none" strike="noStrike" kern="0" cap="none" spc="0" normalizeH="0" baseline="0" noProof="0">
+                                <a:ln>
+                                  <a:noFill/>
+                                </a:ln>
+                                <a:solidFill>
+                                  <a:srgbClr val="000000"/>
+                                </a:solidFill>
+                                <a:effectLst/>
+                                <a:uLnTx/>
+                                <a:uFillTx/>
+                              </a:endParaRPr>
+                            </a:p>
+                          </p:txBody>
+                        </p:sp>
+                        <p:sp>
+                          <p:nvSpPr>
+                            <p:cNvPr id="25" name="フリーフォーム 79">
+                              <a:extLst>
+                                <a:ext uri="{FF2B5EF4-FFF2-40B4-BE49-F238E27FC236}">
+                                  <a16:creationId xmlns:a16="http://schemas.microsoft.com/office/drawing/2014/main" id="{E38409C5-A7F4-43F4-85DC-D331D71FA395}"/>
+                                </a:ext>
+                              </a:extLst>
+                            </p:cNvPr>
+                            <p:cNvSpPr>
+                              <a:spLocks noChangeAspect="1"/>
+                            </p:cNvSpPr>
+                            <p:nvPr/>
+                          </p:nvSpPr>
+                          <p:spPr bwMode="gray">
+                            <a:xfrm>
+                              <a:off x="-999459" y="300994"/>
+                              <a:ext cx="2578929" cy="3528794"/>
+                            </a:xfrm>
+                            <a:custGeom>
+                              <a:avLst/>
+                              <a:gdLst>
+                                <a:gd name="connsiteX0" fmla="*/ 316700 w 1887538"/>
+                                <a:gd name="connsiteY0" fmla="*/ 2041525 h 2571750"/>
+                                <a:gd name="connsiteX1" fmla="*/ 271463 w 1887538"/>
+                                <a:gd name="connsiteY1" fmla="*/ 2085975 h 2571750"/>
+                                <a:gd name="connsiteX2" fmla="*/ 316700 w 1887538"/>
+                                <a:gd name="connsiteY2" fmla="*/ 2130425 h 2571750"/>
+                                <a:gd name="connsiteX3" fmla="*/ 557964 w 1887538"/>
+                                <a:gd name="connsiteY3" fmla="*/ 2130425 h 2571750"/>
+                                <a:gd name="connsiteX4" fmla="*/ 580583 w 1887538"/>
+                                <a:gd name="connsiteY4" fmla="*/ 2130425 h 2571750"/>
+                                <a:gd name="connsiteX5" fmla="*/ 614511 w 1887538"/>
+                                <a:gd name="connsiteY5" fmla="*/ 2130425 h 2571750"/>
+                                <a:gd name="connsiteX6" fmla="*/ 618281 w 1887538"/>
+                                <a:gd name="connsiteY6" fmla="*/ 2130425 h 2571750"/>
+                                <a:gd name="connsiteX7" fmla="*/ 1564489 w 1887538"/>
+                                <a:gd name="connsiteY7" fmla="*/ 2130425 h 2571750"/>
+                                <a:gd name="connsiteX8" fmla="*/ 1609726 w 1887538"/>
+                                <a:gd name="connsiteY8" fmla="*/ 2085975 h 2571750"/>
+                                <a:gd name="connsiteX9" fmla="*/ 1564489 w 1887538"/>
+                                <a:gd name="connsiteY9" fmla="*/ 2041525 h 2571750"/>
+                                <a:gd name="connsiteX10" fmla="*/ 618281 w 1887538"/>
+                                <a:gd name="connsiteY10" fmla="*/ 2041525 h 2571750"/>
+                                <a:gd name="connsiteX11" fmla="*/ 610741 w 1887538"/>
+                                <a:gd name="connsiteY11" fmla="*/ 2041525 h 2571750"/>
+                                <a:gd name="connsiteX12" fmla="*/ 573043 w 1887538"/>
+                                <a:gd name="connsiteY12" fmla="*/ 2041525 h 2571750"/>
+                                <a:gd name="connsiteX13" fmla="*/ 557964 w 1887538"/>
+                                <a:gd name="connsiteY13" fmla="*/ 2041525 h 2571750"/>
+                                <a:gd name="connsiteX14" fmla="*/ 316700 w 1887538"/>
+                                <a:gd name="connsiteY14" fmla="*/ 2041525 h 2571750"/>
+                                <a:gd name="connsiteX15" fmla="*/ 316700 w 1887538"/>
+                                <a:gd name="connsiteY15" fmla="*/ 1646237 h 2571750"/>
+                                <a:gd name="connsiteX16" fmla="*/ 271463 w 1887538"/>
+                                <a:gd name="connsiteY16" fmla="*/ 1694942 h 2571750"/>
+                                <a:gd name="connsiteX17" fmla="*/ 316700 w 1887538"/>
+                                <a:gd name="connsiteY17" fmla="*/ 1739900 h 2571750"/>
+                                <a:gd name="connsiteX18" fmla="*/ 557964 w 1887538"/>
+                                <a:gd name="connsiteY18" fmla="*/ 1739900 h 2571750"/>
+                                <a:gd name="connsiteX19" fmla="*/ 580583 w 1887538"/>
+                                <a:gd name="connsiteY19" fmla="*/ 1739900 h 2571750"/>
+                                <a:gd name="connsiteX20" fmla="*/ 614511 w 1887538"/>
+                                <a:gd name="connsiteY20" fmla="*/ 1739900 h 2571750"/>
+                                <a:gd name="connsiteX21" fmla="*/ 618281 w 1887538"/>
+                                <a:gd name="connsiteY21" fmla="*/ 1739900 h 2571750"/>
+                                <a:gd name="connsiteX22" fmla="*/ 1564489 w 1887538"/>
+                                <a:gd name="connsiteY22" fmla="*/ 1739900 h 2571750"/>
+                                <a:gd name="connsiteX23" fmla="*/ 1609726 w 1887538"/>
+                                <a:gd name="connsiteY23" fmla="*/ 1694942 h 2571750"/>
+                                <a:gd name="connsiteX24" fmla="*/ 1564489 w 1887538"/>
+                                <a:gd name="connsiteY24" fmla="*/ 1646237 h 2571750"/>
+                                <a:gd name="connsiteX25" fmla="*/ 618281 w 1887538"/>
+                                <a:gd name="connsiteY25" fmla="*/ 1646237 h 2571750"/>
+                                <a:gd name="connsiteX26" fmla="*/ 610741 w 1887538"/>
+                                <a:gd name="connsiteY26" fmla="*/ 1646237 h 2571750"/>
+                                <a:gd name="connsiteX27" fmla="*/ 573043 w 1887538"/>
+                                <a:gd name="connsiteY27" fmla="*/ 1646237 h 2571750"/>
+                                <a:gd name="connsiteX28" fmla="*/ 557964 w 1887538"/>
+                                <a:gd name="connsiteY28" fmla="*/ 1646237 h 2571750"/>
+                                <a:gd name="connsiteX29" fmla="*/ 316700 w 1887538"/>
+                                <a:gd name="connsiteY29" fmla="*/ 1646237 h 2571750"/>
+                                <a:gd name="connsiteX30" fmla="*/ 316700 w 1887538"/>
+                                <a:gd name="connsiteY30" fmla="*/ 1249362 h 2571750"/>
+                                <a:gd name="connsiteX31" fmla="*/ 271463 w 1887538"/>
+                                <a:gd name="connsiteY31" fmla="*/ 1298892 h 2571750"/>
+                                <a:gd name="connsiteX32" fmla="*/ 316700 w 1887538"/>
+                                <a:gd name="connsiteY32" fmla="*/ 1344612 h 2571750"/>
+                                <a:gd name="connsiteX33" fmla="*/ 557964 w 1887538"/>
+                                <a:gd name="connsiteY33" fmla="*/ 1344612 h 2571750"/>
+                                <a:gd name="connsiteX34" fmla="*/ 580583 w 1887538"/>
+                                <a:gd name="connsiteY34" fmla="*/ 1344612 h 2571750"/>
+                                <a:gd name="connsiteX35" fmla="*/ 614511 w 1887538"/>
+                                <a:gd name="connsiteY35" fmla="*/ 1344612 h 2571750"/>
+                                <a:gd name="connsiteX36" fmla="*/ 618281 w 1887538"/>
+                                <a:gd name="connsiteY36" fmla="*/ 1344612 h 2571750"/>
+                                <a:gd name="connsiteX37" fmla="*/ 1564489 w 1887538"/>
+                                <a:gd name="connsiteY37" fmla="*/ 1344612 h 2571750"/>
+                                <a:gd name="connsiteX38" fmla="*/ 1609726 w 1887538"/>
+                                <a:gd name="connsiteY38" fmla="*/ 1298892 h 2571750"/>
+                                <a:gd name="connsiteX39" fmla="*/ 1564489 w 1887538"/>
+                                <a:gd name="connsiteY39" fmla="*/ 1249362 h 2571750"/>
+                                <a:gd name="connsiteX40" fmla="*/ 618281 w 1887538"/>
+                                <a:gd name="connsiteY40" fmla="*/ 1249362 h 2571750"/>
+                                <a:gd name="connsiteX41" fmla="*/ 610741 w 1887538"/>
+                                <a:gd name="connsiteY41" fmla="*/ 1249362 h 2571750"/>
+                                <a:gd name="connsiteX42" fmla="*/ 573043 w 1887538"/>
+                                <a:gd name="connsiteY42" fmla="*/ 1249362 h 2571750"/>
+                                <a:gd name="connsiteX43" fmla="*/ 557964 w 1887538"/>
+                                <a:gd name="connsiteY43" fmla="*/ 1249362 h 2571750"/>
+                                <a:gd name="connsiteX44" fmla="*/ 316700 w 1887538"/>
+                                <a:gd name="connsiteY44" fmla="*/ 1249362 h 2571750"/>
+                                <a:gd name="connsiteX45" fmla="*/ 1220789 w 1887538"/>
+                                <a:gd name="connsiteY45" fmla="*/ 41276 h 2571750"/>
+                                <a:gd name="connsiteX46" fmla="*/ 1843089 w 1887538"/>
+                                <a:gd name="connsiteY46" fmla="*/ 639764 h 2571750"/>
+                                <a:gd name="connsiteX47" fmla="*/ 1220789 w 1887538"/>
+                                <a:gd name="connsiteY47" fmla="*/ 639764 h 2571750"/>
+                                <a:gd name="connsiteX48" fmla="*/ 56513 w 1887538"/>
+                                <a:gd name="connsiteY48" fmla="*/ 0 h 2571750"/>
+                                <a:gd name="connsiteX49" fmla="*/ 557596 w 1887538"/>
+                                <a:gd name="connsiteY49" fmla="*/ 0 h 2571750"/>
+                                <a:gd name="connsiteX50" fmla="*/ 587736 w 1887538"/>
+                                <a:gd name="connsiteY50" fmla="*/ 0 h 2571750"/>
+                                <a:gd name="connsiteX51" fmla="*/ 610342 w 1887538"/>
+                                <a:gd name="connsiteY51" fmla="*/ 0 h 2571750"/>
+                                <a:gd name="connsiteX52" fmla="*/ 617877 w 1887538"/>
+                                <a:gd name="connsiteY52" fmla="*/ 0 h 2571750"/>
+                                <a:gd name="connsiteX53" fmla="*/ 1115192 w 1887538"/>
+                                <a:gd name="connsiteY53" fmla="*/ 0 h 2571750"/>
+                                <a:gd name="connsiteX54" fmla="*/ 1130262 w 1887538"/>
+                                <a:gd name="connsiteY54" fmla="*/ 0 h 2571750"/>
+                                <a:gd name="connsiteX55" fmla="*/ 1130262 w 1887538"/>
+                                <a:gd name="connsiteY55" fmla="*/ 681532 h 2571750"/>
+                                <a:gd name="connsiteX56" fmla="*/ 1175473 w 1887538"/>
+                                <a:gd name="connsiteY56" fmla="*/ 726717 h 2571750"/>
+                                <a:gd name="connsiteX57" fmla="*/ 1887538 w 1887538"/>
+                                <a:gd name="connsiteY57" fmla="*/ 726717 h 2571750"/>
+                                <a:gd name="connsiteX58" fmla="*/ 1887538 w 1887538"/>
+                                <a:gd name="connsiteY58" fmla="*/ 745544 h 2571750"/>
+                                <a:gd name="connsiteX59" fmla="*/ 1887538 w 1887538"/>
+                                <a:gd name="connsiteY59" fmla="*/ 2511504 h 2571750"/>
+                                <a:gd name="connsiteX60" fmla="*/ 1827257 w 1887538"/>
+                                <a:gd name="connsiteY60" fmla="*/ 2571750 h 2571750"/>
+                                <a:gd name="connsiteX61" fmla="*/ 617877 w 1887538"/>
+                                <a:gd name="connsiteY61" fmla="*/ 2571750 h 2571750"/>
+                                <a:gd name="connsiteX62" fmla="*/ 576434 w 1887538"/>
+                                <a:gd name="connsiteY62" fmla="*/ 2571750 h 2571750"/>
+                                <a:gd name="connsiteX63" fmla="*/ 557596 w 1887538"/>
+                                <a:gd name="connsiteY63" fmla="*/ 2571750 h 2571750"/>
+                                <a:gd name="connsiteX64" fmla="*/ 56513 w 1887538"/>
+                                <a:gd name="connsiteY64" fmla="*/ 2571750 h 2571750"/>
+                                <a:gd name="connsiteX65" fmla="*/ 0 w 1887538"/>
+                                <a:gd name="connsiteY65" fmla="*/ 2511504 h 2571750"/>
+                                <a:gd name="connsiteX66" fmla="*/ 0 w 1887538"/>
+                                <a:gd name="connsiteY66" fmla="*/ 982762 h 2571750"/>
+                                <a:gd name="connsiteX67" fmla="*/ 851464 w 1887538"/>
+                                <a:gd name="connsiteY67" fmla="*/ 982762 h 2571750"/>
+                                <a:gd name="connsiteX68" fmla="*/ 941885 w 1887538"/>
+                                <a:gd name="connsiteY68" fmla="*/ 892393 h 2571750"/>
+                                <a:gd name="connsiteX69" fmla="*/ 941885 w 1887538"/>
+                                <a:gd name="connsiteY69" fmla="*/ 350180 h 2571750"/>
+                                <a:gd name="connsiteX70" fmla="*/ 851464 w 1887538"/>
+                                <a:gd name="connsiteY70" fmla="*/ 259811 h 2571750"/>
+                                <a:gd name="connsiteX71" fmla="*/ 0 w 1887538"/>
+                                <a:gd name="connsiteY71" fmla="*/ 259811 h 2571750"/>
+                                <a:gd name="connsiteX72" fmla="*/ 0 w 1887538"/>
+                                <a:gd name="connsiteY72" fmla="*/ 60246 h 2571750"/>
+                                <a:gd name="connsiteX73" fmla="*/ 56513 w 1887538"/>
+                                <a:gd name="connsiteY73" fmla="*/ 0 h 2571750"/>
+                              </a:gdLst>
+                              <a:ahLst/>
+                              <a:cxnLst>
+                                <a:cxn ang="0">
+                                  <a:pos x="connsiteX0" y="connsiteY0"/>
+                                </a:cxn>
+                                <a:cxn ang="0">
+                                  <a:pos x="connsiteX1" y="connsiteY1"/>
+                                </a:cxn>
+                                <a:cxn ang="0">
+                                  <a:pos x="connsiteX2" y="connsiteY2"/>
+                                </a:cxn>
+                                <a:cxn ang="0">
+                                  <a:pos x="connsiteX3" y="connsiteY3"/>
+                                </a:cxn>
+                                <a:cxn ang="0">
+                                  <a:pos x="connsiteX4" y="connsiteY4"/>
+                                </a:cxn>
+                                <a:cxn ang="0">
+                                  <a:pos x="connsiteX5" y="connsiteY5"/>
+                                </a:cxn>
+                                <a:cxn ang="0">
+                                  <a:pos x="connsiteX6" y="connsiteY6"/>
+                                </a:cxn>
+                                <a:cxn ang="0">
+                                  <a:pos x="connsiteX7" y="connsiteY7"/>
+                                </a:cxn>
+                                <a:cxn ang="0">
+                                  <a:pos x="connsiteX8" y="connsiteY8"/>
+                                </a:cxn>
+                                <a:cxn ang="0">
+                                  <a:pos x="connsiteX9" y="connsiteY9"/>
+                                </a:cxn>
+                                <a:cxn ang="0">
+                                  <a:pos x="connsiteX10" y="connsiteY10"/>
+                                </a:cxn>
+                                <a:cxn ang="0">
+                                  <a:pos x="connsiteX11" y="connsiteY11"/>
+                                </a:cxn>
+                                <a:cxn ang="0">
+                                  <a:pos x="connsiteX12" y="connsiteY12"/>
+                                </a:cxn>
+                                <a:cxn ang="0">
+                                  <a:pos x="connsiteX13" y="connsiteY13"/>
+                                </a:cxn>
+                                <a:cxn ang="0">
+                                  <a:pos x="connsiteX14" y="connsiteY14"/>
+                                </a:cxn>
+                                <a:cxn ang="0">
+                                  <a:pos x="connsiteX15" y="connsiteY15"/>
+                                </a:cxn>
+                                <a:cxn ang="0">
+                                  <a:pos x="connsiteX16" y="connsiteY16"/>
+                                </a:cxn>
+                                <a:cxn ang="0">
+                                  <a:pos x="connsiteX17" y="connsiteY17"/>
+                                </a:cxn>
+                                <a:cxn ang="0">
+                                  <a:pos x="connsiteX18" y="connsiteY18"/>
+                                </a:cxn>
+                                <a:cxn ang="0">
+                                  <a:pos x="connsiteX19" y="connsiteY19"/>
+                                </a:cxn>
+                                <a:cxn ang="0">
+                                  <a:pos x="connsiteX20" y="connsiteY20"/>
+                                </a:cxn>
+                                <a:cxn ang="0">
+                                  <a:pos x="connsiteX21" y="connsiteY21"/>
+                                </a:cxn>
+                                <a:cxn ang="0">
+                                  <a:pos x="connsiteX22" y="connsiteY22"/>
+                                </a:cxn>
+                                <a:cxn ang="0">
+                                  <a:pos x="connsiteX23" y="connsiteY23"/>
+                                </a:cxn>
+                                <a:cxn ang="0">
+                                  <a:pos x="connsiteX24" y="connsiteY24"/>
+                                </a:cxn>
+                                <a:cxn ang="0">
+                                  <a:pos x="connsiteX25" y="connsiteY25"/>
+                                </a:cxn>
+                                <a:cxn ang="0">
+                                  <a:pos x="connsiteX26" y="connsiteY26"/>
+                                </a:cxn>
+                                <a:cxn ang="0">
+                                  <a:pos x="connsiteX27" y="connsiteY27"/>
+                                </a:cxn>
+                                <a:cxn ang="0">
+                                  <a:pos x="connsiteX28" y="connsiteY28"/>
+                                </a:cxn>
+                                <a:cxn ang="0">
+                                  <a:pos x="connsiteX29" y="connsiteY29"/>
+                                </a:cxn>
+                                <a:cxn ang="0">
+                                  <a:pos x="connsiteX30" y="connsiteY30"/>
+                                </a:cxn>
+                                <a:cxn ang="0">
+                                  <a:pos x="connsiteX31" y="connsiteY31"/>
+                                </a:cxn>
+                                <a:cxn ang="0">
+                                  <a:pos x="connsiteX32" y="connsiteY32"/>
+                                </a:cxn>
+                                <a:cxn ang="0">
+                                  <a:pos x="connsiteX33" y="connsiteY33"/>
+                                </a:cxn>
+                                <a:cxn ang="0">
+                                  <a:pos x="connsiteX34" y="connsiteY34"/>
+                                </a:cxn>
+                                <a:cxn ang="0">
+                                  <a:pos x="connsiteX35" y="connsiteY35"/>
+                                </a:cxn>
+                                <a:cxn ang="0">
+                                  <a:pos x="connsiteX36" y="connsiteY36"/>
+                                </a:cxn>
+                                <a:cxn ang="0">
+                                  <a:pos x="connsiteX37" y="connsiteY37"/>
+                                </a:cxn>
+                                <a:cxn ang="0">
+                                  <a:pos x="connsiteX38" y="connsiteY38"/>
+                                </a:cxn>
+                                <a:cxn ang="0">
+                                  <a:pos x="connsiteX39" y="connsiteY39"/>
+                                </a:cxn>
+                                <a:cxn ang="0">
+                                  <a:pos x="connsiteX40" y="connsiteY40"/>
+                                </a:cxn>
+                                <a:cxn ang="0">
+                                  <a:pos x="connsiteX41" y="connsiteY41"/>
+                                </a:cxn>
+                                <a:cxn ang="0">
+                                  <a:pos x="connsiteX42" y="connsiteY42"/>
+                                </a:cxn>
+                                <a:cxn ang="0">
+                                  <a:pos x="connsiteX43" y="connsiteY43"/>
+                                </a:cxn>
+                                <a:cxn ang="0">
+                                  <a:pos x="connsiteX44" y="connsiteY44"/>
+                                </a:cxn>
+                                <a:cxn ang="0">
+                                  <a:pos x="connsiteX45" y="connsiteY45"/>
+                                </a:cxn>
+                                <a:cxn ang="0">
+                                  <a:pos x="connsiteX46" y="connsiteY46"/>
+                                </a:cxn>
+                                <a:cxn ang="0">
+                                  <a:pos x="connsiteX47" y="connsiteY47"/>
+                                </a:cxn>
+                                <a:cxn ang="0">
+                                  <a:pos x="connsiteX48" y="connsiteY48"/>
+                                </a:cxn>
+                                <a:cxn ang="0">
+                                  <a:pos x="connsiteX49" y="connsiteY49"/>
+                                </a:cxn>
+                                <a:cxn ang="0">
+                                  <a:pos x="connsiteX50" y="connsiteY50"/>
+                                </a:cxn>
+                                <a:cxn ang="0">
+                                  <a:pos x="connsiteX51" y="connsiteY51"/>
+                                </a:cxn>
+                                <a:cxn ang="0">
+                                  <a:pos x="connsiteX52" y="connsiteY52"/>
+                                </a:cxn>
+                                <a:cxn ang="0">
+                                  <a:pos x="connsiteX53" y="connsiteY53"/>
+                                </a:cxn>
+                                <a:cxn ang="0">
+                                  <a:pos x="connsiteX54" y="connsiteY54"/>
+                                </a:cxn>
+                                <a:cxn ang="0">
+                                  <a:pos x="connsiteX55" y="connsiteY55"/>
+                                </a:cxn>
+                                <a:cxn ang="0">
+                                  <a:pos x="connsiteX56" y="connsiteY56"/>
+                                </a:cxn>
+                                <a:cxn ang="0">
+                                  <a:pos x="connsiteX57" y="connsiteY57"/>
+                                </a:cxn>
+                                <a:cxn ang="0">
+                                  <a:pos x="connsiteX58" y="connsiteY58"/>
+                                </a:cxn>
+                                <a:cxn ang="0">
+                                  <a:pos x="connsiteX59" y="connsiteY59"/>
+                                </a:cxn>
+                                <a:cxn ang="0">
+                                  <a:pos x="connsiteX60" y="connsiteY60"/>
+                                </a:cxn>
+                                <a:cxn ang="0">
+                                  <a:pos x="connsiteX61" y="connsiteY61"/>
+                                </a:cxn>
+                                <a:cxn ang="0">
+                                  <a:pos x="connsiteX62" y="connsiteY62"/>
+                                </a:cxn>
+                                <a:cxn ang="0">
+                                  <a:pos x="connsiteX63" y="connsiteY63"/>
+                                </a:cxn>
+                                <a:cxn ang="0">
+                                  <a:pos x="connsiteX64" y="connsiteY64"/>
+                                </a:cxn>
+                                <a:cxn ang="0">
+                                  <a:pos x="connsiteX65" y="connsiteY65"/>
+                                </a:cxn>
+                                <a:cxn ang="0">
+                                  <a:pos x="connsiteX66" y="connsiteY66"/>
+                                </a:cxn>
+                                <a:cxn ang="0">
+                                  <a:pos x="connsiteX67" y="connsiteY67"/>
+                                </a:cxn>
+                                <a:cxn ang="0">
+                                  <a:pos x="connsiteX68" y="connsiteY68"/>
+                                </a:cxn>
+                                <a:cxn ang="0">
+                                  <a:pos x="connsiteX69" y="connsiteY69"/>
+                                </a:cxn>
+                                <a:cxn ang="0">
+                                  <a:pos x="connsiteX70" y="connsiteY70"/>
+                                </a:cxn>
+                                <a:cxn ang="0">
+                                  <a:pos x="connsiteX71" y="connsiteY71"/>
+                                </a:cxn>
+                                <a:cxn ang="0">
+                                  <a:pos x="connsiteX72" y="connsiteY72"/>
+                                </a:cxn>
+                                <a:cxn ang="0">
+                                  <a:pos x="connsiteX73" y="connsiteY73"/>
+                                </a:cxn>
+                              </a:cxnLst>
+                              <a:rect l="l" t="t" r="r" b="b"/>
+                              <a:pathLst>
+                                <a:path w="1887538" h="2571750">
+                                  <a:moveTo>
+                                    <a:pt x="316700" y="2041525"/>
+                                  </a:moveTo>
+                                  <a:cubicBezTo>
+                                    <a:pt x="290312" y="2041525"/>
+                                    <a:pt x="271463" y="2060046"/>
+                                    <a:pt x="271463" y="2085975"/>
+                                  </a:cubicBezTo>
+                                  <a:cubicBezTo>
+                                    <a:pt x="271463" y="2111904"/>
+                                    <a:pt x="290312" y="2130425"/>
+                                    <a:pt x="316700" y="2130425"/>
+                                  </a:cubicBezTo>
+                                  <a:cubicBezTo>
+                                    <a:pt x="441102" y="2130425"/>
+                                    <a:pt x="512727" y="2130425"/>
+                                    <a:pt x="557964" y="2130425"/>
+                                  </a:cubicBezTo>
+                                  <a:cubicBezTo>
+                                    <a:pt x="565504" y="2130425"/>
+                                    <a:pt x="573043" y="2130425"/>
+                                    <a:pt x="580583" y="2130425"/>
+                                  </a:cubicBezTo>
+                                  <a:cubicBezTo>
+                                    <a:pt x="580583" y="2130425"/>
+                                    <a:pt x="580583" y="2130425"/>
+                                    <a:pt x="614511" y="2130425"/>
+                                  </a:cubicBezTo>
+                                  <a:cubicBezTo>
+                                    <a:pt x="618281" y="2130425"/>
+                                    <a:pt x="618281" y="2130425"/>
+                                    <a:pt x="618281" y="2130425"/>
+                                  </a:cubicBezTo>
+                                  <a:cubicBezTo>
+                                    <a:pt x="1556949" y="2130425"/>
+                                    <a:pt x="1564489" y="2130425"/>
+                                    <a:pt x="1564489" y="2130425"/>
+                                  </a:cubicBezTo>
+                                  <a:cubicBezTo>
+                                    <a:pt x="1590877" y="2130425"/>
+                                    <a:pt x="1609726" y="2111904"/>
+                                    <a:pt x="1609726" y="2085975"/>
+                                  </a:cubicBezTo>
+                                  <a:cubicBezTo>
+                                    <a:pt x="1609726" y="2060046"/>
+                                    <a:pt x="1590877" y="2041525"/>
+                                    <a:pt x="1564489" y="2041525"/>
+                                  </a:cubicBezTo>
+                                  <a:cubicBezTo>
+                                    <a:pt x="957558" y="2041525"/>
+                                    <a:pt x="716294" y="2041525"/>
+                                    <a:pt x="618281" y="2041525"/>
+                                  </a:cubicBezTo>
+                                  <a:cubicBezTo>
+                                    <a:pt x="618281" y="2041525"/>
+                                    <a:pt x="618281" y="2041525"/>
+                                    <a:pt x="610741" y="2041525"/>
+                                  </a:cubicBezTo>
+                                  <a:cubicBezTo>
+                                    <a:pt x="610741" y="2041525"/>
+                                    <a:pt x="610741" y="2041525"/>
+                                    <a:pt x="573043" y="2041525"/>
+                                  </a:cubicBezTo>
+                                  <a:cubicBezTo>
+                                    <a:pt x="573043" y="2041525"/>
+                                    <a:pt x="573043" y="2041525"/>
+                                    <a:pt x="557964" y="2041525"/>
+                                  </a:cubicBezTo>
+                                  <a:cubicBezTo>
+                                    <a:pt x="316700" y="2041525"/>
+                                    <a:pt x="316700" y="2041525"/>
+                                    <a:pt x="316700" y="2041525"/>
+                                  </a:cubicBezTo>
+                                  <a:close/>
+                                  <a:moveTo>
+                                    <a:pt x="316700" y="1646237"/>
+                                  </a:moveTo>
+                                  <a:cubicBezTo>
+                                    <a:pt x="290312" y="1646237"/>
+                                    <a:pt x="271463" y="1668716"/>
+                                    <a:pt x="271463" y="1694942"/>
+                                  </a:cubicBezTo>
+                                  <a:cubicBezTo>
+                                    <a:pt x="271463" y="1717421"/>
+                                    <a:pt x="290312" y="1739900"/>
+                                    <a:pt x="316700" y="1739900"/>
+                                  </a:cubicBezTo>
+                                  <a:cubicBezTo>
+                                    <a:pt x="441102" y="1739900"/>
+                                    <a:pt x="512727" y="1739900"/>
+                                    <a:pt x="557964" y="1739900"/>
+                                  </a:cubicBezTo>
+                                  <a:cubicBezTo>
+                                    <a:pt x="565504" y="1739900"/>
+                                    <a:pt x="573043" y="1739900"/>
+                                    <a:pt x="580583" y="1739900"/>
+                                  </a:cubicBezTo>
+                                  <a:cubicBezTo>
+                                    <a:pt x="580583" y="1739900"/>
+                                    <a:pt x="580583" y="1739900"/>
+                                    <a:pt x="614511" y="1739900"/>
+                                  </a:cubicBezTo>
+                                  <a:cubicBezTo>
+                                    <a:pt x="614511" y="1739900"/>
+                                    <a:pt x="614511" y="1739900"/>
+                                    <a:pt x="618281" y="1739900"/>
+                                  </a:cubicBezTo>
+                                  <a:cubicBezTo>
+                                    <a:pt x="1556949" y="1739900"/>
+                                    <a:pt x="1564489" y="1739900"/>
+                                    <a:pt x="1564489" y="1739900"/>
+                                  </a:cubicBezTo>
+                                  <a:cubicBezTo>
+                                    <a:pt x="1590877" y="1739900"/>
+                                    <a:pt x="1609726" y="1717421"/>
+                                    <a:pt x="1609726" y="1694942"/>
+                                  </a:cubicBezTo>
+                                  <a:cubicBezTo>
+                                    <a:pt x="1609726" y="1668716"/>
+                                    <a:pt x="1590877" y="1646237"/>
+                                    <a:pt x="1564489" y="1646237"/>
+                                  </a:cubicBezTo>
+                                  <a:cubicBezTo>
+                                    <a:pt x="957558" y="1646237"/>
+                                    <a:pt x="716294" y="1646237"/>
+                                    <a:pt x="618281" y="1646237"/>
+                                  </a:cubicBezTo>
+                                  <a:cubicBezTo>
+                                    <a:pt x="618281" y="1646237"/>
+                                    <a:pt x="618281" y="1646237"/>
+                                    <a:pt x="610741" y="1646237"/>
+                                  </a:cubicBezTo>
+                                  <a:cubicBezTo>
+                                    <a:pt x="610741" y="1646237"/>
+                                    <a:pt x="610741" y="1646237"/>
+                                    <a:pt x="573043" y="1646237"/>
+                                  </a:cubicBezTo>
+                                  <a:cubicBezTo>
+                                    <a:pt x="573043" y="1646237"/>
+                                    <a:pt x="573043" y="1646237"/>
+                                    <a:pt x="557964" y="1646237"/>
+                                  </a:cubicBezTo>
+                                  <a:cubicBezTo>
+                                    <a:pt x="316700" y="1646237"/>
+                                    <a:pt x="316700" y="1646237"/>
+                                    <a:pt x="316700" y="1646237"/>
+                                  </a:cubicBezTo>
+                                  <a:close/>
+                                  <a:moveTo>
+                                    <a:pt x="316700" y="1249362"/>
+                                  </a:moveTo>
+                                  <a:cubicBezTo>
+                                    <a:pt x="290312" y="1249362"/>
+                                    <a:pt x="271463" y="1272222"/>
+                                    <a:pt x="271463" y="1298892"/>
+                                  </a:cubicBezTo>
+                                  <a:cubicBezTo>
+                                    <a:pt x="271463" y="1321752"/>
+                                    <a:pt x="290312" y="1344612"/>
+                                    <a:pt x="316700" y="1344612"/>
+                                  </a:cubicBezTo>
+                                  <a:cubicBezTo>
+                                    <a:pt x="441102" y="1344612"/>
+                                    <a:pt x="512727" y="1344612"/>
+                                    <a:pt x="557964" y="1344612"/>
+                                  </a:cubicBezTo>
+                                  <a:cubicBezTo>
+                                    <a:pt x="565504" y="1344612"/>
+                                    <a:pt x="573043" y="1344612"/>
+                                    <a:pt x="580583" y="1344612"/>
+                                  </a:cubicBezTo>
+                                  <a:cubicBezTo>
+                                    <a:pt x="580583" y="1344612"/>
+                                    <a:pt x="580583" y="1344612"/>
+                                    <a:pt x="614511" y="1344612"/>
+                                  </a:cubicBezTo>
+                                  <a:cubicBezTo>
+                                    <a:pt x="618281" y="1344612"/>
+                                    <a:pt x="618281" y="1344612"/>
+                                    <a:pt x="618281" y="1344612"/>
+                                  </a:cubicBezTo>
+                                  <a:cubicBezTo>
+                                    <a:pt x="1556949" y="1344612"/>
+                                    <a:pt x="1564489" y="1344612"/>
+                                    <a:pt x="1564489" y="1344612"/>
+                                  </a:cubicBezTo>
+                                  <a:cubicBezTo>
+                                    <a:pt x="1590877" y="1344612"/>
+                                    <a:pt x="1609726" y="1321752"/>
+                                    <a:pt x="1609726" y="1298892"/>
+                                  </a:cubicBezTo>
+                                  <a:cubicBezTo>
+                                    <a:pt x="1609726" y="1272222"/>
+                                    <a:pt x="1590877" y="1249362"/>
+                                    <a:pt x="1564489" y="1249362"/>
+                                  </a:cubicBezTo>
+                                  <a:cubicBezTo>
+                                    <a:pt x="957558" y="1249362"/>
+                                    <a:pt x="716294" y="1249362"/>
+                                    <a:pt x="618281" y="1249362"/>
+                                  </a:cubicBezTo>
+                                  <a:cubicBezTo>
+                                    <a:pt x="618281" y="1249362"/>
+                                    <a:pt x="618281" y="1249362"/>
+                                    <a:pt x="610741" y="1249362"/>
+                                  </a:cubicBezTo>
+                                  <a:cubicBezTo>
+                                    <a:pt x="610741" y="1249362"/>
+                                    <a:pt x="610741" y="1249362"/>
+                                    <a:pt x="573043" y="1249362"/>
+                                  </a:cubicBezTo>
+                                  <a:cubicBezTo>
+                                    <a:pt x="573043" y="1249362"/>
+                                    <a:pt x="573043" y="1249362"/>
+                                    <a:pt x="557964" y="1249362"/>
+                                  </a:cubicBezTo>
+                                  <a:cubicBezTo>
+                                    <a:pt x="316700" y="1249362"/>
+                                    <a:pt x="316700" y="1249362"/>
+                                    <a:pt x="316700" y="1249362"/>
+                                  </a:cubicBezTo>
+                                  <a:close/>
+                                  <a:moveTo>
+                                    <a:pt x="1220789" y="41276"/>
+                                  </a:moveTo>
+                                  <a:lnTo>
+                                    <a:pt x="1843089" y="639764"/>
+                                  </a:lnTo>
+                                  <a:lnTo>
+                                    <a:pt x="1220789" y="639764"/>
+                                  </a:lnTo>
+                                  <a:close/>
+                                  <a:moveTo>
+                                    <a:pt x="56513" y="0"/>
+                                  </a:moveTo>
+                                  <a:cubicBezTo>
+                                    <a:pt x="346614" y="0"/>
+                                    <a:pt x="489780" y="0"/>
+                                    <a:pt x="557596" y="0"/>
+                                  </a:cubicBezTo>
+                                  <a:cubicBezTo>
+                                    <a:pt x="568899" y="0"/>
+                                    <a:pt x="580201" y="0"/>
+                                    <a:pt x="587736" y="0"/>
+                                  </a:cubicBezTo>
+                                  <a:cubicBezTo>
+                                    <a:pt x="587736" y="0"/>
+                                    <a:pt x="587736" y="0"/>
+                                    <a:pt x="610342" y="0"/>
+                                  </a:cubicBezTo>
+                                  <a:cubicBezTo>
+                                    <a:pt x="610342" y="0"/>
+                                    <a:pt x="610342" y="0"/>
+                                    <a:pt x="617877" y="0"/>
+                                  </a:cubicBezTo>
+                                  <a:cubicBezTo>
+                                    <a:pt x="1111425" y="0"/>
+                                    <a:pt x="1115192" y="0"/>
+                                    <a:pt x="1115192" y="0"/>
+                                  </a:cubicBezTo>
+                                  <a:cubicBezTo>
+                                    <a:pt x="1122727" y="0"/>
+                                    <a:pt x="1126495" y="0"/>
+                                    <a:pt x="1130262" y="0"/>
+                                  </a:cubicBezTo>
+                                  <a:cubicBezTo>
+                                    <a:pt x="1130262" y="677767"/>
+                                    <a:pt x="1130262" y="681532"/>
+                                    <a:pt x="1130262" y="681532"/>
+                                  </a:cubicBezTo>
+                                  <a:cubicBezTo>
+                                    <a:pt x="1130262" y="707890"/>
+                                    <a:pt x="1152868" y="726717"/>
+                                    <a:pt x="1175473" y="726717"/>
+                                  </a:cubicBezTo>
+                                  <a:cubicBezTo>
+                                    <a:pt x="1880003" y="726717"/>
+                                    <a:pt x="1887538" y="726717"/>
+                                    <a:pt x="1887538" y="726717"/>
+                                  </a:cubicBezTo>
+                                  <a:cubicBezTo>
+                                    <a:pt x="1887538" y="734248"/>
+                                    <a:pt x="1887538" y="738013"/>
+                                    <a:pt x="1887538" y="745544"/>
+                                  </a:cubicBezTo>
+                                  <a:cubicBezTo>
+                                    <a:pt x="1887538" y="2500208"/>
+                                    <a:pt x="1887538" y="2511504"/>
+                                    <a:pt x="1887538" y="2511504"/>
+                                  </a:cubicBezTo>
+                                  <a:cubicBezTo>
+                                    <a:pt x="1887538" y="2545393"/>
+                                    <a:pt x="1861165" y="2571750"/>
+                                    <a:pt x="1827257" y="2571750"/>
+                                  </a:cubicBezTo>
+                                  <a:cubicBezTo>
+                                    <a:pt x="1024771" y="2571750"/>
+                                    <a:pt x="727135" y="2571750"/>
+                                    <a:pt x="617877" y="2571750"/>
+                                  </a:cubicBezTo>
+                                  <a:cubicBezTo>
+                                    <a:pt x="617877" y="2571750"/>
+                                    <a:pt x="617877" y="2571750"/>
+                                    <a:pt x="576434" y="2571750"/>
+                                  </a:cubicBezTo>
+                                  <a:cubicBezTo>
+                                    <a:pt x="576434" y="2571750"/>
+                                    <a:pt x="576434" y="2571750"/>
+                                    <a:pt x="557596" y="2571750"/>
+                                  </a:cubicBezTo>
+                                  <a:cubicBezTo>
+                                    <a:pt x="56513" y="2571750"/>
+                                    <a:pt x="56513" y="2571750"/>
+                                    <a:pt x="56513" y="2571750"/>
+                                  </a:cubicBezTo>
+                                  <a:cubicBezTo>
+                                    <a:pt x="26373" y="2571750"/>
+                                    <a:pt x="0" y="2545393"/>
+                                    <a:pt x="0" y="2511504"/>
+                                  </a:cubicBezTo>
+                                  <a:cubicBezTo>
+                                    <a:pt x="0" y="1829972"/>
+                                    <a:pt x="0" y="1340473"/>
+                                    <a:pt x="0" y="982762"/>
+                                  </a:cubicBezTo>
+                                  <a:cubicBezTo>
+                                    <a:pt x="0" y="982762"/>
+                                    <a:pt x="0" y="982762"/>
+                                    <a:pt x="851464" y="982762"/>
+                                  </a:cubicBezTo>
+                                  <a:cubicBezTo>
+                                    <a:pt x="904210" y="982762"/>
+                                    <a:pt x="941885" y="945109"/>
+                                    <a:pt x="941885" y="892393"/>
+                                  </a:cubicBezTo>
+                                  <a:cubicBezTo>
+                                    <a:pt x="941885" y="892393"/>
+                                    <a:pt x="941885" y="892393"/>
+                                    <a:pt x="941885" y="350180"/>
+                                  </a:cubicBezTo>
+                                  <a:cubicBezTo>
+                                    <a:pt x="941885" y="301230"/>
+                                    <a:pt x="904210" y="259811"/>
+                                    <a:pt x="851464" y="259811"/>
+                                  </a:cubicBezTo>
+                                  <a:cubicBezTo>
+                                    <a:pt x="851464" y="259811"/>
+                                    <a:pt x="851464" y="259811"/>
+                                    <a:pt x="0" y="259811"/>
+                                  </a:cubicBezTo>
+                                  <a:cubicBezTo>
+                                    <a:pt x="0" y="60246"/>
+                                    <a:pt x="0" y="60246"/>
+                                    <a:pt x="0" y="60246"/>
+                                  </a:cubicBezTo>
+                                  <a:cubicBezTo>
+                                    <a:pt x="0" y="26358"/>
+                                    <a:pt x="26373" y="0"/>
+                                    <a:pt x="56513" y="0"/>
+                                  </a:cubicBezTo>
+                                  <a:close/>
+                                </a:path>
+                              </a:pathLst>
+                            </a:custGeom>
+                            <a:solidFill>
+                              <a:srgbClr val="FFFFFF"/>
+                            </a:solidFill>
+                            <a:ln>
+                              <a:noFill/>
+                            </a:ln>
+                          </p:spPr>
+                          <p:txBody>
+                            <a:bodyPr vert="horz" wrap="square" lIns="91440" tIns="45720" rIns="91440" bIns="45720" numCol="1" anchor="t" anchorCtr="0" compatLnSpc="1">
+                              <a:prstTxWarp prst="textNoShape">
+                                <a:avLst/>
+                              </a:prstTxWarp>
+                              <a:noAutofit/>
+                            </a:bodyPr>
+                            <a:lstStyle/>
+                            <a:p>
+                              <a:pPr marL="0" marR="0" lvl="0" indent="0" defTabSz="914400" eaLnBrk="1" fontAlgn="auto" latinLnBrk="0" hangingPunct="1">
+                                <a:lnSpc>
+                                  <a:spcPct val="100000"/>
+                                </a:lnSpc>
+                                <a:spcBef>
+                                  <a:spcPts val="0"/>
+                                </a:spcBef>
+                                <a:spcAft>
+                                  <a:spcPts val="0"/>
+                                </a:spcAft>
+                                <a:buClrTx/>
+                                <a:buSzTx/>
+                                <a:buFontTx/>
+                                <a:buNone/>
+                                <a:tabLst/>
+                                <a:defRPr/>
+                              </a:pPr>
+                              <a:endParaRPr kumimoji="0" lang="en-US" sz="1800" b="0" i="0" u="none" strike="noStrike" kern="0" cap="none" spc="0" normalizeH="0" baseline="0" noProof="0" dirty="0">
+                                <a:ln>
+                                  <a:noFill/>
+                                </a:ln>
+                                <a:solidFill>
+                                  <a:srgbClr val="000000"/>
+                                </a:solidFill>
+                                <a:effectLst/>
+                                <a:uLnTx/>
+                                <a:uFillTx/>
+                              </a:endParaRPr>
+                            </a:p>
+                          </p:txBody>
+                        </p:sp>
+                      </p:grpSp>
+                      <p:sp>
+                        <p:nvSpPr>
+                          <p:cNvPr id="20" name="ストライプ矢印 74">
+                            <a:extLst>
+                              <a:ext uri="{FF2B5EF4-FFF2-40B4-BE49-F238E27FC236}">
+                                <a16:creationId xmlns:a16="http://schemas.microsoft.com/office/drawing/2014/main" id="{9EDCF404-E70E-4DB2-9488-04A25FAC81D5}"/>
+                              </a:ext>
+                            </a:extLst>
+                          </p:cNvPr>
+                          <p:cNvSpPr/>
+                          <p:nvPr/>
+                        </p:nvSpPr>
+                        <p:spPr bwMode="auto">
+                          <a:xfrm>
+                            <a:off x="3595399" y="4828409"/>
+                            <a:ext cx="2024334" cy="521951"/>
+                          </a:xfrm>
+                          <a:prstGeom prst="stripedRightArrow">
+                            <a:avLst/>
+                          </a:prstGeom>
+                          <a:noFill/>
+                          <a:ln w="19050">
+                            <a:solidFill>
+                              <a:srgbClr val="002060"/>
+                            </a:solidFill>
+                          </a:ln>
+                          <a:effectLst/>
+                        </p:spPr>
+                        <p:txBody>
+                          <a:bodyPr rot="0" spcFirstLastPara="0" vertOverflow="overflow" horzOverflow="overflow" vert="horz" wrap="none" lIns="72000" tIns="72000" rIns="72000" bIns="72000" numCol="1" spcCol="0" rtlCol="0" fromWordArt="0" anchor="ctr" anchorCtr="0" forceAA="0" compatLnSpc="1">
+                            <a:prstTxWarp prst="textNoShape">
+                              <a:avLst/>
+                            </a:prstTxWarp>
+                            <a:noAutofit/>
+                          </a:bodyPr>
+                          <a:lstStyle/>
+                          <a:p>
+                            <a:pPr algn="ctr"/>
+                            <a:endParaRPr kumimoji="1" lang="ja-JP" altLang="en-US" b="1" dirty="0">
+                              <a:latin typeface="+mn-ea"/>
+                            </a:endParaRPr>
+                          </a:p>
+                        </p:txBody>
+                      </p:sp>
+                    </p:grpSp>
+                    <p:sp>
+                      <p:nvSpPr>
+                        <p:cNvPr id="10" name="テキスト ボックス 9">
+                          <a:extLst>
+                            <a:ext uri="{FF2B5EF4-FFF2-40B4-BE49-F238E27FC236}">
+                              <a16:creationId xmlns:a16="http://schemas.microsoft.com/office/drawing/2014/main" id="{DE3A3525-CBCD-4070-9A15-A4335750F635}"/>
+                            </a:ext>
+                          </a:extLst>
+                        </p:cNvPr>
+                        <p:cNvSpPr txBox="1"/>
+                        <p:nvPr/>
+                      </p:nvSpPr>
+                      <p:spPr>
+                        <a:xfrm>
+                          <a:off x="4284064" y="5395321"/>
+                          <a:ext cx="1174179" cy="268421"/>
+                        </a:xfrm>
+                        <a:prstGeom prst="rect">
+                          <a:avLst/>
+                        </a:prstGeom>
+                        <a:noFill/>
+                      </p:spPr>
+                      <p:txBody>
+                        <a:bodyPr wrap="square" rtlCol="0">
+                          <a:spAutoFit/>
+                        </a:bodyPr>
+                        <a:lstStyle/>
+                        <a:p>
+                          <a:pPr algn="ctr"/>
+                          <a:r>
+                            <a:rPr kumimoji="1" lang="en-US" altLang="ja-JP" sz="1200" b="1" dirty="0" smtClean="0"/>
+                            <a:t>Kym</a:t>
+                          </a:r>
+                          <a:r>
+                            <a:rPr lang="ja-JP" altLang="en-US" sz="1200" b="1" dirty="0" smtClean="0"/>
+                            <a:t> </a:t>
+                          </a:r>
+                          <a:r>
+                            <a:rPr lang="en-US" altLang="ja-JP" sz="1200" b="1" dirty="0" smtClean="0"/>
+                            <a:t>file</a:t>
+                          </a:r>
+                          <a:endParaRPr kumimoji="1" lang="ja-JP" altLang="en-US" sz="1200" b="1" dirty="0"/>
+                        </a:p>
+                      </p:txBody>
+                    </p:sp>
+                  </p:grpSp>
+                  <p:sp>
+                    <p:nvSpPr>
+                      <p:cNvPr id="7" name="テキスト ボックス 6">
+                        <a:extLst>
+                          <a:ext uri="{FF2B5EF4-FFF2-40B4-BE49-F238E27FC236}">
+                            <a16:creationId xmlns:a16="http://schemas.microsoft.com/office/drawing/2014/main" id="{DD160A23-C758-4065-8CEF-0CD0B83F4479}"/>
+                          </a:ext>
+                        </a:extLst>
+                      </p:cNvPr>
+                      <p:cNvSpPr txBox="1"/>
+                      <p:nvPr/>
+                    </p:nvSpPr>
+                    <p:spPr>
+                      <a:xfrm>
+                        <a:off x="-54390" y="6204777"/>
+                        <a:ext cx="1420187" cy="298245"/>
+                      </a:xfrm>
+                      <a:prstGeom prst="rect">
+                        <a:avLst/>
+                      </a:prstGeom>
+                      <a:noFill/>
+                    </p:spPr>
+                    <p:txBody>
+                      <a:bodyPr wrap="square" rtlCol="0">
+                        <a:spAutoFit/>
+                      </a:bodyPr>
+                      <a:lstStyle/>
+                      <a:p>
+                        <a:pPr algn="ctr"/>
+                        <a:r>
+                          <a:rPr kumimoji="1" lang="en-US" altLang="ja-JP" sz="1400" b="1" dirty="0" smtClean="0"/>
+                          <a:t>ITA</a:t>
+                        </a:r>
+                        <a:r>
+                          <a:rPr lang="ja-JP" altLang="en-US" sz="1400" b="1" dirty="0"/>
+                          <a:t> </a:t>
+                        </a:r>
+                        <a:r>
+                          <a:rPr lang="en-US" altLang="ja-JP" sz="1400" b="1" dirty="0" smtClean="0"/>
+                          <a:t>server </a:t>
+                        </a:r>
+                        <a:r>
+                          <a:rPr kumimoji="1" lang="en-US" altLang="ja-JP" sz="1400" b="1" dirty="0" smtClean="0"/>
+                          <a:t>A</a:t>
+                        </a:r>
+                        <a:endParaRPr kumimoji="1" lang="ja-JP" altLang="en-US" sz="1400" b="1" dirty="0"/>
+                      </a:p>
+                    </p:txBody>
+                  </p:sp>
+                </p:grpSp>
+                <p:pic>
+                  <p:nvPicPr>
+                    <p:cNvPr id="30" name="図 29">
+                      <a:extLst>
+                        <a:ext uri="{FF2B5EF4-FFF2-40B4-BE49-F238E27FC236}">
+                          <a16:creationId xmlns:a16="http://schemas.microsoft.com/office/drawing/2014/main" id="{110B03D5-A4F6-4436-B439-FDEE4866BD00}"/>
+                        </a:ext>
+                      </a:extLst>
+                    </p:cNvPr>
+                    <p:cNvPicPr>
+                      <a:picLocks noChangeAspect="1"/>
+                    </p:cNvPicPr>
+                    <p:nvPr/>
+                  </p:nvPicPr>
+                  <p:blipFill>
+                    <a:blip r:embed="rId4"/>
+                    <a:stretch>
+                      <a:fillRect/>
+                    </a:stretch>
+                  </p:blipFill>
+                  <p:spPr>
+                    <a:xfrm>
+                      <a:off x="6133440" y="4586609"/>
+                      <a:ext cx="702402" cy="1224487"/>
+                    </a:xfrm>
+                    <a:prstGeom prst="rect">
+                      <a:avLst/>
+                    </a:prstGeom>
+                  </p:spPr>
+                </p:pic>
+                <p:sp>
+                  <p:nvSpPr>
+                    <p:cNvPr id="31" name="テキスト ボックス 30">
+                      <a:extLst>
+                        <a:ext uri="{FF2B5EF4-FFF2-40B4-BE49-F238E27FC236}">
+                          <a16:creationId xmlns:a16="http://schemas.microsoft.com/office/drawing/2014/main" id="{F8F5231F-C896-4E04-A02B-AF7C39BBB2A0}"/>
+                        </a:ext>
+                      </a:extLst>
+                    </p:cNvPr>
+                    <p:cNvSpPr txBox="1"/>
+                    <p:nvPr/>
+                  </p:nvSpPr>
+                  <p:spPr>
+                    <a:xfrm>
+                      <a:off x="5754009" y="5923042"/>
+                      <a:ext cx="1437529" cy="322115"/>
+                    </a:xfrm>
+                    <a:prstGeom prst="rect">
+                      <a:avLst/>
+                    </a:prstGeom>
+                    <a:noFill/>
+                  </p:spPr>
+                  <p:txBody>
+                    <a:bodyPr wrap="square" rtlCol="0">
+                      <a:spAutoFit/>
+                    </a:bodyPr>
+                    <a:lstStyle/>
+                    <a:p>
+                      <a:pPr algn="ctr"/>
+                      <a:r>
+                        <a:rPr kumimoji="1" lang="en-US" altLang="ja-JP" sz="1400" b="1" dirty="0" smtClean="0"/>
+                        <a:t>ITA</a:t>
+                      </a:r>
+                      <a:r>
+                        <a:rPr lang="ja-JP" altLang="en-US" sz="1400" b="1" dirty="0"/>
+                        <a:t> </a:t>
+                      </a:r>
+                      <a:r>
+                        <a:rPr lang="en-US" altLang="ja-JP" sz="1400" b="1" dirty="0" smtClean="0"/>
+                        <a:t>server B</a:t>
+                      </a:r>
+                      <a:endParaRPr kumimoji="1" lang="ja-JP" altLang="en-US" sz="1400" b="1" dirty="0"/>
+                    </a:p>
+                  </p:txBody>
+                </p:sp>
+              </p:grpSp>
+              <p:grpSp>
+                <p:nvGrpSpPr>
+                  <p:cNvPr id="18" name="グループ化 17">
+                    <a:extLst>
+                      <a:ext uri="{FF2B5EF4-FFF2-40B4-BE49-F238E27FC236}">
+                        <a16:creationId xmlns:a16="http://schemas.microsoft.com/office/drawing/2014/main" id="{07AC5F45-A6D8-4E6B-83FF-A4728EE1AD68}"/>
+                      </a:ext>
+                    </a:extLst>
+                  </p:cNvPr>
+                  <p:cNvGrpSpPr/>
+                  <p:nvPr/>
+                </p:nvGrpSpPr>
+                <p:grpSpPr>
+                  <a:xfrm>
+                    <a:off x="1204320" y="4245252"/>
+                    <a:ext cx="1248361" cy="1458292"/>
+                    <a:chOff x="1204320" y="4245252"/>
+                    <a:chExt cx="1248361" cy="1458292"/>
+                  </a:xfrm>
+                </p:grpSpPr>
+                <p:pic>
+                  <p:nvPicPr>
+                    <p:cNvPr id="40" name="図 39">
+                      <a:extLst>
+                        <a:ext uri="{FF2B5EF4-FFF2-40B4-BE49-F238E27FC236}">
+                          <a16:creationId xmlns:a16="http://schemas.microsoft.com/office/drawing/2014/main" id="{402B094A-ADAE-4411-814F-D7C380CC3727}"/>
+                        </a:ext>
+                      </a:extLst>
+                    </p:cNvPr>
+                    <p:cNvPicPr>
+                      <a:picLocks noChangeAspect="1"/>
+                    </p:cNvPicPr>
+                    <p:nvPr/>
+                  </p:nvPicPr>
+                  <p:blipFill>
+                    <a:blip r:embed="rId3"/>
+                    <a:stretch>
+                      <a:fillRect/>
+                    </a:stretch>
+                  </p:blipFill>
+                  <p:spPr>
+                    <a:xfrm>
+                      <a:off x="1204320" y="4287038"/>
+                      <a:ext cx="1248361" cy="1416506"/>
+                    </a:xfrm>
+                    <a:prstGeom prst="rect">
+                      <a:avLst/>
+                    </a:prstGeom>
+                  </p:spPr>
+                </p:pic>
+                <p:sp>
+                  <p:nvSpPr>
+                    <p:cNvPr id="41" name="テキスト ボックス 40">
+                      <a:extLst>
+                        <a:ext uri="{FF2B5EF4-FFF2-40B4-BE49-F238E27FC236}">
+                          <a16:creationId xmlns:a16="http://schemas.microsoft.com/office/drawing/2014/main" id="{C0622653-783E-46FA-B56E-80ADD437C122}"/>
+                        </a:ext>
+                      </a:extLst>
+                    </p:cNvPr>
+                    <p:cNvSpPr txBox="1"/>
+                    <p:nvPr/>
+                  </p:nvSpPr>
+                  <p:spPr>
+                    <a:xfrm>
+                      <a:off x="1298847" y="4428229"/>
+                      <a:ext cx="1065699" cy="307777"/>
+                    </a:xfrm>
+                    <a:prstGeom prst="rect">
+                      <a:avLst/>
+                    </a:prstGeom>
+                    <a:noFill/>
+                  </p:spPr>
+                  <p:txBody>
+                    <a:bodyPr wrap="square" rtlCol="0">
+                      <a:spAutoFit/>
+                    </a:bodyPr>
+                    <a:lstStyle/>
+                    <a:p>
+                      <a:r>
+                        <a:rPr lang="en-US" altLang="ja-JP" sz="1400" b="1" dirty="0" smtClean="0"/>
+                        <a:t>Menu </a:t>
+                      </a:r>
+                      <a:r>
+                        <a:rPr kumimoji="1" lang="en-US" altLang="ja-JP" sz="1400" b="1" dirty="0" smtClean="0"/>
+                        <a:t>A</a:t>
+                      </a:r>
+                      <a:endParaRPr kumimoji="1" lang="ja-JP" altLang="en-US" sz="1400" b="1" dirty="0"/>
+                    </a:p>
+                  </p:txBody>
+                </p:sp>
+                <p:sp>
+                  <p:nvSpPr>
+                    <p:cNvPr id="42" name="正方形/長方形 41">
+                      <a:extLst>
+                        <a:ext uri="{FF2B5EF4-FFF2-40B4-BE49-F238E27FC236}">
+                          <a16:creationId xmlns:a16="http://schemas.microsoft.com/office/drawing/2014/main" id="{BBBF1AF8-AF5B-4F6A-A16C-2D777D667596}"/>
+                        </a:ext>
+                      </a:extLst>
+                    </p:cNvPr>
+                    <p:cNvSpPr/>
+                    <p:nvPr/>
+                  </p:nvSpPr>
+                  <p:spPr bwMode="auto">
+                    <a:xfrm>
+                      <a:off x="1207523" y="4245252"/>
+                      <a:ext cx="1229060" cy="1371929"/>
+                    </a:xfrm>
+                    <a:prstGeom prst="rect">
+                      <a:avLst/>
+                    </a:prstGeom>
+                    <a:noFill/>
+                    <a:ln w="28575">
+                      <a:solidFill>
+                        <a:srgbClr val="FF0000"/>
+                      </a:solidFill>
+                      <a:prstDash val="dash"/>
+                    </a:ln>
+                    <a:effectLst/>
+                  </p:spPr>
+                  <p:txBody>
+                    <a:bodyPr rot="0" spcFirstLastPara="0" vertOverflow="overflow" horzOverflow="overflow" vert="horz" wrap="none" lIns="72000" tIns="72000" rIns="72000" bIns="72000" numCol="1" spcCol="0" rtlCol="0" fromWordArt="0" anchor="ctr" anchorCtr="0" forceAA="0" compatLnSpc="1">
+                      <a:prstTxWarp prst="textNoShape">
+                        <a:avLst/>
+                      </a:prstTxWarp>
+                      <a:noAutofit/>
+                    </a:bodyPr>
+                    <a:lstStyle/>
+                    <a:p>
+                      <a:pPr algn="ctr"/>
+                      <a:endParaRPr kumimoji="1" lang="ja-JP" altLang="en-US" b="1" dirty="0">
+                        <a:latin typeface="+mn-ea"/>
+                      </a:endParaRPr>
+                    </a:p>
+                  </p:txBody>
+                </p:sp>
+              </p:grpSp>
+            </p:grpSp>
+          </p:grpSp>
+          <p:sp>
+            <p:nvSpPr>
+              <p:cNvPr id="48" name="テキスト ボックス 47">
+                <a:extLst>
+                  <a:ext uri="{FF2B5EF4-FFF2-40B4-BE49-F238E27FC236}">
+                    <a16:creationId xmlns:a16="http://schemas.microsoft.com/office/drawing/2014/main" id="{1E2DA3E3-3C24-4875-9EAD-2764957D3B1E}"/>
+                  </a:ext>
+                </a:extLst>
+              </p:cNvPr>
+              <p:cNvSpPr txBox="1"/>
+              <p:nvPr/>
+            </p:nvSpPr>
+            <p:spPr>
+              <a:xfrm>
+                <a:off x="4302068" y="3936060"/>
+                <a:ext cx="792110" cy="461665"/>
+              </a:xfrm>
+              <a:prstGeom prst="rect">
+                <a:avLst/>
+              </a:prstGeom>
+              <a:noFill/>
+            </p:spPr>
+            <p:txBody>
+              <a:bodyPr wrap="square" rtlCol="0">
+                <a:spAutoFit/>
+              </a:bodyPr>
+              <a:lstStyle/>
+              <a:p>
+                <a:r>
+                  <a:rPr kumimoji="1" lang="en-US" altLang="ja-JP" sz="1200" b="1" dirty="0">
+                    <a:solidFill>
+                      <a:schemeClr val="bg1"/>
+                    </a:solidFill>
+                  </a:rPr>
+                  <a:t>	</a:t>
+                </a:r>
+                <a:r>
+                  <a:rPr kumimoji="1" lang="en-US" altLang="ja-JP" sz="1200" b="1" dirty="0" err="1">
+                    <a:solidFill>
+                      <a:schemeClr val="bg1"/>
+                    </a:solidFill>
+                  </a:rPr>
+                  <a:t>kym</a:t>
+                </a:r>
+                <a:endParaRPr kumimoji="1" lang="ja-JP" altLang="en-US" sz="1200" b="1" dirty="0">
+                  <a:solidFill>
+                    <a:schemeClr val="bg1"/>
+                  </a:solidFill>
+                </a:endParaRPr>
+              </a:p>
+            </p:txBody>
+          </p:sp>
+        </p:grpSp>
+        <p:sp>
+          <p:nvSpPr>
+            <p:cNvPr id="51" name="テキスト ボックス 50">
+              <a:extLst>
+                <a:ext uri="{FF2B5EF4-FFF2-40B4-BE49-F238E27FC236}">
+                  <a16:creationId xmlns:a16="http://schemas.microsoft.com/office/drawing/2014/main" id="{C9101E1F-0489-43C5-B2B8-5923B5AC2DB1}"/>
+                </a:ext>
+              </a:extLst>
+            </p:cNvPr>
+            <p:cNvSpPr txBox="1"/>
+            <p:nvPr/>
+          </p:nvSpPr>
+          <p:spPr>
+            <a:xfrm>
+              <a:off x="1237474" y="4864381"/>
+              <a:ext cx="937711" cy="276999"/>
+            </a:xfrm>
+            <a:prstGeom prst="rect">
+              <a:avLst/>
+            </a:prstGeom>
+            <a:noFill/>
+            <a:ln w="19050">
+              <a:solidFill>
+                <a:schemeClr val="tx1"/>
+              </a:solidFill>
+            </a:ln>
+          </p:spPr>
+          <p:txBody>
+            <a:bodyPr wrap="square" rtlCol="0">
+              <a:spAutoFit/>
+            </a:bodyPr>
+            <a:lstStyle/>
+            <a:p>
+              <a:pPr algn="ctr"/>
+              <a:r>
+                <a:rPr kumimoji="1" lang="en-US" altLang="ja-JP" sz="1200" b="1" dirty="0"/>
+                <a:t>No.</a:t>
+              </a:r>
+              <a:r>
+                <a:rPr kumimoji="1" lang="ja-JP" altLang="en-US" sz="1200" b="1" dirty="0"/>
+                <a:t>１</a:t>
+              </a:r>
+            </a:p>
+          </p:txBody>
+        </p:sp>
+        <p:sp>
+          <p:nvSpPr>
+            <p:cNvPr id="53" name="テキスト ボックス 52">
+              <a:extLst>
+                <a:ext uri="{FF2B5EF4-FFF2-40B4-BE49-F238E27FC236}">
+                  <a16:creationId xmlns:a16="http://schemas.microsoft.com/office/drawing/2014/main" id="{3E5BA548-4D85-4EAC-BA5C-B95A096445CE}"/>
+                </a:ext>
+              </a:extLst>
+            </p:cNvPr>
+            <p:cNvSpPr txBox="1"/>
+            <p:nvPr/>
+          </p:nvSpPr>
+          <p:spPr>
+            <a:xfrm>
+              <a:off x="1236630" y="5141380"/>
+              <a:ext cx="937711" cy="276999"/>
+            </a:xfrm>
+            <a:prstGeom prst="rect">
+              <a:avLst/>
+            </a:prstGeom>
+            <a:noFill/>
+            <a:ln w="19050">
+              <a:solidFill>
+                <a:schemeClr val="tx1"/>
+              </a:solidFill>
+            </a:ln>
+          </p:spPr>
+          <p:txBody>
+            <a:bodyPr wrap="square" rtlCol="0">
+              <a:spAutoFit/>
+            </a:bodyPr>
+            <a:lstStyle/>
+            <a:p>
+              <a:pPr algn="ctr"/>
+              <a:r>
+                <a:rPr kumimoji="1" lang="en-US" altLang="ja-JP" sz="1200" b="1" dirty="0"/>
+                <a:t>No.</a:t>
+              </a:r>
+              <a:r>
+                <a:rPr kumimoji="1" lang="ja-JP" altLang="en-US" sz="1200" b="1" dirty="0"/>
+                <a:t>２</a:t>
+              </a:r>
+            </a:p>
+          </p:txBody>
+        </p:sp>
+        <p:sp>
+          <p:nvSpPr>
+            <p:cNvPr id="54" name="テキスト ボックス 53">
+              <a:extLst>
+                <a:ext uri="{FF2B5EF4-FFF2-40B4-BE49-F238E27FC236}">
+                  <a16:creationId xmlns:a16="http://schemas.microsoft.com/office/drawing/2014/main" id="{1C36C321-27C4-40D0-91BE-AC275B9E3780}"/>
+                </a:ext>
+              </a:extLst>
+            </p:cNvPr>
+            <p:cNvSpPr txBox="1"/>
+            <p:nvPr/>
+          </p:nvSpPr>
+          <p:spPr>
+            <a:xfrm>
+              <a:off x="2484707" y="4870042"/>
+              <a:ext cx="937711" cy="276999"/>
+            </a:xfrm>
+            <a:prstGeom prst="rect">
+              <a:avLst/>
+            </a:prstGeom>
+            <a:noFill/>
+            <a:ln w="19050">
+              <a:solidFill>
+                <a:schemeClr val="tx1"/>
+              </a:solidFill>
+            </a:ln>
+          </p:spPr>
+          <p:txBody>
+            <a:bodyPr wrap="square" rtlCol="0">
+              <a:spAutoFit/>
+            </a:bodyPr>
+            <a:lstStyle/>
+            <a:p>
+              <a:pPr algn="ctr"/>
+              <a:r>
+                <a:rPr kumimoji="1" lang="en-US" altLang="ja-JP" sz="1200" b="1" dirty="0"/>
+                <a:t>No.</a:t>
+              </a:r>
+              <a:r>
+                <a:rPr kumimoji="1" lang="ja-JP" altLang="en-US" sz="1200" b="1" dirty="0"/>
+                <a:t>１</a:t>
+              </a:r>
+            </a:p>
+          </p:txBody>
+        </p:sp>
+        <p:sp>
+          <p:nvSpPr>
+            <p:cNvPr id="55" name="テキスト ボックス 54">
+              <a:extLst>
+                <a:ext uri="{FF2B5EF4-FFF2-40B4-BE49-F238E27FC236}">
+                  <a16:creationId xmlns:a16="http://schemas.microsoft.com/office/drawing/2014/main" id="{E80F37E9-82C5-4BB6-BDF3-5E1B431E08DB}"/>
+                </a:ext>
+              </a:extLst>
+            </p:cNvPr>
+            <p:cNvSpPr txBox="1"/>
+            <p:nvPr/>
+          </p:nvSpPr>
+          <p:spPr>
+            <a:xfrm>
+              <a:off x="2479234" y="5147041"/>
+              <a:ext cx="943183" cy="276999"/>
+            </a:xfrm>
+            <a:prstGeom prst="rect">
+              <a:avLst/>
+            </a:prstGeom>
+            <a:noFill/>
+            <a:ln w="19050">
+              <a:solidFill>
+                <a:schemeClr val="tx1"/>
+              </a:solidFill>
+            </a:ln>
+          </p:spPr>
+          <p:txBody>
+            <a:bodyPr wrap="square" rtlCol="0">
+              <a:spAutoFit/>
+            </a:bodyPr>
+            <a:lstStyle/>
+            <a:p>
+              <a:pPr algn="ctr"/>
+              <a:r>
+                <a:rPr kumimoji="1" lang="en-US" altLang="ja-JP" sz="1200" b="1" dirty="0"/>
+                <a:t>No.</a:t>
+              </a:r>
+              <a:r>
+                <a:rPr kumimoji="1" lang="ja-JP" altLang="en-US" sz="1200" b="1" dirty="0"/>
+                <a:t>２</a:t>
+              </a:r>
+            </a:p>
+          </p:txBody>
+        </p:sp>
+        <p:sp>
+          <p:nvSpPr>
+            <p:cNvPr id="56" name="テキスト ボックス 55">
+              <a:extLst>
+                <a:ext uri="{FF2B5EF4-FFF2-40B4-BE49-F238E27FC236}">
+                  <a16:creationId xmlns:a16="http://schemas.microsoft.com/office/drawing/2014/main" id="{796A3EE3-54E7-4EF2-AECF-3F0320F2A2A7}"/>
+                </a:ext>
+              </a:extLst>
+            </p:cNvPr>
+            <p:cNvSpPr txBox="1"/>
+            <p:nvPr/>
+          </p:nvSpPr>
+          <p:spPr>
+            <a:xfrm>
+              <a:off x="7144047" y="4848182"/>
+              <a:ext cx="937711" cy="276999"/>
+            </a:xfrm>
+            <a:prstGeom prst="rect">
+              <a:avLst/>
+            </a:prstGeom>
+            <a:noFill/>
+            <a:ln w="19050">
+              <a:solidFill>
+                <a:schemeClr val="tx1"/>
+              </a:solidFill>
+            </a:ln>
+          </p:spPr>
+          <p:txBody>
+            <a:bodyPr wrap="square" rtlCol="0">
+              <a:spAutoFit/>
+            </a:bodyPr>
+            <a:lstStyle/>
+            <a:p>
+              <a:pPr algn="ctr"/>
+              <a:r>
+                <a:rPr kumimoji="1" lang="en-US" altLang="ja-JP" sz="1200" b="1" dirty="0"/>
+                <a:t>No.</a:t>
+              </a:r>
+              <a:r>
+                <a:rPr kumimoji="1" lang="ja-JP" altLang="en-US" sz="1200" b="1" dirty="0"/>
+                <a:t>１</a:t>
+              </a:r>
+            </a:p>
+          </p:txBody>
+        </p:sp>
+        <p:sp>
+          <p:nvSpPr>
+            <p:cNvPr id="57" name="テキスト ボックス 56">
+              <a:extLst>
+                <a:ext uri="{FF2B5EF4-FFF2-40B4-BE49-F238E27FC236}">
+                  <a16:creationId xmlns:a16="http://schemas.microsoft.com/office/drawing/2014/main" id="{E5CB4430-9DB0-45F2-A581-5DD5E7D110C4}"/>
+                </a:ext>
+              </a:extLst>
+            </p:cNvPr>
+            <p:cNvSpPr txBox="1"/>
+            <p:nvPr/>
+          </p:nvSpPr>
+          <p:spPr>
+            <a:xfrm>
+              <a:off x="7144048" y="5125181"/>
+              <a:ext cx="939510" cy="276999"/>
+            </a:xfrm>
+            <a:prstGeom prst="rect">
+              <a:avLst/>
+            </a:prstGeom>
+            <a:noFill/>
+            <a:ln w="19050">
+              <a:solidFill>
+                <a:schemeClr val="tx1"/>
+              </a:solidFill>
+            </a:ln>
+          </p:spPr>
+          <p:txBody>
+            <a:bodyPr wrap="square" rtlCol="0">
+              <a:spAutoFit/>
+            </a:bodyPr>
+            <a:lstStyle/>
+            <a:p>
+              <a:pPr algn="ctr"/>
+              <a:r>
+                <a:rPr kumimoji="1" lang="en-US" altLang="ja-JP" sz="1200" b="1" dirty="0"/>
+                <a:t>No.</a:t>
+              </a:r>
+              <a:r>
+                <a:rPr kumimoji="1" lang="ja-JP" altLang="en-US" sz="1200" b="1" dirty="0"/>
+                <a:t>２</a:t>
+              </a:r>
+            </a:p>
+          </p:txBody>
+        </p:sp>
+      </p:grpSp>
+      <p:sp>
+        <p:nvSpPr>
+          <p:cNvPr id="59" name="テキスト ボックス 58">
+            <a:extLst>
+              <a:ext uri="{FF2B5EF4-FFF2-40B4-BE49-F238E27FC236}">
+                <a16:creationId xmlns:a16="http://schemas.microsoft.com/office/drawing/2014/main" id="{74403D0F-0AA9-4B55-B66E-E823EC18383F}"/>
+              </a:ext>
+            </a:extLst>
+          </p:cNvPr>
+          <p:cNvSpPr txBox="1"/>
+          <p:nvPr/>
+        </p:nvSpPr>
+        <p:spPr>
+          <a:xfrm>
+            <a:off x="180386" y="2076152"/>
+            <a:ext cx="1464372" cy="338554"/>
+          </a:xfrm>
+          <a:prstGeom prst="rect">
+            <a:avLst/>
+          </a:prstGeom>
+          <a:noFill/>
+        </p:spPr>
+        <p:txBody>
+          <a:bodyPr wrap="square" rtlCol="0">
+            <a:spAutoFit/>
+          </a:bodyPr>
+          <a:lstStyle/>
+          <a:p>
+            <a:r>
+              <a:rPr lang="en-US" altLang="ja-JP" sz="1600" u="sng" dirty="0" smtClean="0"/>
+              <a:t>Example</a:t>
+            </a:r>
+            <a:endParaRPr kumimoji="1" lang="ja-JP" altLang="en-US" sz="1600" u="sng" dirty="0"/>
+          </a:p>
+        </p:txBody>
+      </p:sp>
+      <p:sp>
+        <p:nvSpPr>
+          <p:cNvPr id="50" name="角丸四角形吹き出し 76">
+            <a:extLst>
+              <a:ext uri="{FF2B5EF4-FFF2-40B4-BE49-F238E27FC236}">
+                <a16:creationId xmlns:a16="http://schemas.microsoft.com/office/drawing/2014/main" id="{C3608BE0-AC75-4F28-BD92-2E671E64B841}"/>
+              </a:ext>
+            </a:extLst>
+          </p:cNvPr>
+          <p:cNvSpPr/>
+          <p:nvPr/>
+        </p:nvSpPr>
+        <p:spPr bwMode="auto">
+          <a:xfrm>
+            <a:off x="1592269" y="2031940"/>
+            <a:ext cx="6724251" cy="585525"/>
+          </a:xfrm>
+          <a:prstGeom prst="wedgeRoundRectCallout">
+            <a:avLst>
+              <a:gd name="adj1" fmla="val -47489"/>
+              <a:gd name="adj2" fmla="val 67167"/>
+              <a:gd name="adj3" fmla="val 16667"/>
+            </a:avLst>
+          </a:prstGeom>
+          <a:noFill/>
+          <a:ln w="12700">
+            <a:solidFill>
+              <a:schemeClr val="tx1"/>
+            </a:solidFill>
+          </a:ln>
+          <a:effectLst/>
+        </p:spPr>
+        <p:txBody>
+          <a:bodyPr rot="0" spcFirstLastPara="0" vertOverflow="overflow" horzOverflow="overflow" vert="horz" wrap="none" lIns="72000" tIns="72000" rIns="72000" bIns="72000" numCol="1" spcCol="0" rtlCol="0" fromWordArt="0" anchor="ctr" anchorCtr="0" forceAA="0" compatLnSpc="1">
+            <a:prstTxWarp prst="textNoShape">
+              <a:avLst/>
+            </a:prstTxWarp>
+            <a:noAutofit/>
+          </a:bodyPr>
+          <a:lstStyle/>
+          <a:p>
+            <a:r>
+              <a:rPr kumimoji="1" lang="en-US" altLang="ja-JP" sz="1400" b="1" dirty="0" smtClean="0">
+                <a:latin typeface="+mn-ea"/>
+              </a:rPr>
+              <a:t>I need to move </a:t>
+            </a:r>
+            <a:r>
+              <a:rPr kumimoji="1" lang="en-US" altLang="ja-JP" sz="1400" b="1" dirty="0" smtClean="0">
+                <a:solidFill>
+                  <a:srgbClr val="FF0000"/>
+                </a:solidFill>
+                <a:latin typeface="+mn-ea"/>
+              </a:rPr>
+              <a:t>Menu A</a:t>
+            </a:r>
+            <a:r>
+              <a:rPr kumimoji="1" lang="en-US" altLang="ja-JP" sz="1400" b="1" dirty="0" smtClean="0">
+                <a:latin typeface="+mn-ea"/>
+              </a:rPr>
+              <a:t> from the test environment, “ITA Server A”</a:t>
+            </a:r>
+            <a:r>
+              <a:rPr lang="en-US" altLang="ja-JP" sz="1400" b="1" dirty="0" smtClean="0">
+                <a:latin typeface="+mn-ea"/>
+              </a:rPr>
+              <a:t>,</a:t>
+            </a:r>
+          </a:p>
+          <a:p>
+            <a:r>
+              <a:rPr lang="en-US" altLang="ja-JP" sz="1400" b="1" dirty="0" smtClean="0">
+                <a:latin typeface="+mn-ea"/>
+              </a:rPr>
+              <a:t> to the production environment, ITA Server B”</a:t>
+            </a:r>
+            <a:endParaRPr kumimoji="1" lang="ja-JP" altLang="en-US" sz="1400" b="1" dirty="0">
+              <a:latin typeface="+mn-ea"/>
+            </a:endParaRPr>
+          </a:p>
+        </p:txBody>
+      </p:sp>
+      <p:pic>
+        <p:nvPicPr>
+          <p:cNvPr id="60" name="図 59">
+            <a:extLst>
+              <a:ext uri="{FF2B5EF4-FFF2-40B4-BE49-F238E27FC236}">
+                <a16:creationId xmlns:a16="http://schemas.microsoft.com/office/drawing/2014/main" id="{1A848220-AB91-451C-9906-323753019EE6}"/>
+              </a:ext>
+            </a:extLst>
+          </p:cNvPr>
+          <p:cNvPicPr>
+            <a:picLocks noChangeAspect="1"/>
+          </p:cNvPicPr>
+          <p:nvPr/>
+        </p:nvPicPr>
+        <p:blipFill>
+          <a:blip r:embed="rId5"/>
+          <a:stretch>
+            <a:fillRect/>
+          </a:stretch>
+        </p:blipFill>
+        <p:spPr>
+          <a:xfrm>
+            <a:off x="1125638" y="2703134"/>
+            <a:ext cx="645065" cy="646247"/>
+          </a:xfrm>
+          <a:prstGeom prst="rect">
+            <a:avLst/>
+          </a:prstGeom>
+        </p:spPr>
+      </p:pic>
+      <p:sp>
+        <p:nvSpPr>
+          <p:cNvPr id="9" name="タイトル 8">
+            <a:extLst>
+              <a:ext uri="{FF2B5EF4-FFF2-40B4-BE49-F238E27FC236}">
+                <a16:creationId xmlns:a16="http://schemas.microsoft.com/office/drawing/2014/main" id="{84A8C198-E8FE-42DC-ABBC-725CA8FA5156}"/>
+              </a:ext>
+            </a:extLst>
+          </p:cNvPr>
+          <p:cNvSpPr>
+            <a:spLocks noGrp="1"/>
+          </p:cNvSpPr>
+          <p:nvPr>
+            <p:ph type="title"/>
+          </p:nvPr>
+        </p:nvSpPr>
+        <p:spPr/>
+        <p:txBody>
+          <a:bodyPr/>
+          <a:lstStyle/>
+          <a:p>
+            <a:r>
+              <a:rPr kumimoji="1" lang="ja-JP" altLang="en-US" dirty="0"/>
+              <a:t>2</a:t>
+            </a:r>
+            <a:r>
+              <a:rPr kumimoji="1" lang="en-US" altLang="ja-JP" dirty="0"/>
+              <a:t>.5 </a:t>
+            </a:r>
+            <a:r>
+              <a:rPr kumimoji="1" lang="en-US" altLang="ja-JP" dirty="0" smtClean="0"/>
+              <a:t>Mode overview (2/3</a:t>
+            </a:r>
+            <a:r>
+              <a:rPr kumimoji="1" lang="en-US" altLang="ja-JP" dirty="0"/>
+              <a:t>)</a:t>
+            </a:r>
+            <a:endParaRPr kumimoji="1" lang="ja-JP" altLang="en-US" dirty="0"/>
+          </a:p>
+        </p:txBody>
+      </p:sp>
+    </p:spTree>
+    <p:extLst>
+      <p:ext uri="{BB962C8B-B14F-4D97-AF65-F5344CB8AC3E}">
+        <p14:creationId xmlns:p14="http://schemas.microsoft.com/office/powerpoint/2010/main" val="3766850579"/>
+      </p:ext>
+    </p:extLst>
+  </p:cSld>
+  <p:clrMapOvr>
+    <a:masterClrMapping/>
+  </p:clrMapOvr>
+</p:sld>
+</file>
+
+<file path=ppt/slides/slide14.xml><?xml version="1.0" encoding="utf-8"?>
+<p:sld xmlns:a="http://schemas.openxmlformats.org/drawingml/2006/main" xmlns:r="http://schemas.openxmlformats.org/officeDocument/2006/relationships" xmlns:p="http://schemas.openxmlformats.org/presentationml/2006/main">
+  <p:cSld>
+    <p:spTree>
+      <p:nvGrpSpPr>
+        <p:cNvPr id="1" name=""/>
+        <p:cNvGrpSpPr/>
+        <p:nvPr/>
+      </p:nvGrpSpPr>
+      <p:grpSpPr>
+        <a:xfrm>
+          <a:off x="0" y="0"/>
+          <a:ext cx="0" cy="0"/>
+          <a:chOff x="0" y="0"/>
+          <a:chExt cx="0" cy="0"/>
+        </a:xfrm>
+      </p:grpSpPr>
+      <p:sp>
+        <p:nvSpPr>
+          <p:cNvPr id="6" name="コンテンツ プレースホルダー 5"/>
+          <p:cNvSpPr>
+            <a:spLocks noGrp="1"/>
+          </p:cNvSpPr>
+          <p:nvPr>
+            <p:ph sz="quarter" idx="10"/>
+          </p:nvPr>
+        </p:nvSpPr>
+        <p:spPr>
+          <a:xfrm>
+            <a:off x="179390" y="688048"/>
+            <a:ext cx="8871817" cy="5671362"/>
+          </a:xfrm>
+        </p:spPr>
+        <p:txBody>
+          <a:bodyPr/>
+          <a:lstStyle/>
+          <a:p>
+            <a:pPr marL="0" indent="0">
+              <a:buNone/>
+            </a:pPr>
+            <a:r>
+              <a:rPr lang="ja-JP" altLang="en-US" b="1" dirty="0"/>
+              <a:t>　</a:t>
+            </a:r>
+            <a:r>
+              <a:rPr lang="en-US" altLang="ja-JP" sz="2400" b="1" dirty="0" smtClean="0"/>
+              <a:t>Time specification</a:t>
+            </a:r>
+            <a:endParaRPr lang="en-US" altLang="ja-JP" b="1" dirty="0"/>
+          </a:p>
+          <a:p>
+            <a:pPr marL="0" indent="0">
+              <a:buNone/>
+            </a:pPr>
+            <a:r>
+              <a:rPr lang="ja-JP" altLang="en-US" sz="1600" b="1" dirty="0"/>
+              <a:t>　</a:t>
+            </a:r>
+            <a:r>
+              <a:rPr lang="en-US" altLang="ja-JP" sz="1600" dirty="0" smtClean="0"/>
+              <a:t>The “Time specification” mode lets users export data that has only been registered/edited after the specified time.</a:t>
+            </a:r>
+            <a:r>
+              <a:rPr lang="ja-JP" altLang="en-US" sz="1600" dirty="0" smtClean="0"/>
+              <a:t> </a:t>
+            </a:r>
+            <a:r>
+              <a:rPr lang="en-US" altLang="ja-JP" sz="1600" dirty="0" smtClean="0"/>
+              <a:t>If data and unique items (ID, No, etc.) overlaps with existing data, the exported data will be prioritized and overwrite the old data when imported.</a:t>
+            </a:r>
+            <a:endParaRPr kumimoji="1" lang="en-US" altLang="ja-JP" sz="1600" b="1" dirty="0"/>
+          </a:p>
+        </p:txBody>
+      </p:sp>
+      <p:sp>
+        <p:nvSpPr>
+          <p:cNvPr id="47" name="楕円 46">
+            <a:extLst>
+              <a:ext uri="{FF2B5EF4-FFF2-40B4-BE49-F238E27FC236}">
+                <a16:creationId xmlns:a16="http://schemas.microsoft.com/office/drawing/2014/main" id="{95671198-2647-4E60-AE87-49510908AA79}"/>
+              </a:ext>
+            </a:extLst>
+          </p:cNvPr>
+          <p:cNvSpPr/>
+          <p:nvPr/>
+        </p:nvSpPr>
+        <p:spPr bwMode="auto">
+          <a:xfrm>
+            <a:off x="237896" y="763391"/>
+            <a:ext cx="216030" cy="203902"/>
+          </a:xfrm>
+          <a:prstGeom prst="ellipse">
+            <a:avLst/>
+          </a:prstGeom>
+          <a:solidFill>
+            <a:srgbClr val="002060"/>
+          </a:solidFill>
+          <a:ln w="12700">
+            <a:noFill/>
+          </a:ln>
+          <a:effectLst/>
+        </p:spPr>
+        <p:txBody>
+          <a:bodyPr rot="0" spcFirstLastPara="0" vertOverflow="overflow" horzOverflow="overflow" vert="horz" wrap="none" lIns="72000" tIns="72000" rIns="72000" bIns="72000" numCol="1" spcCol="0" rtlCol="0" fromWordArt="0" anchor="ctr" anchorCtr="0" forceAA="0" compatLnSpc="1">
+            <a:prstTxWarp prst="textNoShape">
+              <a:avLst/>
+            </a:prstTxWarp>
+            <a:noAutofit/>
+          </a:bodyPr>
+          <a:lstStyle/>
+          <a:p>
+            <a:pPr algn="ctr"/>
+            <a:endParaRPr kumimoji="1" lang="ja-JP" altLang="en-US" b="1" dirty="0">
+              <a:latin typeface="+mn-ea"/>
+            </a:endParaRPr>
+          </a:p>
+        </p:txBody>
+      </p:sp>
+      <p:pic>
+        <p:nvPicPr>
+          <p:cNvPr id="60" name="図 59">
+            <a:extLst>
+              <a:ext uri="{FF2B5EF4-FFF2-40B4-BE49-F238E27FC236}">
+                <a16:creationId xmlns:a16="http://schemas.microsoft.com/office/drawing/2014/main" id="{31BC6D5A-F1CF-4662-BB82-496A51769DE6}"/>
+              </a:ext>
+            </a:extLst>
+          </p:cNvPr>
+          <p:cNvPicPr>
+            <a:picLocks noChangeAspect="1"/>
+          </p:cNvPicPr>
+          <p:nvPr/>
+        </p:nvPicPr>
+        <p:blipFill>
+          <a:blip r:embed="rId3"/>
+          <a:stretch>
+            <a:fillRect/>
+          </a:stretch>
+        </p:blipFill>
+        <p:spPr>
+          <a:xfrm>
+            <a:off x="6535150" y="4874681"/>
+            <a:ext cx="2288468" cy="1658805"/>
+          </a:xfrm>
+          <a:prstGeom prst="rect">
+            <a:avLst/>
+          </a:prstGeom>
+        </p:spPr>
+      </p:pic>
+      <p:sp>
+        <p:nvSpPr>
+          <p:cNvPr id="61" name="テキスト ボックス 60">
+            <a:extLst>
+              <a:ext uri="{FF2B5EF4-FFF2-40B4-BE49-F238E27FC236}">
+                <a16:creationId xmlns:a16="http://schemas.microsoft.com/office/drawing/2014/main" id="{061A01FB-BFA3-4D2C-B7E5-CBC6FC735ADC}"/>
+              </a:ext>
+            </a:extLst>
+          </p:cNvPr>
+          <p:cNvSpPr txBox="1"/>
+          <p:nvPr/>
+        </p:nvSpPr>
+        <p:spPr>
+          <a:xfrm>
+            <a:off x="7165548" y="5038633"/>
+            <a:ext cx="1201286" cy="307777"/>
+          </a:xfrm>
+          <a:prstGeom prst="rect">
+            <a:avLst/>
+          </a:prstGeom>
+          <a:noFill/>
+        </p:spPr>
+        <p:txBody>
+          <a:bodyPr wrap="square" rtlCol="0">
+            <a:spAutoFit/>
+          </a:bodyPr>
+          <a:lstStyle/>
+          <a:p>
+            <a:r>
+              <a:rPr lang="en-US" altLang="ja-JP" sz="1400" b="1" dirty="0" smtClean="0"/>
+              <a:t>Menu </a:t>
+            </a:r>
+            <a:r>
+              <a:rPr kumimoji="1" lang="en-US" altLang="ja-JP" sz="1400" b="1" dirty="0" smtClean="0"/>
+              <a:t>A</a:t>
+            </a:r>
+            <a:endParaRPr kumimoji="1" lang="ja-JP" altLang="en-US" sz="1400" b="1" dirty="0"/>
+          </a:p>
+        </p:txBody>
+      </p:sp>
+      <p:sp>
+        <p:nvSpPr>
+          <p:cNvPr id="62" name="テキスト ボックス 61">
+            <a:extLst>
+              <a:ext uri="{FF2B5EF4-FFF2-40B4-BE49-F238E27FC236}">
+                <a16:creationId xmlns:a16="http://schemas.microsoft.com/office/drawing/2014/main" id="{A8920D3D-EFF2-46A6-BB60-8A26E32B9276}"/>
+              </a:ext>
+            </a:extLst>
+          </p:cNvPr>
+          <p:cNvSpPr txBox="1"/>
+          <p:nvPr/>
+        </p:nvSpPr>
+        <p:spPr>
+          <a:xfrm>
+            <a:off x="6720518" y="5953952"/>
+            <a:ext cx="1912308" cy="216000"/>
+          </a:xfrm>
+          <a:prstGeom prst="rect">
+            <a:avLst/>
+          </a:prstGeom>
+          <a:noFill/>
+          <a:ln w="19050">
+            <a:solidFill>
+              <a:schemeClr val="tx1"/>
+            </a:solidFill>
+          </a:ln>
+        </p:spPr>
+        <p:txBody>
+          <a:bodyPr wrap="square" rtlCol="0">
+            <a:spAutoFit/>
+          </a:bodyPr>
+          <a:lstStyle/>
+          <a:p>
+            <a:pPr algn="ctr"/>
+            <a:r>
+              <a:rPr kumimoji="1" lang="en-US" altLang="ja-JP" sz="1050" b="1" dirty="0">
+                <a:solidFill>
+                  <a:srgbClr val="FF0000"/>
+                </a:solidFill>
+              </a:rPr>
+              <a:t>No.3</a:t>
+            </a:r>
+            <a:r>
+              <a:rPr lang="en-US" altLang="ja-JP" sz="1050" b="1" dirty="0">
+                <a:solidFill>
+                  <a:srgbClr val="FF0000"/>
+                </a:solidFill>
+              </a:rPr>
+              <a:t> </a:t>
+            </a:r>
+            <a:r>
+              <a:rPr kumimoji="1" lang="en-US" altLang="ja-JP" sz="1050" b="1" dirty="0">
+                <a:solidFill>
+                  <a:srgbClr val="FF0000"/>
+                </a:solidFill>
+              </a:rPr>
+              <a:t>2022/01/03 17:00</a:t>
+            </a:r>
+            <a:endParaRPr kumimoji="1" lang="ja-JP" altLang="en-US" sz="1050" b="1" dirty="0">
+              <a:solidFill>
+                <a:srgbClr val="FF0000"/>
+              </a:solidFill>
+            </a:endParaRPr>
+          </a:p>
+        </p:txBody>
+      </p:sp>
+      <p:sp>
+        <p:nvSpPr>
+          <p:cNvPr id="66" name="テキスト ボックス 65">
+            <a:extLst>
+              <a:ext uri="{FF2B5EF4-FFF2-40B4-BE49-F238E27FC236}">
+                <a16:creationId xmlns:a16="http://schemas.microsoft.com/office/drawing/2014/main" id="{3CFCD47D-8DC4-4880-96E2-21B3A82706AD}"/>
+              </a:ext>
+            </a:extLst>
+          </p:cNvPr>
+          <p:cNvSpPr txBox="1"/>
+          <p:nvPr/>
+        </p:nvSpPr>
+        <p:spPr>
+          <a:xfrm>
+            <a:off x="6720518" y="5708837"/>
+            <a:ext cx="1912308" cy="216000"/>
+          </a:xfrm>
+          <a:prstGeom prst="rect">
+            <a:avLst/>
+          </a:prstGeom>
+          <a:noFill/>
+          <a:ln w="19050">
+            <a:solidFill>
+              <a:schemeClr val="tx1"/>
+            </a:solidFill>
+          </a:ln>
+        </p:spPr>
+        <p:txBody>
+          <a:bodyPr wrap="square" rtlCol="0">
+            <a:spAutoFit/>
+          </a:bodyPr>
+          <a:lstStyle/>
+          <a:p>
+            <a:pPr algn="ctr"/>
+            <a:r>
+              <a:rPr kumimoji="1" lang="en-US" altLang="ja-JP" sz="1050" b="1" dirty="0">
+                <a:solidFill>
+                  <a:srgbClr val="FF0000"/>
+                </a:solidFill>
+              </a:rPr>
+              <a:t>No.</a:t>
+            </a:r>
+            <a:r>
+              <a:rPr lang="en-US" altLang="ja-JP" sz="1050" b="1" dirty="0">
+                <a:solidFill>
+                  <a:srgbClr val="FF0000"/>
+                </a:solidFill>
+              </a:rPr>
+              <a:t>2 </a:t>
+            </a:r>
+            <a:r>
+              <a:rPr kumimoji="1" lang="en-US" altLang="ja-JP" sz="1050" b="1" dirty="0">
+                <a:solidFill>
+                  <a:srgbClr val="FF0000"/>
+                </a:solidFill>
+              </a:rPr>
+              <a:t>2022/01/02 17:00</a:t>
+            </a:r>
+            <a:endParaRPr kumimoji="1" lang="ja-JP" altLang="en-US" sz="1050" b="1" dirty="0">
+              <a:solidFill>
+                <a:srgbClr val="FF0000"/>
+              </a:solidFill>
+            </a:endParaRPr>
+          </a:p>
+        </p:txBody>
+      </p:sp>
+      <p:sp>
+        <p:nvSpPr>
+          <p:cNvPr id="67" name="テキスト ボックス 66">
+            <a:extLst>
+              <a:ext uri="{FF2B5EF4-FFF2-40B4-BE49-F238E27FC236}">
+                <a16:creationId xmlns:a16="http://schemas.microsoft.com/office/drawing/2014/main" id="{16C24DB8-8D48-4683-9D04-094C8C48510D}"/>
+              </a:ext>
+            </a:extLst>
+          </p:cNvPr>
+          <p:cNvSpPr txBox="1"/>
+          <p:nvPr/>
+        </p:nvSpPr>
+        <p:spPr>
+          <a:xfrm>
+            <a:off x="6720518" y="5463722"/>
+            <a:ext cx="1912308" cy="216000"/>
+          </a:xfrm>
+          <a:prstGeom prst="rect">
+            <a:avLst/>
+          </a:prstGeom>
+          <a:noFill/>
+          <a:ln w="19050">
+            <a:solidFill>
+              <a:schemeClr val="tx1"/>
+            </a:solidFill>
+          </a:ln>
+        </p:spPr>
+        <p:txBody>
+          <a:bodyPr wrap="square" rtlCol="0">
+            <a:spAutoFit/>
+          </a:bodyPr>
+          <a:lstStyle/>
+          <a:p>
+            <a:pPr algn="ctr">
+              <a:spcBef>
+                <a:spcPts val="600"/>
+              </a:spcBef>
+              <a:spcAft>
+                <a:spcPts val="600"/>
+              </a:spcAft>
+            </a:pPr>
+            <a:r>
+              <a:rPr kumimoji="1" lang="en-US" altLang="ja-JP" sz="1050" b="1" dirty="0"/>
+              <a:t>No.1</a:t>
+            </a:r>
+            <a:r>
+              <a:rPr lang="en-US" altLang="ja-JP" sz="1050" b="1" dirty="0"/>
+              <a:t> </a:t>
+            </a:r>
+            <a:r>
+              <a:rPr kumimoji="1" lang="en-US" altLang="ja-JP" sz="1050" b="1" dirty="0"/>
+              <a:t>2022/01/01 17:00</a:t>
+            </a:r>
+            <a:endParaRPr kumimoji="1" lang="ja-JP" altLang="en-US" sz="1050" b="1" dirty="0"/>
+          </a:p>
+        </p:txBody>
+      </p:sp>
+      <p:pic>
+        <p:nvPicPr>
+          <p:cNvPr id="70" name="図 69">
+            <a:extLst>
+              <a:ext uri="{FF2B5EF4-FFF2-40B4-BE49-F238E27FC236}">
+                <a16:creationId xmlns:a16="http://schemas.microsoft.com/office/drawing/2014/main" id="{443B4A78-B781-4B99-80F2-B36A75E17704}"/>
+              </a:ext>
+            </a:extLst>
+          </p:cNvPr>
+          <p:cNvPicPr>
+            <a:picLocks noChangeAspect="1"/>
+          </p:cNvPicPr>
+          <p:nvPr/>
+        </p:nvPicPr>
+        <p:blipFill>
+          <a:blip r:embed="rId3"/>
+          <a:stretch>
+            <a:fillRect/>
+          </a:stretch>
+        </p:blipFill>
+        <p:spPr>
+          <a:xfrm>
+            <a:off x="6521103" y="3147283"/>
+            <a:ext cx="2302515" cy="1320767"/>
+          </a:xfrm>
+          <a:prstGeom prst="rect">
+            <a:avLst/>
+          </a:prstGeom>
+        </p:spPr>
+      </p:pic>
+      <p:sp>
+        <p:nvSpPr>
+          <p:cNvPr id="76" name="テキスト ボックス 75">
+            <a:extLst>
+              <a:ext uri="{FF2B5EF4-FFF2-40B4-BE49-F238E27FC236}">
+                <a16:creationId xmlns:a16="http://schemas.microsoft.com/office/drawing/2014/main" id="{A31483FB-E996-40C7-A106-0C44302B60A1}"/>
+              </a:ext>
+            </a:extLst>
+          </p:cNvPr>
+          <p:cNvSpPr txBox="1"/>
+          <p:nvPr/>
+        </p:nvSpPr>
+        <p:spPr>
+          <a:xfrm>
+            <a:off x="7165548" y="3273641"/>
+            <a:ext cx="1201286" cy="307777"/>
+          </a:xfrm>
+          <a:prstGeom prst="rect">
+            <a:avLst/>
+          </a:prstGeom>
+          <a:noFill/>
+        </p:spPr>
+        <p:txBody>
+          <a:bodyPr wrap="square" rtlCol="0">
+            <a:spAutoFit/>
+          </a:bodyPr>
+          <a:lstStyle/>
+          <a:p>
+            <a:r>
+              <a:rPr lang="en-US" altLang="ja-JP" sz="1400" b="1" dirty="0" smtClean="0"/>
+              <a:t>Menu </a:t>
+            </a:r>
+            <a:r>
+              <a:rPr kumimoji="1" lang="en-US" altLang="ja-JP" sz="1400" b="1" dirty="0" smtClean="0"/>
+              <a:t>A</a:t>
+            </a:r>
+            <a:endParaRPr kumimoji="1" lang="ja-JP" altLang="en-US" sz="1400" b="1" dirty="0"/>
+          </a:p>
+        </p:txBody>
+      </p:sp>
+      <p:sp>
+        <p:nvSpPr>
+          <p:cNvPr id="78" name="テキスト ボックス 77">
+            <a:extLst>
+              <a:ext uri="{FF2B5EF4-FFF2-40B4-BE49-F238E27FC236}">
+                <a16:creationId xmlns:a16="http://schemas.microsoft.com/office/drawing/2014/main" id="{8EF1210C-420C-4177-B43F-538DB7F599C5}"/>
+              </a:ext>
+            </a:extLst>
+          </p:cNvPr>
+          <p:cNvSpPr txBox="1"/>
+          <p:nvPr/>
+        </p:nvSpPr>
+        <p:spPr>
+          <a:xfrm>
+            <a:off x="6720518" y="3896357"/>
+            <a:ext cx="1912308" cy="253916"/>
+          </a:xfrm>
+          <a:prstGeom prst="rect">
+            <a:avLst/>
+          </a:prstGeom>
+          <a:noFill/>
+          <a:ln w="19050">
+            <a:solidFill>
+              <a:schemeClr val="tx1"/>
+            </a:solidFill>
+          </a:ln>
+        </p:spPr>
+        <p:txBody>
+          <a:bodyPr wrap="square" rtlCol="0">
+            <a:spAutoFit/>
+          </a:bodyPr>
+          <a:lstStyle/>
+          <a:p>
+            <a:pPr algn="ctr"/>
+            <a:r>
+              <a:rPr kumimoji="1" lang="en-US" altLang="ja-JP" sz="1050" b="1" dirty="0">
+                <a:solidFill>
+                  <a:srgbClr val="FF0000"/>
+                </a:solidFill>
+              </a:rPr>
+              <a:t>No.</a:t>
+            </a:r>
+            <a:r>
+              <a:rPr lang="en-US" altLang="ja-JP" sz="1050" b="1" dirty="0">
+                <a:solidFill>
+                  <a:srgbClr val="FF0000"/>
+                </a:solidFill>
+              </a:rPr>
+              <a:t>2 </a:t>
+            </a:r>
+            <a:r>
+              <a:rPr kumimoji="1" lang="en-US" altLang="ja-JP" sz="1050" b="1" dirty="0">
+                <a:solidFill>
+                  <a:srgbClr val="FF0000"/>
+                </a:solidFill>
+              </a:rPr>
+              <a:t>2022/01/02  8:00</a:t>
+            </a:r>
+            <a:endParaRPr kumimoji="1" lang="ja-JP" altLang="en-US" sz="1050" b="1" dirty="0">
+              <a:solidFill>
+                <a:srgbClr val="FF0000"/>
+              </a:solidFill>
+            </a:endParaRPr>
+          </a:p>
+        </p:txBody>
+      </p:sp>
+      <p:sp>
+        <p:nvSpPr>
+          <p:cNvPr id="79" name="テキスト ボックス 78">
+            <a:extLst>
+              <a:ext uri="{FF2B5EF4-FFF2-40B4-BE49-F238E27FC236}">
+                <a16:creationId xmlns:a16="http://schemas.microsoft.com/office/drawing/2014/main" id="{3DAA0B2E-60FD-49B4-B7B6-0CEDE27B799D}"/>
+              </a:ext>
+            </a:extLst>
+          </p:cNvPr>
+          <p:cNvSpPr txBox="1"/>
+          <p:nvPr/>
+        </p:nvSpPr>
+        <p:spPr>
+          <a:xfrm>
+            <a:off x="6720518" y="3651242"/>
+            <a:ext cx="1912308" cy="216000"/>
+          </a:xfrm>
+          <a:prstGeom prst="rect">
+            <a:avLst/>
+          </a:prstGeom>
+          <a:noFill/>
+          <a:ln w="19050">
+            <a:solidFill>
+              <a:schemeClr val="tx1"/>
+            </a:solidFill>
+          </a:ln>
+        </p:spPr>
+        <p:txBody>
+          <a:bodyPr wrap="square" rtlCol="0">
+            <a:spAutoFit/>
+          </a:bodyPr>
+          <a:lstStyle/>
+          <a:p>
+            <a:pPr algn="ctr">
+              <a:spcBef>
+                <a:spcPts val="600"/>
+              </a:spcBef>
+              <a:spcAft>
+                <a:spcPts val="600"/>
+              </a:spcAft>
+            </a:pPr>
+            <a:r>
+              <a:rPr kumimoji="1" lang="en-US" altLang="ja-JP" sz="1050" b="1" dirty="0"/>
+              <a:t>No.1</a:t>
+            </a:r>
+            <a:r>
+              <a:rPr lang="en-US" altLang="ja-JP" sz="1050" b="1" dirty="0"/>
+              <a:t> </a:t>
+            </a:r>
+            <a:r>
+              <a:rPr kumimoji="1" lang="en-US" altLang="ja-JP" sz="1050" b="1" dirty="0"/>
+              <a:t>2022/01/01 17:00</a:t>
+            </a:r>
+            <a:endParaRPr kumimoji="1" lang="ja-JP" altLang="en-US" sz="1050" b="1" dirty="0"/>
+          </a:p>
+        </p:txBody>
+      </p:sp>
+      <p:pic>
+        <p:nvPicPr>
+          <p:cNvPr id="80" name="図 79">
+            <a:extLst>
+              <a:ext uri="{FF2B5EF4-FFF2-40B4-BE49-F238E27FC236}">
+                <a16:creationId xmlns:a16="http://schemas.microsoft.com/office/drawing/2014/main" id="{79A64A8C-DDCE-4D17-8289-FFFA8627298A}"/>
+              </a:ext>
+            </a:extLst>
+          </p:cNvPr>
+          <p:cNvPicPr>
+            <a:picLocks noChangeAspect="1"/>
+          </p:cNvPicPr>
+          <p:nvPr/>
+        </p:nvPicPr>
+        <p:blipFill>
+          <a:blip r:embed="rId4"/>
+          <a:stretch>
+            <a:fillRect/>
+          </a:stretch>
+        </p:blipFill>
+        <p:spPr>
+          <a:xfrm>
+            <a:off x="1125638" y="2703134"/>
+            <a:ext cx="645065" cy="646247"/>
+          </a:xfrm>
+          <a:prstGeom prst="rect">
+            <a:avLst/>
+          </a:prstGeom>
+        </p:spPr>
+      </p:pic>
+      <p:sp>
+        <p:nvSpPr>
+          <p:cNvPr id="81" name="角丸四角形吹き出し 76">
+            <a:extLst>
+              <a:ext uri="{FF2B5EF4-FFF2-40B4-BE49-F238E27FC236}">
+                <a16:creationId xmlns:a16="http://schemas.microsoft.com/office/drawing/2014/main" id="{3035AE34-431B-40BF-95F6-6302C5C78534}"/>
+              </a:ext>
+            </a:extLst>
+          </p:cNvPr>
+          <p:cNvSpPr/>
+          <p:nvPr/>
+        </p:nvSpPr>
+        <p:spPr bwMode="auto">
+          <a:xfrm>
+            <a:off x="1605442" y="2221457"/>
+            <a:ext cx="5932141" cy="585525"/>
+          </a:xfrm>
+          <a:prstGeom prst="wedgeRoundRectCallout">
+            <a:avLst>
+              <a:gd name="adj1" fmla="val -47489"/>
+              <a:gd name="adj2" fmla="val 67167"/>
+              <a:gd name="adj3" fmla="val 16667"/>
+            </a:avLst>
+          </a:prstGeom>
+          <a:noFill/>
+          <a:ln w="12700">
+            <a:solidFill>
+              <a:schemeClr val="tx1"/>
+            </a:solidFill>
+          </a:ln>
+          <a:effectLst/>
+        </p:spPr>
+        <p:txBody>
+          <a:bodyPr rot="0" spcFirstLastPara="0" vertOverflow="overflow" horzOverflow="overflow" vert="horz" wrap="none" lIns="72000" tIns="72000" rIns="72000" bIns="72000" numCol="1" spcCol="0" rtlCol="0" fromWordArt="0" anchor="ctr" anchorCtr="0" forceAA="0" compatLnSpc="1">
+            <a:prstTxWarp prst="textNoShape">
+              <a:avLst/>
+            </a:prstTxWarp>
+            <a:noAutofit/>
+          </a:bodyPr>
+          <a:lstStyle/>
+          <a:p>
+            <a:r>
+              <a:rPr lang="en-US" altLang="ja-JP" sz="1400" b="1" dirty="0">
+                <a:latin typeface="+mn-ea"/>
+              </a:rPr>
+              <a:t>I need to move after the move data from before </a:t>
+            </a:r>
+            <a:r>
+              <a:rPr lang="en-US" altLang="ja-JP" sz="1400" b="1" dirty="0" smtClean="0">
+                <a:latin typeface="+mn-ea"/>
+              </a:rPr>
+              <a:t/>
+            </a:r>
+            <a:br>
+              <a:rPr lang="en-US" altLang="ja-JP" sz="1400" b="1" dirty="0" smtClean="0">
+                <a:latin typeface="+mn-ea"/>
+              </a:rPr>
+            </a:br>
+            <a:r>
+              <a:rPr lang="en-US" altLang="ja-JP" sz="1400" b="1" dirty="0" smtClean="0">
+                <a:solidFill>
+                  <a:srgbClr val="FF0000"/>
+                </a:solidFill>
+                <a:latin typeface="+mn-ea"/>
+              </a:rPr>
+              <a:t>2022/01/02</a:t>
+            </a:r>
+            <a:r>
+              <a:rPr lang="en-US" altLang="ja-JP" sz="1400" b="1" dirty="0" smtClean="0">
+                <a:latin typeface="+mn-ea"/>
+              </a:rPr>
+              <a:t> from </a:t>
+            </a:r>
+            <a:r>
+              <a:rPr lang="en-US" altLang="ja-JP" sz="1400" b="1" dirty="0">
+                <a:latin typeface="+mn-ea"/>
+              </a:rPr>
+              <a:t>"ITA Server B" </a:t>
+            </a:r>
+            <a:endParaRPr kumimoji="1" lang="ja-JP" altLang="en-US" sz="1400" b="1" dirty="0">
+              <a:latin typeface="+mn-ea"/>
+            </a:endParaRPr>
+          </a:p>
+        </p:txBody>
+      </p:sp>
+      <p:sp>
+        <p:nvSpPr>
+          <p:cNvPr id="84" name="テキスト ボックス 83">
+            <a:extLst>
+              <a:ext uri="{FF2B5EF4-FFF2-40B4-BE49-F238E27FC236}">
+                <a16:creationId xmlns:a16="http://schemas.microsoft.com/office/drawing/2014/main" id="{5EDB7563-43CA-46C3-96FD-D822EE536D37}"/>
+              </a:ext>
+            </a:extLst>
+          </p:cNvPr>
+          <p:cNvSpPr txBox="1"/>
+          <p:nvPr/>
+        </p:nvSpPr>
+        <p:spPr>
+          <a:xfrm>
+            <a:off x="179390" y="2259732"/>
+            <a:ext cx="1464372" cy="338554"/>
+          </a:xfrm>
+          <a:prstGeom prst="rect">
+            <a:avLst/>
+          </a:prstGeom>
+          <a:noFill/>
+        </p:spPr>
+        <p:txBody>
+          <a:bodyPr wrap="square" rtlCol="0">
+            <a:spAutoFit/>
+          </a:bodyPr>
+          <a:lstStyle/>
+          <a:p>
+            <a:r>
+              <a:rPr lang="en-US" altLang="ja-JP" sz="1600" u="sng" dirty="0" smtClean="0"/>
+              <a:t>Example</a:t>
+            </a:r>
+            <a:endParaRPr kumimoji="1" lang="ja-JP" altLang="en-US" sz="1600" u="sng" dirty="0"/>
+          </a:p>
+        </p:txBody>
+      </p:sp>
+      <p:sp>
+        <p:nvSpPr>
+          <p:cNvPr id="11" name="正方形/長方形 10">
+            <a:extLst>
+              <a:ext uri="{FF2B5EF4-FFF2-40B4-BE49-F238E27FC236}">
+                <a16:creationId xmlns:a16="http://schemas.microsoft.com/office/drawing/2014/main" id="{B037F859-2469-4A21-9FA1-96922C3599B4}"/>
+              </a:ext>
+            </a:extLst>
+          </p:cNvPr>
+          <p:cNvSpPr/>
+          <p:nvPr/>
+        </p:nvSpPr>
+        <p:spPr bwMode="auto">
+          <a:xfrm>
+            <a:off x="6720518" y="5708373"/>
+            <a:ext cx="1915315" cy="469507"/>
+          </a:xfrm>
+          <a:prstGeom prst="rect">
+            <a:avLst/>
+          </a:prstGeom>
+          <a:noFill/>
+          <a:ln w="38100">
+            <a:solidFill>
+              <a:srgbClr val="FF0000"/>
+            </a:solidFill>
+          </a:ln>
+          <a:effectLst/>
+        </p:spPr>
+        <p:txBody>
+          <a:bodyPr rot="0" spcFirstLastPara="0" vertOverflow="overflow" horzOverflow="overflow" vert="horz" wrap="none" lIns="72000" tIns="72000" rIns="72000" bIns="72000" numCol="1" spcCol="0" rtlCol="0" fromWordArt="0" anchor="ctr" anchorCtr="0" forceAA="0" compatLnSpc="1">
+            <a:prstTxWarp prst="textNoShape">
+              <a:avLst/>
+            </a:prstTxWarp>
+            <a:noAutofit/>
+          </a:bodyPr>
+          <a:lstStyle/>
+          <a:p>
+            <a:pPr algn="ctr"/>
+            <a:endParaRPr kumimoji="1" lang="ja-JP" altLang="en-US" b="1" dirty="0">
+              <a:latin typeface="+mn-ea"/>
+            </a:endParaRPr>
+          </a:p>
+        </p:txBody>
+      </p:sp>
+      <p:grpSp>
+        <p:nvGrpSpPr>
+          <p:cNvPr id="3" name="グループ化 2">
+            <a:extLst>
+              <a:ext uri="{FF2B5EF4-FFF2-40B4-BE49-F238E27FC236}">
+                <a16:creationId xmlns:a16="http://schemas.microsoft.com/office/drawing/2014/main" id="{0FEA9BF1-62EB-48BB-ABFC-81561C839860}"/>
+              </a:ext>
+            </a:extLst>
+          </p:cNvPr>
+          <p:cNvGrpSpPr/>
+          <p:nvPr/>
+        </p:nvGrpSpPr>
+        <p:grpSpPr>
+          <a:xfrm>
+            <a:off x="-33097" y="3462251"/>
+            <a:ext cx="5087217" cy="2157135"/>
+            <a:chOff x="-33097" y="3462251"/>
+            <a:chExt cx="5087217" cy="2157135"/>
+          </a:xfrm>
+        </p:grpSpPr>
+        <p:grpSp>
+          <p:nvGrpSpPr>
+            <p:cNvPr id="9" name="グループ化 8">
+              <a:extLst>
+                <a:ext uri="{FF2B5EF4-FFF2-40B4-BE49-F238E27FC236}">
+                  <a16:creationId xmlns:a16="http://schemas.microsoft.com/office/drawing/2014/main" id="{C8294956-F0C0-4237-AEF2-3521FA13631D}"/>
+                </a:ext>
+              </a:extLst>
+            </p:cNvPr>
+            <p:cNvGrpSpPr/>
+            <p:nvPr/>
+          </p:nvGrpSpPr>
+          <p:grpSpPr>
+            <a:xfrm>
+              <a:off x="-33097" y="3462251"/>
+              <a:ext cx="5087217" cy="2157135"/>
+              <a:chOff x="-86208" y="3747764"/>
+              <a:chExt cx="5087217" cy="2157135"/>
+            </a:xfrm>
+          </p:grpSpPr>
+          <p:grpSp>
+            <p:nvGrpSpPr>
+              <p:cNvPr id="63" name="グループ化 62">
+                <a:extLst>
+                  <a:ext uri="{FF2B5EF4-FFF2-40B4-BE49-F238E27FC236}">
+                    <a16:creationId xmlns:a16="http://schemas.microsoft.com/office/drawing/2014/main" id="{C6B409D3-D8A8-4F36-B855-6280FC209218}"/>
+                  </a:ext>
+                </a:extLst>
+              </p:cNvPr>
+              <p:cNvGrpSpPr/>
+              <p:nvPr/>
+            </p:nvGrpSpPr>
+            <p:grpSpPr>
+              <a:xfrm>
+                <a:off x="-86208" y="3747764"/>
+                <a:ext cx="5087217" cy="2157135"/>
+                <a:chOff x="-426481" y="3771569"/>
+                <a:chExt cx="5087217" cy="2157135"/>
+              </a:xfrm>
+            </p:grpSpPr>
+            <p:grpSp>
+              <p:nvGrpSpPr>
+                <p:cNvPr id="49" name="グループ化 48">
+                  <a:extLst>
+                    <a:ext uri="{FF2B5EF4-FFF2-40B4-BE49-F238E27FC236}">
+                      <a16:creationId xmlns:a16="http://schemas.microsoft.com/office/drawing/2014/main" id="{CFFF2279-C914-473D-942C-F9CA19341DF3}"/>
+                    </a:ext>
+                  </a:extLst>
+                </p:cNvPr>
+                <p:cNvGrpSpPr/>
+                <p:nvPr/>
+              </p:nvGrpSpPr>
+              <p:grpSpPr>
+                <a:xfrm>
+                  <a:off x="-426481" y="3771569"/>
+                  <a:ext cx="5087217" cy="2157135"/>
+                  <a:chOff x="-384894" y="3815541"/>
+                  <a:chExt cx="5087217" cy="2157135"/>
+                </a:xfrm>
+              </p:grpSpPr>
+              <p:grpSp>
+                <p:nvGrpSpPr>
+                  <p:cNvPr id="46" name="グループ化 45">
+                    <a:extLst>
+                      <a:ext uri="{FF2B5EF4-FFF2-40B4-BE49-F238E27FC236}">
+                        <a16:creationId xmlns:a16="http://schemas.microsoft.com/office/drawing/2014/main" id="{CEC9891E-DFD4-4B25-8F37-9BEF08F2514F}"/>
+                      </a:ext>
+                    </a:extLst>
+                  </p:cNvPr>
+                  <p:cNvGrpSpPr/>
+                  <p:nvPr/>
+                </p:nvGrpSpPr>
+                <p:grpSpPr>
+                  <a:xfrm>
+                    <a:off x="-384894" y="3914921"/>
+                    <a:ext cx="5087217" cy="2057755"/>
+                    <a:chOff x="-317819" y="3838106"/>
+                    <a:chExt cx="5087217" cy="2057755"/>
+                  </a:xfrm>
+                </p:grpSpPr>
+                <p:grpSp>
+                  <p:nvGrpSpPr>
+                    <p:cNvPr id="4" name="グループ化 3">
+                      <a:extLst>
+                        <a:ext uri="{FF2B5EF4-FFF2-40B4-BE49-F238E27FC236}">
+                          <a16:creationId xmlns:a16="http://schemas.microsoft.com/office/drawing/2014/main" id="{FDADE7A9-F968-4AA8-B0DC-3EAA9DF85E66}"/>
+                        </a:ext>
+                      </a:extLst>
+                    </p:cNvPr>
+                    <p:cNvGrpSpPr/>
+                    <p:nvPr/>
+                  </p:nvGrpSpPr>
+                  <p:grpSpPr>
+                    <a:xfrm>
+                      <a:off x="-317819" y="3838106"/>
+                      <a:ext cx="5087217" cy="2030921"/>
+                      <a:chOff x="-284753" y="4523893"/>
+                      <a:chExt cx="5070773" cy="1968027"/>
+                    </a:xfrm>
+                  </p:grpSpPr>
+                  <p:grpSp>
+                    <p:nvGrpSpPr>
+                      <p:cNvPr id="5" name="グループ化 4">
+                        <a:extLst>
+                          <a:ext uri="{FF2B5EF4-FFF2-40B4-BE49-F238E27FC236}">
+                            <a16:creationId xmlns:a16="http://schemas.microsoft.com/office/drawing/2014/main" id="{DEA5AA4D-F11A-4A7A-B05A-F575F0870814}"/>
+                          </a:ext>
+                        </a:extLst>
+                      </p:cNvPr>
+                      <p:cNvGrpSpPr/>
+                      <p:nvPr/>
+                    </p:nvGrpSpPr>
+                    <p:grpSpPr>
+                      <a:xfrm>
+                        <a:off x="3414700" y="4523893"/>
+                        <a:ext cx="1371320" cy="1430689"/>
+                        <a:chOff x="3414700" y="4523893"/>
+                        <a:chExt cx="1371320" cy="1430689"/>
+                      </a:xfrm>
+                    </p:grpSpPr>
+                    <p:grpSp>
+                      <p:nvGrpSpPr>
+                        <p:cNvPr id="8" name="グループ化 7">
+                          <a:extLst>
+                            <a:ext uri="{FF2B5EF4-FFF2-40B4-BE49-F238E27FC236}">
+                              <a16:creationId xmlns:a16="http://schemas.microsoft.com/office/drawing/2014/main" id="{635EB38A-967A-4EFE-B8E8-FA60DE091EC3}"/>
+                            </a:ext>
+                          </a:extLst>
+                        </p:cNvPr>
+                        <p:cNvGrpSpPr/>
+                        <p:nvPr/>
+                      </p:nvGrpSpPr>
+                      <p:grpSpPr>
+                        <a:xfrm>
+                          <a:off x="3414700" y="4523893"/>
+                          <a:ext cx="1371320" cy="1430689"/>
+                          <a:chOff x="3113124" y="3735490"/>
+                          <a:chExt cx="1392028" cy="1503983"/>
+                        </a:xfrm>
+                      </p:grpSpPr>
+                      <p:grpSp>
+                        <p:nvGrpSpPr>
+                          <p:cNvPr id="19" name="グループ化 18">
+                            <a:extLst>
+                              <a:ext uri="{FF2B5EF4-FFF2-40B4-BE49-F238E27FC236}">
+                                <a16:creationId xmlns:a16="http://schemas.microsoft.com/office/drawing/2014/main" id="{0E7832F7-D9F3-4C54-9F9B-6EADEA9E06B2}"/>
+                              </a:ext>
+                            </a:extLst>
+                          </p:cNvPr>
+                          <p:cNvGrpSpPr>
+                            <a:grpSpLocks noChangeAspect="1"/>
+                          </p:cNvGrpSpPr>
+                          <p:nvPr/>
+                        </p:nvGrpSpPr>
+                        <p:grpSpPr bwMode="gray">
+                          <a:xfrm>
+                            <a:off x="3292267" y="3735490"/>
+                            <a:ext cx="685029" cy="806872"/>
+                            <a:chOff x="-5995687" y="-525298"/>
+                            <a:chExt cx="3372621" cy="3972506"/>
+                          </a:xfrm>
+                        </p:grpSpPr>
+                        <p:sp>
+                          <p:nvSpPr>
+                            <p:cNvPr id="24" name="Freeform 85">
+                              <a:extLst>
+                                <a:ext uri="{FF2B5EF4-FFF2-40B4-BE49-F238E27FC236}">
+                                  <a16:creationId xmlns:a16="http://schemas.microsoft.com/office/drawing/2014/main" id="{501EAA26-E3A5-43FE-B0E9-D595EB0586BF}"/>
+                                </a:ext>
+                              </a:extLst>
+                            </p:cNvPr>
+                            <p:cNvSpPr>
+                              <a:spLocks noChangeAspect="1"/>
+                            </p:cNvSpPr>
+                            <p:nvPr/>
+                          </p:nvSpPr>
+                          <p:spPr bwMode="gray">
+                            <a:xfrm>
+                              <a:off x="-5995687" y="-525298"/>
+                              <a:ext cx="3372621" cy="3972506"/>
+                            </a:xfrm>
+                            <a:custGeom>
+                              <a:avLst/>
+                              <a:gdLst>
+                                <a:gd name="T0" fmla="*/ 633 w 655"/>
+                                <a:gd name="T1" fmla="*/ 180 h 755"/>
+                                <a:gd name="T2" fmla="*/ 467 w 655"/>
+                                <a:gd name="T3" fmla="*/ 21 h 755"/>
+                                <a:gd name="T4" fmla="*/ 414 w 655"/>
+                                <a:gd name="T5" fmla="*/ 0 h 755"/>
+                                <a:gd name="T6" fmla="*/ 134 w 655"/>
+                                <a:gd name="T7" fmla="*/ 0 h 755"/>
+                                <a:gd name="T8" fmla="*/ 81 w 655"/>
+                                <a:gd name="T9" fmla="*/ 52 h 755"/>
+                                <a:gd name="T10" fmla="*/ 81 w 655"/>
+                                <a:gd name="T11" fmla="*/ 105 h 755"/>
+                                <a:gd name="T12" fmla="*/ 24 w 655"/>
+                                <a:gd name="T13" fmla="*/ 105 h 755"/>
+                                <a:gd name="T14" fmla="*/ 0 w 655"/>
+                                <a:gd name="T15" fmla="*/ 129 h 755"/>
+                                <a:gd name="T16" fmla="*/ 0 w 655"/>
+                                <a:gd name="T17" fmla="*/ 273 h 755"/>
+                                <a:gd name="T18" fmla="*/ 24 w 655"/>
+                                <a:gd name="T19" fmla="*/ 297 h 755"/>
+                                <a:gd name="T20" fmla="*/ 81 w 655"/>
+                                <a:gd name="T21" fmla="*/ 297 h 755"/>
+                                <a:gd name="T22" fmla="*/ 81 w 655"/>
+                                <a:gd name="T23" fmla="*/ 703 h 755"/>
+                                <a:gd name="T24" fmla="*/ 134 w 655"/>
+                                <a:gd name="T25" fmla="*/ 755 h 755"/>
+                                <a:gd name="T26" fmla="*/ 603 w 655"/>
+                                <a:gd name="T27" fmla="*/ 755 h 755"/>
+                                <a:gd name="T28" fmla="*/ 655 w 655"/>
+                                <a:gd name="T29" fmla="*/ 703 h 755"/>
+                                <a:gd name="T30" fmla="*/ 655 w 655"/>
+                                <a:gd name="T31" fmla="*/ 233 h 755"/>
+                                <a:gd name="T32" fmla="*/ 633 w 655"/>
+                                <a:gd name="T33" fmla="*/ 180 h 755"/>
+                              </a:gdLst>
+                              <a:ahLst/>
+                              <a:cxnLst>
+                                <a:cxn ang="0">
+                                  <a:pos x="T0" y="T1"/>
+                                </a:cxn>
+                                <a:cxn ang="0">
+                                  <a:pos x="T2" y="T3"/>
+                                </a:cxn>
+                                <a:cxn ang="0">
+                                  <a:pos x="T4" y="T5"/>
+                                </a:cxn>
+                                <a:cxn ang="0">
+                                  <a:pos x="T6" y="T7"/>
+                                </a:cxn>
+                                <a:cxn ang="0">
+                                  <a:pos x="T8" y="T9"/>
+                                </a:cxn>
+                                <a:cxn ang="0">
+                                  <a:pos x="T10" y="T11"/>
+                                </a:cxn>
+                                <a:cxn ang="0">
+                                  <a:pos x="T12" y="T13"/>
+                                </a:cxn>
+                                <a:cxn ang="0">
+                                  <a:pos x="T14" y="T15"/>
+                                </a:cxn>
+                                <a:cxn ang="0">
+                                  <a:pos x="T16" y="T17"/>
+                                </a:cxn>
+                                <a:cxn ang="0">
+                                  <a:pos x="T18" y="T19"/>
+                                </a:cxn>
+                                <a:cxn ang="0">
+                                  <a:pos x="T20" y="T21"/>
+                                </a:cxn>
+                                <a:cxn ang="0">
+                                  <a:pos x="T22" y="T23"/>
+                                </a:cxn>
+                                <a:cxn ang="0">
+                                  <a:pos x="T24" y="T25"/>
+                                </a:cxn>
+                                <a:cxn ang="0">
+                                  <a:pos x="T26" y="T27"/>
+                                </a:cxn>
+                                <a:cxn ang="0">
+                                  <a:pos x="T28" y="T29"/>
+                                </a:cxn>
+                                <a:cxn ang="0">
+                                  <a:pos x="T30" y="T31"/>
+                                </a:cxn>
+                                <a:cxn ang="0">
+                                  <a:pos x="T32" y="T33"/>
+                                </a:cxn>
+                              </a:cxnLst>
+                              <a:rect l="0" t="0" r="r" b="b"/>
+                              <a:pathLst>
+                                <a:path w="655" h="755">
+                                  <a:moveTo>
+                                    <a:pt x="633" y="180"/>
+                                  </a:moveTo>
+                                  <a:cubicBezTo>
+                                    <a:pt x="467" y="21"/>
+                                    <a:pt x="467" y="21"/>
+                                    <a:pt x="467" y="21"/>
+                                  </a:cubicBezTo>
+                                  <a:cubicBezTo>
+                                    <a:pt x="454" y="8"/>
+                                    <a:pt x="433" y="0"/>
+                                    <a:pt x="414" y="0"/>
+                                  </a:cubicBezTo>
+                                  <a:cubicBezTo>
+                                    <a:pt x="134" y="0"/>
+                                    <a:pt x="134" y="0"/>
+                                    <a:pt x="134" y="0"/>
+                                  </a:cubicBezTo>
+                                  <a:cubicBezTo>
+                                    <a:pt x="105" y="0"/>
+                                    <a:pt x="81" y="23"/>
+                                    <a:pt x="81" y="52"/>
+                                  </a:cubicBezTo>
+                                  <a:cubicBezTo>
+                                    <a:pt x="81" y="70"/>
+                                    <a:pt x="81" y="88"/>
+                                    <a:pt x="81" y="105"/>
+                                  </a:cubicBezTo>
+                                  <a:cubicBezTo>
+                                    <a:pt x="24" y="105"/>
+                                    <a:pt x="24" y="105"/>
+                                    <a:pt x="24" y="105"/>
+                                  </a:cubicBezTo>
+                                  <a:cubicBezTo>
+                                    <a:pt x="11" y="105"/>
+                                    <a:pt x="0" y="116"/>
+                                    <a:pt x="0" y="129"/>
+                                  </a:cubicBezTo>
+                                  <a:cubicBezTo>
+                                    <a:pt x="0" y="273"/>
+                                    <a:pt x="0" y="273"/>
+                                    <a:pt x="0" y="273"/>
+                                  </a:cubicBezTo>
+                                  <a:cubicBezTo>
+                                    <a:pt x="0" y="287"/>
+                                    <a:pt x="11" y="297"/>
+                                    <a:pt x="24" y="297"/>
+                                  </a:cubicBezTo>
+                                  <a:cubicBezTo>
+                                    <a:pt x="81" y="297"/>
+                                    <a:pt x="81" y="297"/>
+                                    <a:pt x="81" y="297"/>
+                                  </a:cubicBezTo>
+                                  <a:cubicBezTo>
+                                    <a:pt x="81" y="703"/>
+                                    <a:pt x="81" y="703"/>
+                                    <a:pt x="81" y="703"/>
+                                  </a:cubicBezTo>
+                                  <a:cubicBezTo>
+                                    <a:pt x="81" y="732"/>
+                                    <a:pt x="105" y="755"/>
+                                    <a:pt x="134" y="755"/>
+                                  </a:cubicBezTo>
+                                  <a:cubicBezTo>
+                                    <a:pt x="603" y="755"/>
+                                    <a:pt x="603" y="755"/>
+                                    <a:pt x="603" y="755"/>
+                                  </a:cubicBezTo>
+                                  <a:cubicBezTo>
+                                    <a:pt x="632" y="755"/>
+                                    <a:pt x="655" y="732"/>
+                                    <a:pt x="655" y="703"/>
+                                  </a:cubicBezTo>
+                                  <a:cubicBezTo>
+                                    <a:pt x="655" y="233"/>
+                                    <a:pt x="655" y="233"/>
+                                    <a:pt x="655" y="233"/>
+                                  </a:cubicBezTo>
+                                  <a:cubicBezTo>
+                                    <a:pt x="655" y="215"/>
+                                    <a:pt x="646" y="193"/>
+                                    <a:pt x="633" y="180"/>
+                                  </a:cubicBezTo>
+                                  <a:close/>
+                                </a:path>
+                              </a:pathLst>
+                            </a:custGeom>
+                            <a:solidFill>
+                              <a:srgbClr val="002B62"/>
+                            </a:solidFill>
+                            <a:ln>
+                              <a:noFill/>
+                            </a:ln>
+                          </p:spPr>
+                          <p:txBody>
+                            <a:bodyPr vert="horz" wrap="square" lIns="91440" tIns="45720" rIns="91440" bIns="45720" numCol="1" anchor="t" anchorCtr="0" compatLnSpc="1">
+                              <a:prstTxWarp prst="textNoShape">
+                                <a:avLst/>
+                              </a:prstTxWarp>
+                            </a:bodyPr>
+                            <a:lstStyle/>
+                            <a:p>
+                              <a:pPr marL="0" marR="0" lvl="0" indent="0" defTabSz="914400" eaLnBrk="1" fontAlgn="auto" latinLnBrk="0" hangingPunct="1">
+                                <a:lnSpc>
+                                  <a:spcPct val="100000"/>
+                                </a:lnSpc>
+                                <a:spcBef>
+                                  <a:spcPts val="0"/>
+                                </a:spcBef>
+                                <a:spcAft>
+                                  <a:spcPts val="0"/>
+                                </a:spcAft>
+                                <a:buClrTx/>
+                                <a:buSzTx/>
+                                <a:buFontTx/>
+                                <a:buNone/>
+                                <a:tabLst/>
+                                <a:defRPr/>
+                              </a:pPr>
+                              <a:endParaRPr kumimoji="0" lang="en-US" sz="1800" b="0" i="0" u="none" strike="noStrike" kern="0" cap="none" spc="0" normalizeH="0" baseline="0" noProof="0">
+                                <a:ln>
+                                  <a:noFill/>
+                                </a:ln>
+                                <a:solidFill>
+                                  <a:srgbClr val="000000"/>
+                                </a:solidFill>
+                                <a:effectLst/>
+                                <a:uLnTx/>
+                                <a:uFillTx/>
+                              </a:endParaRPr>
+                            </a:p>
+                          </p:txBody>
+                        </p:sp>
+                        <p:sp>
+                          <p:nvSpPr>
+                            <p:cNvPr id="25" name="フリーフォーム 79">
+                              <a:extLst>
+                                <a:ext uri="{FF2B5EF4-FFF2-40B4-BE49-F238E27FC236}">
+                                  <a16:creationId xmlns:a16="http://schemas.microsoft.com/office/drawing/2014/main" id="{E38409C5-A7F4-43F4-85DC-D331D71FA395}"/>
+                                </a:ext>
+                              </a:extLst>
+                            </p:cNvPr>
+                            <p:cNvSpPr>
+                              <a:spLocks noChangeAspect="1"/>
+                            </p:cNvSpPr>
+                            <p:nvPr/>
+                          </p:nvSpPr>
+                          <p:spPr bwMode="gray">
+                            <a:xfrm>
+                              <a:off x="-5327581" y="-303443"/>
+                              <a:ext cx="2578931" cy="3528795"/>
+                            </a:xfrm>
+                            <a:custGeom>
+                              <a:avLst/>
+                              <a:gdLst>
+                                <a:gd name="connsiteX0" fmla="*/ 316700 w 1887538"/>
+                                <a:gd name="connsiteY0" fmla="*/ 2041525 h 2571750"/>
+                                <a:gd name="connsiteX1" fmla="*/ 271463 w 1887538"/>
+                                <a:gd name="connsiteY1" fmla="*/ 2085975 h 2571750"/>
+                                <a:gd name="connsiteX2" fmla="*/ 316700 w 1887538"/>
+                                <a:gd name="connsiteY2" fmla="*/ 2130425 h 2571750"/>
+                                <a:gd name="connsiteX3" fmla="*/ 557964 w 1887538"/>
+                                <a:gd name="connsiteY3" fmla="*/ 2130425 h 2571750"/>
+                                <a:gd name="connsiteX4" fmla="*/ 580583 w 1887538"/>
+                                <a:gd name="connsiteY4" fmla="*/ 2130425 h 2571750"/>
+                                <a:gd name="connsiteX5" fmla="*/ 614511 w 1887538"/>
+                                <a:gd name="connsiteY5" fmla="*/ 2130425 h 2571750"/>
+                                <a:gd name="connsiteX6" fmla="*/ 618281 w 1887538"/>
+                                <a:gd name="connsiteY6" fmla="*/ 2130425 h 2571750"/>
+                                <a:gd name="connsiteX7" fmla="*/ 1564489 w 1887538"/>
+                                <a:gd name="connsiteY7" fmla="*/ 2130425 h 2571750"/>
+                                <a:gd name="connsiteX8" fmla="*/ 1609726 w 1887538"/>
+                                <a:gd name="connsiteY8" fmla="*/ 2085975 h 2571750"/>
+                                <a:gd name="connsiteX9" fmla="*/ 1564489 w 1887538"/>
+                                <a:gd name="connsiteY9" fmla="*/ 2041525 h 2571750"/>
+                                <a:gd name="connsiteX10" fmla="*/ 618281 w 1887538"/>
+                                <a:gd name="connsiteY10" fmla="*/ 2041525 h 2571750"/>
+                                <a:gd name="connsiteX11" fmla="*/ 610741 w 1887538"/>
+                                <a:gd name="connsiteY11" fmla="*/ 2041525 h 2571750"/>
+                                <a:gd name="connsiteX12" fmla="*/ 573043 w 1887538"/>
+                                <a:gd name="connsiteY12" fmla="*/ 2041525 h 2571750"/>
+                                <a:gd name="connsiteX13" fmla="*/ 557964 w 1887538"/>
+                                <a:gd name="connsiteY13" fmla="*/ 2041525 h 2571750"/>
+                                <a:gd name="connsiteX14" fmla="*/ 316700 w 1887538"/>
+                                <a:gd name="connsiteY14" fmla="*/ 2041525 h 2571750"/>
+                                <a:gd name="connsiteX15" fmla="*/ 316700 w 1887538"/>
+                                <a:gd name="connsiteY15" fmla="*/ 1646237 h 2571750"/>
+                                <a:gd name="connsiteX16" fmla="*/ 271463 w 1887538"/>
+                                <a:gd name="connsiteY16" fmla="*/ 1694942 h 2571750"/>
+                                <a:gd name="connsiteX17" fmla="*/ 316700 w 1887538"/>
+                                <a:gd name="connsiteY17" fmla="*/ 1739900 h 2571750"/>
+                                <a:gd name="connsiteX18" fmla="*/ 557964 w 1887538"/>
+                                <a:gd name="connsiteY18" fmla="*/ 1739900 h 2571750"/>
+                                <a:gd name="connsiteX19" fmla="*/ 580583 w 1887538"/>
+                                <a:gd name="connsiteY19" fmla="*/ 1739900 h 2571750"/>
+                                <a:gd name="connsiteX20" fmla="*/ 614511 w 1887538"/>
+                                <a:gd name="connsiteY20" fmla="*/ 1739900 h 2571750"/>
+                                <a:gd name="connsiteX21" fmla="*/ 618281 w 1887538"/>
+                                <a:gd name="connsiteY21" fmla="*/ 1739900 h 2571750"/>
+                                <a:gd name="connsiteX22" fmla="*/ 1564489 w 1887538"/>
+                                <a:gd name="connsiteY22" fmla="*/ 1739900 h 2571750"/>
+                                <a:gd name="connsiteX23" fmla="*/ 1609726 w 1887538"/>
+                                <a:gd name="connsiteY23" fmla="*/ 1694942 h 2571750"/>
+                                <a:gd name="connsiteX24" fmla="*/ 1564489 w 1887538"/>
+                                <a:gd name="connsiteY24" fmla="*/ 1646237 h 2571750"/>
+                                <a:gd name="connsiteX25" fmla="*/ 618281 w 1887538"/>
+                                <a:gd name="connsiteY25" fmla="*/ 1646237 h 2571750"/>
+                                <a:gd name="connsiteX26" fmla="*/ 610741 w 1887538"/>
+                                <a:gd name="connsiteY26" fmla="*/ 1646237 h 2571750"/>
+                                <a:gd name="connsiteX27" fmla="*/ 573043 w 1887538"/>
+                                <a:gd name="connsiteY27" fmla="*/ 1646237 h 2571750"/>
+                                <a:gd name="connsiteX28" fmla="*/ 557964 w 1887538"/>
+                                <a:gd name="connsiteY28" fmla="*/ 1646237 h 2571750"/>
+                                <a:gd name="connsiteX29" fmla="*/ 316700 w 1887538"/>
+                                <a:gd name="connsiteY29" fmla="*/ 1646237 h 2571750"/>
+                                <a:gd name="connsiteX30" fmla="*/ 316700 w 1887538"/>
+                                <a:gd name="connsiteY30" fmla="*/ 1249362 h 2571750"/>
+                                <a:gd name="connsiteX31" fmla="*/ 271463 w 1887538"/>
+                                <a:gd name="connsiteY31" fmla="*/ 1298892 h 2571750"/>
+                                <a:gd name="connsiteX32" fmla="*/ 316700 w 1887538"/>
+                                <a:gd name="connsiteY32" fmla="*/ 1344612 h 2571750"/>
+                                <a:gd name="connsiteX33" fmla="*/ 557964 w 1887538"/>
+                                <a:gd name="connsiteY33" fmla="*/ 1344612 h 2571750"/>
+                                <a:gd name="connsiteX34" fmla="*/ 580583 w 1887538"/>
+                                <a:gd name="connsiteY34" fmla="*/ 1344612 h 2571750"/>
+                                <a:gd name="connsiteX35" fmla="*/ 614511 w 1887538"/>
+                                <a:gd name="connsiteY35" fmla="*/ 1344612 h 2571750"/>
+                                <a:gd name="connsiteX36" fmla="*/ 618281 w 1887538"/>
+                                <a:gd name="connsiteY36" fmla="*/ 1344612 h 2571750"/>
+                                <a:gd name="connsiteX37" fmla="*/ 1564489 w 1887538"/>
+                                <a:gd name="connsiteY37" fmla="*/ 1344612 h 2571750"/>
+                                <a:gd name="connsiteX38" fmla="*/ 1609726 w 1887538"/>
+                                <a:gd name="connsiteY38" fmla="*/ 1298892 h 2571750"/>
+                                <a:gd name="connsiteX39" fmla="*/ 1564489 w 1887538"/>
+                                <a:gd name="connsiteY39" fmla="*/ 1249362 h 2571750"/>
+                                <a:gd name="connsiteX40" fmla="*/ 618281 w 1887538"/>
+                                <a:gd name="connsiteY40" fmla="*/ 1249362 h 2571750"/>
+                                <a:gd name="connsiteX41" fmla="*/ 610741 w 1887538"/>
+                                <a:gd name="connsiteY41" fmla="*/ 1249362 h 2571750"/>
+                                <a:gd name="connsiteX42" fmla="*/ 573043 w 1887538"/>
+                                <a:gd name="connsiteY42" fmla="*/ 1249362 h 2571750"/>
+                                <a:gd name="connsiteX43" fmla="*/ 557964 w 1887538"/>
+                                <a:gd name="connsiteY43" fmla="*/ 1249362 h 2571750"/>
+                                <a:gd name="connsiteX44" fmla="*/ 316700 w 1887538"/>
+                                <a:gd name="connsiteY44" fmla="*/ 1249362 h 2571750"/>
+                                <a:gd name="connsiteX45" fmla="*/ 1220789 w 1887538"/>
+                                <a:gd name="connsiteY45" fmla="*/ 41276 h 2571750"/>
+                                <a:gd name="connsiteX46" fmla="*/ 1843089 w 1887538"/>
+                                <a:gd name="connsiteY46" fmla="*/ 639764 h 2571750"/>
+                                <a:gd name="connsiteX47" fmla="*/ 1220789 w 1887538"/>
+                                <a:gd name="connsiteY47" fmla="*/ 639764 h 2571750"/>
+                                <a:gd name="connsiteX48" fmla="*/ 56513 w 1887538"/>
+                                <a:gd name="connsiteY48" fmla="*/ 0 h 2571750"/>
+                                <a:gd name="connsiteX49" fmla="*/ 557596 w 1887538"/>
+                                <a:gd name="connsiteY49" fmla="*/ 0 h 2571750"/>
+                                <a:gd name="connsiteX50" fmla="*/ 587736 w 1887538"/>
+                                <a:gd name="connsiteY50" fmla="*/ 0 h 2571750"/>
+                                <a:gd name="connsiteX51" fmla="*/ 610342 w 1887538"/>
+                                <a:gd name="connsiteY51" fmla="*/ 0 h 2571750"/>
+                                <a:gd name="connsiteX52" fmla="*/ 617877 w 1887538"/>
+                                <a:gd name="connsiteY52" fmla="*/ 0 h 2571750"/>
+                                <a:gd name="connsiteX53" fmla="*/ 1115192 w 1887538"/>
+                                <a:gd name="connsiteY53" fmla="*/ 0 h 2571750"/>
+                                <a:gd name="connsiteX54" fmla="*/ 1130262 w 1887538"/>
+                                <a:gd name="connsiteY54" fmla="*/ 0 h 2571750"/>
+                                <a:gd name="connsiteX55" fmla="*/ 1130262 w 1887538"/>
+                                <a:gd name="connsiteY55" fmla="*/ 681532 h 2571750"/>
+                                <a:gd name="connsiteX56" fmla="*/ 1175473 w 1887538"/>
+                                <a:gd name="connsiteY56" fmla="*/ 726717 h 2571750"/>
+                                <a:gd name="connsiteX57" fmla="*/ 1887538 w 1887538"/>
+                                <a:gd name="connsiteY57" fmla="*/ 726717 h 2571750"/>
+                                <a:gd name="connsiteX58" fmla="*/ 1887538 w 1887538"/>
+                                <a:gd name="connsiteY58" fmla="*/ 745544 h 2571750"/>
+                                <a:gd name="connsiteX59" fmla="*/ 1887538 w 1887538"/>
+                                <a:gd name="connsiteY59" fmla="*/ 2511504 h 2571750"/>
+                                <a:gd name="connsiteX60" fmla="*/ 1827257 w 1887538"/>
+                                <a:gd name="connsiteY60" fmla="*/ 2571750 h 2571750"/>
+                                <a:gd name="connsiteX61" fmla="*/ 617877 w 1887538"/>
+                                <a:gd name="connsiteY61" fmla="*/ 2571750 h 2571750"/>
+                                <a:gd name="connsiteX62" fmla="*/ 576434 w 1887538"/>
+                                <a:gd name="connsiteY62" fmla="*/ 2571750 h 2571750"/>
+                                <a:gd name="connsiteX63" fmla="*/ 557596 w 1887538"/>
+                                <a:gd name="connsiteY63" fmla="*/ 2571750 h 2571750"/>
+                                <a:gd name="connsiteX64" fmla="*/ 56513 w 1887538"/>
+                                <a:gd name="connsiteY64" fmla="*/ 2571750 h 2571750"/>
+                                <a:gd name="connsiteX65" fmla="*/ 0 w 1887538"/>
+                                <a:gd name="connsiteY65" fmla="*/ 2511504 h 2571750"/>
+                                <a:gd name="connsiteX66" fmla="*/ 0 w 1887538"/>
+                                <a:gd name="connsiteY66" fmla="*/ 982762 h 2571750"/>
+                                <a:gd name="connsiteX67" fmla="*/ 851464 w 1887538"/>
+                                <a:gd name="connsiteY67" fmla="*/ 982762 h 2571750"/>
+                                <a:gd name="connsiteX68" fmla="*/ 941885 w 1887538"/>
+                                <a:gd name="connsiteY68" fmla="*/ 892393 h 2571750"/>
+                                <a:gd name="connsiteX69" fmla="*/ 941885 w 1887538"/>
+                                <a:gd name="connsiteY69" fmla="*/ 350180 h 2571750"/>
+                                <a:gd name="connsiteX70" fmla="*/ 851464 w 1887538"/>
+                                <a:gd name="connsiteY70" fmla="*/ 259811 h 2571750"/>
+                                <a:gd name="connsiteX71" fmla="*/ 0 w 1887538"/>
+                                <a:gd name="connsiteY71" fmla="*/ 259811 h 2571750"/>
+                                <a:gd name="connsiteX72" fmla="*/ 0 w 1887538"/>
+                                <a:gd name="connsiteY72" fmla="*/ 60246 h 2571750"/>
+                                <a:gd name="connsiteX73" fmla="*/ 56513 w 1887538"/>
+                                <a:gd name="connsiteY73" fmla="*/ 0 h 2571750"/>
+                              </a:gdLst>
+                              <a:ahLst/>
+                              <a:cxnLst>
+                                <a:cxn ang="0">
+                                  <a:pos x="connsiteX0" y="connsiteY0"/>
+                                </a:cxn>
+                                <a:cxn ang="0">
+                                  <a:pos x="connsiteX1" y="connsiteY1"/>
+                                </a:cxn>
+                                <a:cxn ang="0">
+                                  <a:pos x="connsiteX2" y="connsiteY2"/>
+                                </a:cxn>
+                                <a:cxn ang="0">
+                                  <a:pos x="connsiteX3" y="connsiteY3"/>
+                                </a:cxn>
+                                <a:cxn ang="0">
+                                  <a:pos x="connsiteX4" y="connsiteY4"/>
+                                </a:cxn>
+                                <a:cxn ang="0">
+                                  <a:pos x="connsiteX5" y="connsiteY5"/>
+                                </a:cxn>
+                                <a:cxn ang="0">
+                                  <a:pos x="connsiteX6" y="connsiteY6"/>
+                                </a:cxn>
+                                <a:cxn ang="0">
+                                  <a:pos x="connsiteX7" y="connsiteY7"/>
+                                </a:cxn>
+                                <a:cxn ang="0">
+                                  <a:pos x="connsiteX8" y="connsiteY8"/>
+                                </a:cxn>
+                                <a:cxn ang="0">
+                                  <a:pos x="connsiteX9" y="connsiteY9"/>
+                                </a:cxn>
+                                <a:cxn ang="0">
+                                  <a:pos x="connsiteX10" y="connsiteY10"/>
+                                </a:cxn>
+                                <a:cxn ang="0">
+                                  <a:pos x="connsiteX11" y="connsiteY11"/>
+                                </a:cxn>
+                                <a:cxn ang="0">
+                                  <a:pos x="connsiteX12" y="connsiteY12"/>
+                                </a:cxn>
+                                <a:cxn ang="0">
+                                  <a:pos x="connsiteX13" y="connsiteY13"/>
+                                </a:cxn>
+                                <a:cxn ang="0">
+                                  <a:pos x="connsiteX14" y="connsiteY14"/>
+                                </a:cxn>
+                                <a:cxn ang="0">
+                                  <a:pos x="connsiteX15" y="connsiteY15"/>
+                                </a:cxn>
+                                <a:cxn ang="0">
+                                  <a:pos x="connsiteX16" y="connsiteY16"/>
+                                </a:cxn>
+                                <a:cxn ang="0">
+                                  <a:pos x="connsiteX17" y="connsiteY17"/>
+                                </a:cxn>
+                                <a:cxn ang="0">
+                                  <a:pos x="connsiteX18" y="connsiteY18"/>
+                                </a:cxn>
+                                <a:cxn ang="0">
+                                  <a:pos x="connsiteX19" y="connsiteY19"/>
+                                </a:cxn>
+                                <a:cxn ang="0">
+                                  <a:pos x="connsiteX20" y="connsiteY20"/>
+                                </a:cxn>
+                                <a:cxn ang="0">
+                                  <a:pos x="connsiteX21" y="connsiteY21"/>
+                                </a:cxn>
+                                <a:cxn ang="0">
+                                  <a:pos x="connsiteX22" y="connsiteY22"/>
+                                </a:cxn>
+                                <a:cxn ang="0">
+                                  <a:pos x="connsiteX23" y="connsiteY23"/>
+                                </a:cxn>
+                                <a:cxn ang="0">
+                                  <a:pos x="connsiteX24" y="connsiteY24"/>
+                                </a:cxn>
+                                <a:cxn ang="0">
+                                  <a:pos x="connsiteX25" y="connsiteY25"/>
+                                </a:cxn>
+                                <a:cxn ang="0">
+                                  <a:pos x="connsiteX26" y="connsiteY26"/>
+                                </a:cxn>
+                                <a:cxn ang="0">
+                                  <a:pos x="connsiteX27" y="connsiteY27"/>
+                                </a:cxn>
+                                <a:cxn ang="0">
+                                  <a:pos x="connsiteX28" y="connsiteY28"/>
+                                </a:cxn>
+                                <a:cxn ang="0">
+                                  <a:pos x="connsiteX29" y="connsiteY29"/>
+                                </a:cxn>
+                                <a:cxn ang="0">
+                                  <a:pos x="connsiteX30" y="connsiteY30"/>
+                                </a:cxn>
+                                <a:cxn ang="0">
+                                  <a:pos x="connsiteX31" y="connsiteY31"/>
+                                </a:cxn>
+                                <a:cxn ang="0">
+                                  <a:pos x="connsiteX32" y="connsiteY32"/>
+                                </a:cxn>
+                                <a:cxn ang="0">
+                                  <a:pos x="connsiteX33" y="connsiteY33"/>
+                                </a:cxn>
+                                <a:cxn ang="0">
+                                  <a:pos x="connsiteX34" y="connsiteY34"/>
+                                </a:cxn>
+                                <a:cxn ang="0">
+                                  <a:pos x="connsiteX35" y="connsiteY35"/>
+                                </a:cxn>
+                                <a:cxn ang="0">
+                                  <a:pos x="connsiteX36" y="connsiteY36"/>
+                                </a:cxn>
+                                <a:cxn ang="0">
+                                  <a:pos x="connsiteX37" y="connsiteY37"/>
+                                </a:cxn>
+                                <a:cxn ang="0">
+                                  <a:pos x="connsiteX38" y="connsiteY38"/>
+                                </a:cxn>
+                                <a:cxn ang="0">
+                                  <a:pos x="connsiteX39" y="connsiteY39"/>
+                                </a:cxn>
+                                <a:cxn ang="0">
+                                  <a:pos x="connsiteX40" y="connsiteY40"/>
+                                </a:cxn>
+                                <a:cxn ang="0">
+                                  <a:pos x="connsiteX41" y="connsiteY41"/>
+                                </a:cxn>
+                                <a:cxn ang="0">
+                                  <a:pos x="connsiteX42" y="connsiteY42"/>
+                                </a:cxn>
+                                <a:cxn ang="0">
+                                  <a:pos x="connsiteX43" y="connsiteY43"/>
+                                </a:cxn>
+                                <a:cxn ang="0">
+                                  <a:pos x="connsiteX44" y="connsiteY44"/>
+                                </a:cxn>
+                                <a:cxn ang="0">
+                                  <a:pos x="connsiteX45" y="connsiteY45"/>
+                                </a:cxn>
+                                <a:cxn ang="0">
+                                  <a:pos x="connsiteX46" y="connsiteY46"/>
+                                </a:cxn>
+                                <a:cxn ang="0">
+                                  <a:pos x="connsiteX47" y="connsiteY47"/>
+                                </a:cxn>
+                                <a:cxn ang="0">
+                                  <a:pos x="connsiteX48" y="connsiteY48"/>
+                                </a:cxn>
+                                <a:cxn ang="0">
+                                  <a:pos x="connsiteX49" y="connsiteY49"/>
+                                </a:cxn>
+                                <a:cxn ang="0">
+                                  <a:pos x="connsiteX50" y="connsiteY50"/>
+                                </a:cxn>
+                                <a:cxn ang="0">
+                                  <a:pos x="connsiteX51" y="connsiteY51"/>
+                                </a:cxn>
+                                <a:cxn ang="0">
+                                  <a:pos x="connsiteX52" y="connsiteY52"/>
+                                </a:cxn>
+                                <a:cxn ang="0">
+                                  <a:pos x="connsiteX53" y="connsiteY53"/>
+                                </a:cxn>
+                                <a:cxn ang="0">
+                                  <a:pos x="connsiteX54" y="connsiteY54"/>
+                                </a:cxn>
+                                <a:cxn ang="0">
+                                  <a:pos x="connsiteX55" y="connsiteY55"/>
+                                </a:cxn>
+                                <a:cxn ang="0">
+                                  <a:pos x="connsiteX56" y="connsiteY56"/>
+                                </a:cxn>
+                                <a:cxn ang="0">
+                                  <a:pos x="connsiteX57" y="connsiteY57"/>
+                                </a:cxn>
+                                <a:cxn ang="0">
+                                  <a:pos x="connsiteX58" y="connsiteY58"/>
+                                </a:cxn>
+                                <a:cxn ang="0">
+                                  <a:pos x="connsiteX59" y="connsiteY59"/>
+                                </a:cxn>
+                                <a:cxn ang="0">
+                                  <a:pos x="connsiteX60" y="connsiteY60"/>
+                                </a:cxn>
+                                <a:cxn ang="0">
+                                  <a:pos x="connsiteX61" y="connsiteY61"/>
+                                </a:cxn>
+                                <a:cxn ang="0">
+                                  <a:pos x="connsiteX62" y="connsiteY62"/>
+                                </a:cxn>
+                                <a:cxn ang="0">
+                                  <a:pos x="connsiteX63" y="connsiteY63"/>
+                                </a:cxn>
+                                <a:cxn ang="0">
+                                  <a:pos x="connsiteX64" y="connsiteY64"/>
+                                </a:cxn>
+                                <a:cxn ang="0">
+                                  <a:pos x="connsiteX65" y="connsiteY65"/>
+                                </a:cxn>
+                                <a:cxn ang="0">
+                                  <a:pos x="connsiteX66" y="connsiteY66"/>
+                                </a:cxn>
+                                <a:cxn ang="0">
+                                  <a:pos x="connsiteX67" y="connsiteY67"/>
+                                </a:cxn>
+                                <a:cxn ang="0">
+                                  <a:pos x="connsiteX68" y="connsiteY68"/>
+                                </a:cxn>
+                                <a:cxn ang="0">
+                                  <a:pos x="connsiteX69" y="connsiteY69"/>
+                                </a:cxn>
+                                <a:cxn ang="0">
+                                  <a:pos x="connsiteX70" y="connsiteY70"/>
+                                </a:cxn>
+                                <a:cxn ang="0">
+                                  <a:pos x="connsiteX71" y="connsiteY71"/>
+                                </a:cxn>
+                                <a:cxn ang="0">
+                                  <a:pos x="connsiteX72" y="connsiteY72"/>
+                                </a:cxn>
+                                <a:cxn ang="0">
+                                  <a:pos x="connsiteX73" y="connsiteY73"/>
+                                </a:cxn>
+                              </a:cxnLst>
+                              <a:rect l="l" t="t" r="r" b="b"/>
+                              <a:pathLst>
+                                <a:path w="1887538" h="2571750">
+                                  <a:moveTo>
+                                    <a:pt x="316700" y="2041525"/>
+                                  </a:moveTo>
+                                  <a:cubicBezTo>
+                                    <a:pt x="290312" y="2041525"/>
+                                    <a:pt x="271463" y="2060046"/>
+                                    <a:pt x="271463" y="2085975"/>
+                                  </a:cubicBezTo>
+                                  <a:cubicBezTo>
+                                    <a:pt x="271463" y="2111904"/>
+                                    <a:pt x="290312" y="2130425"/>
+                                    <a:pt x="316700" y="2130425"/>
+                                  </a:cubicBezTo>
+                                  <a:cubicBezTo>
+                                    <a:pt x="441102" y="2130425"/>
+                                    <a:pt x="512727" y="2130425"/>
+                                    <a:pt x="557964" y="2130425"/>
+                                  </a:cubicBezTo>
+                                  <a:cubicBezTo>
+                                    <a:pt x="565504" y="2130425"/>
+                                    <a:pt x="573043" y="2130425"/>
+                                    <a:pt x="580583" y="2130425"/>
+                                  </a:cubicBezTo>
+                                  <a:cubicBezTo>
+                                    <a:pt x="580583" y="2130425"/>
+                                    <a:pt x="580583" y="2130425"/>
+                                    <a:pt x="614511" y="2130425"/>
+                                  </a:cubicBezTo>
+                                  <a:cubicBezTo>
+                                    <a:pt x="618281" y="2130425"/>
+                                    <a:pt x="618281" y="2130425"/>
+                                    <a:pt x="618281" y="2130425"/>
+                                  </a:cubicBezTo>
+                                  <a:cubicBezTo>
+                                    <a:pt x="1556949" y="2130425"/>
+                                    <a:pt x="1564489" y="2130425"/>
+                                    <a:pt x="1564489" y="2130425"/>
+                                  </a:cubicBezTo>
+                                  <a:cubicBezTo>
+                                    <a:pt x="1590877" y="2130425"/>
+                                    <a:pt x="1609726" y="2111904"/>
+                                    <a:pt x="1609726" y="2085975"/>
+                                  </a:cubicBezTo>
+                                  <a:cubicBezTo>
+                                    <a:pt x="1609726" y="2060046"/>
+                                    <a:pt x="1590877" y="2041525"/>
+                                    <a:pt x="1564489" y="2041525"/>
+                                  </a:cubicBezTo>
+                                  <a:cubicBezTo>
+                                    <a:pt x="957558" y="2041525"/>
+                                    <a:pt x="716294" y="2041525"/>
+                                    <a:pt x="618281" y="2041525"/>
+                                  </a:cubicBezTo>
+                                  <a:cubicBezTo>
+                                    <a:pt x="618281" y="2041525"/>
+                                    <a:pt x="618281" y="2041525"/>
+                                    <a:pt x="610741" y="2041525"/>
+                                  </a:cubicBezTo>
+                                  <a:cubicBezTo>
+                                    <a:pt x="610741" y="2041525"/>
+                                    <a:pt x="610741" y="2041525"/>
+                                    <a:pt x="573043" y="2041525"/>
+                                  </a:cubicBezTo>
+                                  <a:cubicBezTo>
+                                    <a:pt x="573043" y="2041525"/>
+                                    <a:pt x="573043" y="2041525"/>
+                                    <a:pt x="557964" y="2041525"/>
+                                  </a:cubicBezTo>
+                                  <a:cubicBezTo>
+                                    <a:pt x="316700" y="2041525"/>
+                                    <a:pt x="316700" y="2041525"/>
+                                    <a:pt x="316700" y="2041525"/>
+                                  </a:cubicBezTo>
+                                  <a:close/>
+                                  <a:moveTo>
+                                    <a:pt x="316700" y="1646237"/>
+                                  </a:moveTo>
+                                  <a:cubicBezTo>
+                                    <a:pt x="290312" y="1646237"/>
+                                    <a:pt x="271463" y="1668716"/>
+                                    <a:pt x="271463" y="1694942"/>
+                                  </a:cubicBezTo>
+                                  <a:cubicBezTo>
+                                    <a:pt x="271463" y="1717421"/>
+                                    <a:pt x="290312" y="1739900"/>
+                                    <a:pt x="316700" y="1739900"/>
+                                  </a:cubicBezTo>
+                                  <a:cubicBezTo>
+                                    <a:pt x="441102" y="1739900"/>
+                                    <a:pt x="512727" y="1739900"/>
+                                    <a:pt x="557964" y="1739900"/>
+                                  </a:cubicBezTo>
+                                  <a:cubicBezTo>
+                                    <a:pt x="565504" y="1739900"/>
+                                    <a:pt x="573043" y="1739900"/>
+                                    <a:pt x="580583" y="1739900"/>
+                                  </a:cubicBezTo>
+                                  <a:cubicBezTo>
+                                    <a:pt x="580583" y="1739900"/>
+                                    <a:pt x="580583" y="1739900"/>
+                                    <a:pt x="614511" y="1739900"/>
+                                  </a:cubicBezTo>
+                                  <a:cubicBezTo>
+                                    <a:pt x="614511" y="1739900"/>
+                                    <a:pt x="614511" y="1739900"/>
+                                    <a:pt x="618281" y="1739900"/>
+                                  </a:cubicBezTo>
+                                  <a:cubicBezTo>
+                                    <a:pt x="1556949" y="1739900"/>
+                                    <a:pt x="1564489" y="1739900"/>
+                                    <a:pt x="1564489" y="1739900"/>
+                                  </a:cubicBezTo>
+                                  <a:cubicBezTo>
+                                    <a:pt x="1590877" y="1739900"/>
+                                    <a:pt x="1609726" y="1717421"/>
+                                    <a:pt x="1609726" y="1694942"/>
+                                  </a:cubicBezTo>
+                                  <a:cubicBezTo>
+                                    <a:pt x="1609726" y="1668716"/>
+                                    <a:pt x="1590877" y="1646237"/>
+                                    <a:pt x="1564489" y="1646237"/>
+                                  </a:cubicBezTo>
+                                  <a:cubicBezTo>
+                                    <a:pt x="957558" y="1646237"/>
+                                    <a:pt x="716294" y="1646237"/>
+                                    <a:pt x="618281" y="1646237"/>
+                                  </a:cubicBezTo>
+                                  <a:cubicBezTo>
+                                    <a:pt x="618281" y="1646237"/>
+                                    <a:pt x="618281" y="1646237"/>
+                                    <a:pt x="610741" y="1646237"/>
+                                  </a:cubicBezTo>
+                                  <a:cubicBezTo>
+                                    <a:pt x="610741" y="1646237"/>
+                                    <a:pt x="610741" y="1646237"/>
+                                    <a:pt x="573043" y="1646237"/>
+                                  </a:cubicBezTo>
+                                  <a:cubicBezTo>
+                                    <a:pt x="573043" y="1646237"/>
+                                    <a:pt x="573043" y="1646237"/>
+                                    <a:pt x="557964" y="1646237"/>
+                                  </a:cubicBezTo>
+                                  <a:cubicBezTo>
+                                    <a:pt x="316700" y="1646237"/>
+                                    <a:pt x="316700" y="1646237"/>
+                                    <a:pt x="316700" y="1646237"/>
+                                  </a:cubicBezTo>
+                                  <a:close/>
+                                  <a:moveTo>
+                                    <a:pt x="316700" y="1249362"/>
+                                  </a:moveTo>
+                                  <a:cubicBezTo>
+                                    <a:pt x="290312" y="1249362"/>
+                                    <a:pt x="271463" y="1272222"/>
+                                    <a:pt x="271463" y="1298892"/>
+                                  </a:cubicBezTo>
+                                  <a:cubicBezTo>
+                                    <a:pt x="271463" y="1321752"/>
+                                    <a:pt x="290312" y="1344612"/>
+                                    <a:pt x="316700" y="1344612"/>
+                                  </a:cubicBezTo>
+                                  <a:cubicBezTo>
+                                    <a:pt x="441102" y="1344612"/>
+                                    <a:pt x="512727" y="1344612"/>
+                                    <a:pt x="557964" y="1344612"/>
+                                  </a:cubicBezTo>
+                                  <a:cubicBezTo>
+                                    <a:pt x="565504" y="1344612"/>
+                                    <a:pt x="573043" y="1344612"/>
+                                    <a:pt x="580583" y="1344612"/>
+                                  </a:cubicBezTo>
+                                  <a:cubicBezTo>
+                                    <a:pt x="580583" y="1344612"/>
+                                    <a:pt x="580583" y="1344612"/>
+                                    <a:pt x="614511" y="1344612"/>
+                                  </a:cubicBezTo>
+                                  <a:cubicBezTo>
+                                    <a:pt x="618281" y="1344612"/>
+                                    <a:pt x="618281" y="1344612"/>
+                                    <a:pt x="618281" y="1344612"/>
+                                  </a:cubicBezTo>
+                                  <a:cubicBezTo>
+                                    <a:pt x="1556949" y="1344612"/>
+                                    <a:pt x="1564489" y="1344612"/>
+                                    <a:pt x="1564489" y="1344612"/>
+                                  </a:cubicBezTo>
+                                  <a:cubicBezTo>
+                                    <a:pt x="1590877" y="1344612"/>
+                                    <a:pt x="1609726" y="1321752"/>
+                                    <a:pt x="1609726" y="1298892"/>
+                                  </a:cubicBezTo>
+                                  <a:cubicBezTo>
+                                    <a:pt x="1609726" y="1272222"/>
+                                    <a:pt x="1590877" y="1249362"/>
+                                    <a:pt x="1564489" y="1249362"/>
+                                  </a:cubicBezTo>
+                                  <a:cubicBezTo>
+                                    <a:pt x="957558" y="1249362"/>
+                                    <a:pt x="716294" y="1249362"/>
+                                    <a:pt x="618281" y="1249362"/>
+                                  </a:cubicBezTo>
+                                  <a:cubicBezTo>
+                                    <a:pt x="618281" y="1249362"/>
+                                    <a:pt x="618281" y="1249362"/>
+                                    <a:pt x="610741" y="1249362"/>
+                                  </a:cubicBezTo>
+                                  <a:cubicBezTo>
+                                    <a:pt x="610741" y="1249362"/>
+                                    <a:pt x="610741" y="1249362"/>
+                                    <a:pt x="573043" y="1249362"/>
+                                  </a:cubicBezTo>
+                                  <a:cubicBezTo>
+                                    <a:pt x="573043" y="1249362"/>
+                                    <a:pt x="573043" y="1249362"/>
+                                    <a:pt x="557964" y="1249362"/>
+                                  </a:cubicBezTo>
+                                  <a:cubicBezTo>
+                                    <a:pt x="316700" y="1249362"/>
+                                    <a:pt x="316700" y="1249362"/>
+                                    <a:pt x="316700" y="1249362"/>
+                                  </a:cubicBezTo>
+                                  <a:close/>
+                                  <a:moveTo>
+                                    <a:pt x="1220789" y="41276"/>
+                                  </a:moveTo>
+                                  <a:lnTo>
+                                    <a:pt x="1843089" y="639764"/>
+                                  </a:lnTo>
+                                  <a:lnTo>
+                                    <a:pt x="1220789" y="639764"/>
+                                  </a:lnTo>
+                                  <a:close/>
+                                  <a:moveTo>
+                                    <a:pt x="56513" y="0"/>
+                                  </a:moveTo>
+                                  <a:cubicBezTo>
+                                    <a:pt x="346614" y="0"/>
+                                    <a:pt x="489780" y="0"/>
+                                    <a:pt x="557596" y="0"/>
+                                  </a:cubicBezTo>
+                                  <a:cubicBezTo>
+                                    <a:pt x="568899" y="0"/>
+                                    <a:pt x="580201" y="0"/>
+                                    <a:pt x="587736" y="0"/>
+                                  </a:cubicBezTo>
+                                  <a:cubicBezTo>
+                                    <a:pt x="587736" y="0"/>
+                                    <a:pt x="587736" y="0"/>
+                                    <a:pt x="610342" y="0"/>
+                                  </a:cubicBezTo>
+                                  <a:cubicBezTo>
+                                    <a:pt x="610342" y="0"/>
+                                    <a:pt x="610342" y="0"/>
+                                    <a:pt x="617877" y="0"/>
+                                  </a:cubicBezTo>
+                                  <a:cubicBezTo>
+                                    <a:pt x="1111425" y="0"/>
+                                    <a:pt x="1115192" y="0"/>
+                                    <a:pt x="1115192" y="0"/>
+                                  </a:cubicBezTo>
+                                  <a:cubicBezTo>
+                                    <a:pt x="1122727" y="0"/>
+                                    <a:pt x="1126495" y="0"/>
+                                    <a:pt x="1130262" y="0"/>
+                                  </a:cubicBezTo>
+                                  <a:cubicBezTo>
+                                    <a:pt x="1130262" y="677767"/>
+                                    <a:pt x="1130262" y="681532"/>
+                                    <a:pt x="1130262" y="681532"/>
+                                  </a:cubicBezTo>
+                                  <a:cubicBezTo>
+                                    <a:pt x="1130262" y="707890"/>
+                                    <a:pt x="1152868" y="726717"/>
+                                    <a:pt x="1175473" y="726717"/>
+                                  </a:cubicBezTo>
+                                  <a:cubicBezTo>
+                                    <a:pt x="1880003" y="726717"/>
+                                    <a:pt x="1887538" y="726717"/>
+                                    <a:pt x="1887538" y="726717"/>
+                                  </a:cubicBezTo>
+                                  <a:cubicBezTo>
+                                    <a:pt x="1887538" y="734248"/>
+                                    <a:pt x="1887538" y="738013"/>
+                                    <a:pt x="1887538" y="745544"/>
+                                  </a:cubicBezTo>
+                                  <a:cubicBezTo>
+                                    <a:pt x="1887538" y="2500208"/>
+                                    <a:pt x="1887538" y="2511504"/>
+                                    <a:pt x="1887538" y="2511504"/>
+                                  </a:cubicBezTo>
+                                  <a:cubicBezTo>
+                                    <a:pt x="1887538" y="2545393"/>
+                                    <a:pt x="1861165" y="2571750"/>
+                                    <a:pt x="1827257" y="2571750"/>
+                                  </a:cubicBezTo>
+                                  <a:cubicBezTo>
+                                    <a:pt x="1024771" y="2571750"/>
+                                    <a:pt x="727135" y="2571750"/>
+                                    <a:pt x="617877" y="2571750"/>
+                                  </a:cubicBezTo>
+                                  <a:cubicBezTo>
+                                    <a:pt x="617877" y="2571750"/>
+                                    <a:pt x="617877" y="2571750"/>
+                                    <a:pt x="576434" y="2571750"/>
+                                  </a:cubicBezTo>
+                                  <a:cubicBezTo>
+                                    <a:pt x="576434" y="2571750"/>
+                                    <a:pt x="576434" y="2571750"/>
+                                    <a:pt x="557596" y="2571750"/>
+                                  </a:cubicBezTo>
+                                  <a:cubicBezTo>
+                                    <a:pt x="56513" y="2571750"/>
+                                    <a:pt x="56513" y="2571750"/>
+                                    <a:pt x="56513" y="2571750"/>
+                                  </a:cubicBezTo>
+                                  <a:cubicBezTo>
+                                    <a:pt x="26373" y="2571750"/>
+                                    <a:pt x="0" y="2545393"/>
+                                    <a:pt x="0" y="2511504"/>
+                                  </a:cubicBezTo>
+                                  <a:cubicBezTo>
+                                    <a:pt x="0" y="1829972"/>
+                                    <a:pt x="0" y="1340473"/>
+                                    <a:pt x="0" y="982762"/>
+                                  </a:cubicBezTo>
+                                  <a:cubicBezTo>
+                                    <a:pt x="0" y="982762"/>
+                                    <a:pt x="0" y="982762"/>
+                                    <a:pt x="851464" y="982762"/>
+                                  </a:cubicBezTo>
+                                  <a:cubicBezTo>
+                                    <a:pt x="904210" y="982762"/>
+                                    <a:pt x="941885" y="945109"/>
+                                    <a:pt x="941885" y="892393"/>
+                                  </a:cubicBezTo>
+                                  <a:cubicBezTo>
+                                    <a:pt x="941885" y="892393"/>
+                                    <a:pt x="941885" y="892393"/>
+                                    <a:pt x="941885" y="350180"/>
+                                  </a:cubicBezTo>
+                                  <a:cubicBezTo>
+                                    <a:pt x="941885" y="301230"/>
+                                    <a:pt x="904210" y="259811"/>
+                                    <a:pt x="851464" y="259811"/>
+                                  </a:cubicBezTo>
+                                  <a:cubicBezTo>
+                                    <a:pt x="851464" y="259811"/>
+                                    <a:pt x="851464" y="259811"/>
+                                    <a:pt x="0" y="259811"/>
+                                  </a:cubicBezTo>
+                                  <a:cubicBezTo>
+                                    <a:pt x="0" y="60246"/>
+                                    <a:pt x="0" y="60246"/>
+                                    <a:pt x="0" y="60246"/>
+                                  </a:cubicBezTo>
+                                  <a:cubicBezTo>
+                                    <a:pt x="0" y="26358"/>
+                                    <a:pt x="26373" y="0"/>
+                                    <a:pt x="56513" y="0"/>
+                                  </a:cubicBezTo>
+                                  <a:close/>
+                                </a:path>
+                              </a:pathLst>
+                            </a:custGeom>
+                            <a:solidFill>
+                              <a:srgbClr val="FFFFFF"/>
+                            </a:solidFill>
+                            <a:ln>
+                              <a:noFill/>
+                            </a:ln>
+                          </p:spPr>
+                          <p:txBody>
+                            <a:bodyPr vert="horz" wrap="square" lIns="91440" tIns="45720" rIns="91440" bIns="45720" numCol="1" anchor="t" anchorCtr="0" compatLnSpc="1">
+                              <a:prstTxWarp prst="textNoShape">
+                                <a:avLst/>
+                              </a:prstTxWarp>
+                              <a:noAutofit/>
+                            </a:bodyPr>
+                            <a:lstStyle/>
+                            <a:p>
+                              <a:pPr marL="0" marR="0" lvl="0" indent="0" defTabSz="914400" eaLnBrk="1" fontAlgn="auto" latinLnBrk="0" hangingPunct="1">
+                                <a:lnSpc>
+                                  <a:spcPct val="100000"/>
+                                </a:lnSpc>
+                                <a:spcBef>
+                                  <a:spcPts val="0"/>
+                                </a:spcBef>
+                                <a:spcAft>
+                                  <a:spcPts val="0"/>
+                                </a:spcAft>
+                                <a:buClrTx/>
+                                <a:buSzTx/>
+                                <a:buFontTx/>
+                                <a:buNone/>
+                                <a:tabLst/>
+                                <a:defRPr/>
+                              </a:pPr>
+                              <a:endParaRPr kumimoji="0" lang="en-US" sz="1800" b="0" i="0" u="none" strike="noStrike" kern="0" cap="none" spc="0" normalizeH="0" baseline="0" noProof="0" dirty="0">
+                                <a:ln>
+                                  <a:noFill/>
+                                </a:ln>
+                                <a:solidFill>
+                                  <a:srgbClr val="000000"/>
+                                </a:solidFill>
+                                <a:effectLst/>
+                                <a:uLnTx/>
+                                <a:uFillTx/>
+                              </a:endParaRPr>
+                            </a:p>
+                          </p:txBody>
+                        </p:sp>
+                      </p:grpSp>
+                      <p:sp>
+                        <p:nvSpPr>
+                          <p:cNvPr id="20" name="ストライプ矢印 74">
+                            <a:extLst>
+                              <a:ext uri="{FF2B5EF4-FFF2-40B4-BE49-F238E27FC236}">
+                                <a16:creationId xmlns:a16="http://schemas.microsoft.com/office/drawing/2014/main" id="{9EDCF404-E70E-4DB2-9488-04A25FAC81D5}"/>
+                              </a:ext>
+                            </a:extLst>
+                          </p:cNvPr>
+                          <p:cNvSpPr/>
+                          <p:nvPr/>
+                        </p:nvSpPr>
+                        <p:spPr bwMode="auto">
+                          <a:xfrm>
+                            <a:off x="3113124" y="4717522"/>
+                            <a:ext cx="1392028" cy="521951"/>
+                          </a:xfrm>
+                          <a:prstGeom prst="stripedRightArrow">
+                            <a:avLst/>
+                          </a:prstGeom>
+                          <a:noFill/>
+                          <a:ln w="19050">
+                            <a:solidFill>
+                              <a:srgbClr val="002060"/>
+                            </a:solidFill>
+                          </a:ln>
+                          <a:effectLst/>
+                        </p:spPr>
+                        <p:txBody>
+                          <a:bodyPr rot="0" spcFirstLastPara="0" vertOverflow="overflow" horzOverflow="overflow" vert="horz" wrap="none" lIns="72000" tIns="72000" rIns="72000" bIns="72000" numCol="1" spcCol="0" rtlCol="0" fromWordArt="0" anchor="ctr" anchorCtr="0" forceAA="0" compatLnSpc="1">
+                            <a:prstTxWarp prst="textNoShape">
+                              <a:avLst/>
+                            </a:prstTxWarp>
+                            <a:noAutofit/>
+                          </a:bodyPr>
+                          <a:lstStyle/>
+                          <a:p>
+                            <a:pPr algn="ctr"/>
+                            <a:endParaRPr kumimoji="1" lang="ja-JP" altLang="en-US" b="1" dirty="0">
+                              <a:latin typeface="+mn-ea"/>
+                            </a:endParaRPr>
+                          </a:p>
+                        </p:txBody>
+                      </p:sp>
+                    </p:grpSp>
+                    <p:sp>
+                      <p:nvSpPr>
+                        <p:cNvPr id="10" name="テキスト ボックス 9">
+                          <a:extLst>
+                            <a:ext uri="{FF2B5EF4-FFF2-40B4-BE49-F238E27FC236}">
+                              <a16:creationId xmlns:a16="http://schemas.microsoft.com/office/drawing/2014/main" id="{DE3A3525-CBCD-4070-9A15-A4335750F635}"/>
+                            </a:ext>
+                          </a:extLst>
+                        </p:cNvPr>
+                        <p:cNvSpPr txBox="1"/>
+                        <p:nvPr/>
+                      </p:nvSpPr>
+                      <p:spPr>
+                        <a:xfrm>
+                          <a:off x="3418035" y="5278535"/>
+                          <a:ext cx="1174179" cy="268421"/>
+                        </a:xfrm>
+                        <a:prstGeom prst="rect">
+                          <a:avLst/>
+                        </a:prstGeom>
+                        <a:noFill/>
+                      </p:spPr>
+                      <p:txBody>
+                        <a:bodyPr wrap="square" rtlCol="0">
+                          <a:spAutoFit/>
+                        </a:bodyPr>
+                        <a:lstStyle/>
+                        <a:p>
+                          <a:pPr algn="ctr"/>
+                          <a:r>
+                            <a:rPr kumimoji="1" lang="en-US" altLang="ja-JP" sz="1200" b="1" dirty="0" smtClean="0"/>
+                            <a:t>Kym</a:t>
+                          </a:r>
+                          <a:r>
+                            <a:rPr lang="ja-JP" altLang="en-US" sz="1200" b="1" dirty="0" smtClean="0"/>
+                            <a:t> </a:t>
+                          </a:r>
+                          <a:r>
+                            <a:rPr lang="en-US" altLang="ja-JP" sz="1200" b="1" dirty="0" smtClean="0"/>
+                            <a:t>file</a:t>
+                          </a:r>
+                          <a:endParaRPr kumimoji="1" lang="ja-JP" altLang="en-US" sz="1200" b="1" dirty="0"/>
+                        </a:p>
+                      </p:txBody>
+                    </p:sp>
+                  </p:grpSp>
+                  <p:sp>
+                    <p:nvSpPr>
+                      <p:cNvPr id="7" name="テキスト ボックス 6">
+                        <a:extLst>
+                          <a:ext uri="{FF2B5EF4-FFF2-40B4-BE49-F238E27FC236}">
+                            <a16:creationId xmlns:a16="http://schemas.microsoft.com/office/drawing/2014/main" id="{DD160A23-C758-4065-8CEF-0CD0B83F4479}"/>
+                          </a:ext>
+                        </a:extLst>
+                      </p:cNvPr>
+                      <p:cNvSpPr txBox="1"/>
+                      <p:nvPr/>
+                    </p:nvSpPr>
+                    <p:spPr>
+                      <a:xfrm>
+                        <a:off x="-284753" y="6223499"/>
+                        <a:ext cx="1247330" cy="268421"/>
+                      </a:xfrm>
+                      <a:prstGeom prst="rect">
+                        <a:avLst/>
+                      </a:prstGeom>
+                      <a:noFill/>
+                    </p:spPr>
+                    <p:txBody>
+                      <a:bodyPr wrap="square" rtlCol="0">
+                        <a:spAutoFit/>
+                      </a:bodyPr>
+                      <a:lstStyle/>
+                      <a:p>
+                        <a:pPr algn="ctr"/>
+                        <a:r>
+                          <a:rPr kumimoji="1" lang="en-US" altLang="ja-JP" sz="1200" b="1" dirty="0" smtClean="0"/>
+                          <a:t>ITA</a:t>
+                        </a:r>
+                        <a:r>
+                          <a:rPr lang="ja-JP" altLang="en-US" sz="1200" b="1" dirty="0"/>
+                          <a:t> </a:t>
+                        </a:r>
+                        <a:r>
+                          <a:rPr lang="en-US" altLang="ja-JP" sz="1200" b="1" dirty="0" smtClean="0"/>
+                          <a:t>server </a:t>
+                        </a:r>
+                        <a:r>
+                          <a:rPr kumimoji="1" lang="en-US" altLang="ja-JP" sz="1200" b="1" dirty="0" smtClean="0"/>
+                          <a:t>A</a:t>
+                        </a:r>
+                        <a:endParaRPr kumimoji="1" lang="ja-JP" altLang="en-US" sz="1200" b="1" dirty="0"/>
+                      </a:p>
+                    </p:txBody>
+                  </p:sp>
+                </p:grpSp>
+                <p:grpSp>
+                  <p:nvGrpSpPr>
+                    <p:cNvPr id="18" name="グループ化 17">
+                      <a:extLst>
+                        <a:ext uri="{FF2B5EF4-FFF2-40B4-BE49-F238E27FC236}">
+                          <a16:creationId xmlns:a16="http://schemas.microsoft.com/office/drawing/2014/main" id="{07AC5F45-A6D8-4E6B-83FF-A4728EE1AD68}"/>
+                        </a:ext>
+                      </a:extLst>
+                    </p:cNvPr>
+                    <p:cNvGrpSpPr/>
+                    <p:nvPr/>
+                  </p:nvGrpSpPr>
+                  <p:grpSpPr>
+                    <a:xfrm>
+                      <a:off x="738565" y="4163855"/>
+                      <a:ext cx="2319194" cy="1732006"/>
+                      <a:chOff x="738565" y="4163855"/>
+                      <a:chExt cx="2319194" cy="1732006"/>
+                    </a:xfrm>
+                  </p:grpSpPr>
+                  <p:pic>
+                    <p:nvPicPr>
+                      <p:cNvPr id="40" name="図 39">
+                        <a:extLst>
+                          <a:ext uri="{FF2B5EF4-FFF2-40B4-BE49-F238E27FC236}">
+                            <a16:creationId xmlns:a16="http://schemas.microsoft.com/office/drawing/2014/main" id="{402B094A-ADAE-4411-814F-D7C380CC3727}"/>
+                          </a:ext>
+                        </a:extLst>
+                      </p:cNvPr>
+                      <p:cNvPicPr>
+                        <a:picLocks noChangeAspect="1"/>
+                      </p:cNvPicPr>
+                      <p:nvPr/>
+                    </p:nvPicPr>
+                    <p:blipFill>
+                      <a:blip r:embed="rId3"/>
+                      <a:stretch>
+                        <a:fillRect/>
+                      </a:stretch>
+                    </p:blipFill>
+                    <p:spPr>
+                      <a:xfrm>
+                        <a:off x="738565" y="4163855"/>
+                        <a:ext cx="2319194" cy="1732006"/>
+                      </a:xfrm>
+                      <a:prstGeom prst="rect">
+                        <a:avLst/>
+                      </a:prstGeom>
+                    </p:spPr>
+                  </p:pic>
+                  <p:sp>
+                    <p:nvSpPr>
+                      <p:cNvPr id="41" name="テキスト ボックス 40">
+                        <a:extLst>
+                          <a:ext uri="{FF2B5EF4-FFF2-40B4-BE49-F238E27FC236}">
+                            <a16:creationId xmlns:a16="http://schemas.microsoft.com/office/drawing/2014/main" id="{C0622653-783E-46FA-B56E-80ADD437C122}"/>
+                          </a:ext>
+                        </a:extLst>
+                      </p:cNvPr>
+                      <p:cNvSpPr txBox="1"/>
+                      <p:nvPr/>
+                    </p:nvSpPr>
+                    <p:spPr>
+                      <a:xfrm>
+                        <a:off x="1394848" y="4358861"/>
+                        <a:ext cx="1201286" cy="307777"/>
+                      </a:xfrm>
+                      <a:prstGeom prst="rect">
+                        <a:avLst/>
+                      </a:prstGeom>
+                      <a:noFill/>
+                    </p:spPr>
+                    <p:txBody>
+                      <a:bodyPr wrap="square" rtlCol="0">
+                        <a:spAutoFit/>
+                      </a:bodyPr>
+                      <a:lstStyle/>
+                      <a:p>
+                        <a:r>
+                          <a:rPr lang="en-US" altLang="ja-JP" sz="1400" b="1" dirty="0" smtClean="0"/>
+                          <a:t>Menu </a:t>
+                        </a:r>
+                        <a:r>
+                          <a:rPr kumimoji="1" lang="en-US" altLang="ja-JP" sz="1400" b="1" dirty="0" smtClean="0"/>
+                          <a:t>A</a:t>
+                        </a:r>
+                        <a:endParaRPr kumimoji="1" lang="ja-JP" altLang="en-US" sz="1400" b="1" dirty="0"/>
+                      </a:p>
+                    </p:txBody>
+                  </p:sp>
+                </p:grpSp>
+              </p:grpSp>
+              <p:sp>
+                <p:nvSpPr>
+                  <p:cNvPr id="48" name="テキスト ボックス 47">
+                    <a:extLst>
+                      <a:ext uri="{FF2B5EF4-FFF2-40B4-BE49-F238E27FC236}">
+                        <a16:creationId xmlns:a16="http://schemas.microsoft.com/office/drawing/2014/main" id="{1E2DA3E3-3C24-4875-9EAD-2764957D3B1E}"/>
+                      </a:ext>
+                    </a:extLst>
+                  </p:cNvPr>
+                  <p:cNvSpPr txBox="1"/>
+                  <p:nvPr/>
+                </p:nvSpPr>
+                <p:spPr>
+                  <a:xfrm>
+                    <a:off x="3433230" y="3815541"/>
+                    <a:ext cx="792110" cy="461665"/>
+                  </a:xfrm>
+                  <a:prstGeom prst="rect">
+                    <a:avLst/>
+                  </a:prstGeom>
+                  <a:noFill/>
+                </p:spPr>
+                <p:txBody>
+                  <a:bodyPr wrap="square" rtlCol="0">
+                    <a:spAutoFit/>
+                  </a:bodyPr>
+                  <a:lstStyle/>
+                  <a:p>
+                    <a:r>
+                      <a:rPr kumimoji="1" lang="en-US" altLang="ja-JP" sz="1200" b="1" dirty="0">
+                        <a:solidFill>
+                          <a:schemeClr val="bg1"/>
+                        </a:solidFill>
+                      </a:rPr>
+                      <a:t>	</a:t>
+                    </a:r>
+                    <a:r>
+                      <a:rPr kumimoji="1" lang="en-US" altLang="ja-JP" sz="1200" b="1" dirty="0" err="1">
+                        <a:solidFill>
+                          <a:schemeClr val="bg1"/>
+                        </a:solidFill>
+                      </a:rPr>
+                      <a:t>kym</a:t>
+                    </a:r>
+                    <a:endParaRPr kumimoji="1" lang="ja-JP" altLang="en-US" sz="1200" b="1" dirty="0">
+                      <a:solidFill>
+                        <a:schemeClr val="bg1"/>
+                      </a:solidFill>
+                    </a:endParaRPr>
+                  </a:p>
+                </p:txBody>
+              </p:sp>
+            </p:grpSp>
+            <p:sp>
+              <p:nvSpPr>
+                <p:cNvPr id="53" name="テキスト ボックス 52">
+                  <a:extLst>
+                    <a:ext uri="{FF2B5EF4-FFF2-40B4-BE49-F238E27FC236}">
+                      <a16:creationId xmlns:a16="http://schemas.microsoft.com/office/drawing/2014/main" id="{3E5BA548-4D85-4EAC-BA5C-B95A096445CE}"/>
+                    </a:ext>
+                  </a:extLst>
+                </p:cNvPr>
+                <p:cNvSpPr txBox="1"/>
+                <p:nvPr/>
+              </p:nvSpPr>
+              <p:spPr>
+                <a:xfrm>
+                  <a:off x="840741" y="5321903"/>
+                  <a:ext cx="1912308" cy="216000"/>
+                </a:xfrm>
+                <a:prstGeom prst="rect">
+                  <a:avLst/>
+                </a:prstGeom>
+                <a:noFill/>
+                <a:ln w="19050">
+                  <a:solidFill>
+                    <a:schemeClr val="tx1"/>
+                  </a:solidFill>
+                </a:ln>
+              </p:spPr>
+              <p:txBody>
+                <a:bodyPr wrap="square" rtlCol="0">
+                  <a:spAutoFit/>
+                </a:bodyPr>
+                <a:lstStyle/>
+                <a:p>
+                  <a:pPr algn="ctr"/>
+                  <a:r>
+                    <a:rPr kumimoji="1" lang="en-US" altLang="ja-JP" sz="1050" b="1" dirty="0">
+                      <a:solidFill>
+                        <a:srgbClr val="FF0000"/>
+                      </a:solidFill>
+                    </a:rPr>
+                    <a:t>No.3</a:t>
+                  </a:r>
+                  <a:r>
+                    <a:rPr lang="en-US" altLang="ja-JP" sz="1050" b="1" dirty="0">
+                      <a:solidFill>
+                        <a:srgbClr val="FF0000"/>
+                      </a:solidFill>
+                    </a:rPr>
+                    <a:t> </a:t>
+                  </a:r>
+                  <a:r>
+                    <a:rPr kumimoji="1" lang="en-US" altLang="ja-JP" sz="1050" b="1" dirty="0">
+                      <a:solidFill>
+                        <a:srgbClr val="FF0000"/>
+                      </a:solidFill>
+                    </a:rPr>
+                    <a:t>2022/01/03 17:00</a:t>
+                  </a:r>
+                  <a:endParaRPr kumimoji="1" lang="ja-JP" altLang="en-US" sz="1050" b="1" dirty="0">
+                    <a:solidFill>
+                      <a:srgbClr val="FF0000"/>
+                    </a:solidFill>
+                  </a:endParaRPr>
+                </a:p>
+              </p:txBody>
+            </p:sp>
+          </p:grpSp>
+          <p:sp>
+            <p:nvSpPr>
+              <p:cNvPr id="50" name="テキスト ボックス 49">
+                <a:extLst>
+                  <a:ext uri="{FF2B5EF4-FFF2-40B4-BE49-F238E27FC236}">
+                    <a16:creationId xmlns:a16="http://schemas.microsoft.com/office/drawing/2014/main" id="{DA95716C-E5CC-4E72-9E37-0BEC5EE6CF73}"/>
+                  </a:ext>
+                </a:extLst>
+              </p:cNvPr>
+              <p:cNvSpPr txBox="1"/>
+              <p:nvPr/>
+            </p:nvSpPr>
+            <p:spPr>
+              <a:xfrm>
+                <a:off x="1181014" y="5052983"/>
+                <a:ext cx="1912308" cy="216000"/>
+              </a:xfrm>
+              <a:prstGeom prst="rect">
+                <a:avLst/>
+              </a:prstGeom>
+              <a:noFill/>
+              <a:ln w="19050">
+                <a:solidFill>
+                  <a:schemeClr val="tx1"/>
+                </a:solidFill>
+              </a:ln>
+            </p:spPr>
+            <p:txBody>
+              <a:bodyPr wrap="square" rtlCol="0">
+                <a:spAutoFit/>
+              </a:bodyPr>
+              <a:lstStyle/>
+              <a:p>
+                <a:pPr algn="ctr"/>
+                <a:r>
+                  <a:rPr kumimoji="1" lang="en-US" altLang="ja-JP" sz="1050" b="1" dirty="0">
+                    <a:solidFill>
+                      <a:srgbClr val="FF0000"/>
+                    </a:solidFill>
+                  </a:rPr>
+                  <a:t>No.</a:t>
+                </a:r>
+                <a:r>
+                  <a:rPr lang="en-US" altLang="ja-JP" sz="1050" b="1" dirty="0">
+                    <a:solidFill>
+                      <a:srgbClr val="FF0000"/>
+                    </a:solidFill>
+                  </a:rPr>
+                  <a:t>2 </a:t>
+                </a:r>
+                <a:r>
+                  <a:rPr kumimoji="1" lang="en-US" altLang="ja-JP" sz="1050" b="1" dirty="0">
+                    <a:solidFill>
+                      <a:srgbClr val="FF0000"/>
+                    </a:solidFill>
+                  </a:rPr>
+                  <a:t>2022/01/02 17:00</a:t>
+                </a:r>
+                <a:endParaRPr kumimoji="1" lang="ja-JP" altLang="en-US" sz="1050" b="1" dirty="0">
+                  <a:solidFill>
+                    <a:srgbClr val="FF0000"/>
+                  </a:solidFill>
+                </a:endParaRPr>
+              </a:p>
+            </p:txBody>
+          </p:sp>
+          <p:sp>
+            <p:nvSpPr>
+              <p:cNvPr id="52" name="テキスト ボックス 51">
+                <a:extLst>
+                  <a:ext uri="{FF2B5EF4-FFF2-40B4-BE49-F238E27FC236}">
+                    <a16:creationId xmlns:a16="http://schemas.microsoft.com/office/drawing/2014/main" id="{89AE2258-C855-4758-B120-13B959076E54}"/>
+                  </a:ext>
+                </a:extLst>
+              </p:cNvPr>
+              <p:cNvSpPr txBox="1"/>
+              <p:nvPr/>
+            </p:nvSpPr>
+            <p:spPr>
+              <a:xfrm>
+                <a:off x="1181014" y="4807868"/>
+                <a:ext cx="1912308" cy="216000"/>
+              </a:xfrm>
+              <a:prstGeom prst="rect">
+                <a:avLst/>
+              </a:prstGeom>
+              <a:noFill/>
+              <a:ln w="19050">
+                <a:solidFill>
+                  <a:schemeClr val="tx1"/>
+                </a:solidFill>
+              </a:ln>
+            </p:spPr>
+            <p:txBody>
+              <a:bodyPr wrap="square" rtlCol="0">
+                <a:spAutoFit/>
+              </a:bodyPr>
+              <a:lstStyle/>
+              <a:p>
+                <a:pPr algn="ctr">
+                  <a:spcBef>
+                    <a:spcPts val="600"/>
+                  </a:spcBef>
+                  <a:spcAft>
+                    <a:spcPts val="600"/>
+                  </a:spcAft>
+                </a:pPr>
+                <a:r>
+                  <a:rPr kumimoji="1" lang="en-US" altLang="ja-JP" sz="1050" b="1" dirty="0"/>
+                  <a:t>No.1</a:t>
+                </a:r>
+                <a:r>
+                  <a:rPr lang="en-US" altLang="ja-JP" sz="1050" b="1" dirty="0"/>
+                  <a:t> </a:t>
+                </a:r>
+                <a:r>
+                  <a:rPr kumimoji="1" lang="en-US" altLang="ja-JP" sz="1050" b="1" dirty="0"/>
+                  <a:t>2022/01/01 17:00</a:t>
+                </a:r>
+                <a:endParaRPr kumimoji="1" lang="ja-JP" altLang="en-US" sz="1050" b="1" dirty="0"/>
+              </a:p>
+            </p:txBody>
+          </p:sp>
+        </p:grpSp>
+        <p:pic>
+          <p:nvPicPr>
+            <p:cNvPr id="86" name="図 85">
+              <a:extLst>
+                <a:ext uri="{FF2B5EF4-FFF2-40B4-BE49-F238E27FC236}">
+                  <a16:creationId xmlns:a16="http://schemas.microsoft.com/office/drawing/2014/main" id="{645ACD5F-3A58-4E92-B4AD-85326D119A79}"/>
+                </a:ext>
+              </a:extLst>
+            </p:cNvPr>
+            <p:cNvPicPr>
+              <a:picLocks noChangeAspect="1"/>
+            </p:cNvPicPr>
+            <p:nvPr/>
+          </p:nvPicPr>
+          <p:blipFill>
+            <a:blip r:embed="rId5"/>
+            <a:stretch>
+              <a:fillRect/>
+            </a:stretch>
+          </p:blipFill>
+          <p:spPr>
+            <a:xfrm>
+              <a:off x="278860" y="4082386"/>
+              <a:ext cx="588780" cy="1162252"/>
+            </a:xfrm>
+            <a:prstGeom prst="rect">
+              <a:avLst/>
+            </a:prstGeom>
+          </p:spPr>
+        </p:pic>
+      </p:grpSp>
+      <p:sp>
+        <p:nvSpPr>
+          <p:cNvPr id="28" name="正方形/長方形 27">
+            <a:extLst>
+              <a:ext uri="{FF2B5EF4-FFF2-40B4-BE49-F238E27FC236}">
+                <a16:creationId xmlns:a16="http://schemas.microsoft.com/office/drawing/2014/main" id="{FBD26EDC-1062-462B-ACC9-3F12A65B24DD}"/>
+              </a:ext>
+            </a:extLst>
+          </p:cNvPr>
+          <p:cNvSpPr/>
+          <p:nvPr/>
+        </p:nvSpPr>
+        <p:spPr bwMode="auto">
+          <a:xfrm>
+            <a:off x="6200477" y="2802080"/>
+            <a:ext cx="1084706" cy="442446"/>
+          </a:xfrm>
+          <a:prstGeom prst="rect">
+            <a:avLst/>
+          </a:prstGeom>
+          <a:solidFill>
+            <a:srgbClr val="042368"/>
+          </a:solidFill>
+          <a:ln w="12700">
+            <a:solidFill>
+              <a:srgbClr val="042368"/>
+            </a:solidFill>
+          </a:ln>
+          <a:effectLst/>
+        </p:spPr>
+        <p:txBody>
+          <a:bodyPr rot="0" spcFirstLastPara="0" vertOverflow="overflow" horzOverflow="overflow" vert="horz" wrap="none" lIns="72000" tIns="72000" rIns="72000" bIns="72000" numCol="1" spcCol="0" rtlCol="0" fromWordArt="0" anchor="ctr" anchorCtr="0" forceAA="0" compatLnSpc="1">
+            <a:prstTxWarp prst="textNoShape">
+              <a:avLst/>
+            </a:prstTxWarp>
+            <a:noAutofit/>
+          </a:bodyPr>
+          <a:lstStyle/>
+          <a:p>
+            <a:pPr algn="ctr"/>
+            <a:r>
+              <a:rPr lang="en-US" altLang="ja-JP" sz="1200" b="1" dirty="0" smtClean="0">
+                <a:solidFill>
+                  <a:schemeClr val="bg1"/>
+                </a:solidFill>
+                <a:latin typeface="+mn-ea"/>
+              </a:rPr>
+              <a:t>Before </a:t>
+            </a:r>
+            <a:br>
+              <a:rPr lang="en-US" altLang="ja-JP" sz="1200" b="1" dirty="0" smtClean="0">
+                <a:solidFill>
+                  <a:schemeClr val="bg1"/>
+                </a:solidFill>
+                <a:latin typeface="+mn-ea"/>
+              </a:rPr>
+            </a:br>
+            <a:r>
+              <a:rPr lang="en-US" altLang="ja-JP" sz="1200" b="1" dirty="0" smtClean="0">
+                <a:solidFill>
+                  <a:schemeClr val="bg1"/>
+                </a:solidFill>
+                <a:latin typeface="+mn-ea"/>
+              </a:rPr>
+              <a:t>importing</a:t>
+            </a:r>
+            <a:endParaRPr kumimoji="1" lang="ja-JP" altLang="en-US" sz="1200" b="1" dirty="0">
+              <a:solidFill>
+                <a:schemeClr val="bg1"/>
+              </a:solidFill>
+              <a:latin typeface="+mn-ea"/>
+            </a:endParaRPr>
+          </a:p>
+        </p:txBody>
+      </p:sp>
+      <p:sp>
+        <p:nvSpPr>
+          <p:cNvPr id="103" name="正方形/長方形 102">
+            <a:extLst>
+              <a:ext uri="{FF2B5EF4-FFF2-40B4-BE49-F238E27FC236}">
+                <a16:creationId xmlns:a16="http://schemas.microsoft.com/office/drawing/2014/main" id="{06894A49-AE33-4F87-89B9-CB1E93DC6A04}"/>
+              </a:ext>
+            </a:extLst>
+          </p:cNvPr>
+          <p:cNvSpPr/>
+          <p:nvPr/>
+        </p:nvSpPr>
+        <p:spPr bwMode="auto">
+          <a:xfrm>
+            <a:off x="6197435" y="4609461"/>
+            <a:ext cx="1084705" cy="428581"/>
+          </a:xfrm>
+          <a:prstGeom prst="rect">
+            <a:avLst/>
+          </a:prstGeom>
+          <a:solidFill>
+            <a:srgbClr val="042368"/>
+          </a:solidFill>
+          <a:ln w="12700">
+            <a:solidFill>
+              <a:srgbClr val="042368"/>
+            </a:solidFill>
+          </a:ln>
+          <a:effectLst/>
+        </p:spPr>
+        <p:txBody>
+          <a:bodyPr rot="0" spcFirstLastPara="0" vertOverflow="overflow" horzOverflow="overflow" vert="horz" wrap="none" lIns="72000" tIns="72000" rIns="72000" bIns="72000" numCol="1" spcCol="0" rtlCol="0" fromWordArt="0" anchor="ctr" anchorCtr="0" forceAA="0" compatLnSpc="1">
+            <a:prstTxWarp prst="textNoShape">
+              <a:avLst/>
+            </a:prstTxWarp>
+            <a:noAutofit/>
+          </a:bodyPr>
+          <a:lstStyle/>
+          <a:p>
+            <a:pPr algn="ctr"/>
+            <a:r>
+              <a:rPr lang="en-US" altLang="ja-JP" sz="1200" b="1" dirty="0" smtClean="0">
+                <a:solidFill>
+                  <a:schemeClr val="bg1"/>
+                </a:solidFill>
+                <a:latin typeface="+mn-ea"/>
+              </a:rPr>
+              <a:t>After </a:t>
+            </a:r>
+            <a:br>
+              <a:rPr lang="en-US" altLang="ja-JP" sz="1200" b="1" dirty="0" smtClean="0">
+                <a:solidFill>
+                  <a:schemeClr val="bg1"/>
+                </a:solidFill>
+                <a:latin typeface="+mn-ea"/>
+              </a:rPr>
+            </a:br>
+            <a:r>
+              <a:rPr lang="en-US" altLang="ja-JP" sz="1200" b="1" dirty="0" smtClean="0">
+                <a:solidFill>
+                  <a:schemeClr val="bg1"/>
+                </a:solidFill>
+                <a:latin typeface="+mn-ea"/>
+              </a:rPr>
+              <a:t>importing</a:t>
+            </a:r>
+            <a:endParaRPr kumimoji="1" lang="ja-JP" altLang="en-US" sz="1200" b="1" dirty="0">
+              <a:solidFill>
+                <a:schemeClr val="bg1"/>
+              </a:solidFill>
+              <a:latin typeface="+mn-ea"/>
+            </a:endParaRPr>
+          </a:p>
+        </p:txBody>
+      </p:sp>
+      <p:sp>
+        <p:nvSpPr>
+          <p:cNvPr id="56" name="テキスト ボックス 55">
+            <a:extLst>
+              <a:ext uri="{FF2B5EF4-FFF2-40B4-BE49-F238E27FC236}">
+                <a16:creationId xmlns:a16="http://schemas.microsoft.com/office/drawing/2014/main" id="{51DD5274-0C8D-49AF-A27C-6065F2DC25AC}"/>
+              </a:ext>
+            </a:extLst>
+          </p:cNvPr>
+          <p:cNvSpPr txBox="1"/>
+          <p:nvPr/>
+        </p:nvSpPr>
+        <p:spPr>
+          <a:xfrm>
+            <a:off x="4974490" y="5312133"/>
+            <a:ext cx="1251375" cy="276999"/>
+          </a:xfrm>
+          <a:prstGeom prst="rect">
+            <a:avLst/>
+          </a:prstGeom>
+          <a:noFill/>
+        </p:spPr>
+        <p:txBody>
+          <a:bodyPr wrap="square" rtlCol="0">
+            <a:spAutoFit/>
+          </a:bodyPr>
+          <a:lstStyle/>
+          <a:p>
+            <a:pPr algn="ctr"/>
+            <a:r>
+              <a:rPr kumimoji="1" lang="en-US" altLang="ja-JP" sz="1200" b="1" dirty="0" smtClean="0"/>
+              <a:t>ITA</a:t>
+            </a:r>
+            <a:r>
+              <a:rPr lang="ja-JP" altLang="en-US" sz="1200" b="1" dirty="0"/>
+              <a:t> </a:t>
+            </a:r>
+            <a:r>
+              <a:rPr lang="en-US" altLang="ja-JP" sz="1200" b="1" dirty="0" smtClean="0"/>
+              <a:t>server </a:t>
+            </a:r>
+            <a:r>
+              <a:rPr kumimoji="1" lang="en-US" altLang="ja-JP" sz="1200" b="1" dirty="0" smtClean="0"/>
+              <a:t>B</a:t>
+            </a:r>
+            <a:endParaRPr kumimoji="1" lang="ja-JP" altLang="en-US" sz="1200" b="1" dirty="0"/>
+          </a:p>
+        </p:txBody>
+      </p:sp>
+      <p:pic>
+        <p:nvPicPr>
+          <p:cNvPr id="57" name="図 56">
+            <a:extLst>
+              <a:ext uri="{FF2B5EF4-FFF2-40B4-BE49-F238E27FC236}">
+                <a16:creationId xmlns:a16="http://schemas.microsoft.com/office/drawing/2014/main" id="{A4610431-8BDB-4994-A895-1ACD220F5FC5}"/>
+              </a:ext>
+            </a:extLst>
+          </p:cNvPr>
+          <p:cNvPicPr>
+            <a:picLocks noChangeAspect="1"/>
+          </p:cNvPicPr>
+          <p:nvPr/>
+        </p:nvPicPr>
+        <p:blipFill>
+          <a:blip r:embed="rId5"/>
+          <a:stretch>
+            <a:fillRect/>
+          </a:stretch>
+        </p:blipFill>
+        <p:spPr>
+          <a:xfrm>
+            <a:off x="5286447" y="4078966"/>
+            <a:ext cx="588780" cy="1162252"/>
+          </a:xfrm>
+          <a:prstGeom prst="rect">
+            <a:avLst/>
+          </a:prstGeom>
+        </p:spPr>
+      </p:pic>
+      <p:sp>
+        <p:nvSpPr>
+          <p:cNvPr id="58" name="正方形/長方形 57">
+            <a:extLst>
+              <a:ext uri="{FF2B5EF4-FFF2-40B4-BE49-F238E27FC236}">
+                <a16:creationId xmlns:a16="http://schemas.microsoft.com/office/drawing/2014/main" id="{74902FB3-FD4F-45A1-9623-85EA20D860B5}"/>
+              </a:ext>
+            </a:extLst>
+          </p:cNvPr>
+          <p:cNvSpPr/>
+          <p:nvPr/>
+        </p:nvSpPr>
+        <p:spPr bwMode="auto">
+          <a:xfrm>
+            <a:off x="6200479" y="2807111"/>
+            <a:ext cx="2762911" cy="1583052"/>
+          </a:xfrm>
+          <a:prstGeom prst="rect">
+            <a:avLst/>
+          </a:prstGeom>
+          <a:noFill/>
+          <a:ln w="19050">
+            <a:solidFill>
+              <a:srgbClr val="042368"/>
+            </a:solidFill>
+          </a:ln>
+          <a:effectLst/>
+        </p:spPr>
+        <p:txBody>
+          <a:bodyPr rot="0" spcFirstLastPara="0" vertOverflow="overflow" horzOverflow="overflow" vert="horz" wrap="none" lIns="72000" tIns="72000" rIns="72000" bIns="72000" numCol="1" spcCol="0" rtlCol="0" fromWordArt="0" anchor="ctr" anchorCtr="0" forceAA="0" compatLnSpc="1">
+            <a:prstTxWarp prst="textNoShape">
+              <a:avLst/>
+            </a:prstTxWarp>
+            <a:noAutofit/>
+          </a:bodyPr>
+          <a:lstStyle/>
+          <a:p>
+            <a:pPr algn="ctr"/>
+            <a:endParaRPr kumimoji="1" lang="ja-JP" altLang="en-US" b="1" dirty="0">
+              <a:latin typeface="+mn-ea"/>
+            </a:endParaRPr>
+          </a:p>
+        </p:txBody>
+      </p:sp>
+      <p:sp>
+        <p:nvSpPr>
+          <p:cNvPr id="59" name="正方形/長方形 58">
+            <a:extLst>
+              <a:ext uri="{FF2B5EF4-FFF2-40B4-BE49-F238E27FC236}">
+                <a16:creationId xmlns:a16="http://schemas.microsoft.com/office/drawing/2014/main" id="{70096652-F901-4689-8EA9-A87987236CD4}"/>
+              </a:ext>
+            </a:extLst>
+          </p:cNvPr>
+          <p:cNvSpPr/>
+          <p:nvPr/>
+        </p:nvSpPr>
+        <p:spPr bwMode="auto">
+          <a:xfrm>
+            <a:off x="6200479" y="4617389"/>
+            <a:ext cx="2749217" cy="1846657"/>
+          </a:xfrm>
+          <a:prstGeom prst="rect">
+            <a:avLst/>
+          </a:prstGeom>
+          <a:noFill/>
+          <a:ln w="19050">
+            <a:solidFill>
+              <a:srgbClr val="042368"/>
+            </a:solidFill>
+          </a:ln>
+          <a:effectLst/>
+        </p:spPr>
+        <p:txBody>
+          <a:bodyPr rot="0" spcFirstLastPara="0" vertOverflow="overflow" horzOverflow="overflow" vert="horz" wrap="none" lIns="72000" tIns="72000" rIns="72000" bIns="72000" numCol="1" spcCol="0" rtlCol="0" fromWordArt="0" anchor="ctr" anchorCtr="0" forceAA="0" compatLnSpc="1">
+            <a:prstTxWarp prst="textNoShape">
+              <a:avLst/>
+            </a:prstTxWarp>
+            <a:noAutofit/>
+          </a:bodyPr>
+          <a:lstStyle/>
+          <a:p>
+            <a:pPr algn="ctr"/>
+            <a:endParaRPr kumimoji="1" lang="ja-JP" altLang="en-US" b="1" dirty="0">
+              <a:latin typeface="+mn-ea"/>
+            </a:endParaRPr>
+          </a:p>
+        </p:txBody>
+      </p:sp>
+      <p:sp>
+        <p:nvSpPr>
+          <p:cNvPr id="13" name="矢印: 下 12">
+            <a:extLst>
+              <a:ext uri="{FF2B5EF4-FFF2-40B4-BE49-F238E27FC236}">
+                <a16:creationId xmlns:a16="http://schemas.microsoft.com/office/drawing/2014/main" id="{5F3BA62C-E823-4EA0-8594-7A616AEA3754}"/>
+              </a:ext>
+            </a:extLst>
+          </p:cNvPr>
+          <p:cNvSpPr/>
+          <p:nvPr/>
+        </p:nvSpPr>
+        <p:spPr bwMode="auto">
+          <a:xfrm>
+            <a:off x="7377970" y="4353711"/>
+            <a:ext cx="588780" cy="554129"/>
+          </a:xfrm>
+          <a:prstGeom prst="downArrow">
+            <a:avLst>
+              <a:gd name="adj1" fmla="val 50000"/>
+              <a:gd name="adj2" fmla="val 55604"/>
+            </a:avLst>
+          </a:prstGeom>
+          <a:solidFill>
+            <a:srgbClr val="FFFF00"/>
+          </a:solidFill>
+          <a:ln w="19050">
+            <a:solidFill>
+              <a:schemeClr val="tx1"/>
+            </a:solidFill>
+          </a:ln>
+          <a:effectLst/>
+        </p:spPr>
+        <p:txBody>
+          <a:bodyPr rot="0" spcFirstLastPara="0" vertOverflow="overflow" horzOverflow="overflow" vert="horz" wrap="none" lIns="72000" tIns="72000" rIns="72000" bIns="72000" numCol="1" spcCol="0" rtlCol="0" fromWordArt="0" anchor="ctr" anchorCtr="0" forceAA="0" compatLnSpc="1">
+            <a:prstTxWarp prst="textNoShape">
+              <a:avLst/>
+            </a:prstTxWarp>
+            <a:noAutofit/>
+          </a:bodyPr>
+          <a:lstStyle/>
+          <a:p>
+            <a:pPr algn="ctr"/>
+            <a:endParaRPr kumimoji="1" lang="ja-JP" altLang="en-US" b="1" dirty="0">
+              <a:latin typeface="+mn-ea"/>
+            </a:endParaRPr>
+          </a:p>
+        </p:txBody>
+      </p:sp>
+      <p:sp>
+        <p:nvSpPr>
+          <p:cNvPr id="2" name="タイトル 1">
+            <a:extLst>
+              <a:ext uri="{FF2B5EF4-FFF2-40B4-BE49-F238E27FC236}">
+                <a16:creationId xmlns:a16="http://schemas.microsoft.com/office/drawing/2014/main" id="{BC3A6186-8BF8-4B7C-8EA7-2375028D3194}"/>
+              </a:ext>
+            </a:extLst>
+          </p:cNvPr>
+          <p:cNvSpPr>
+            <a:spLocks noGrp="1"/>
+          </p:cNvSpPr>
+          <p:nvPr>
+            <p:ph type="title"/>
+          </p:nvPr>
+        </p:nvSpPr>
+        <p:spPr/>
+        <p:txBody>
+          <a:bodyPr/>
+          <a:lstStyle/>
+          <a:p>
+            <a:r>
+              <a:rPr kumimoji="1" lang="ja-JP" altLang="en-US" dirty="0"/>
+              <a:t>2</a:t>
+            </a:r>
+            <a:r>
+              <a:rPr kumimoji="1" lang="en-US" altLang="ja-JP" dirty="0"/>
+              <a:t>.5 </a:t>
+            </a:r>
+            <a:r>
+              <a:rPr kumimoji="1" lang="en-US" altLang="ja-JP" dirty="0" smtClean="0"/>
+              <a:t>Mode overview (3/3</a:t>
+            </a:r>
+            <a:r>
+              <a:rPr kumimoji="1" lang="en-US" altLang="ja-JP" dirty="0"/>
+              <a:t>)</a:t>
+            </a:r>
+            <a:endParaRPr kumimoji="1" lang="ja-JP" altLang="en-US" dirty="0"/>
+          </a:p>
+        </p:txBody>
+      </p:sp>
+    </p:spTree>
+    <p:extLst>
+      <p:ext uri="{BB962C8B-B14F-4D97-AF65-F5344CB8AC3E}">
+        <p14:creationId xmlns:p14="http://schemas.microsoft.com/office/powerpoint/2010/main" val="4176904001"/>
+      </p:ext>
+    </p:extLst>
+  </p:cSld>
+  <p:clrMapOvr>
+    <a:masterClrMapping/>
+  </p:clrMapOvr>
+</p:sld>
+</file>
+
+<file path=ppt/slides/slide15.xml><?xml version="1.0" encoding="utf-8"?>
+<p:sld xmlns:a="http://schemas.openxmlformats.org/drawingml/2006/main" xmlns:r="http://schemas.openxmlformats.org/officeDocument/2006/relationships" xmlns:p="http://schemas.openxmlformats.org/presentationml/2006/main">
+  <p:cSld>
+    <p:spTree>
+      <p:nvGrpSpPr>
+        <p:cNvPr id="1" name=""/>
+        <p:cNvGrpSpPr/>
+        <p:nvPr/>
+      </p:nvGrpSpPr>
+      <p:grpSpPr>
+        <a:xfrm>
+          <a:off x="0" y="0"/>
+          <a:ext cx="0" cy="0"/>
+          <a:chOff x="0" y="0"/>
+          <a:chExt cx="0" cy="0"/>
+        </a:xfrm>
+      </p:grpSpPr>
       <p:sp>
         <p:nvSpPr>
           <p:cNvPr id="2" name="タイトル 1"/>
@@ -10251,7 +16285,7 @@
 </p:sld>
 </file>
 
-<file path=ppt/slides/slide13.xml><?xml version="1.0" encoding="utf-8"?>
+<file path=ppt/slides/slide16.xml><?xml version="1.0" encoding="utf-8"?>
 <p:sld xmlns:a="http://schemas.openxmlformats.org/drawingml/2006/main" xmlns:r="http://schemas.openxmlformats.org/officeDocument/2006/relationships" xmlns:p="http://schemas.openxmlformats.org/presentationml/2006/main">
   <p:cSld>
     <p:spTree>
@@ -10268,48 +16302,6 @@
           <a:chExt cx="0" cy="0"/>
         </a:xfrm>
       </p:grpSpPr>
-      <p:sp>
-        <p:nvSpPr>
-          <p:cNvPr id="102" name="正方形/長方形 101"/>
-          <p:cNvSpPr/>
-          <p:nvPr/>
-        </p:nvSpPr>
-        <p:spPr bwMode="auto">
-          <a:xfrm>
-            <a:off x="179512" y="3714348"/>
-            <a:ext cx="8692740" cy="2141450"/>
-          </a:xfrm>
-          <a:prstGeom prst="rect">
-            <a:avLst/>
-          </a:prstGeom>
-          <a:noFill/>
-          <a:ln w="38100">
-            <a:solidFill>
-              <a:srgbClr val="002060"/>
-            </a:solidFill>
-          </a:ln>
-          <a:effectLst/>
-          <a:extLst/>
-        </p:spPr>
-        <p:txBody>
-          <a:bodyPr rot="0" spcFirstLastPara="0" vertOverflow="overflow" horzOverflow="overflow" vert="horz" wrap="none" lIns="72000" tIns="72000" rIns="72000" bIns="72000" numCol="1" spcCol="0" rtlCol="0" fromWordArt="0" anchor="ctr" anchorCtr="0" forceAA="0" compatLnSpc="1">
-            <a:prstTxWarp prst="textNoShape">
-              <a:avLst/>
-            </a:prstTxWarp>
-            <a:noAutofit/>
-          </a:bodyPr>
-          <a:lstStyle/>
-          <a:p>
-            <a:pPr algn="ctr"/>
-            <a:endParaRPr kumimoji="1" lang="ja-JP" altLang="en-US" sz="1600" b="1" dirty="0" smtClean="0">
-              <a:solidFill>
-                <a:srgbClr val="002060"/>
-              </a:solidFill>
-              <a:latin typeface="+mn-ea"/>
-            </a:endParaRPr>
-          </a:p>
-        </p:txBody>
-      </p:sp>
       <p:sp>
         <p:nvSpPr>
           <p:cNvPr id="3" name="コンテンツ プレースホルダー 2"/>
@@ -10555,13 +16547,54 @@
       </p:sp>
       <p:sp>
         <p:nvSpPr>
-          <p:cNvPr id="7" name="テキスト ボックス 6"/>
+          <p:cNvPr id="33" name="正方形/長方形 32"/>
+          <p:cNvSpPr/>
+          <p:nvPr/>
+        </p:nvSpPr>
+        <p:spPr bwMode="auto">
+          <a:xfrm>
+            <a:off x="86533" y="3429000"/>
+            <a:ext cx="8964488" cy="2520349"/>
+          </a:xfrm>
+          <a:prstGeom prst="rect">
+            <a:avLst/>
+          </a:prstGeom>
+          <a:noFill/>
+          <a:ln w="38100">
+            <a:solidFill>
+              <a:srgbClr val="002060"/>
+            </a:solidFill>
+          </a:ln>
+          <a:effectLst/>
+        </p:spPr>
+        <p:txBody>
+          <a:bodyPr rot="0" spcFirstLastPara="0" vertOverflow="overflow" horzOverflow="overflow" vert="horz" wrap="none" lIns="72000" tIns="72000" rIns="72000" bIns="72000" numCol="1" spcCol="0" rtlCol="0" fromWordArt="0" anchor="ctr" anchorCtr="0" forceAA="0" compatLnSpc="1">
+            <a:prstTxWarp prst="textNoShape">
+              <a:avLst/>
+            </a:prstTxWarp>
+            <a:noAutofit/>
+          </a:bodyPr>
+          <a:lstStyle/>
+          <a:p>
+            <a:pPr algn="ctr"/>
+            <a:endParaRPr kumimoji="1" lang="ja-JP" altLang="en-US" sz="1600" b="1" dirty="0">
+              <a:solidFill>
+                <a:srgbClr val="002060"/>
+              </a:solidFill>
+              <a:latin typeface="+mn-ea"/>
+            </a:endParaRPr>
+          </a:p>
+        </p:txBody>
+      </p:sp>
+      <p:sp>
+        <p:nvSpPr>
+          <p:cNvPr id="34" name="テキスト ボックス 33"/>
           <p:cNvSpPr txBox="1"/>
           <p:nvPr/>
         </p:nvSpPr>
         <p:spPr>
           <a:xfrm>
-            <a:off x="341912" y="3467496"/>
+            <a:off x="341912" y="3251584"/>
             <a:ext cx="1875739" cy="369332"/>
           </a:xfrm>
           <a:prstGeom prst="rect">
@@ -10577,18 +16610,18 @@
           </a:bodyPr>
           <a:lstStyle/>
           <a:p>
-            <a:pPr algn="r"/>
-            <a:r>
-              <a:rPr lang="en-US" altLang="ja-JP" dirty="0" smtClean="0"/>
+            <a:pPr algn="ctr"/>
+            <a:r>
+              <a:rPr lang="en-US" altLang="ja-JP" b="1" dirty="0" smtClean="0"/>
               <a:t>Export</a:t>
             </a:r>
-            <a:endParaRPr kumimoji="1" lang="ja-JP" altLang="en-US" dirty="0"/>
+            <a:endParaRPr kumimoji="1" lang="ja-JP" altLang="en-US" b="1" dirty="0"/>
           </a:p>
         </p:txBody>
       </p:sp>
       <p:sp>
         <p:nvSpPr>
-          <p:cNvPr id="8" name="フリーフォーム 7"/>
+          <p:cNvPr id="35" name="フリーフォーム 34"/>
           <p:cNvSpPr>
             <a:spLocks noChangeAspect="1"/>
           </p:cNvSpPr>
@@ -10596,7 +16629,7 @@
         </p:nvSpPr>
         <p:spPr bwMode="gray">
           <a:xfrm>
-            <a:off x="362228" y="3493834"/>
+            <a:off x="362228" y="3277922"/>
             <a:ext cx="279851" cy="264735"/>
           </a:xfrm>
           <a:custGeom>
@@ -10992,13 +17025,13 @@
       </p:sp>
       <p:sp>
         <p:nvSpPr>
-          <p:cNvPr id="61" name="テキスト ボックス 60"/>
+          <p:cNvPr id="36" name="テキスト ボックス 35"/>
           <p:cNvSpPr txBox="1"/>
           <p:nvPr/>
         </p:nvSpPr>
         <p:spPr>
           <a:xfrm>
-            <a:off x="2102402" y="3475520"/>
+            <a:off x="2102402" y="3259608"/>
             <a:ext cx="2320372" cy="369332"/>
           </a:xfrm>
           <a:prstGeom prst="rect">
@@ -11014,18 +17047,18 @@
           </a:bodyPr>
           <a:lstStyle/>
           <a:p>
-            <a:pPr algn="r"/>
-            <a:r>
-              <a:rPr lang="en-US" altLang="ja-JP" dirty="0" smtClean="0"/>
+            <a:pPr algn="ctr"/>
+            <a:r>
+              <a:rPr lang="en-US" altLang="ja-JP" b="1" dirty="0" smtClean="0"/>
               <a:t>Import</a:t>
             </a:r>
-            <a:endParaRPr kumimoji="1" lang="ja-JP" altLang="en-US" dirty="0"/>
+            <a:endParaRPr kumimoji="1" lang="ja-JP" altLang="en-US" b="1" dirty="0"/>
           </a:p>
         </p:txBody>
       </p:sp>
       <p:pic>
         <p:nvPicPr>
-          <p:cNvPr id="62" name="図 61"/>
+          <p:cNvPr id="37" name="図 36"/>
           <p:cNvPicPr>
             <a:picLocks noChangeAspect="1"/>
           </p:cNvPicPr>
@@ -11039,7 +17072,7 @@
         </p:blipFill>
         <p:spPr>
           <a:xfrm>
-            <a:off x="2209573" y="3526513"/>
+            <a:off x="2209573" y="3310601"/>
             <a:ext cx="279851" cy="242056"/>
           </a:xfrm>
           <a:prstGeom prst="rect">
@@ -11049,21 +17082,21 @@
       </p:pic>
       <p:grpSp>
         <p:nvGrpSpPr>
-          <p:cNvPr id="66" name="グループ化 65"/>
+          <p:cNvPr id="38" name="グループ化 37"/>
           <p:cNvGrpSpPr/>
           <p:nvPr/>
         </p:nvGrpSpPr>
         <p:grpSpPr>
           <a:xfrm>
-            <a:off x="53364" y="3996398"/>
-            <a:ext cx="1550551" cy="1546488"/>
+            <a:off x="86533" y="4132715"/>
+            <a:ext cx="1402496" cy="1546488"/>
             <a:chOff x="552021" y="2836401"/>
             <a:chExt cx="970516" cy="1013450"/>
           </a:xfrm>
         </p:grpSpPr>
         <p:pic>
           <p:nvPicPr>
-            <p:cNvPr id="67" name="図 66"/>
+            <p:cNvPr id="39" name="図 38"/>
             <p:cNvPicPr>
               <a:picLocks noChangeAspect="1"/>
             </p:cNvPicPr>
@@ -11087,7 +17120,7 @@
         </p:pic>
         <p:sp>
           <p:nvSpPr>
-            <p:cNvPr id="68" name="テキスト ボックス 67"/>
+            <p:cNvPr id="40" name="テキスト ボックス 39"/>
             <p:cNvSpPr txBox="1"/>
             <p:nvPr/>
           </p:nvSpPr>
@@ -11109,36 +17142,36 @@
             <a:p>
               <a:pPr algn="ctr"/>
               <a:r>
-                <a:rPr kumimoji="1" lang="en-US" altLang="ja-JP" sz="1200" dirty="0" smtClean="0"/>
+                <a:rPr kumimoji="1" lang="en-US" altLang="ja-JP" sz="1200" b="1" dirty="0" smtClean="0"/>
                 <a:t>ITA</a:t>
               </a:r>
               <a:r>
-                <a:rPr lang="ja-JP" altLang="en-US" sz="1200" dirty="0"/>
+                <a:rPr lang="ja-JP" altLang="en-US" sz="1200" b="1" dirty="0"/>
                 <a:t> </a:t>
               </a:r>
               <a:r>
-                <a:rPr lang="en-US" altLang="ja-JP" sz="1200" dirty="0" smtClean="0"/>
-                <a:t>server </a:t>
+                <a:rPr lang="en-US" altLang="ja-JP" sz="1200" b="1" dirty="0" smtClean="0"/>
+                <a:t>Server </a:t>
               </a:r>
               <a:r>
-                <a:rPr kumimoji="1" lang="en-US" altLang="ja-JP" sz="1200" dirty="0" smtClean="0"/>
+                <a:rPr kumimoji="1" lang="en-US" altLang="ja-JP" sz="1200" b="1" dirty="0" smtClean="0"/>
                 <a:t>A</a:t>
               </a:r>
-              <a:endParaRPr kumimoji="1" lang="ja-JP" altLang="en-US" sz="1200" dirty="0"/>
+              <a:endParaRPr kumimoji="1" lang="ja-JP" altLang="en-US" sz="1200" b="1" dirty="0"/>
             </a:p>
           </p:txBody>
         </p:sp>
       </p:grpSp>
       <p:sp>
         <p:nvSpPr>
-          <p:cNvPr id="69" name="ストライプ矢印 68"/>
+          <p:cNvPr id="41" name="ストライプ矢印 40"/>
           <p:cNvSpPr/>
           <p:nvPr/>
         </p:nvSpPr>
         <p:spPr bwMode="auto">
           <a:xfrm>
-            <a:off x="1444443" y="3927972"/>
-            <a:ext cx="2222349" cy="757473"/>
+            <a:off x="1380499" y="4162647"/>
+            <a:ext cx="2123788" cy="604459"/>
           </a:xfrm>
           <a:prstGeom prst="stripedRightArrow">
             <a:avLst/>
@@ -11150,7 +17183,6 @@
             </a:solidFill>
           </a:ln>
           <a:effectLst/>
-          <a:extLst/>
         </p:spPr>
         <p:txBody>
           <a:bodyPr rot="0" spcFirstLastPara="0" vertOverflow="overflow" horzOverflow="overflow" vert="horz" wrap="none" lIns="72000" tIns="72000" rIns="72000" bIns="72000" numCol="1" spcCol="0" rtlCol="0" fromWordArt="0" anchor="ctr" anchorCtr="0" forceAA="0" compatLnSpc="1">
@@ -11163,12 +17195,12 @@
           <a:p>
             <a:pPr algn="ctr"/>
             <a:r>
-              <a:rPr kumimoji="1" lang="en-US" altLang="ja-JP" sz="1600" b="1" dirty="0" smtClean="0">
+              <a:rPr kumimoji="1" lang="en-US" altLang="ja-JP" sz="1400" b="1" dirty="0" smtClean="0">
                 <a:latin typeface="+mn-ea"/>
               </a:rPr>
               <a:t>Bulk export</a:t>
             </a:r>
-            <a:endParaRPr kumimoji="1" lang="ja-JP" altLang="en-US" sz="1600" b="1" dirty="0" smtClean="0">
+            <a:endParaRPr kumimoji="1" lang="ja-JP" altLang="en-US" sz="1400" b="1" dirty="0">
               <a:latin typeface="+mn-ea"/>
             </a:endParaRPr>
           </a:p>
@@ -11176,21 +17208,21 @@
       </p:sp>
       <p:grpSp>
         <p:nvGrpSpPr>
-          <p:cNvPr id="70" name="グループ化 69"/>
+          <p:cNvPr id="42" name="グループ化 41"/>
           <p:cNvGrpSpPr/>
           <p:nvPr/>
         </p:nvGrpSpPr>
         <p:grpSpPr>
           <a:xfrm>
-            <a:off x="3835347" y="3890910"/>
-            <a:ext cx="1615717" cy="1449167"/>
+            <a:off x="3870166" y="4164806"/>
+            <a:ext cx="1940670" cy="1449167"/>
             <a:chOff x="1907526" y="2615300"/>
             <a:chExt cx="1411771" cy="1035840"/>
           </a:xfrm>
         </p:grpSpPr>
         <p:grpSp>
           <p:nvGrpSpPr>
-            <p:cNvPr id="84" name="グループ化 83"/>
+            <p:cNvPr id="43" name="グループ化 42"/>
             <p:cNvGrpSpPr>
               <a:grpSpLocks noChangeAspect="1"/>
             </p:cNvGrpSpPr>
@@ -11206,7 +17238,7 @@
           </p:grpSpPr>
           <p:sp>
             <p:nvSpPr>
-              <p:cNvPr id="93" name="Freeform 85"/>
+              <p:cNvPr id="52" name="Freeform 85"/>
               <p:cNvSpPr>
                 <a:spLocks noChangeAspect="1"/>
               </p:cNvSpPr>
@@ -11431,7 +17463,7 @@
                   <a:tabLst/>
                   <a:defRPr/>
                 </a:pPr>
-                <a:endParaRPr kumimoji="0" lang="en-US" sz="1800" b="0" i="0" u="none" strike="noStrike" kern="0" cap="none" spc="0" normalizeH="0" baseline="0" noProof="0" smtClean="0">
+                <a:endParaRPr kumimoji="0" lang="en-US" sz="1800" b="0" i="0" u="none" strike="noStrike" kern="0" cap="none" spc="0" normalizeH="0" baseline="0" noProof="0">
                   <a:ln>
                     <a:noFill/>
                   </a:ln>
@@ -11447,7 +17479,7 @@
           </p:sp>
           <p:sp>
             <p:nvSpPr>
-              <p:cNvPr id="94" name="フリーフォーム 93"/>
+              <p:cNvPr id="53" name="フリーフォーム 52"/>
               <p:cNvSpPr>
                 <a:spLocks noChangeAspect="1"/>
               </p:cNvSpPr>
@@ -12235,7 +18267,7 @@
                   <a:tabLst/>
                   <a:defRPr/>
                 </a:pPr>
-                <a:endParaRPr kumimoji="0" lang="en-US" sz="1800" b="0" i="0" u="none" strike="noStrike" kern="0" cap="none" spc="0" normalizeH="0" baseline="0" noProof="0" smtClean="0">
+                <a:endParaRPr kumimoji="0" lang="en-US" sz="1800" b="0" i="0" u="none" strike="noStrike" kern="0" cap="none" spc="0" normalizeH="0" baseline="0" noProof="0">
                   <a:ln>
                     <a:noFill/>
                   </a:ln>
@@ -12251,7 +18283,7 @@
           </p:sp>
           <p:sp>
             <p:nvSpPr>
-              <p:cNvPr id="95" name="テキスト ボックス 94"/>
+              <p:cNvPr id="54" name="テキスト ボックス 53"/>
               <p:cNvSpPr txBox="1">
                 <a:spLocks noChangeAspect="1"/>
               </p:cNvSpPr>
@@ -12294,7 +18326,7 @@
                   <a:defRPr/>
                 </a:pPr>
                 <a:r>
-                  <a:rPr kumimoji="0" lang="en-US" altLang="ja-JP" sz="2000" b="1" i="0" u="none" strike="noStrike" kern="0" cap="none" spc="0" normalizeH="0" baseline="0" noProof="0" dirty="0" smtClean="0">
+                  <a:rPr kumimoji="0" lang="en-US" altLang="ja-JP" sz="2000" b="1" i="0" u="none" strike="noStrike" kern="0" cap="none" spc="0" normalizeH="0" baseline="0" noProof="0" dirty="0">
                     <a:ln>
                       <a:noFill/>
                     </a:ln>
@@ -12310,7 +18342,7 @@
                   <a:t>Excel</a:t>
                 </a:r>
                 <a:r>
-                  <a:rPr kumimoji="0" lang="ja-JP" altLang="en-US" sz="2000" b="1" i="0" u="none" strike="noStrike" kern="0" cap="none" spc="0" normalizeH="0" baseline="0" noProof="0" dirty="0" smtClean="0">
+                  <a:rPr kumimoji="0" lang="ja-JP" altLang="en-US" sz="2000" b="1" i="0" u="none" strike="noStrike" kern="0" cap="none" spc="0" normalizeH="0" baseline="0" noProof="0" dirty="0">
                     <a:ln>
                       <a:noFill/>
                     </a:ln>
@@ -12325,7 +18357,7 @@
                   </a:rPr>
                   <a:t>①</a:t>
                 </a:r>
-                <a:endParaRPr kumimoji="0" lang="en-US" altLang="ja-JP" sz="2000" b="1" i="0" u="none" strike="noStrike" kern="0" cap="none" spc="0" normalizeH="0" baseline="0" noProof="0" dirty="0" smtClean="0">
+                <a:endParaRPr kumimoji="0" lang="en-US" altLang="ja-JP" sz="2000" b="1" i="0" u="none" strike="noStrike" kern="0" cap="none" spc="0" normalizeH="0" baseline="0" noProof="0" dirty="0">
                   <a:ln>
                     <a:noFill/>
                   </a:ln>
@@ -12344,7 +18376,7 @@
         </p:grpSp>
         <p:grpSp>
           <p:nvGrpSpPr>
-            <p:cNvPr id="85" name="グループ化 84"/>
+            <p:cNvPr id="44" name="グループ化 43"/>
             <p:cNvGrpSpPr>
               <a:grpSpLocks noChangeAspect="1"/>
             </p:cNvGrpSpPr>
@@ -12360,7 +18392,7 @@
           </p:grpSpPr>
           <p:sp>
             <p:nvSpPr>
-              <p:cNvPr id="90" name="Freeform 85"/>
+              <p:cNvPr id="49" name="Freeform 85"/>
               <p:cNvSpPr>
                 <a:spLocks noChangeAspect="1"/>
               </p:cNvSpPr>
@@ -12585,7 +18617,7 @@
                   <a:tabLst/>
                   <a:defRPr/>
                 </a:pPr>
-                <a:endParaRPr kumimoji="0" lang="en-US" sz="1800" b="0" i="0" u="none" strike="noStrike" kern="0" cap="none" spc="0" normalizeH="0" baseline="0" noProof="0" smtClean="0">
+                <a:endParaRPr kumimoji="0" lang="en-US" sz="1800" b="0" i="0" u="none" strike="noStrike" kern="0" cap="none" spc="0" normalizeH="0" baseline="0" noProof="0">
                   <a:ln>
                     <a:noFill/>
                   </a:ln>
@@ -12601,7 +18633,7 @@
           </p:sp>
           <p:sp>
             <p:nvSpPr>
-              <p:cNvPr id="91" name="フリーフォーム 90"/>
+              <p:cNvPr id="50" name="フリーフォーム 49"/>
               <p:cNvSpPr>
                 <a:spLocks noChangeAspect="1"/>
               </p:cNvSpPr>
@@ -13389,7 +19421,7 @@
                   <a:tabLst/>
                   <a:defRPr/>
                 </a:pPr>
-                <a:endParaRPr kumimoji="0" lang="en-US" sz="1800" b="0" i="0" u="none" strike="noStrike" kern="0" cap="none" spc="0" normalizeH="0" baseline="0" noProof="0" smtClean="0">
+                <a:endParaRPr kumimoji="0" lang="en-US" sz="1800" b="0" i="0" u="none" strike="noStrike" kern="0" cap="none" spc="0" normalizeH="0" baseline="0" noProof="0">
                   <a:ln>
                     <a:noFill/>
                   </a:ln>
@@ -13405,7 +19437,7 @@
           </p:sp>
           <p:sp>
             <p:nvSpPr>
-              <p:cNvPr id="92" name="テキスト ボックス 91"/>
+              <p:cNvPr id="51" name="テキスト ボックス 50"/>
               <p:cNvSpPr txBox="1">
                 <a:spLocks noChangeAspect="1"/>
               </p:cNvSpPr>
@@ -13448,7 +19480,7 @@
                   <a:defRPr/>
                 </a:pPr>
                 <a:r>
-                  <a:rPr kumimoji="0" lang="en-US" altLang="ja-JP" sz="2000" b="1" i="0" u="none" strike="noStrike" kern="0" cap="none" spc="0" normalizeH="0" baseline="0" noProof="0" dirty="0" smtClean="0">
+                  <a:rPr kumimoji="0" lang="en-US" altLang="ja-JP" sz="2000" b="1" i="0" u="none" strike="noStrike" kern="0" cap="none" spc="0" normalizeH="0" baseline="0" noProof="0" dirty="0">
                     <a:ln>
                       <a:noFill/>
                     </a:ln>
@@ -13473,7 +19505,7 @@
                   </a:rPr>
                   <a:t>②</a:t>
                 </a:r>
-                <a:endParaRPr kumimoji="0" lang="en-US" altLang="ja-JP" sz="2000" b="1" i="0" u="none" strike="noStrike" kern="0" cap="none" spc="0" normalizeH="0" baseline="0" noProof="0" dirty="0" smtClean="0">
+                <a:endParaRPr kumimoji="0" lang="en-US" altLang="ja-JP" sz="2000" b="1" i="0" u="none" strike="noStrike" kern="0" cap="none" spc="0" normalizeH="0" baseline="0" noProof="0" dirty="0">
                   <a:ln>
                     <a:noFill/>
                   </a:ln>
@@ -13492,7 +19524,7 @@
         </p:grpSp>
         <p:grpSp>
           <p:nvGrpSpPr>
-            <p:cNvPr id="86" name="グループ化 85"/>
+            <p:cNvPr id="45" name="グループ化 44"/>
             <p:cNvGrpSpPr>
               <a:grpSpLocks noChangeAspect="1"/>
             </p:cNvGrpSpPr>
@@ -13508,7 +19540,7 @@
           </p:grpSpPr>
           <p:sp>
             <p:nvSpPr>
-              <p:cNvPr id="87" name="Freeform 85"/>
+              <p:cNvPr id="46" name="Freeform 85"/>
               <p:cNvSpPr>
                 <a:spLocks noChangeAspect="1"/>
               </p:cNvSpPr>
@@ -13733,7 +19765,7 @@
                   <a:tabLst/>
                   <a:defRPr/>
                 </a:pPr>
-                <a:endParaRPr kumimoji="0" lang="en-US" sz="1800" b="0" i="0" u="none" strike="noStrike" kern="0" cap="none" spc="0" normalizeH="0" baseline="0" noProof="0" smtClean="0">
+                <a:endParaRPr kumimoji="0" lang="en-US" sz="1800" b="0" i="0" u="none" strike="noStrike" kern="0" cap="none" spc="0" normalizeH="0" baseline="0" noProof="0">
                   <a:ln>
                     <a:noFill/>
                   </a:ln>
@@ -13749,7 +19781,7 @@
           </p:sp>
           <p:sp>
             <p:nvSpPr>
-              <p:cNvPr id="88" name="フリーフォーム 87"/>
+              <p:cNvPr id="47" name="フリーフォーム 46"/>
               <p:cNvSpPr>
                 <a:spLocks noChangeAspect="1"/>
               </p:cNvSpPr>
@@ -14537,7 +20569,7 @@
                   <a:tabLst/>
                   <a:defRPr/>
                 </a:pPr>
-                <a:endParaRPr kumimoji="0" lang="en-US" sz="1800" b="0" i="0" u="none" strike="noStrike" kern="0" cap="none" spc="0" normalizeH="0" baseline="0" noProof="0" smtClean="0">
+                <a:endParaRPr kumimoji="0" lang="en-US" sz="1800" b="0" i="0" u="none" strike="noStrike" kern="0" cap="none" spc="0" normalizeH="0" baseline="0" noProof="0">
                   <a:ln>
                     <a:noFill/>
                   </a:ln>
@@ -14553,7 +20585,7 @@
           </p:sp>
           <p:sp>
             <p:nvSpPr>
-              <p:cNvPr id="89" name="テキスト ボックス 88"/>
+              <p:cNvPr id="48" name="テキスト ボックス 47"/>
               <p:cNvSpPr txBox="1">
                 <a:spLocks noChangeAspect="1"/>
               </p:cNvSpPr>
@@ -14596,7 +20628,7 @@
                   <a:defRPr/>
                 </a:pPr>
                 <a:r>
-                  <a:rPr kumimoji="0" lang="en-US" altLang="ja-JP" sz="2000" b="1" i="0" u="none" strike="noStrike" kern="0" cap="none" spc="0" normalizeH="0" baseline="0" noProof="0" dirty="0" smtClean="0">
+                  <a:rPr kumimoji="0" lang="en-US" altLang="ja-JP" sz="2000" b="1" i="0" u="none" strike="noStrike" kern="0" cap="none" spc="0" normalizeH="0" baseline="0" noProof="0" dirty="0">
                     <a:ln>
                       <a:noFill/>
                     </a:ln>
@@ -14621,7 +20653,7 @@
                   </a:rPr>
                   <a:t>③</a:t>
                 </a:r>
-                <a:endParaRPr kumimoji="0" lang="en-US" altLang="ja-JP" sz="2000" b="1" i="0" u="none" strike="noStrike" kern="0" cap="none" spc="0" normalizeH="0" baseline="0" noProof="0" dirty="0" smtClean="0">
+                <a:endParaRPr kumimoji="0" lang="en-US" altLang="ja-JP" sz="2000" b="1" i="0" u="none" strike="noStrike" kern="0" cap="none" spc="0" normalizeH="0" baseline="0" noProof="0" dirty="0">
                   <a:ln>
                     <a:noFill/>
                   </a:ln>
@@ -14641,21 +20673,21 @@
       </p:grpSp>
       <p:grpSp>
         <p:nvGrpSpPr>
-          <p:cNvPr id="10" name="グループ化 9"/>
+          <p:cNvPr id="55" name="グループ化 54"/>
           <p:cNvGrpSpPr/>
           <p:nvPr/>
         </p:nvGrpSpPr>
         <p:grpSpPr>
           <a:xfrm>
-            <a:off x="5574521" y="4615494"/>
-            <a:ext cx="2022108" cy="756000"/>
+            <a:off x="6057326" y="4492665"/>
+            <a:ext cx="1795104" cy="547547"/>
             <a:chOff x="1533225" y="5956709"/>
-            <a:chExt cx="1679618" cy="535917"/>
+            <a:chExt cx="1738885" cy="535917"/>
           </a:xfrm>
         </p:grpSpPr>
         <p:sp>
           <p:nvSpPr>
-            <p:cNvPr id="96" name="ストライプ矢印 95"/>
+            <p:cNvPr id="56" name="ストライプ矢印 55"/>
             <p:cNvSpPr/>
             <p:nvPr/>
           </p:nvSpPr>
@@ -14674,7 +20706,6 @@
               </a:solidFill>
             </a:ln>
             <a:effectLst/>
-            <a:extLst/>
           </p:spPr>
           <p:txBody>
             <a:bodyPr rot="0" spcFirstLastPara="0" vertOverflow="overflow" horzOverflow="overflow" vert="horz" wrap="none" lIns="72000" tIns="72000" rIns="72000" bIns="72000" numCol="1" spcCol="0" rtlCol="0" fromWordArt="0" anchor="ctr" anchorCtr="0" forceAA="0" compatLnSpc="1">
@@ -14686,7 +20717,7 @@
             <a:lstStyle/>
             <a:p>
               <a:pPr algn="ctr"/>
-              <a:endParaRPr kumimoji="1" lang="ja-JP" altLang="en-US" sz="1400" b="1" dirty="0" smtClean="0">
+              <a:endParaRPr kumimoji="1" lang="ja-JP" altLang="en-US" sz="1400" b="1" dirty="0">
                 <a:latin typeface="+mn-ea"/>
               </a:endParaRPr>
             </a:p>
@@ -14694,14 +20725,14 @@
         </p:sp>
         <p:sp>
           <p:nvSpPr>
-            <p:cNvPr id="2" name="テキスト ボックス 1"/>
+            <p:cNvPr id="57" name="テキスト ボックス 56"/>
             <p:cNvSpPr txBox="1"/>
             <p:nvPr/>
           </p:nvSpPr>
           <p:spPr>
             <a:xfrm>
-              <a:off x="1772460" y="6093369"/>
-              <a:ext cx="1440383" cy="239996"/>
+              <a:off x="1831727" y="6097500"/>
+              <a:ext cx="1440383" cy="301240"/>
             </a:xfrm>
             <a:prstGeom prst="rect">
               <a:avLst/>
@@ -14715,17 +20746,17 @@
             <a:lstStyle/>
             <a:p>
               <a:r>
-                <a:rPr lang="en-US" altLang="ja-JP" sz="1600" b="1" dirty="0" smtClean="0"/>
+                <a:rPr lang="en-US" altLang="ja-JP" sz="1400" b="1" dirty="0" smtClean="0"/>
                 <a:t>Edit file</a:t>
               </a:r>
-              <a:endParaRPr kumimoji="1" lang="ja-JP" altLang="en-US" sz="1600" b="1" dirty="0"/>
+              <a:endParaRPr kumimoji="1" lang="ja-JP" altLang="en-US" sz="1400" b="1" dirty="0"/>
             </a:p>
           </p:txBody>
         </p:sp>
       </p:grpSp>
       <p:pic>
         <p:nvPicPr>
-          <p:cNvPr id="97" name="図 96"/>
+          <p:cNvPr id="58" name="図 57"/>
           <p:cNvPicPr>
             <a:picLocks noChangeAspect="1"/>
           </p:cNvPicPr>
@@ -14739,8 +20770,8 @@
         </p:blipFill>
         <p:spPr>
           <a:xfrm>
-            <a:off x="7700552" y="3980169"/>
-            <a:ext cx="1055957" cy="1126998"/>
+            <a:off x="7971821" y="4154393"/>
+            <a:ext cx="991692" cy="1058409"/>
           </a:xfrm>
           <a:prstGeom prst="rect">
             <a:avLst/>
@@ -14749,21 +20780,21 @@
       </p:pic>
       <p:grpSp>
         <p:nvGrpSpPr>
-          <p:cNvPr id="98" name="グループ化 97"/>
+          <p:cNvPr id="59" name="グループ化 58"/>
           <p:cNvGrpSpPr/>
           <p:nvPr/>
         </p:nvGrpSpPr>
         <p:grpSpPr>
           <a:xfrm>
-            <a:off x="1380394" y="4712256"/>
-            <a:ext cx="2260599" cy="659234"/>
+            <a:off x="1380498" y="4754734"/>
+            <a:ext cx="2120857" cy="604459"/>
             <a:chOff x="1533225" y="5956709"/>
             <a:chExt cx="1679618" cy="535917"/>
           </a:xfrm>
         </p:grpSpPr>
         <p:sp>
           <p:nvSpPr>
-            <p:cNvPr id="99" name="ストライプ矢印 98"/>
+            <p:cNvPr id="60" name="ストライプ矢印 59"/>
             <p:cNvSpPr/>
             <p:nvPr/>
           </p:nvSpPr>
@@ -14782,7 +20813,6 @@
               </a:solidFill>
             </a:ln>
             <a:effectLst/>
-            <a:extLst/>
           </p:spPr>
           <p:txBody>
             <a:bodyPr rot="0" spcFirstLastPara="0" vertOverflow="overflow" horzOverflow="overflow" vert="horz" wrap="none" lIns="72000" tIns="72000" rIns="72000" bIns="72000" numCol="1" spcCol="0" rtlCol="0" fromWordArt="0" anchor="ctr" anchorCtr="0" forceAA="0" compatLnSpc="1">
@@ -14794,7 +20824,7 @@
             <a:lstStyle/>
             <a:p>
               <a:pPr algn="ctr"/>
-              <a:endParaRPr kumimoji="1" lang="ja-JP" altLang="en-US" sz="1400" b="1" dirty="0" smtClean="0">
+              <a:endParaRPr kumimoji="1" lang="ja-JP" altLang="en-US" sz="1200" b="1" dirty="0">
                 <a:latin typeface="+mn-ea"/>
               </a:endParaRPr>
             </a:p>
@@ -14802,14 +20832,14 @@
         </p:sp>
         <p:sp>
           <p:nvSpPr>
-            <p:cNvPr id="100" name="テキスト ボックス 99"/>
+            <p:cNvPr id="63" name="テキスト ボックス 62"/>
             <p:cNvSpPr txBox="1"/>
             <p:nvPr/>
           </p:nvSpPr>
           <p:spPr>
             <a:xfrm>
-              <a:off x="1772460" y="6093369"/>
-              <a:ext cx="1440383" cy="275224"/>
+              <a:off x="1773271" y="6105050"/>
+              <a:ext cx="1341465" cy="272877"/>
             </a:xfrm>
             <a:prstGeom prst="rect">
               <a:avLst/>
@@ -14823,14 +20853,178 @@
             <a:lstStyle/>
             <a:p>
               <a:r>
-                <a:rPr kumimoji="1" lang="en-US" altLang="ja-JP" sz="1600" b="1" dirty="0" smtClean="0"/>
+                <a:rPr kumimoji="1" lang="en-US" altLang="ja-JP" sz="1400" b="1" dirty="0" smtClean="0"/>
                 <a:t>Bulk import</a:t>
               </a:r>
-              <a:endParaRPr kumimoji="1" lang="ja-JP" altLang="en-US" sz="1600" b="1" dirty="0"/>
+              <a:endParaRPr kumimoji="1" lang="ja-JP" altLang="en-US" sz="1400" b="1" dirty="0"/>
             </a:p>
           </p:txBody>
         </p:sp>
       </p:grpSp>
+      <p:sp>
+        <p:nvSpPr>
+          <p:cNvPr id="64" name="四角形: 1 つの角を切り取る 8">
+            <a:extLst>
+              <a:ext uri="{FF2B5EF4-FFF2-40B4-BE49-F238E27FC236}">
+                <a16:creationId xmlns:a16="http://schemas.microsoft.com/office/drawing/2014/main" id="{29CB3797-08EE-4970-949A-41E30EAC4732}"/>
+              </a:ext>
+            </a:extLst>
+          </p:cNvPr>
+          <p:cNvSpPr/>
+          <p:nvPr/>
+        </p:nvSpPr>
+        <p:spPr bwMode="auto">
+          <a:xfrm>
+            <a:off x="3686412" y="3806356"/>
+            <a:ext cx="2320372" cy="1925831"/>
+          </a:xfrm>
+          <a:prstGeom prst="snip1Rect">
+            <a:avLst>
+              <a:gd name="adj" fmla="val 20030"/>
+            </a:avLst>
+          </a:prstGeom>
+          <a:noFill/>
+          <a:ln w="28575">
+            <a:solidFill>
+              <a:srgbClr val="042368"/>
+            </a:solidFill>
+          </a:ln>
+          <a:effectLst/>
+        </p:spPr>
+        <p:txBody>
+          <a:bodyPr rot="0" spcFirstLastPara="0" vertOverflow="overflow" horzOverflow="overflow" vert="horz" wrap="none" lIns="72000" tIns="72000" rIns="72000" bIns="72000" numCol="1" spcCol="0" rtlCol="0" fromWordArt="0" anchor="ctr" anchorCtr="0" forceAA="0" compatLnSpc="1">
+            <a:prstTxWarp prst="textNoShape">
+              <a:avLst/>
+            </a:prstTxWarp>
+            <a:noAutofit/>
+          </a:bodyPr>
+          <a:lstStyle/>
+          <a:p>
+            <a:pPr algn="ctr"/>
+            <a:endParaRPr kumimoji="1" lang="ja-JP" altLang="en-US" b="1" dirty="0">
+              <a:latin typeface="+mn-ea"/>
+            </a:endParaRPr>
+          </a:p>
+        </p:txBody>
+      </p:sp>
+      <p:sp>
+        <p:nvSpPr>
+          <p:cNvPr id="65" name="直角三角形 64">
+            <a:extLst>
+              <a:ext uri="{FF2B5EF4-FFF2-40B4-BE49-F238E27FC236}">
+                <a16:creationId xmlns:a16="http://schemas.microsoft.com/office/drawing/2014/main" id="{BAE60C77-5EA6-4B55-B29F-E268D2DA923A}"/>
+              </a:ext>
+            </a:extLst>
+          </p:cNvPr>
+          <p:cNvSpPr/>
+          <p:nvPr/>
+        </p:nvSpPr>
+        <p:spPr bwMode="auto">
+          <a:xfrm>
+            <a:off x="5610784" y="3806356"/>
+            <a:ext cx="396000" cy="396000"/>
+          </a:xfrm>
+          <a:prstGeom prst="rtTriangle">
+            <a:avLst/>
+          </a:prstGeom>
+          <a:noFill/>
+          <a:ln w="28575">
+            <a:solidFill>
+              <a:srgbClr val="042368"/>
+            </a:solidFill>
+          </a:ln>
+          <a:effectLst/>
+        </p:spPr>
+        <p:txBody>
+          <a:bodyPr rot="0" spcFirstLastPara="0" vertOverflow="overflow" horzOverflow="overflow" vert="horz" wrap="none" lIns="72000" tIns="72000" rIns="72000" bIns="72000" numCol="1" spcCol="0" rtlCol="0" fromWordArt="0" anchor="ctr" anchorCtr="0" forceAA="0" compatLnSpc="1">
+            <a:prstTxWarp prst="textNoShape">
+              <a:avLst/>
+            </a:prstTxWarp>
+            <a:noAutofit/>
+          </a:bodyPr>
+          <a:lstStyle/>
+          <a:p>
+            <a:pPr algn="ctr"/>
+            <a:endParaRPr kumimoji="1" lang="ja-JP" altLang="en-US" b="1" dirty="0">
+              <a:latin typeface="+mn-ea"/>
+            </a:endParaRPr>
+          </a:p>
+        </p:txBody>
+      </p:sp>
+      <p:sp>
+        <p:nvSpPr>
+          <p:cNvPr id="71" name="正方形/長方形 70">
+            <a:extLst>
+              <a:ext uri="{FF2B5EF4-FFF2-40B4-BE49-F238E27FC236}">
+                <a16:creationId xmlns:a16="http://schemas.microsoft.com/office/drawing/2014/main" id="{E0305D87-81D5-4A5E-9FC2-31C354D9FCC4}"/>
+              </a:ext>
+            </a:extLst>
+          </p:cNvPr>
+          <p:cNvSpPr/>
+          <p:nvPr/>
+        </p:nvSpPr>
+        <p:spPr bwMode="auto">
+          <a:xfrm>
+            <a:off x="3686411" y="3806356"/>
+            <a:ext cx="996001" cy="264693"/>
+          </a:xfrm>
+          <a:prstGeom prst="rect">
+            <a:avLst/>
+          </a:prstGeom>
+          <a:solidFill>
+            <a:srgbClr val="042368"/>
+          </a:solidFill>
+          <a:ln w="12700">
+            <a:noFill/>
+          </a:ln>
+          <a:effectLst/>
+        </p:spPr>
+        <p:txBody>
+          <a:bodyPr rot="0" spcFirstLastPara="0" vertOverflow="overflow" horzOverflow="overflow" vert="horz" wrap="none" lIns="72000" tIns="72000" rIns="72000" bIns="72000" numCol="1" spcCol="0" rtlCol="0" fromWordArt="0" anchor="ctr" anchorCtr="0" forceAA="0" compatLnSpc="1">
+            <a:prstTxWarp prst="textNoShape">
+              <a:avLst/>
+            </a:prstTxWarp>
+            <a:noAutofit/>
+          </a:bodyPr>
+          <a:lstStyle/>
+          <a:p>
+            <a:pPr algn="ctr"/>
+            <a:r>
+              <a:rPr kumimoji="1" lang="en-US" altLang="ja-JP" sz="1100" b="1" dirty="0" smtClean="0">
+                <a:solidFill>
+                  <a:schemeClr val="bg1"/>
+                </a:solidFill>
+                <a:latin typeface="+mn-ea"/>
+              </a:rPr>
+              <a:t>Zip</a:t>
+            </a:r>
+            <a:r>
+              <a:rPr lang="ja-JP" altLang="en-US" sz="1100" b="1" dirty="0" smtClean="0">
+                <a:solidFill>
+                  <a:schemeClr val="bg1"/>
+                </a:solidFill>
+                <a:latin typeface="+mn-ea"/>
+              </a:rPr>
+              <a:t> </a:t>
+            </a:r>
+            <a:r>
+              <a:rPr lang="en-US" altLang="ja-JP" sz="1100" b="1" dirty="0" smtClean="0">
+                <a:solidFill>
+                  <a:schemeClr val="bg1"/>
+                </a:solidFill>
+                <a:latin typeface="+mn-ea"/>
+              </a:rPr>
+              <a:t>file</a:t>
+            </a:r>
+            <a:endParaRPr kumimoji="1" lang="ja-JP" altLang="en-US" sz="1100" b="1" dirty="0">
+              <a:solidFill>
+                <a:schemeClr val="bg1"/>
+              </a:solidFill>
+              <a:latin typeface="+mn-ea"/>
+            </a:endParaRPr>
+          </a:p>
+        </p:txBody>
+      </p:sp>
     </p:spTree>
     <p:extLst>
       <p:ext uri="{BB962C8B-B14F-4D97-AF65-F5344CB8AC3E}">
@@ -14851,7 +21045,7 @@
 </p:sld>
 </file>
 
-<file path=ppt/slides/slide14.xml><?xml version="1.0" encoding="utf-8"?>
+<file path=ppt/slides/slide17.xml><?xml version="1.0" encoding="utf-8"?>
 <p:sld xmlns:a="http://schemas.openxmlformats.org/drawingml/2006/main" xmlns:r="http://schemas.openxmlformats.org/officeDocument/2006/relationships" xmlns:p="http://schemas.openxmlformats.org/presentationml/2006/main">
   <p:cSld>
     <p:spTree>
@@ -15475,7 +21669,7 @@
 </p:sld>
 </file>
 
-<file path=ppt/slides/slide15.xml><?xml version="1.0" encoding="utf-8"?>
+<file path=ppt/slides/slide18.xml><?xml version="1.0" encoding="utf-8"?>
 <p:sld xmlns:a="http://schemas.openxmlformats.org/drawingml/2006/main" xmlns:r="http://schemas.openxmlformats.org/officeDocument/2006/relationships" xmlns:p="http://schemas.openxmlformats.org/presentationml/2006/main">
   <p:cSld>
     <p:spTree>
@@ -16279,7 +22473,7 @@
 </p:sld>
 </file>
 
-<file path=ppt/slides/slide16.xml><?xml version="1.0" encoding="utf-8"?>
+<file path=ppt/slides/slide19.xml><?xml version="1.0" encoding="utf-8"?>
 <p:sld xmlns:a="http://schemas.openxmlformats.org/drawingml/2006/main" xmlns:r="http://schemas.openxmlformats.org/officeDocument/2006/relationships" xmlns:p="http://schemas.openxmlformats.org/presentationml/2006/main">
   <p:cSld>
     <p:spTree>
@@ -16298,7 +22492,7 @@
       </p:grpSpPr>
       <p:pic>
         <p:nvPicPr>
-          <p:cNvPr id="7" name="図 6"/>
+          <p:cNvPr id="4" name="図 3"/>
           <p:cNvPicPr>
             <a:picLocks noChangeAspect="1"/>
           </p:cNvPicPr>
@@ -16312,8 +22506,8 @@
         </p:blipFill>
         <p:spPr>
           <a:xfrm>
-            <a:off x="323410" y="1916791"/>
-            <a:ext cx="7102345" cy="3816530"/>
+            <a:off x="323410" y="1916790"/>
+            <a:ext cx="7211132" cy="3816530"/>
           </a:xfrm>
           <a:prstGeom prst="rect">
             <a:avLst/>
@@ -16600,7 +22794,301 @@
 </p:sld>
 </file>
 
-<file path=ppt/slides/slide17.xml><?xml version="1.0" encoding="utf-8"?>
+<file path=ppt/slides/slide2.xml><?xml version="1.0" encoding="utf-8"?>
+<p:sld xmlns:a="http://schemas.openxmlformats.org/drawingml/2006/main" xmlns:r="http://schemas.openxmlformats.org/officeDocument/2006/relationships" xmlns:p="http://schemas.openxmlformats.org/presentationml/2006/main">
+  <p:cSld>
+    <p:spTree>
+      <p:nvGrpSpPr>
+        <p:cNvPr id="1" name=""/>
+        <p:cNvGrpSpPr/>
+        <p:nvPr/>
+      </p:nvGrpSpPr>
+      <p:grpSpPr>
+        <a:xfrm>
+          <a:off x="0" y="0"/>
+          <a:ext cx="0" cy="0"/>
+          <a:chOff x="0" y="0"/>
+          <a:chExt cx="0" cy="0"/>
+        </a:xfrm>
+      </p:grpSpPr>
+      <p:sp>
+        <p:nvSpPr>
+          <p:cNvPr id="2" name="タイトル 1"/>
+          <p:cNvSpPr>
+            <a:spLocks noGrp="1"/>
+          </p:cNvSpPr>
+          <p:nvPr>
+            <p:ph type="title"/>
+          </p:nvPr>
+        </p:nvSpPr>
+        <p:spPr>
+          <a:xfrm>
+            <a:off x="1619590" y="502967"/>
+            <a:ext cx="2880400" cy="405683"/>
+          </a:xfrm>
+        </p:spPr>
+        <p:txBody>
+          <a:bodyPr/>
+          <a:lstStyle/>
+          <a:p>
+            <a:r>
+              <a:rPr lang="en-US" altLang="ja-JP" dirty="0"/>
+              <a:t>Table of contents</a:t>
+            </a:r>
+            <a:endParaRPr kumimoji="1" lang="ja-JP" altLang="en-US" dirty="0"/>
+          </a:p>
+        </p:txBody>
+      </p:sp>
+      <p:sp>
+        <p:nvSpPr>
+          <p:cNvPr id="4" name="正方形/長方形 3"/>
+          <p:cNvSpPr/>
+          <p:nvPr/>
+        </p:nvSpPr>
+        <p:spPr bwMode="auto">
+          <a:xfrm>
+            <a:off x="1619590" y="908650"/>
+            <a:ext cx="5976830" cy="5400750"/>
+          </a:xfrm>
+          <a:prstGeom prst="rect">
+            <a:avLst/>
+          </a:prstGeom>
+          <a:noFill/>
+          <a:ln w="12700">
+            <a:noFill/>
+          </a:ln>
+          <a:effectLst/>
+          <a:extLst/>
+        </p:spPr>
+        <p:txBody>
+          <a:bodyPr rot="0" spcFirstLastPara="0" vertOverflow="overflow" horzOverflow="overflow" vert="horz" wrap="none" lIns="72000" tIns="72000" rIns="72000" bIns="72000" numCol="1" spcCol="0" rtlCol="0" fromWordArt="0" anchor="t" anchorCtr="0" forceAA="0" compatLnSpc="1">
+            <a:prstTxWarp prst="textNoShape">
+              <a:avLst/>
+            </a:prstTxWarp>
+            <a:noAutofit/>
+          </a:bodyPr>
+          <a:lstStyle/>
+          <a:p>
+            <a:pPr marL="342900" indent="-342900">
+              <a:buFont typeface="+mj-lt"/>
+              <a:buAutoNum type="arabicPeriod"/>
+            </a:pPr>
+            <a:r>
+              <a:rPr lang="en-US" altLang="ja-JP" dirty="0" smtClean="0"/>
+              <a:t>Introductio</a:t>
+            </a:r>
+            <a:r>
+              <a:rPr lang="en-US" altLang="ja-JP" dirty="0"/>
+              <a:t>n</a:t>
+            </a:r>
+            <a:br>
+              <a:rPr lang="en-US" altLang="ja-JP" dirty="0"/>
+            </a:br>
+            <a:r>
+              <a:rPr lang="en-US" altLang="ja-JP" dirty="0"/>
+              <a:t>1.</a:t>
+            </a:r>
+            <a:r>
+              <a:rPr lang="ja-JP" altLang="en-US" dirty="0"/>
+              <a:t> </a:t>
+            </a:r>
+            <a:r>
+              <a:rPr lang="en-US" altLang="ja-JP" dirty="0" smtClean="0">
+                <a:hlinkClick r:id="rId2" action="ppaction://hlinksldjump"/>
+              </a:rPr>
+              <a:t>Introduction</a:t>
+            </a:r>
+            <a:r>
+              <a:rPr lang="en-US" altLang="ja-JP" dirty="0">
+                <a:hlinkClick r:id="rId2" action="ppaction://hlinksldjump"/>
+              </a:rPr>
+              <a:t/>
+            </a:r>
+            <a:br>
+              <a:rPr lang="en-US" altLang="ja-JP" dirty="0">
+                <a:hlinkClick r:id="rId2" action="ppaction://hlinksldjump"/>
+              </a:rPr>
+            </a:br>
+            <a:endParaRPr lang="en-US" altLang="ja-JP" dirty="0"/>
+          </a:p>
+          <a:p>
+            <a:pPr marL="342900" indent="-342900">
+              <a:buFont typeface="+mj-lt"/>
+              <a:buAutoNum type="arabicPeriod"/>
+            </a:pPr>
+            <a:r>
+              <a:rPr lang="en-US" altLang="ja-JP" dirty="0" smtClean="0"/>
+              <a:t>Export/Import function</a:t>
+            </a:r>
+            <a:endParaRPr lang="en-US" altLang="ja-JP" dirty="0"/>
+          </a:p>
+          <a:p>
+            <a:pPr marL="800100" lvl="1" indent="-342900">
+              <a:buFont typeface="+mj-lt"/>
+              <a:buAutoNum type="arabicPeriod"/>
+            </a:pPr>
+            <a:r>
+              <a:rPr lang="en-US" altLang="ja-JP" dirty="0" smtClean="0">
+                <a:hlinkClick r:id="rId3" action="ppaction://hlinksldjump"/>
+              </a:rPr>
+              <a:t>Overview</a:t>
+            </a:r>
+            <a:endParaRPr lang="en-US" altLang="ja-JP" dirty="0"/>
+          </a:p>
+          <a:p>
+            <a:pPr marL="800100" lvl="1" indent="-342900">
+              <a:buFont typeface="+mj-lt"/>
+              <a:buAutoNum type="arabicPeriod"/>
+            </a:pPr>
+            <a:r>
+              <a:rPr lang="en-US" altLang="ja-JP" dirty="0" smtClean="0">
+                <a:hlinkClick r:id="rId4" action="ppaction://hlinksldjump"/>
+              </a:rPr>
+              <a:t>Menu overview</a:t>
+            </a:r>
+            <a:endParaRPr lang="en-US" altLang="ja-JP" dirty="0"/>
+          </a:p>
+          <a:p>
+            <a:pPr marL="800100" lvl="1" indent="-342900">
+              <a:buFont typeface="+mj-lt"/>
+              <a:buAutoNum type="arabicPeriod"/>
+            </a:pPr>
+            <a:r>
+              <a:rPr lang="en-US" altLang="ja-JP" dirty="0" smtClean="0">
+                <a:hlinkClick r:id="rId5" action="ppaction://hlinksldjump"/>
+              </a:rPr>
+              <a:t>Work flow</a:t>
+            </a:r>
+            <a:endParaRPr lang="en-US" altLang="ja-JP" dirty="0"/>
+          </a:p>
+          <a:p>
+            <a:pPr marL="800100" lvl="1" indent="-342900">
+              <a:buFont typeface="+mj-lt"/>
+              <a:buAutoNum type="arabicPeriod"/>
+            </a:pPr>
+            <a:r>
+              <a:rPr lang="en-US" altLang="ja-JP" dirty="0" smtClean="0">
+                <a:hlinkClick r:id="rId6" action="ppaction://hlinksldjump"/>
+              </a:rPr>
+              <a:t>Menu </a:t>
+            </a:r>
+            <a:r>
+              <a:rPr lang="en-US" altLang="ja-JP" dirty="0" smtClean="0">
+                <a:hlinkClick r:id="rId6" action="ppaction://hlinksldjump"/>
+              </a:rPr>
+              <a:t>description</a:t>
+            </a:r>
+            <a:endParaRPr lang="en-US" altLang="ja-JP" dirty="0" smtClean="0"/>
+          </a:p>
+          <a:p>
+            <a:pPr marL="800100" lvl="1" indent="-342900">
+              <a:buFont typeface="+mj-lt"/>
+              <a:buAutoNum type="arabicPeriod"/>
+            </a:pPr>
+            <a:r>
+              <a:rPr lang="en-US" altLang="ja-JP" dirty="0" smtClean="0">
+                <a:hlinkClick r:id="rId7" action="ppaction://hlinksldjump"/>
+              </a:rPr>
+              <a:t>Mode description</a:t>
+            </a:r>
+            <a:endParaRPr lang="en-US" altLang="ja-JP" dirty="0"/>
+          </a:p>
+          <a:p>
+            <a:endParaRPr lang="en-US" altLang="ja-JP" dirty="0"/>
+          </a:p>
+          <a:p>
+            <a:r>
+              <a:rPr lang="en-US" altLang="ja-JP" dirty="0" smtClean="0"/>
+              <a:t>3.  Excel</a:t>
+            </a:r>
+            <a:r>
+              <a:rPr lang="ja-JP" altLang="en-US" dirty="0"/>
+              <a:t> </a:t>
+            </a:r>
+            <a:r>
+              <a:rPr lang="en-US" altLang="ja-JP" dirty="0" smtClean="0"/>
+              <a:t>bulk export/import function</a:t>
+            </a:r>
+          </a:p>
+          <a:p>
+            <a:pPr marL="800100" lvl="1" indent="-342900">
+              <a:buFont typeface="+mj-lt"/>
+              <a:buAutoNum type="arabicPeriod"/>
+            </a:pPr>
+            <a:r>
+              <a:rPr lang="en-US" altLang="ja-JP" dirty="0" smtClean="0">
+                <a:hlinkClick r:id="rId8" action="ppaction://hlinksldjump"/>
+              </a:rPr>
+              <a:t>Overview</a:t>
+            </a:r>
+            <a:endParaRPr lang="en-US" altLang="ja-JP" dirty="0" smtClean="0"/>
+          </a:p>
+          <a:p>
+            <a:pPr marL="800100" lvl="1" indent="-342900">
+              <a:buFont typeface="+mj-lt"/>
+              <a:buAutoNum type="arabicPeriod"/>
+            </a:pPr>
+            <a:r>
+              <a:rPr lang="en-US" altLang="ja-JP" dirty="0" smtClean="0">
+                <a:hlinkClick r:id="rId9" action="ppaction://hlinksldjump"/>
+              </a:rPr>
+              <a:t>Menu overview</a:t>
+            </a:r>
+            <a:endParaRPr lang="en-US" altLang="ja-JP" dirty="0"/>
+          </a:p>
+          <a:p>
+            <a:pPr marL="800100" lvl="1" indent="-342900">
+              <a:buFont typeface="+mj-lt"/>
+              <a:buAutoNum type="arabicPeriod"/>
+            </a:pPr>
+            <a:r>
+              <a:rPr lang="en-US" altLang="ja-JP" dirty="0" smtClean="0">
+                <a:hlinkClick r:id="rId10" action="ppaction://hlinksldjump"/>
+              </a:rPr>
+              <a:t>Work flow</a:t>
+            </a:r>
+            <a:endParaRPr lang="en-US" altLang="ja-JP" dirty="0"/>
+          </a:p>
+          <a:p>
+            <a:pPr marL="800100" lvl="1" indent="-342900">
+              <a:buFont typeface="+mj-lt"/>
+              <a:buAutoNum type="arabicPeriod"/>
+            </a:pPr>
+            <a:r>
+              <a:rPr lang="en-US" altLang="ja-JP" dirty="0" smtClean="0">
+                <a:hlinkClick r:id="rId11" action="ppaction://hlinksldjump"/>
+              </a:rPr>
+              <a:t>Menu description</a:t>
+            </a:r>
+            <a:endParaRPr lang="en-US" altLang="ja-JP" dirty="0"/>
+          </a:p>
+          <a:p>
+            <a:pPr lvl="1"/>
+            <a:endParaRPr lang="en-US" altLang="ja-JP" dirty="0"/>
+          </a:p>
+        </p:txBody>
+      </p:sp>
+    </p:spTree>
+    <p:extLst>
+      <p:ext uri="{BB962C8B-B14F-4D97-AF65-F5344CB8AC3E}">
+        <p14:creationId xmlns:p14="http://schemas.microsoft.com/office/powerpoint/2010/main" val="2091656052"/>
+      </p:ext>
+    </p:extLst>
+  </p:cSld>
+  <p:clrMapOvr>
+    <a:masterClrMapping/>
+  </p:clrMapOvr>
+  <p:timing>
+    <p:tnLst>
+      <p:par>
+        <p:cTn id="1" dur="indefinite" restart="never" nodeType="tmRoot"/>
+      </p:par>
+    </p:tnLst>
+  </p:timing>
+</p:sld>
+</file>
+
+<file path=ppt/slides/slide20.xml><?xml version="1.0" encoding="utf-8"?>
 <p:sld xmlns:a="http://schemas.openxmlformats.org/drawingml/2006/main" xmlns:r="http://schemas.openxmlformats.org/officeDocument/2006/relationships" xmlns:p="http://schemas.openxmlformats.org/presentationml/2006/main">
   <p:cSld>
     <p:spTree>
@@ -17244,7 +23732,7 @@
 </p:sld>
 </file>
 
-<file path=ppt/slides/slide18.xml><?xml version="1.0" encoding="utf-8"?>
+<file path=ppt/slides/slide21.xml><?xml version="1.0" encoding="utf-8"?>
 <p:sld xmlns:a="http://schemas.openxmlformats.org/drawingml/2006/main" xmlns:r="http://schemas.openxmlformats.org/officeDocument/2006/relationships" xmlns:p="http://schemas.openxmlformats.org/presentationml/2006/main">
   <p:cSld>
     <p:spTree>
@@ -17261,6 +23749,139 @@
           <a:chExt cx="0" cy="0"/>
         </a:xfrm>
       </p:grpSpPr>
+      <p:sp>
+        <p:nvSpPr>
+          <p:cNvPr id="10" name="正方形/長方形 9"/>
+          <p:cNvSpPr/>
+          <p:nvPr/>
+        </p:nvSpPr>
+        <p:spPr bwMode="auto">
+          <a:xfrm>
+            <a:off x="1269401" y="4365130"/>
+            <a:ext cx="6975110" cy="1904363"/>
+          </a:xfrm>
+          <a:prstGeom prst="rect">
+            <a:avLst/>
+          </a:prstGeom>
+          <a:noFill/>
+          <a:ln w="28575">
+            <a:solidFill>
+              <a:srgbClr val="FF0000"/>
+            </a:solidFill>
+          </a:ln>
+          <a:effectLst/>
+          <a:extLst/>
+        </p:spPr>
+        <p:txBody>
+          <a:bodyPr rot="0" spcFirstLastPara="0" vert="horz" wrap="none" lIns="72000" tIns="72000" rIns="72000" bIns="72000" numCol="1" spcCol="0" rtlCol="0" fromWordArt="0" anchor="ctr" anchorCtr="0" forceAA="0" compatLnSpc="1">
+            <a:prstTxWarp prst="textNoShape">
+              <a:avLst/>
+            </a:prstTxWarp>
+            <a:noAutofit/>
+          </a:bodyPr>
+          <a:lstStyle>
+            <a:defPPr>
+              <a:defRPr lang="ja-JP"/>
+            </a:defPPr>
+            <a:lvl1pPr marL="0" algn="l" defTabSz="914400" rtl="0" eaLnBrk="1" latinLnBrk="0" hangingPunct="1">
+              <a:defRPr kumimoji="1" sz="1800" kern="1200">
+                <a:solidFill>
+                  <a:schemeClr val="tx1"/>
+                </a:solidFill>
+                <a:latin typeface="+mn-lt"/>
+                <a:ea typeface="+mn-ea"/>
+                <a:cs typeface="+mn-cs"/>
+              </a:defRPr>
+            </a:lvl1pPr>
+            <a:lvl2pPr marL="457200" algn="l" defTabSz="914400" rtl="0" eaLnBrk="1" latinLnBrk="0" hangingPunct="1">
+              <a:defRPr kumimoji="1" sz="1800" kern="1200">
+                <a:solidFill>
+                  <a:schemeClr val="tx1"/>
+                </a:solidFill>
+                <a:latin typeface="+mn-lt"/>
+                <a:ea typeface="+mn-ea"/>
+                <a:cs typeface="+mn-cs"/>
+              </a:defRPr>
+            </a:lvl2pPr>
+            <a:lvl3pPr marL="914400" algn="l" defTabSz="914400" rtl="0" eaLnBrk="1" latinLnBrk="0" hangingPunct="1">
+              <a:defRPr kumimoji="1" sz="1800" kern="1200">
+                <a:solidFill>
+                  <a:schemeClr val="tx1"/>
+                </a:solidFill>
+                <a:latin typeface="+mn-lt"/>
+                <a:ea typeface="+mn-ea"/>
+                <a:cs typeface="+mn-cs"/>
+              </a:defRPr>
+            </a:lvl3pPr>
+            <a:lvl4pPr marL="1371600" algn="l" defTabSz="914400" rtl="0" eaLnBrk="1" latinLnBrk="0" hangingPunct="1">
+              <a:defRPr kumimoji="1" sz="1800" kern="1200">
+                <a:solidFill>
+                  <a:schemeClr val="tx1"/>
+                </a:solidFill>
+                <a:latin typeface="+mn-lt"/>
+                <a:ea typeface="+mn-ea"/>
+                <a:cs typeface="+mn-cs"/>
+              </a:defRPr>
+            </a:lvl4pPr>
+            <a:lvl5pPr marL="1828800" algn="l" defTabSz="914400" rtl="0" eaLnBrk="1" latinLnBrk="0" hangingPunct="1">
+              <a:defRPr kumimoji="1" sz="1800" kern="1200">
+                <a:solidFill>
+                  <a:schemeClr val="tx1"/>
+                </a:solidFill>
+                <a:latin typeface="+mn-lt"/>
+                <a:ea typeface="+mn-ea"/>
+                <a:cs typeface="+mn-cs"/>
+              </a:defRPr>
+            </a:lvl5pPr>
+            <a:lvl6pPr marL="2286000" algn="l" defTabSz="914400" rtl="0" eaLnBrk="1" latinLnBrk="0" hangingPunct="1">
+              <a:defRPr kumimoji="1" sz="1800" kern="1200">
+                <a:solidFill>
+                  <a:schemeClr val="tx1"/>
+                </a:solidFill>
+                <a:latin typeface="+mn-lt"/>
+                <a:ea typeface="+mn-ea"/>
+                <a:cs typeface="+mn-cs"/>
+              </a:defRPr>
+            </a:lvl6pPr>
+            <a:lvl7pPr marL="2743200" algn="l" defTabSz="914400" rtl="0" eaLnBrk="1" latinLnBrk="0" hangingPunct="1">
+              <a:defRPr kumimoji="1" sz="1800" kern="1200">
+                <a:solidFill>
+                  <a:schemeClr val="tx1"/>
+                </a:solidFill>
+                <a:latin typeface="+mn-lt"/>
+                <a:ea typeface="+mn-ea"/>
+                <a:cs typeface="+mn-cs"/>
+              </a:defRPr>
+            </a:lvl7pPr>
+            <a:lvl8pPr marL="3200400" algn="l" defTabSz="914400" rtl="0" eaLnBrk="1" latinLnBrk="0" hangingPunct="1">
+              <a:defRPr kumimoji="1" sz="1800" kern="1200">
+                <a:solidFill>
+                  <a:schemeClr val="tx1"/>
+                </a:solidFill>
+                <a:latin typeface="+mn-lt"/>
+                <a:ea typeface="+mn-ea"/>
+                <a:cs typeface="+mn-cs"/>
+              </a:defRPr>
+            </a:lvl8pPr>
+            <a:lvl9pPr marL="3657600" algn="l" defTabSz="914400" rtl="0" eaLnBrk="1" latinLnBrk="0" hangingPunct="1">
+              <a:defRPr kumimoji="1" sz="1800" kern="1200">
+                <a:solidFill>
+                  <a:schemeClr val="tx1"/>
+                </a:solidFill>
+                <a:latin typeface="+mn-lt"/>
+                <a:ea typeface="+mn-ea"/>
+                <a:cs typeface="+mn-cs"/>
+              </a:defRPr>
+            </a:lvl9pPr>
+          </a:lstStyle>
+          <a:p>
+            <a:pPr algn="ctr"/>
+            <a:endParaRPr kumimoji="1" lang="ja-JP" altLang="en-US" b="1" dirty="0" smtClean="0">
+              <a:latin typeface="+mn-ea"/>
+            </a:endParaRPr>
+          </a:p>
+        </p:txBody>
+      </p:sp>
       <p:pic>
         <p:nvPicPr>
           <p:cNvPr id="5" name="図 4"/>
@@ -17285,6 +23906,160 @@
           </a:prstGeom>
         </p:spPr>
       </p:pic>
+      <p:sp>
+        <p:nvSpPr>
+          <p:cNvPr id="18" name="四角形: 角を丸くする 20">
+            <a:extLst>
+              <a:ext uri="{FF2B5EF4-FFF2-40B4-BE49-F238E27FC236}">
+                <a16:creationId xmlns:a16="http://schemas.microsoft.com/office/drawing/2014/main" id="{4714C7B0-3A9A-4CF8-AD10-0B91F666C6D6}"/>
+              </a:ext>
+            </a:extLst>
+          </p:cNvPr>
+          <p:cNvSpPr/>
+          <p:nvPr/>
+        </p:nvSpPr>
+        <p:spPr bwMode="auto">
+          <a:xfrm>
+            <a:off x="98953" y="5529356"/>
+            <a:ext cx="4185008" cy="983863"/>
+          </a:xfrm>
+          <a:prstGeom prst="roundRect">
+            <a:avLst/>
+          </a:prstGeom>
+          <a:solidFill>
+            <a:schemeClr val="bg1"/>
+          </a:solidFill>
+          <a:ln w="19050">
+            <a:solidFill>
+              <a:srgbClr val="C00000"/>
+            </a:solidFill>
+          </a:ln>
+          <a:effectLst/>
+        </p:spPr>
+        <p:txBody>
+          <a:bodyPr rot="0" spcFirstLastPara="0" vertOverflow="overflow" horzOverflow="overflow" vert="horz" wrap="none" lIns="72000" tIns="72000" rIns="72000" bIns="72000" numCol="1" spcCol="0" rtlCol="0" fromWordArt="0" anchor="ctr" anchorCtr="0" forceAA="0" compatLnSpc="1">
+            <a:prstTxWarp prst="textNoShape">
+              <a:avLst/>
+            </a:prstTxWarp>
+            <a:noAutofit/>
+          </a:bodyPr>
+          <a:lstStyle/>
+          <a:p>
+            <a:r>
+              <a:rPr lang="en-US" altLang="ja-JP" sz="900" dirty="0" smtClean="0">
+                <a:latin typeface="+mn-ea"/>
+              </a:rPr>
+              <a:t>The </a:t>
+            </a:r>
+            <a:r>
+              <a:rPr lang="en-US" altLang="ja-JP" sz="900" b="1" dirty="0">
+                <a:latin typeface="+mn-ea"/>
+              </a:rPr>
+              <a:t>"MENU_LIST.txt"</a:t>
+            </a:r>
+            <a:r>
+              <a:rPr lang="en-US" altLang="ja-JP" sz="900" dirty="0">
+                <a:latin typeface="+mn-ea"/>
+              </a:rPr>
+              <a:t> file contains the file </a:t>
+            </a:r>
+            <a:r>
+              <a:rPr lang="en-US" altLang="ja-JP" sz="900" dirty="0" smtClean="0">
+                <a:latin typeface="+mn-ea"/>
+              </a:rPr>
+              <a:t>names</a:t>
+            </a:r>
+            <a:r>
+              <a:rPr lang="en-US" altLang="ja-JP" sz="900" b="1" dirty="0" smtClean="0">
+                <a:latin typeface="+mn-ea"/>
+              </a:rPr>
+              <a:t/>
+            </a:r>
+            <a:br>
+              <a:rPr lang="en-US" altLang="ja-JP" sz="900" b="1" dirty="0" smtClean="0">
+                <a:latin typeface="+mn-ea"/>
+              </a:rPr>
+            </a:br>
+            <a:r>
+              <a:rPr lang="en-US" altLang="ja-JP" sz="900" dirty="0" smtClean="0">
+                <a:latin typeface="+mn-ea"/>
+              </a:rPr>
+              <a:t> </a:t>
+            </a:r>
+            <a:r>
+              <a:rPr lang="en-US" altLang="ja-JP" sz="900" dirty="0">
+                <a:latin typeface="+mn-ea"/>
+              </a:rPr>
+              <a:t>of the menus when exported</a:t>
+            </a:r>
+            <a:r>
+              <a:rPr lang="en-US" altLang="ja-JP" sz="900" dirty="0" smtClean="0">
+                <a:latin typeface="+mn-ea"/>
+              </a:rPr>
+              <a:t>.</a:t>
+            </a:r>
+            <a:br>
+              <a:rPr lang="en-US" altLang="ja-JP" sz="900" dirty="0" smtClean="0">
+                <a:latin typeface="+mn-ea"/>
+              </a:rPr>
+            </a:br>
+            <a:r>
+              <a:rPr lang="en-US" altLang="ja-JP" sz="900" dirty="0" smtClean="0">
+                <a:latin typeface="+mn-ea"/>
+              </a:rPr>
+              <a:t>When </a:t>
+            </a:r>
+            <a:r>
+              <a:rPr lang="en-US" altLang="ja-JP" sz="900" dirty="0">
+                <a:latin typeface="+mn-ea"/>
+              </a:rPr>
+              <a:t>importing, the files written </a:t>
+            </a:r>
+            <a:r>
+              <a:rPr lang="en-US" altLang="ja-JP" sz="900" dirty="0" smtClean="0">
+                <a:latin typeface="+mn-ea"/>
+              </a:rPr>
+              <a:t>in</a:t>
+            </a:r>
+            <a:br>
+              <a:rPr lang="en-US" altLang="ja-JP" sz="900" dirty="0" smtClean="0">
+                <a:latin typeface="+mn-ea"/>
+              </a:rPr>
+            </a:br>
+            <a:r>
+              <a:rPr lang="en-US" altLang="ja-JP" sz="900" dirty="0" smtClean="0">
+                <a:latin typeface="+mn-ea"/>
+              </a:rPr>
+              <a:t>the </a:t>
+            </a:r>
+            <a:r>
+              <a:rPr lang="en-US" altLang="ja-JP" sz="900" dirty="0">
+                <a:latin typeface="+mn-ea"/>
+              </a:rPr>
+              <a:t>"MENU_LIST.txt" file are imported starting from the top of the list.</a:t>
+            </a:r>
+            <a:endParaRPr lang="en-US" altLang="ja-JP" sz="900" dirty="0" smtClean="0">
+              <a:latin typeface="+mn-ea"/>
+            </a:endParaRPr>
+          </a:p>
+          <a:p>
+            <a:endParaRPr lang="en-US" altLang="ja-JP" sz="300" dirty="0">
+              <a:latin typeface="+mn-ea"/>
+            </a:endParaRPr>
+          </a:p>
+          <a:p>
+            <a:r>
+              <a:rPr lang="en-US" altLang="ja-JP" sz="900" dirty="0" smtClean="0">
+                <a:latin typeface="+mn-ea"/>
+              </a:rPr>
+              <a:t>See the User manual for more information.</a:t>
+            </a:r>
+            <a:endParaRPr kumimoji="1" lang="en-US" altLang="ja-JP" sz="900" dirty="0">
+              <a:latin typeface="+mn-ea"/>
+            </a:endParaRPr>
+          </a:p>
+        </p:txBody>
+      </p:sp>
       <p:pic>
         <p:nvPicPr>
           <p:cNvPr id="12" name="図 11"/>
@@ -17303,30 +24078,6 @@
           <a:xfrm>
             <a:off x="822069" y="1459213"/>
             <a:ext cx="7399232" cy="1362262"/>
-          </a:xfrm>
-          <a:prstGeom prst="rect">
-            <a:avLst/>
-          </a:prstGeom>
-        </p:spPr>
-      </p:pic>
-      <p:pic>
-        <p:nvPicPr>
-          <p:cNvPr id="15" name="図 14"/>
-          <p:cNvPicPr>
-            <a:picLocks noChangeAspect="1"/>
-          </p:cNvPicPr>
-          <p:nvPr/>
-        </p:nvPicPr>
-        <p:blipFill>
-          <a:blip r:embed="rId4"/>
-          <a:stretch>
-            <a:fillRect/>
-          </a:stretch>
-        </p:blipFill>
-        <p:spPr>
-          <a:xfrm>
-            <a:off x="-365118" y="2191279"/>
-            <a:ext cx="3962400" cy="2133600"/>
           </a:xfrm>
           <a:prstGeom prst="rect">
             <a:avLst/>
@@ -17472,139 +24223,6 @@
       </p:sp>
       <p:sp>
         <p:nvSpPr>
-          <p:cNvPr id="10" name="正方形/長方形 9"/>
-          <p:cNvSpPr/>
-          <p:nvPr/>
-        </p:nvSpPr>
-        <p:spPr bwMode="auto">
-          <a:xfrm>
-            <a:off x="1269401" y="4365130"/>
-            <a:ext cx="6975110" cy="1904363"/>
-          </a:xfrm>
-          <a:prstGeom prst="rect">
-            <a:avLst/>
-          </a:prstGeom>
-          <a:noFill/>
-          <a:ln w="28575">
-            <a:solidFill>
-              <a:srgbClr val="FF0000"/>
-            </a:solidFill>
-          </a:ln>
-          <a:effectLst/>
-          <a:extLst/>
-        </p:spPr>
-        <p:txBody>
-          <a:bodyPr rot="0" spcFirstLastPara="0" vert="horz" wrap="none" lIns="72000" tIns="72000" rIns="72000" bIns="72000" numCol="1" spcCol="0" rtlCol="0" fromWordArt="0" anchor="ctr" anchorCtr="0" forceAA="0" compatLnSpc="1">
-            <a:prstTxWarp prst="textNoShape">
-              <a:avLst/>
-            </a:prstTxWarp>
-            <a:noAutofit/>
-          </a:bodyPr>
-          <a:lstStyle>
-            <a:defPPr>
-              <a:defRPr lang="ja-JP"/>
-            </a:defPPr>
-            <a:lvl1pPr marL="0" algn="l" defTabSz="914400" rtl="0" eaLnBrk="1" latinLnBrk="0" hangingPunct="1">
-              <a:defRPr kumimoji="1" sz="1800" kern="1200">
-                <a:solidFill>
-                  <a:schemeClr val="tx1"/>
-                </a:solidFill>
-                <a:latin typeface="+mn-lt"/>
-                <a:ea typeface="+mn-ea"/>
-                <a:cs typeface="+mn-cs"/>
-              </a:defRPr>
-            </a:lvl1pPr>
-            <a:lvl2pPr marL="457200" algn="l" defTabSz="914400" rtl="0" eaLnBrk="1" latinLnBrk="0" hangingPunct="1">
-              <a:defRPr kumimoji="1" sz="1800" kern="1200">
-                <a:solidFill>
-                  <a:schemeClr val="tx1"/>
-                </a:solidFill>
-                <a:latin typeface="+mn-lt"/>
-                <a:ea typeface="+mn-ea"/>
-                <a:cs typeface="+mn-cs"/>
-              </a:defRPr>
-            </a:lvl2pPr>
-            <a:lvl3pPr marL="914400" algn="l" defTabSz="914400" rtl="0" eaLnBrk="1" latinLnBrk="0" hangingPunct="1">
-              <a:defRPr kumimoji="1" sz="1800" kern="1200">
-                <a:solidFill>
-                  <a:schemeClr val="tx1"/>
-                </a:solidFill>
-                <a:latin typeface="+mn-lt"/>
-                <a:ea typeface="+mn-ea"/>
-                <a:cs typeface="+mn-cs"/>
-              </a:defRPr>
-            </a:lvl3pPr>
-            <a:lvl4pPr marL="1371600" algn="l" defTabSz="914400" rtl="0" eaLnBrk="1" latinLnBrk="0" hangingPunct="1">
-              <a:defRPr kumimoji="1" sz="1800" kern="1200">
-                <a:solidFill>
-                  <a:schemeClr val="tx1"/>
-                </a:solidFill>
-                <a:latin typeface="+mn-lt"/>
-                <a:ea typeface="+mn-ea"/>
-                <a:cs typeface="+mn-cs"/>
-              </a:defRPr>
-            </a:lvl4pPr>
-            <a:lvl5pPr marL="1828800" algn="l" defTabSz="914400" rtl="0" eaLnBrk="1" latinLnBrk="0" hangingPunct="1">
-              <a:defRPr kumimoji="1" sz="1800" kern="1200">
-                <a:solidFill>
-                  <a:schemeClr val="tx1"/>
-                </a:solidFill>
-                <a:latin typeface="+mn-lt"/>
-                <a:ea typeface="+mn-ea"/>
-                <a:cs typeface="+mn-cs"/>
-              </a:defRPr>
-            </a:lvl5pPr>
-            <a:lvl6pPr marL="2286000" algn="l" defTabSz="914400" rtl="0" eaLnBrk="1" latinLnBrk="0" hangingPunct="1">
-              <a:defRPr kumimoji="1" sz="1800" kern="1200">
-                <a:solidFill>
-                  <a:schemeClr val="tx1"/>
-                </a:solidFill>
-                <a:latin typeface="+mn-lt"/>
-                <a:ea typeface="+mn-ea"/>
-                <a:cs typeface="+mn-cs"/>
-              </a:defRPr>
-            </a:lvl6pPr>
-            <a:lvl7pPr marL="2743200" algn="l" defTabSz="914400" rtl="0" eaLnBrk="1" latinLnBrk="0" hangingPunct="1">
-              <a:defRPr kumimoji="1" sz="1800" kern="1200">
-                <a:solidFill>
-                  <a:schemeClr val="tx1"/>
-                </a:solidFill>
-                <a:latin typeface="+mn-lt"/>
-                <a:ea typeface="+mn-ea"/>
-                <a:cs typeface="+mn-cs"/>
-              </a:defRPr>
-            </a:lvl7pPr>
-            <a:lvl8pPr marL="3200400" algn="l" defTabSz="914400" rtl="0" eaLnBrk="1" latinLnBrk="0" hangingPunct="1">
-              <a:defRPr kumimoji="1" sz="1800" kern="1200">
-                <a:solidFill>
-                  <a:schemeClr val="tx1"/>
-                </a:solidFill>
-                <a:latin typeface="+mn-lt"/>
-                <a:ea typeface="+mn-ea"/>
-                <a:cs typeface="+mn-cs"/>
-              </a:defRPr>
-            </a:lvl8pPr>
-            <a:lvl9pPr marL="3657600" algn="l" defTabSz="914400" rtl="0" eaLnBrk="1" latinLnBrk="0" hangingPunct="1">
-              <a:defRPr kumimoji="1" sz="1800" kern="1200">
-                <a:solidFill>
-                  <a:schemeClr val="tx1"/>
-                </a:solidFill>
-                <a:latin typeface="+mn-lt"/>
-                <a:ea typeface="+mn-ea"/>
-                <a:cs typeface="+mn-cs"/>
-              </a:defRPr>
-            </a:lvl9pPr>
-          </a:lstStyle>
-          <a:p>
-            <a:pPr algn="ctr"/>
-            <a:endParaRPr kumimoji="1" lang="ja-JP" altLang="en-US" b="1" dirty="0" smtClean="0">
-              <a:latin typeface="+mn-ea"/>
-            </a:endParaRPr>
-          </a:p>
-        </p:txBody>
-      </p:sp>
-      <p:sp>
-        <p:nvSpPr>
           <p:cNvPr id="11" name="線吹き出し 1 (枠付き) 10"/>
           <p:cNvSpPr/>
           <p:nvPr/>
@@ -17868,6 +24486,189 @@
           </a:p>
         </p:txBody>
       </p:sp>
+      <p:sp>
+        <p:nvSpPr>
+          <p:cNvPr id="17" name="円形吹き出し 20">
+            <a:extLst>
+              <a:ext uri="{FF2B5EF4-FFF2-40B4-BE49-F238E27FC236}">
+                <a16:creationId xmlns:a16="http://schemas.microsoft.com/office/drawing/2014/main" id="{E8AD05B0-3F74-4EC9-8DDE-3637408A8729}"/>
+              </a:ext>
+            </a:extLst>
+          </p:cNvPr>
+          <p:cNvSpPr/>
+          <p:nvPr/>
+        </p:nvSpPr>
+        <p:spPr bwMode="auto">
+          <a:xfrm>
+            <a:off x="17512" y="5286600"/>
+            <a:ext cx="324000" cy="324000"/>
+          </a:xfrm>
+          <a:prstGeom prst="wedgeEllipseCallout">
+            <a:avLst>
+              <a:gd name="adj1" fmla="val -47172"/>
+              <a:gd name="adj2" fmla="val -125"/>
+            </a:avLst>
+          </a:prstGeom>
+          <a:solidFill>
+            <a:srgbClr val="C00000"/>
+          </a:solidFill>
+          <a:ln w="28575">
+            <a:noFill/>
+          </a:ln>
+          <a:effectLst/>
+        </p:spPr>
+        <p:style>
+          <a:lnRef idx="3">
+            <a:schemeClr val="lt1"/>
+          </a:lnRef>
+          <a:fillRef idx="1">
+            <a:schemeClr val="accent2"/>
+          </a:fillRef>
+          <a:effectRef idx="1">
+            <a:schemeClr val="accent2"/>
+          </a:effectRef>
+          <a:fontRef idx="minor">
+            <a:schemeClr val="lt1"/>
+          </a:fontRef>
+        </p:style>
+        <p:txBody>
+          <a:bodyPr rot="0" spcFirstLastPara="0" vertOverflow="overflow" horzOverflow="overflow" vert="horz" wrap="none" lIns="72000" tIns="72000" rIns="72000" bIns="72000" numCol="1" spcCol="0" rtlCol="0" fromWordArt="0" anchor="ctr" anchorCtr="1" forceAA="0" compatLnSpc="1">
+            <a:prstTxWarp prst="textNoShape">
+              <a:avLst/>
+            </a:prstTxWarp>
+            <a:noAutofit/>
+          </a:bodyPr>
+          <a:lstStyle/>
+          <a:p>
+            <a:pPr algn="ctr"/>
+            <a:r>
+              <a:rPr lang="en-US" altLang="ja-JP" sz="800" b="1" dirty="0">
+                <a:latin typeface="+mn-ea"/>
+              </a:rPr>
+              <a:t>Point</a:t>
+            </a:r>
+            <a:endParaRPr kumimoji="1" lang="ja-JP" altLang="en-US" sz="800" b="1" dirty="0">
+              <a:latin typeface="+mn-ea"/>
+            </a:endParaRPr>
+          </a:p>
+        </p:txBody>
+      </p:sp>
+      <p:pic>
+        <p:nvPicPr>
+          <p:cNvPr id="4" name="図 3"/>
+          <p:cNvPicPr>
+            <a:picLocks noChangeAspect="1"/>
+          </p:cNvPicPr>
+          <p:nvPr/>
+        </p:nvPicPr>
+        <p:blipFill>
+          <a:blip r:embed="rId4"/>
+          <a:stretch>
+            <a:fillRect/>
+          </a:stretch>
+        </p:blipFill>
+        <p:spPr>
+          <a:xfrm>
+            <a:off x="-36640" y="2112413"/>
+            <a:ext cx="2781300" cy="3067050"/>
+          </a:xfrm>
+          <a:prstGeom prst="rect">
+            <a:avLst/>
+          </a:prstGeom>
+        </p:spPr>
+      </p:pic>
+      <p:sp>
+        <p:nvSpPr>
+          <p:cNvPr id="19" name="正方形/長方形 18">
+            <a:extLst>
+              <a:ext uri="{FF2B5EF4-FFF2-40B4-BE49-F238E27FC236}">
+                <a16:creationId xmlns:a16="http://schemas.microsoft.com/office/drawing/2014/main" id="{194955E1-8629-460C-84A8-58F06A4AAF5D}"/>
+              </a:ext>
+            </a:extLst>
+          </p:cNvPr>
+          <p:cNvSpPr/>
+          <p:nvPr/>
+        </p:nvSpPr>
+        <p:spPr bwMode="auto">
+          <a:xfrm>
+            <a:off x="17512" y="4725181"/>
+            <a:ext cx="1107870" cy="223317"/>
+          </a:xfrm>
+          <a:prstGeom prst="rect">
+            <a:avLst/>
+          </a:prstGeom>
+          <a:noFill/>
+          <a:ln w="19050">
+            <a:solidFill>
+              <a:srgbClr val="FF0000"/>
+            </a:solidFill>
+          </a:ln>
+          <a:effectLst/>
+        </p:spPr>
+        <p:txBody>
+          <a:bodyPr rot="0" spcFirstLastPara="0" vertOverflow="overflow" horzOverflow="overflow" vert="horz" wrap="none" lIns="72000" tIns="72000" rIns="72000" bIns="72000" numCol="1" spcCol="0" rtlCol="0" fromWordArt="0" anchor="ctr" anchorCtr="0" forceAA="0" compatLnSpc="1">
+            <a:prstTxWarp prst="textNoShape">
+              <a:avLst/>
+            </a:prstTxWarp>
+            <a:noAutofit/>
+          </a:bodyPr>
+          <a:lstStyle/>
+          <a:p>
+            <a:pPr algn="ctr"/>
+            <a:endParaRPr kumimoji="1" lang="ja-JP" altLang="en-US" b="1" dirty="0">
+              <a:latin typeface="+mn-ea"/>
+            </a:endParaRPr>
+          </a:p>
+        </p:txBody>
+      </p:sp>
+      <p:cxnSp>
+        <p:nvCxnSpPr>
+          <p:cNvPr id="20" name="直線コネクタ 19">
+            <a:extLst>
+              <a:ext uri="{FF2B5EF4-FFF2-40B4-BE49-F238E27FC236}">
+                <a16:creationId xmlns:a16="http://schemas.microsoft.com/office/drawing/2014/main" id="{08560C2C-3BFD-491D-8E60-68D08265B1C8}"/>
+              </a:ext>
+            </a:extLst>
+          </p:cNvPr>
+          <p:cNvCxnSpPr/>
+          <p:nvPr/>
+        </p:nvCxnSpPr>
+        <p:spPr bwMode="auto">
+          <a:xfrm flipH="1" flipV="1">
+            <a:off x="557664" y="4948498"/>
+            <a:ext cx="345191" cy="590377"/>
+          </a:xfrm>
+          <a:prstGeom prst="line">
+            <a:avLst/>
+          </a:prstGeom>
+          <a:solidFill>
+            <a:schemeClr val="bg1"/>
+          </a:solidFill>
+          <a:ln w="19050" cap="rnd" cmpd="sng" algn="ctr">
+            <a:solidFill>
+              <a:srgbClr val="C00000"/>
+            </a:solidFill>
+            <a:prstDash val="solid"/>
+            <a:round/>
+            <a:headEnd type="oval" w="med" len="med"/>
+            <a:tailEnd type="oval" w="med" len="med"/>
+          </a:ln>
+          <a:effectLst/>
+          <a:extLst>
+            <a:ext uri="{AF507438-7753-43E0-B8FC-AC1667EBCBE1}">
+              <a14:hiddenEffects xmlns:a14="http://schemas.microsoft.com/office/drawing/2010/main">
+                <a:effectLst>
+                  <a:outerShdw dist="35921" dir="2700000" algn="ctr" rotWithShape="0">
+                    <a:schemeClr val="tx1">
+                      <a:alpha val="50000"/>
+                    </a:schemeClr>
+                  </a:outerShdw>
+                </a:effectLst>
+              </a14:hiddenEffects>
+            </a:ext>
+          </a:extLst>
+        </p:spPr>
+      </p:cxnSp>
     </p:spTree>
     <p:extLst>
       <p:ext uri="{BB962C8B-B14F-4D97-AF65-F5344CB8AC3E}">
@@ -17888,7 +24689,7 @@
 </p:sld>
 </file>
 
-<file path=ppt/slides/slide19.xml><?xml version="1.0" encoding="utf-8"?>
+<file path=ppt/slides/slide22.xml><?xml version="1.0" encoding="utf-8"?>
 <p:sld xmlns:a="http://schemas.openxmlformats.org/drawingml/2006/main" xmlns:r="http://schemas.openxmlformats.org/officeDocument/2006/relationships" xmlns:p="http://schemas.openxmlformats.org/presentationml/2006/main">
   <p:cSld>
     <p:spTree>
@@ -19166,282 +25967,7 @@
 </p:sld>
 </file>
 
-<file path=ppt/slides/slide2.xml><?xml version="1.0" encoding="utf-8"?>
-<p:sld xmlns:a="http://schemas.openxmlformats.org/drawingml/2006/main" xmlns:r="http://schemas.openxmlformats.org/officeDocument/2006/relationships" xmlns:p="http://schemas.openxmlformats.org/presentationml/2006/main">
-  <p:cSld>
-    <p:spTree>
-      <p:nvGrpSpPr>
-        <p:cNvPr id="1" name=""/>
-        <p:cNvGrpSpPr/>
-        <p:nvPr/>
-      </p:nvGrpSpPr>
-      <p:grpSpPr>
-        <a:xfrm>
-          <a:off x="0" y="0"/>
-          <a:ext cx="0" cy="0"/>
-          <a:chOff x="0" y="0"/>
-          <a:chExt cx="0" cy="0"/>
-        </a:xfrm>
-      </p:grpSpPr>
-      <p:sp>
-        <p:nvSpPr>
-          <p:cNvPr id="2" name="タイトル 1"/>
-          <p:cNvSpPr>
-            <a:spLocks noGrp="1"/>
-          </p:cNvSpPr>
-          <p:nvPr>
-            <p:ph type="title"/>
-          </p:nvPr>
-        </p:nvSpPr>
-        <p:spPr>
-          <a:xfrm>
-            <a:off x="1619590" y="502967"/>
-            <a:ext cx="2880400" cy="405683"/>
-          </a:xfrm>
-        </p:spPr>
-        <p:txBody>
-          <a:bodyPr/>
-          <a:lstStyle/>
-          <a:p>
-            <a:r>
-              <a:rPr lang="en-US" altLang="ja-JP" dirty="0"/>
-              <a:t>Table of contents</a:t>
-            </a:r>
-            <a:endParaRPr kumimoji="1" lang="ja-JP" altLang="en-US" dirty="0"/>
-          </a:p>
-        </p:txBody>
-      </p:sp>
-      <p:sp>
-        <p:nvSpPr>
-          <p:cNvPr id="4" name="正方形/長方形 3"/>
-          <p:cNvSpPr/>
-          <p:nvPr/>
-        </p:nvSpPr>
-        <p:spPr bwMode="auto">
-          <a:xfrm>
-            <a:off x="1619590" y="908650"/>
-            <a:ext cx="5976830" cy="5400750"/>
-          </a:xfrm>
-          <a:prstGeom prst="rect">
-            <a:avLst/>
-          </a:prstGeom>
-          <a:noFill/>
-          <a:ln w="12700">
-            <a:noFill/>
-          </a:ln>
-          <a:effectLst/>
-          <a:extLst/>
-        </p:spPr>
-        <p:txBody>
-          <a:bodyPr rot="0" spcFirstLastPara="0" vertOverflow="overflow" horzOverflow="overflow" vert="horz" wrap="none" lIns="72000" tIns="72000" rIns="72000" bIns="72000" numCol="1" spcCol="0" rtlCol="0" fromWordArt="0" anchor="t" anchorCtr="0" forceAA="0" compatLnSpc="1">
-            <a:prstTxWarp prst="textNoShape">
-              <a:avLst/>
-            </a:prstTxWarp>
-            <a:noAutofit/>
-          </a:bodyPr>
-          <a:lstStyle/>
-          <a:p>
-            <a:pPr marL="342900" indent="-342900">
-              <a:buFont typeface="+mj-lt"/>
-              <a:buAutoNum type="arabicPeriod"/>
-            </a:pPr>
-            <a:r>
-              <a:rPr lang="en-US" altLang="ja-JP" dirty="0" smtClean="0"/>
-              <a:t>Introductio</a:t>
-            </a:r>
-            <a:r>
-              <a:rPr lang="en-US" altLang="ja-JP" dirty="0"/>
-              <a:t>n</a:t>
-            </a:r>
-            <a:br>
-              <a:rPr lang="en-US" altLang="ja-JP" dirty="0"/>
-            </a:br>
-            <a:r>
-              <a:rPr lang="en-US" altLang="ja-JP" dirty="0"/>
-              <a:t>1.</a:t>
-            </a:r>
-            <a:r>
-              <a:rPr lang="ja-JP" altLang="en-US" dirty="0"/>
-              <a:t> </a:t>
-            </a:r>
-            <a:r>
-              <a:rPr lang="en-US" altLang="ja-JP" dirty="0" smtClean="0">
-                <a:hlinkClick r:id="rId2" action="ppaction://hlinksldjump"/>
-              </a:rPr>
-              <a:t>Introduction</a:t>
-            </a:r>
-            <a:r>
-              <a:rPr lang="en-US" altLang="ja-JP" dirty="0">
-                <a:hlinkClick r:id="rId2" action="ppaction://hlinksldjump"/>
-              </a:rPr>
-              <a:t/>
-            </a:r>
-            <a:br>
-              <a:rPr lang="en-US" altLang="ja-JP" dirty="0">
-                <a:hlinkClick r:id="rId2" action="ppaction://hlinksldjump"/>
-              </a:rPr>
-            </a:br>
-            <a:endParaRPr lang="en-US" altLang="ja-JP" dirty="0"/>
-          </a:p>
-          <a:p>
-            <a:pPr marL="342900" indent="-342900">
-              <a:buFont typeface="+mj-lt"/>
-              <a:buAutoNum type="arabicPeriod"/>
-            </a:pPr>
-            <a:r>
-              <a:rPr lang="en-US" altLang="ja-JP" dirty="0" smtClean="0"/>
-              <a:t>Export/Import function</a:t>
-            </a:r>
-            <a:endParaRPr lang="en-US" altLang="ja-JP" dirty="0"/>
-          </a:p>
-          <a:p>
-            <a:pPr marL="800100" lvl="1" indent="-342900">
-              <a:buFont typeface="+mj-lt"/>
-              <a:buAutoNum type="arabicPeriod"/>
-            </a:pPr>
-            <a:r>
-              <a:rPr lang="en-US" altLang="ja-JP" dirty="0" smtClean="0">
-                <a:hlinkClick r:id="rId3" action="ppaction://hlinksldjump"/>
-              </a:rPr>
-              <a:t>Overview</a:t>
-            </a:r>
-            <a:endParaRPr lang="en-US" altLang="ja-JP" dirty="0"/>
-          </a:p>
-          <a:p>
-            <a:pPr marL="800100" lvl="1" indent="-342900">
-              <a:buFont typeface="+mj-lt"/>
-              <a:buAutoNum type="arabicPeriod"/>
-            </a:pPr>
-            <a:r>
-              <a:rPr lang="en-US" altLang="ja-JP" dirty="0" smtClean="0">
-                <a:hlinkClick r:id="rId4" action="ppaction://hlinksldjump"/>
-              </a:rPr>
-              <a:t>Menu overview</a:t>
-            </a:r>
-            <a:endParaRPr lang="en-US" altLang="ja-JP" dirty="0"/>
-          </a:p>
-          <a:p>
-            <a:pPr marL="800100" lvl="1" indent="-342900">
-              <a:buFont typeface="+mj-lt"/>
-              <a:buAutoNum type="arabicPeriod"/>
-            </a:pPr>
-            <a:r>
-              <a:rPr lang="en-US" altLang="ja-JP" dirty="0" smtClean="0">
-                <a:hlinkClick r:id="rId5" action="ppaction://hlinksldjump"/>
-              </a:rPr>
-              <a:t>Work flow</a:t>
-            </a:r>
-            <a:endParaRPr lang="en-US" altLang="ja-JP" dirty="0"/>
-          </a:p>
-          <a:p>
-            <a:pPr marL="800100" lvl="1" indent="-342900">
-              <a:buFont typeface="+mj-lt"/>
-              <a:buAutoNum type="arabicPeriod"/>
-            </a:pPr>
-            <a:r>
-              <a:rPr lang="en-US" altLang="ja-JP" dirty="0" smtClean="0">
-                <a:hlinkClick r:id="rId6" action="ppaction://hlinksldjump"/>
-              </a:rPr>
-              <a:t>Menu description</a:t>
-            </a:r>
-            <a:endParaRPr lang="en-US" altLang="ja-JP" dirty="0"/>
-          </a:p>
-          <a:p>
-            <a:endParaRPr lang="en-US" altLang="ja-JP" dirty="0"/>
-          </a:p>
-          <a:p>
-            <a:r>
-              <a:rPr lang="en-US" altLang="ja-JP" dirty="0" smtClean="0"/>
-              <a:t>3.  Excel</a:t>
-            </a:r>
-            <a:r>
-              <a:rPr lang="ja-JP" altLang="en-US" dirty="0"/>
-              <a:t> </a:t>
-            </a:r>
-            <a:r>
-              <a:rPr lang="en-US" altLang="ja-JP" dirty="0" smtClean="0"/>
-              <a:t>bulk export/import function</a:t>
-            </a:r>
-          </a:p>
-          <a:p>
-            <a:pPr marL="800100" lvl="1" indent="-342900">
-              <a:buFont typeface="+mj-lt"/>
-              <a:buAutoNum type="arabicPeriod"/>
-            </a:pPr>
-            <a:r>
-              <a:rPr lang="en-US" altLang="ja-JP" dirty="0" smtClean="0">
-                <a:hlinkClick r:id="rId7" action="ppaction://hlinksldjump"/>
-              </a:rPr>
-              <a:t>Overview</a:t>
-            </a:r>
-            <a:endParaRPr lang="en-US" altLang="ja-JP" dirty="0" smtClean="0"/>
-          </a:p>
-          <a:p>
-            <a:pPr marL="800100" lvl="1" indent="-342900">
-              <a:buFont typeface="+mj-lt"/>
-              <a:buAutoNum type="arabicPeriod"/>
-            </a:pPr>
-            <a:r>
-              <a:rPr lang="en-US" altLang="ja-JP" dirty="0" smtClean="0">
-                <a:hlinkClick r:id="rId8" action="ppaction://hlinksldjump"/>
-              </a:rPr>
-              <a:t>Menu overview</a:t>
-            </a:r>
-            <a:endParaRPr lang="en-US" altLang="ja-JP" dirty="0"/>
-          </a:p>
-          <a:p>
-            <a:pPr marL="800100" lvl="1" indent="-342900">
-              <a:buFont typeface="+mj-lt"/>
-              <a:buAutoNum type="arabicPeriod"/>
-            </a:pPr>
-            <a:r>
-              <a:rPr lang="en-US" altLang="ja-JP" dirty="0" smtClean="0">
-                <a:hlinkClick r:id="rId9" action="ppaction://hlinksldjump"/>
-              </a:rPr>
-              <a:t>Work flow</a:t>
-            </a:r>
-            <a:endParaRPr lang="en-US" altLang="ja-JP" dirty="0"/>
-          </a:p>
-          <a:p>
-            <a:pPr marL="800100" lvl="1" indent="-342900">
-              <a:buFont typeface="+mj-lt"/>
-              <a:buAutoNum type="arabicPeriod"/>
-            </a:pPr>
-            <a:r>
-              <a:rPr lang="en-US" altLang="ja-JP" dirty="0" smtClean="0">
-                <a:hlinkClick r:id="rId10" action="ppaction://hlinksldjump"/>
-              </a:rPr>
-              <a:t>Menu description</a:t>
-            </a:r>
-            <a:endParaRPr lang="en-US" altLang="ja-JP" dirty="0"/>
-          </a:p>
-          <a:p>
-            <a:pPr lvl="1"/>
-            <a:endParaRPr lang="en-US" altLang="ja-JP" dirty="0"/>
-          </a:p>
-        </p:txBody>
-      </p:sp>
-    </p:spTree>
-    <p:extLst>
-      <p:ext uri="{BB962C8B-B14F-4D97-AF65-F5344CB8AC3E}">
-        <p14:creationId xmlns:p14="http://schemas.microsoft.com/office/powerpoint/2010/main" val="2091656052"/>
-      </p:ext>
-    </p:extLst>
-  </p:cSld>
-  <p:clrMapOvr>
-    <a:masterClrMapping/>
-  </p:clrMapOvr>
-  <p:timing>
-    <p:tnLst>
-      <p:par>
-        <p:cTn id="1" dur="indefinite" restart="never" nodeType="tmRoot"/>
-      </p:par>
-    </p:tnLst>
-  </p:timing>
-</p:sld>
-</file>
-
-<file path=ppt/slides/slide20.xml><?xml version="1.0" encoding="utf-8"?>
+<file path=ppt/slides/slide23.xml><?xml version="1.0" encoding="utf-8"?>
 <p:sld xmlns:a="http://schemas.openxmlformats.org/drawingml/2006/main" xmlns:r="http://schemas.openxmlformats.org/officeDocument/2006/relationships" xmlns:p="http://schemas.openxmlformats.org/presentationml/2006/main">
   <p:cSld>
     <p:spTree>
@@ -19570,21 +26096,22 @@
       </p:grpSpPr>
       <p:pic>
         <p:nvPicPr>
-          <p:cNvPr id="3" name="図 2"/>
+          <p:cNvPr id="4" name="図 3"/>
           <p:cNvPicPr>
             <a:picLocks noChangeAspect="1"/>
           </p:cNvPicPr>
           <p:nvPr/>
         </p:nvPicPr>
-        <p:blipFill rotWithShape="1">
+        <p:blipFill>
           <a:blip r:embed="rId2"/>
-          <a:srcRect r="10636" b="1786"/>
-          <a:stretch/>
+          <a:stretch>
+            <a:fillRect/>
+          </a:stretch>
         </p:blipFill>
         <p:spPr>
           <a:xfrm>
-            <a:off x="611450" y="2276876"/>
-            <a:ext cx="7633060" cy="3960514"/>
+            <a:off x="236215" y="1808542"/>
+            <a:ext cx="8727052" cy="4470575"/>
           </a:xfrm>
           <a:prstGeom prst="rect">
             <a:avLst/>
@@ -19906,11 +26433,7 @@
             </a:pPr>
             <a:r>
               <a:rPr lang="en-US" altLang="ja-JP" sz="1600" dirty="0"/>
-              <a:t>   Please refer to it as needed</a:t>
-            </a:r>
-            <a:r>
-              <a:rPr lang="en-US" altLang="ja-JP" sz="1600" dirty="0" smtClean="0"/>
-              <a:t>.</a:t>
+              <a:t>   </a:t>
             </a:r>
             <a:endParaRPr kumimoji="1" lang="en-US" altLang="ja-JP" dirty="0" smtClean="0"/>
           </a:p>
@@ -19924,7 +26447,7 @@
         </p:nvSpPr>
         <p:spPr bwMode="auto">
           <a:xfrm>
-            <a:off x="2761590" y="3071666"/>
+            <a:off x="2417796" y="2625840"/>
             <a:ext cx="576080" cy="789394"/>
           </a:xfrm>
           <a:prstGeom prst="rect">
@@ -20415,29 +26938,25 @@
               <a:buNone/>
             </a:pPr>
             <a:r>
-              <a:rPr lang="en-US" altLang="ja-JP" dirty="0" smtClean="0"/>
+              <a:rPr lang="en-US" altLang="ja-JP" dirty="0"/>
               <a:t>By using the "Export/Import" function, users can move Data registered in one ITA System (Parameter sheets, Conductor, Playbooks, </a:t>
             </a:r>
             <a:r>
-              <a:rPr lang="en-US" altLang="ja-JP" dirty="0" err="1" smtClean="0"/>
+              <a:rPr lang="en-US" altLang="ja-JP" dirty="0" err="1"/>
               <a:t>etc</a:t>
             </a:r>
             <a:r>
-              <a:rPr lang="en-US" altLang="ja-JP" dirty="0" smtClean="0"/>
+              <a:rPr lang="en-US" altLang="ja-JP" dirty="0"/>
               <a:t>) to a different ITA server.</a:t>
             </a:r>
             <a:r>
-              <a:rPr lang="en-US" altLang="ja-JP" sz="1000" dirty="0" smtClean="0"/>
+              <a:rPr lang="en-US" altLang="ja-JP" sz="1000" dirty="0"/>
               <a:t/>
             </a:r>
             <a:br>
-              <a:rPr lang="en-US" altLang="ja-JP" sz="1000" dirty="0" smtClean="0"/>
+              <a:rPr lang="en-US" altLang="ja-JP" sz="1000" dirty="0"/>
             </a:br>
-            <a:r>
-              <a:rPr lang="en-US" altLang="ja-JP" dirty="0" smtClean="0"/>
-              <a:t>Importing existing menus will overwrite the previously existing menus.</a:t>
-            </a:r>
-            <a:endParaRPr lang="en-US" altLang="ja-JP" dirty="0"/>
+            <a:endParaRPr lang="en-US" altLang="ja-JP" sz="1000" dirty="0"/>
           </a:p>
         </p:txBody>
       </p:sp>
@@ -26526,7 +33045,7 @@
       </p:grpSpPr>
       <p:pic>
         <p:nvPicPr>
-          <p:cNvPr id="4" name="図 3"/>
+          <p:cNvPr id="5" name="図 4"/>
           <p:cNvPicPr>
             <a:picLocks noChangeAspect="1"/>
           </p:cNvPicPr>
@@ -26540,8 +33059,8 @@
         </p:blipFill>
         <p:spPr>
           <a:xfrm>
-            <a:off x="611450" y="2182541"/>
-            <a:ext cx="7561050" cy="4065662"/>
+            <a:off x="611450" y="2182540"/>
+            <a:ext cx="7561050" cy="4009506"/>
           </a:xfrm>
           <a:prstGeom prst="rect">
             <a:avLst/>

--- a/asset/Learn/ITA-export-import_classroom_lecture_en.pptx
+++ b/asset/Learn/ITA-export-import_classroom_lecture_en.pptx
@@ -318,7 +318,7 @@
               <a:rPr kumimoji="1" lang="ja-JP" altLang="en-US" smtClean="0">
                 <a:ea typeface="メイリオ" panose="020B0604030504040204" pitchFamily="50" charset="-128"/>
               </a:rPr>
-              <a:t>2022/7/1</a:t>
+              <a:t>2022/7/13</a:t>
             </a:fld>
             <a:endParaRPr kumimoji="1" lang="ja-JP" altLang="en-US" dirty="0">
               <a:ea typeface="メイリオ" panose="020B0604030504040204" pitchFamily="50" charset="-128"/>
@@ -464,7 +464,7 @@
             <a:fld id="{4B26993D-C081-44EB-B0F5-A9F467792B62}" type="datetimeFigureOut">
               <a:rPr lang="ja-JP" altLang="en-US" smtClean="0"/>
               <a:pPr/>
-              <a:t>2022/7/1</a:t>
+              <a:t>2022/7/13</a:t>
             </a:fld>
             <a:endParaRPr lang="ja-JP" altLang="en-US" dirty="0"/>
           </a:p>
@@ -1995,7 +1995,7 @@
           <a:p>
             <a:fld id="{56F9016B-CCA6-43BE-8BEE-59565A35F4F7}" type="datetimeFigureOut">
               <a:rPr kumimoji="1" lang="ja-JP" altLang="en-US" smtClean="0"/>
-              <a:t>2022/7/1</a:t>
+              <a:t>2022/7/13</a:t>
             </a:fld>
             <a:endParaRPr kumimoji="1" lang="ja-JP" altLang="en-US"/>
           </a:p>
@@ -2197,7 +2197,7 @@
           <a:p>
             <a:fld id="{56F9016B-CCA6-43BE-8BEE-59565A35F4F7}" type="datetimeFigureOut">
               <a:rPr kumimoji="1" lang="ja-JP" altLang="en-US" smtClean="0"/>
-              <a:t>2022/7/1</a:t>
+              <a:t>2022/7/13</a:t>
             </a:fld>
             <a:endParaRPr kumimoji="1" lang="ja-JP" altLang="en-US"/>
           </a:p>
@@ -2443,7 +2443,7 @@
           <a:p>
             <a:fld id="{56F9016B-CCA6-43BE-8BEE-59565A35F4F7}" type="datetimeFigureOut">
               <a:rPr kumimoji="1" lang="ja-JP" altLang="en-US" smtClean="0"/>
-              <a:t>2022/7/1</a:t>
+              <a:t>2022/7/13</a:t>
             </a:fld>
             <a:endParaRPr kumimoji="1" lang="ja-JP" altLang="en-US"/>
           </a:p>
@@ -2739,7 +2739,7 @@
           <a:p>
             <a:fld id="{56F9016B-CCA6-43BE-8BEE-59565A35F4F7}" type="datetimeFigureOut">
               <a:rPr kumimoji="1" lang="ja-JP" altLang="en-US" smtClean="0"/>
-              <a:t>2022/7/1</a:t>
+              <a:t>2022/7/13</a:t>
             </a:fld>
             <a:endParaRPr kumimoji="1" lang="ja-JP" altLang="en-US"/>
           </a:p>
@@ -3170,7 +3170,7 @@
           <a:p>
             <a:fld id="{56F9016B-CCA6-43BE-8BEE-59565A35F4F7}" type="datetimeFigureOut">
               <a:rPr kumimoji="1" lang="ja-JP" altLang="en-US" smtClean="0"/>
-              <a:t>2022/7/1</a:t>
+              <a:t>2022/7/13</a:t>
             </a:fld>
             <a:endParaRPr kumimoji="1" lang="ja-JP" altLang="en-US"/>
           </a:p>
@@ -3288,7 +3288,7 @@
           <a:p>
             <a:fld id="{56F9016B-CCA6-43BE-8BEE-59565A35F4F7}" type="datetimeFigureOut">
               <a:rPr kumimoji="1" lang="ja-JP" altLang="en-US" smtClean="0"/>
-              <a:t>2022/7/1</a:t>
+              <a:t>2022/7/13</a:t>
             </a:fld>
             <a:endParaRPr kumimoji="1" lang="ja-JP" altLang="en-US"/>
           </a:p>
@@ -3383,7 +3383,7 @@
           <a:p>
             <a:fld id="{56F9016B-CCA6-43BE-8BEE-59565A35F4F7}" type="datetimeFigureOut">
               <a:rPr kumimoji="1" lang="ja-JP" altLang="en-US" smtClean="0"/>
-              <a:t>2022/7/1</a:t>
+              <a:t>2022/7/13</a:t>
             </a:fld>
             <a:endParaRPr kumimoji="1" lang="ja-JP" altLang="en-US"/>
           </a:p>
@@ -3692,7 +3692,7 @@
           <a:p>
             <a:fld id="{56F9016B-CCA6-43BE-8BEE-59565A35F4F7}" type="datetimeFigureOut">
               <a:rPr kumimoji="1" lang="ja-JP" altLang="en-US" smtClean="0"/>
-              <a:t>2022/7/1</a:t>
+              <a:t>2022/7/13</a:t>
             </a:fld>
             <a:endParaRPr kumimoji="1" lang="ja-JP" altLang="en-US"/>
           </a:p>
@@ -3945,7 +3945,7 @@
           <a:p>
             <a:fld id="{56F9016B-CCA6-43BE-8BEE-59565A35F4F7}" type="datetimeFigureOut">
               <a:rPr kumimoji="1" lang="ja-JP" altLang="en-US" smtClean="0"/>
-              <a:t>2022/7/1</a:t>
+              <a:t>2022/7/13</a:t>
             </a:fld>
             <a:endParaRPr kumimoji="1" lang="ja-JP" altLang="en-US"/>
           </a:p>
@@ -4222,7 +4222,7 @@
           <a:p>
             <a:fld id="{56F9016B-CCA6-43BE-8BEE-59565A35F4F7}" type="datetimeFigureOut">
               <a:rPr kumimoji="1" lang="ja-JP" altLang="en-US" smtClean="0"/>
-              <a:t>2022/7/1</a:t>
+              <a:t>2022/7/13</a:t>
             </a:fld>
             <a:endParaRPr kumimoji="1" lang="ja-JP" altLang="en-US"/>
           </a:p>
@@ -4434,7 +4434,7 @@
           <a:p>
             <a:fld id="{56F9016B-CCA6-43BE-8BEE-59565A35F4F7}" type="datetimeFigureOut">
               <a:rPr kumimoji="1" lang="ja-JP" altLang="en-US" smtClean="0"/>
-              <a:t>2022/7/1</a:t>
+              <a:t>2022/7/13</a:t>
             </a:fld>
             <a:endParaRPr kumimoji="1" lang="ja-JP" altLang="en-US"/>
           </a:p>
@@ -7493,7 +7493,7 @@
           <a:p>
             <a:fld id="{56F9016B-CCA6-43BE-8BEE-59565A35F4F7}" type="datetimeFigureOut">
               <a:rPr kumimoji="1" lang="ja-JP" altLang="en-US" smtClean="0"/>
-              <a:t>2022/7/1</a:t>
+              <a:t>2022/7/13</a:t>
             </a:fld>
             <a:endParaRPr kumimoji="1" lang="ja-JP" altLang="en-US"/>
           </a:p>
@@ -22970,13 +22970,7 @@
               <a:rPr lang="en-US" altLang="ja-JP" dirty="0" smtClean="0">
                 <a:hlinkClick r:id="rId6" action="ppaction://hlinksldjump"/>
               </a:rPr>
-              <a:t>Menu </a:t>
-            </a:r>
-            <a:r>
-              <a:rPr lang="en-US" altLang="ja-JP" dirty="0" smtClean="0">
-                <a:hlinkClick r:id="rId6" action="ppaction://hlinksldjump"/>
-              </a:rPr>
-              <a:t>description</a:t>
+              <a:t>Menu description</a:t>
             </a:r>
             <a:endParaRPr lang="en-US" altLang="ja-JP" dirty="0" smtClean="0"/>
           </a:p>
@@ -26043,15 +26037,15 @@
           <a:p>
             <a:r>
               <a:rPr lang="en-US" altLang="ja-JP" dirty="0" smtClean="0"/>
-              <a:t>2.</a:t>
+              <a:t>1.</a:t>
             </a:r>
             <a:r>
               <a:rPr lang="ja-JP" altLang="en-US" dirty="0" smtClean="0"/>
               <a:t> </a:t>
             </a:r>
             <a:r>
-              <a:rPr lang="en-US" altLang="ja-JP" dirty="0" smtClean="0"/>
-              <a:t>Export/Import function</a:t>
+              <a:rPr lang="en-US" altLang="ja-JP" smtClean="0"/>
+              <a:t>Introduction</a:t>
             </a:r>
             <a:endParaRPr lang="en-US" altLang="ja-JP" dirty="0"/>
           </a:p>
